--- a/Proposal.pptx
+++ b/Proposal.pptx
@@ -5,27 +5,28 @@
     <p:sldMasterId id="2147483648" r:id="rId1"/>
   </p:sldMasterIdLst>
   <p:notesMasterIdLst>
-    <p:notesMasterId r:id="rId20"/>
+    <p:notesMasterId r:id="rId21"/>
   </p:notesMasterIdLst>
   <p:sldIdLst>
     <p:sldId id="256" r:id="rId2"/>
-    <p:sldId id="271" r:id="rId3"/>
-    <p:sldId id="257" r:id="rId4"/>
-    <p:sldId id="258" r:id="rId5"/>
-    <p:sldId id="261" r:id="rId6"/>
-    <p:sldId id="263" r:id="rId7"/>
-    <p:sldId id="264" r:id="rId8"/>
-    <p:sldId id="265" r:id="rId9"/>
-    <p:sldId id="275" r:id="rId10"/>
-    <p:sldId id="276" r:id="rId11"/>
-    <p:sldId id="277" r:id="rId12"/>
-    <p:sldId id="266" r:id="rId13"/>
-    <p:sldId id="270" r:id="rId14"/>
-    <p:sldId id="267" r:id="rId15"/>
-    <p:sldId id="269" r:id="rId16"/>
+    <p:sldId id="257" r:id="rId3"/>
+    <p:sldId id="258" r:id="rId4"/>
+    <p:sldId id="261" r:id="rId5"/>
+    <p:sldId id="263" r:id="rId6"/>
+    <p:sldId id="264" r:id="rId7"/>
+    <p:sldId id="265" r:id="rId8"/>
+    <p:sldId id="275" r:id="rId9"/>
+    <p:sldId id="276" r:id="rId10"/>
+    <p:sldId id="277" r:id="rId11"/>
+    <p:sldId id="266" r:id="rId12"/>
+    <p:sldId id="270" r:id="rId13"/>
+    <p:sldId id="267" r:id="rId14"/>
+    <p:sldId id="269" r:id="rId15"/>
+    <p:sldId id="272" r:id="rId16"/>
     <p:sldId id="273" r:id="rId17"/>
-    <p:sldId id="272" r:id="rId18"/>
+    <p:sldId id="279" r:id="rId18"/>
     <p:sldId id="274" r:id="rId19"/>
+    <p:sldId id="278" r:id="rId20"/>
   </p:sldIdLst>
   <p:sldSz cx="12192000" cy="6858000"/>
   <p:notesSz cx="6858000" cy="9144000"/>
@@ -124,6 +125,11 @@
       </a:defRPr>
     </a:lvl9pPr>
   </p:defaultTextStyle>
+  <p:extLst>
+    <p:ext uri="{EFAFB233-063F-42B5-8137-9DF3F51BA10A}">
+      <p15:sldGuideLst xmlns:p15="http://schemas.microsoft.com/office/powerpoint/2012/main"/>
+    </p:ext>
+  </p:extLst>
 </p:presentation>
 </file>
 
@@ -521,7 +527,10 @@
           <a:bodyPr/>
           <a:lstStyle/>
           <a:p>
-            <a:endParaRPr lang="en-CA" dirty="0"/>
+            <a:r>
+              <a:rPr lang="en-US" dirty="0"/>
+              <a:t>Add dataset source</a:t>
+            </a:r>
           </a:p>
         </p:txBody>
       </p:sp>
@@ -542,7 +551,91 @@
           <a:p>
             <a:fld id="{F635A496-EDE2-4BAC-A9F4-438BB6A66E5A}" type="slidenum">
               <a:rPr lang="en-CA" smtClean="0"/>
-              <a:t>10</a:t>
+              <a:t>4</a:t>
+            </a:fld>
+            <a:endParaRPr lang="en-CA"/>
+          </a:p>
+        </p:txBody>
+      </p:sp>
+    </p:spTree>
+    <p:extLst>
+      <p:ext uri="{BB962C8B-B14F-4D97-AF65-F5344CB8AC3E}">
+        <p14:creationId xmlns:p14="http://schemas.microsoft.com/office/powerpoint/2010/main" val="1984174973"/>
+      </p:ext>
+    </p:extLst>
+  </p:cSld>
+  <p:clrMapOvr>
+    <a:masterClrMapping/>
+  </p:clrMapOvr>
+</p:notes>
+</file>
+
+<file path=ppt/notesSlides/notesSlide2.xml><?xml version="1.0" encoding="utf-8"?>
+<p:notes xmlns:a="http://schemas.openxmlformats.org/drawingml/2006/main" xmlns:r="http://schemas.openxmlformats.org/officeDocument/2006/relationships" xmlns:p="http://schemas.openxmlformats.org/presentationml/2006/main">
+  <p:cSld>
+    <p:spTree>
+      <p:nvGrpSpPr>
+        <p:cNvPr id="1" name=""/>
+        <p:cNvGrpSpPr/>
+        <p:nvPr/>
+      </p:nvGrpSpPr>
+      <p:grpSpPr>
+        <a:xfrm>
+          <a:off x="0" y="0"/>
+          <a:ext cx="0" cy="0"/>
+          <a:chOff x="0" y="0"/>
+          <a:chExt cx="0" cy="0"/>
+        </a:xfrm>
+      </p:grpSpPr>
+      <p:sp>
+        <p:nvSpPr>
+          <p:cNvPr id="2" name="Slide Image Placeholder 1"/>
+          <p:cNvSpPr>
+            <a:spLocks noGrp="1" noRot="1" noChangeAspect="1"/>
+          </p:cNvSpPr>
+          <p:nvPr>
+            <p:ph type="sldImg"/>
+          </p:nvPr>
+        </p:nvSpPr>
+        <p:spPr/>
+      </p:sp>
+      <p:sp>
+        <p:nvSpPr>
+          <p:cNvPr id="3" name="Notes Placeholder 2"/>
+          <p:cNvSpPr>
+            <a:spLocks noGrp="1"/>
+          </p:cNvSpPr>
+          <p:nvPr>
+            <p:ph type="body" idx="1"/>
+          </p:nvPr>
+        </p:nvSpPr>
+        <p:spPr/>
+        <p:txBody>
+          <a:bodyPr/>
+          <a:lstStyle/>
+          <a:p>
+            <a:endParaRPr lang="en-CA" dirty="0"/>
+          </a:p>
+        </p:txBody>
+      </p:sp>
+      <p:sp>
+        <p:nvSpPr>
+          <p:cNvPr id="4" name="Slide Number Placeholder 3"/>
+          <p:cNvSpPr>
+            <a:spLocks noGrp="1"/>
+          </p:cNvSpPr>
+          <p:nvPr>
+            <p:ph type="sldNum" sz="quarter" idx="5"/>
+          </p:nvPr>
+        </p:nvSpPr>
+        <p:spPr/>
+        <p:txBody>
+          <a:bodyPr/>
+          <a:lstStyle/>
+          <a:p>
+            <a:fld id="{F635A496-EDE2-4BAC-A9F4-438BB6A66E5A}" type="slidenum">
+              <a:rPr lang="en-CA" smtClean="0"/>
+              <a:t>9</a:t>
             </a:fld>
             <a:endParaRPr lang="en-CA"/>
           </a:p>
@@ -3814,12 +3907,14 @@
         </p:nvSpPr>
         <p:spPr>
           <a:xfrm>
-            <a:off x="1524000" y="2235200"/>
-            <a:ext cx="9144000" cy="2387600"/>
+            <a:off x="352426" y="2220912"/>
+            <a:ext cx="5576888" cy="1808163"/>
           </a:xfrm>
         </p:spPr>
         <p:txBody>
-          <a:bodyPr/>
+          <a:bodyPr>
+            <a:normAutofit fontScale="90000"/>
+          </a:bodyPr>
           <a:lstStyle/>
           <a:p>
             <a:r>
@@ -3829,6 +3924,36 @@
           </a:p>
         </p:txBody>
       </p:sp>
+      <p:pic>
+        <p:nvPicPr>
+          <p:cNvPr id="4" name="Picture 3">
+            <a:extLst>
+              <a:ext uri="{FF2B5EF4-FFF2-40B4-BE49-F238E27FC236}">
+                <a16:creationId xmlns:a16="http://schemas.microsoft.com/office/drawing/2014/main" id="{D0A799EA-2DD2-EE41-8FEE-DBEC4F3EED52}"/>
+              </a:ext>
+            </a:extLst>
+          </p:cNvPr>
+          <p:cNvPicPr>
+            <a:picLocks noChangeAspect="1"/>
+          </p:cNvPicPr>
+          <p:nvPr/>
+        </p:nvPicPr>
+        <p:blipFill>
+          <a:blip r:embed="rId2"/>
+          <a:stretch>
+            <a:fillRect/>
+          </a:stretch>
+        </p:blipFill>
+        <p:spPr>
+          <a:xfrm>
+            <a:off x="5929314" y="628658"/>
+            <a:ext cx="6069663" cy="4832349"/>
+          </a:xfrm>
+          <a:prstGeom prst="rect">
+            <a:avLst/>
+          </a:prstGeom>
+        </p:spPr>
+      </p:pic>
     </p:spTree>
     <p:extLst>
       <p:ext uri="{BB962C8B-B14F-4D97-AF65-F5344CB8AC3E}">
@@ -3839,6 +3964,81 @@
   <p:clrMapOvr>
     <a:masterClrMapping/>
   </p:clrMapOvr>
+  <p:timing>
+    <p:tnLst>
+      <p:par>
+        <p:cTn id="1" dur="indefinite" restart="never" nodeType="tmRoot">
+          <p:childTnLst>
+            <p:seq concurrent="1" nextAc="seek">
+              <p:cTn id="2" dur="indefinite" nodeType="mainSeq">
+                <p:childTnLst>
+                  <p:par>
+                    <p:cTn id="3" fill="hold">
+                      <p:stCondLst>
+                        <p:cond delay="indefinite"/>
+                      </p:stCondLst>
+                      <p:childTnLst>
+                        <p:par>
+                          <p:cTn id="4" fill="hold">
+                            <p:stCondLst>
+                              <p:cond delay="0"/>
+                            </p:stCondLst>
+                            <p:childTnLst>
+                              <p:par>
+                                <p:cTn id="5" presetID="1" presetClass="entr" presetSubtype="0" fill="hold" nodeType="clickEffect">
+                                  <p:stCondLst>
+                                    <p:cond delay="0"/>
+                                  </p:stCondLst>
+                                  <p:childTnLst>
+                                    <p:set>
+                                      <p:cBhvr>
+                                        <p:cTn id="6" dur="1" fill="hold">
+                                          <p:stCondLst>
+                                            <p:cond delay="0"/>
+                                          </p:stCondLst>
+                                        </p:cTn>
+                                        <p:tgtEl>
+                                          <p:spTgt spid="4"/>
+                                        </p:tgtEl>
+                                        <p:attrNameLst>
+                                          <p:attrName>style.visibility</p:attrName>
+                                        </p:attrNameLst>
+                                      </p:cBhvr>
+                                      <p:to>
+                                        <p:strVal val="visible"/>
+                                      </p:to>
+                                    </p:set>
+                                  </p:childTnLst>
+                                </p:cTn>
+                              </p:par>
+                            </p:childTnLst>
+                          </p:cTn>
+                        </p:par>
+                      </p:childTnLst>
+                    </p:cTn>
+                  </p:par>
+                </p:childTnLst>
+              </p:cTn>
+              <p:prevCondLst>
+                <p:cond evt="onPrev" delay="0">
+                  <p:tgtEl>
+                    <p:sldTgt/>
+                  </p:tgtEl>
+                </p:cond>
+              </p:prevCondLst>
+              <p:nextCondLst>
+                <p:cond evt="onNext" delay="0">
+                  <p:tgtEl>
+                    <p:sldTgt/>
+                  </p:tgtEl>
+                </p:cond>
+              </p:nextCondLst>
+            </p:seq>
+          </p:childTnLst>
+        </p:cTn>
+      </p:par>
+    </p:tnLst>
+  </p:timing>
 </p:sld>
 </file>
 
@@ -3861,94 +4061,157 @@
       </p:grpSpPr>
       <p:sp>
         <p:nvSpPr>
-          <p:cNvPr id="2" name="Title 1">
-            <a:extLst>
-              <a:ext uri="{FF2B5EF4-FFF2-40B4-BE49-F238E27FC236}">
-                <a16:creationId xmlns:a16="http://schemas.microsoft.com/office/drawing/2014/main" id="{E92FDF02-115D-46E1-A69D-9631888D4F04}"/>
-              </a:ext>
-            </a:extLst>
-          </p:cNvPr>
-          <p:cNvSpPr>
-            <a:spLocks noGrp="1"/>
-          </p:cNvSpPr>
-          <p:nvPr>
-            <p:ph type="title"/>
-          </p:nvPr>
-        </p:nvSpPr>
-        <p:spPr/>
-        <p:txBody>
-          <a:bodyPr/>
-          <a:lstStyle/>
-          <a:p>
-            <a:r>
-              <a:rPr lang="en-CA" dirty="0"/>
-              <a:t>Our Approach</a:t>
-            </a:r>
-          </a:p>
-        </p:txBody>
-      </p:sp>
-      <p:sp>
-        <p:nvSpPr>
-          <p:cNvPr id="3" name="Content Placeholder 2">
-            <a:extLst>
-              <a:ext uri="{FF2B5EF4-FFF2-40B4-BE49-F238E27FC236}">
-                <a16:creationId xmlns:a16="http://schemas.microsoft.com/office/drawing/2014/main" id="{F6C05C56-86B0-49AE-A0B7-BC021DA5BC0A}"/>
-              </a:ext>
-            </a:extLst>
-          </p:cNvPr>
-          <p:cNvSpPr>
-            <a:spLocks noGrp="1"/>
-          </p:cNvSpPr>
-          <p:nvPr>
-            <p:ph idx="1"/>
-          </p:nvPr>
-        </p:nvSpPr>
-        <p:spPr/>
-        <p:txBody>
-          <a:bodyPr/>
-          <a:lstStyle/>
-          <a:p>
-            <a:r>
-              <a:rPr lang="en-CA" dirty="0"/>
-              <a:t>Transfer learning on targeted domain: achieve better performance on target domain while benefiting from source domain (dialog space is both source and target domain)</a:t>
-            </a:r>
-          </a:p>
-          <a:p>
-            <a:endParaRPr lang="en-CA" dirty="0"/>
-          </a:p>
-          <a:p>
-            <a:r>
-              <a:rPr lang="en-CA" dirty="0"/>
+          <p:cNvPr id="3" name="TextBox 2">
+            <a:extLst>
+              <a:ext uri="{FF2B5EF4-FFF2-40B4-BE49-F238E27FC236}">
+                <a16:creationId xmlns:a16="http://schemas.microsoft.com/office/drawing/2014/main" id="{B875B024-DCD7-5D44-81E6-E45B9E1EA58A}"/>
+              </a:ext>
+            </a:extLst>
+          </p:cNvPr>
+          <p:cNvSpPr txBox="1"/>
+          <p:nvPr/>
+        </p:nvSpPr>
+        <p:spPr>
+          <a:xfrm>
+            <a:off x="1157288" y="314325"/>
+            <a:ext cx="9513887" cy="984885"/>
+          </a:xfrm>
+          <a:prstGeom prst="rect">
+            <a:avLst/>
+          </a:prstGeom>
+          <a:noFill/>
+        </p:spPr>
+        <p:txBody>
+          <a:bodyPr wrap="none" rtlCol="0">
+            <a:spAutoFit/>
+          </a:bodyPr>
+          <a:lstStyle/>
+          <a:p>
+            <a:r>
+              <a:rPr lang="en-CA" sz="4000" dirty="0"/>
               <a:t>Intent based dialog management using LSTM</a:t>
             </a:r>
           </a:p>
           <a:p>
-            <a:endParaRPr lang="en-CA" dirty="0"/>
-          </a:p>
-          <a:p>
-            <a:r>
-              <a:rPr lang="en-CA" dirty="0"/>
-              <a:t>Interlocutor tracking system</a:t>
-            </a:r>
-          </a:p>
-          <a:p>
-            <a:endParaRPr lang="en-CA" dirty="0"/>
-          </a:p>
-          <a:p>
-            <a:endParaRPr lang="en-CA" dirty="0"/>
-          </a:p>
-        </p:txBody>
-      </p:sp>
+            <a:endParaRPr lang="en-US" dirty="0"/>
+          </a:p>
+        </p:txBody>
+      </p:sp>
+      <p:pic>
+        <p:nvPicPr>
+          <p:cNvPr id="6" name="Picture 5">
+            <a:extLst>
+              <a:ext uri="{FF2B5EF4-FFF2-40B4-BE49-F238E27FC236}">
+                <a16:creationId xmlns:a16="http://schemas.microsoft.com/office/drawing/2014/main" id="{651A44AF-EC96-ED41-AC8C-AE2AF157A4A1}"/>
+              </a:ext>
+            </a:extLst>
+          </p:cNvPr>
+          <p:cNvPicPr>
+            <a:picLocks noChangeAspect="1"/>
+          </p:cNvPicPr>
+          <p:nvPr/>
+        </p:nvPicPr>
+        <p:blipFill>
+          <a:blip r:embed="rId2"/>
+          <a:stretch>
+            <a:fillRect/>
+          </a:stretch>
+        </p:blipFill>
+        <p:spPr>
+          <a:xfrm>
+            <a:off x="1464351" y="1300075"/>
+            <a:ext cx="8691750" cy="4257849"/>
+          </a:xfrm>
+          <a:prstGeom prst="rect">
+            <a:avLst/>
+          </a:prstGeom>
+        </p:spPr>
+      </p:pic>
     </p:spTree>
     <p:extLst>
       <p:ext uri="{BB962C8B-B14F-4D97-AF65-F5344CB8AC3E}">
-        <p14:creationId xmlns:p14="http://schemas.microsoft.com/office/powerpoint/2010/main" val="2354734232"/>
+        <p14:creationId xmlns:p14="http://schemas.microsoft.com/office/powerpoint/2010/main" val="507115473"/>
       </p:ext>
     </p:extLst>
   </p:cSld>
   <p:clrMapOvr>
     <a:masterClrMapping/>
   </p:clrMapOvr>
+  <p:timing>
+    <p:tnLst>
+      <p:par>
+        <p:cTn id="1" dur="indefinite" restart="never" nodeType="tmRoot">
+          <p:childTnLst>
+            <p:seq concurrent="1" nextAc="seek">
+              <p:cTn id="2" dur="indefinite" nodeType="mainSeq">
+                <p:childTnLst>
+                  <p:par>
+                    <p:cTn id="3" fill="hold">
+                      <p:stCondLst>
+                        <p:cond delay="indefinite"/>
+                      </p:stCondLst>
+                      <p:childTnLst>
+                        <p:par>
+                          <p:cTn id="4" fill="hold">
+                            <p:stCondLst>
+                              <p:cond delay="0"/>
+                            </p:stCondLst>
+                            <p:childTnLst>
+                              <p:par>
+                                <p:cTn id="5" presetID="1" presetClass="entr" presetSubtype="0" fill="hold" nodeType="clickEffect">
+                                  <p:stCondLst>
+                                    <p:cond delay="0"/>
+                                  </p:stCondLst>
+                                  <p:childTnLst>
+                                    <p:set>
+                                      <p:cBhvr>
+                                        <p:cTn id="6" dur="1" fill="hold">
+                                          <p:stCondLst>
+                                            <p:cond delay="0"/>
+                                          </p:stCondLst>
+                                        </p:cTn>
+                                        <p:tgtEl>
+                                          <p:spTgt spid="6"/>
+                                        </p:tgtEl>
+                                        <p:attrNameLst>
+                                          <p:attrName>style.visibility</p:attrName>
+                                        </p:attrNameLst>
+                                      </p:cBhvr>
+                                      <p:to>
+                                        <p:strVal val="visible"/>
+                                      </p:to>
+                                    </p:set>
+                                  </p:childTnLst>
+                                </p:cTn>
+                              </p:par>
+                            </p:childTnLst>
+                          </p:cTn>
+                        </p:par>
+                      </p:childTnLst>
+                    </p:cTn>
+                  </p:par>
+                </p:childTnLst>
+              </p:cTn>
+              <p:prevCondLst>
+                <p:cond evt="onPrev" delay="0">
+                  <p:tgtEl>
+                    <p:sldTgt/>
+                  </p:tgtEl>
+                </p:cond>
+              </p:prevCondLst>
+              <p:nextCondLst>
+                <p:cond evt="onNext" delay="0">
+                  <p:tgtEl>
+                    <p:sldTgt/>
+                  </p:tgtEl>
+                </p:cond>
+              </p:nextCondLst>
+            </p:seq>
+          </p:childTnLst>
+        </p:cTn>
+      </p:par>
+    </p:tnLst>
+  </p:timing>
 </p:sld>
 </file>
 
@@ -3969,66 +4232,6 @@
           <a:chExt cx="0" cy="0"/>
         </a:xfrm>
       </p:grpSpPr>
-      <p:pic>
-        <p:nvPicPr>
-          <p:cNvPr id="4" name="Picture 3">
-            <a:extLst>
-              <a:ext uri="{FF2B5EF4-FFF2-40B4-BE49-F238E27FC236}">
-                <a16:creationId xmlns:a16="http://schemas.microsoft.com/office/drawing/2014/main" id="{BC883D36-ABEA-4EA6-A37C-85D7B8AF987C}"/>
-              </a:ext>
-            </a:extLst>
-          </p:cNvPr>
-          <p:cNvPicPr>
-            <a:picLocks noChangeAspect="1"/>
-          </p:cNvPicPr>
-          <p:nvPr/>
-        </p:nvPicPr>
-        <p:blipFill>
-          <a:blip r:embed="rId2"/>
-          <a:stretch>
-            <a:fillRect/>
-          </a:stretch>
-        </p:blipFill>
-        <p:spPr>
-          <a:xfrm>
-            <a:off x="0" y="442737"/>
-            <a:ext cx="12192000" cy="5972525"/>
-          </a:xfrm>
-          <a:prstGeom prst="rect">
-            <a:avLst/>
-          </a:prstGeom>
-        </p:spPr>
-      </p:pic>
-    </p:spTree>
-    <p:extLst>
-      <p:ext uri="{BB962C8B-B14F-4D97-AF65-F5344CB8AC3E}">
-        <p14:creationId xmlns:p14="http://schemas.microsoft.com/office/powerpoint/2010/main" val="507115473"/>
-      </p:ext>
-    </p:extLst>
-  </p:cSld>
-  <p:clrMapOvr>
-    <a:masterClrMapping/>
-  </p:clrMapOvr>
-</p:sld>
-</file>
-
-<file path=ppt/slides/slide12.xml><?xml version="1.0" encoding="utf-8"?>
-<p:sld xmlns:a="http://schemas.openxmlformats.org/drawingml/2006/main" xmlns:r="http://schemas.openxmlformats.org/officeDocument/2006/relationships" xmlns:p="http://schemas.openxmlformats.org/presentationml/2006/main">
-  <p:cSld>
-    <p:spTree>
-      <p:nvGrpSpPr>
-        <p:cNvPr id="1" name=""/>
-        <p:cNvGrpSpPr/>
-        <p:nvPr/>
-      </p:nvGrpSpPr>
-      <p:grpSpPr>
-        <a:xfrm>
-          <a:off x="0" y="0"/>
-          <a:ext cx="0" cy="0"/>
-          <a:chOff x="0" y="0"/>
-          <a:chExt cx="0" cy="0"/>
-        </a:xfrm>
-      </p:grpSpPr>
       <p:sp>
         <p:nvSpPr>
           <p:cNvPr id="2" name="Title 1">
@@ -4059,7 +4262,7 @@
           <a:p>
             <a:r>
               <a:rPr lang="en-CA" dirty="0"/>
-              <a:t>B/W Image Color Restoration w/ Super Resolution</a:t>
+              <a:t>B/W Image Color Restoration with Super Resolution</a:t>
             </a:r>
           </a:p>
         </p:txBody>
@@ -4077,7 +4280,7 @@
 </p:sld>
 </file>
 
-<file path=ppt/slides/slide13.xml><?xml version="1.0" encoding="utf-8"?>
+<file path=ppt/slides/slide12.xml><?xml version="1.0" encoding="utf-8"?>
 <p:sld xmlns:a="http://schemas.openxmlformats.org/drawingml/2006/main" xmlns:r="http://schemas.openxmlformats.org/officeDocument/2006/relationships" xmlns:p="http://schemas.openxmlformats.org/presentationml/2006/main">
   <p:cSld>
     <p:spTree>
@@ -4201,7 +4404,7 @@
 </p:sld>
 </file>
 
-<file path=ppt/slides/slide14.xml><?xml version="1.0" encoding="utf-8"?>
+<file path=ppt/slides/slide13.xml><?xml version="1.0" encoding="utf-8"?>
 <p:sld xmlns:a="http://schemas.openxmlformats.org/drawingml/2006/main" xmlns:r="http://schemas.openxmlformats.org/officeDocument/2006/relationships" xmlns:p="http://schemas.openxmlformats.org/presentationml/2006/main">
   <p:cSld>
     <p:spTree>
@@ -4248,7 +4451,7 @@
           <a:p>
             <a:r>
               <a:rPr lang="en-CA" dirty="0"/>
-              <a:t>Generator &amp; Discriminator:</a:t>
+              <a:t>GAN structure - Generator &amp; Discriminator:</a:t>
             </a:r>
           </a:p>
         </p:txBody>
@@ -4360,7 +4563,7 @@
 </p:sld>
 </file>
 
-<file path=ppt/slides/slide15.xml><?xml version="1.0" encoding="utf-8"?>
+<file path=ppt/slides/slide14.xml><?xml version="1.0" encoding="utf-8"?>
 <p:sld xmlns:a="http://schemas.openxmlformats.org/drawingml/2006/main" xmlns:r="http://schemas.openxmlformats.org/officeDocument/2006/relationships" xmlns:p="http://schemas.openxmlformats.org/presentationml/2006/main">
   <p:cSld>
     <p:spTree>
@@ -4490,6 +4693,102 @@
     <p:extLst>
       <p:ext uri="{BB962C8B-B14F-4D97-AF65-F5344CB8AC3E}">
         <p14:creationId xmlns:p14="http://schemas.microsoft.com/office/powerpoint/2010/main" val="1834437852"/>
+      </p:ext>
+    </p:extLst>
+  </p:cSld>
+  <p:clrMapOvr>
+    <a:masterClrMapping/>
+  </p:clrMapOvr>
+</p:sld>
+</file>
+
+<file path=ppt/slides/slide15.xml><?xml version="1.0" encoding="utf-8"?>
+<p:sld xmlns:a="http://schemas.openxmlformats.org/drawingml/2006/main" xmlns:r="http://schemas.openxmlformats.org/officeDocument/2006/relationships" xmlns:p="http://schemas.openxmlformats.org/presentationml/2006/main">
+  <p:cSld>
+    <p:spTree>
+      <p:nvGrpSpPr>
+        <p:cNvPr id="1" name=""/>
+        <p:cNvGrpSpPr/>
+        <p:nvPr/>
+      </p:nvGrpSpPr>
+      <p:grpSpPr>
+        <a:xfrm>
+          <a:off x="0" y="0"/>
+          <a:ext cx="0" cy="0"/>
+          <a:chOff x="0" y="0"/>
+          <a:chExt cx="0" cy="0"/>
+        </a:xfrm>
+      </p:grpSpPr>
+      <p:pic>
+        <p:nvPicPr>
+          <p:cNvPr id="4" name="Picture 3">
+            <a:extLst>
+              <a:ext uri="{FF2B5EF4-FFF2-40B4-BE49-F238E27FC236}">
+                <a16:creationId xmlns:a16="http://schemas.microsoft.com/office/drawing/2014/main" id="{A7F0E624-6A8B-43DC-AF97-38CA30940C93}"/>
+              </a:ext>
+            </a:extLst>
+          </p:cNvPr>
+          <p:cNvPicPr>
+            <a:picLocks noChangeAspect="1"/>
+          </p:cNvPicPr>
+          <p:nvPr/>
+        </p:nvPicPr>
+        <p:blipFill>
+          <a:blip r:embed="rId2"/>
+          <a:stretch>
+            <a:fillRect/>
+          </a:stretch>
+        </p:blipFill>
+        <p:spPr>
+          <a:xfrm>
+            <a:off x="0" y="1310220"/>
+            <a:ext cx="12192000" cy="4323288"/>
+          </a:xfrm>
+          <a:prstGeom prst="rect">
+            <a:avLst/>
+          </a:prstGeom>
+        </p:spPr>
+      </p:pic>
+      <p:sp>
+        <p:nvSpPr>
+          <p:cNvPr id="2" name="TextBox 1">
+            <a:extLst>
+              <a:ext uri="{FF2B5EF4-FFF2-40B4-BE49-F238E27FC236}">
+                <a16:creationId xmlns:a16="http://schemas.microsoft.com/office/drawing/2014/main" id="{FA1173C7-42D2-5D46-BB89-6324A686A6B5}"/>
+              </a:ext>
+            </a:extLst>
+          </p:cNvPr>
+          <p:cNvSpPr txBox="1"/>
+          <p:nvPr/>
+        </p:nvSpPr>
+        <p:spPr>
+          <a:xfrm>
+            <a:off x="285750" y="357190"/>
+            <a:ext cx="6602641" cy="707886"/>
+          </a:xfrm>
+          <a:prstGeom prst="rect">
+            <a:avLst/>
+          </a:prstGeom>
+          <a:noFill/>
+        </p:spPr>
+        <p:txBody>
+          <a:bodyPr wrap="none" rtlCol="0">
+            <a:spAutoFit/>
+          </a:bodyPr>
+          <a:lstStyle/>
+          <a:p>
+            <a:r>
+              <a:rPr lang="en-CA" sz="4000" dirty="0"/>
+              <a:t>Single Image Super Resolution:</a:t>
+            </a:r>
+            <a:endParaRPr lang="en-US" sz="4000" dirty="0"/>
+          </a:p>
+        </p:txBody>
+      </p:sp>
+    </p:spTree>
+    <p:extLst>
+      <p:ext uri="{BB962C8B-B14F-4D97-AF65-F5344CB8AC3E}">
+        <p14:creationId xmlns:p14="http://schemas.microsoft.com/office/powerpoint/2010/main" val="60648957"/>
       </p:ext>
     </p:extLst>
   </p:cSld>
@@ -4649,40 +4948,95 @@
           <a:chExt cx="0" cy="0"/>
         </a:xfrm>
       </p:grpSpPr>
-      <p:pic>
-        <p:nvPicPr>
-          <p:cNvPr id="4" name="Picture 3">
-            <a:extLst>
-              <a:ext uri="{FF2B5EF4-FFF2-40B4-BE49-F238E27FC236}">
-                <a16:creationId xmlns:a16="http://schemas.microsoft.com/office/drawing/2014/main" id="{A7F0E624-6A8B-43DC-AF97-38CA30940C93}"/>
-              </a:ext>
-            </a:extLst>
-          </p:cNvPr>
-          <p:cNvPicPr>
-            <a:picLocks noChangeAspect="1"/>
-          </p:cNvPicPr>
-          <p:nvPr/>
-        </p:nvPicPr>
-        <p:blipFill>
-          <a:blip r:embed="rId2"/>
-          <a:stretch>
-            <a:fillRect/>
-          </a:stretch>
-        </p:blipFill>
-        <p:spPr>
-          <a:xfrm>
-            <a:off x="0" y="1267356"/>
-            <a:ext cx="12192000" cy="4323288"/>
-          </a:xfrm>
-          <a:prstGeom prst="rect">
-            <a:avLst/>
-          </a:prstGeom>
-        </p:spPr>
-      </p:pic>
+      <p:sp>
+        <p:nvSpPr>
+          <p:cNvPr id="2" name="Title 1">
+            <a:extLst>
+              <a:ext uri="{FF2B5EF4-FFF2-40B4-BE49-F238E27FC236}">
+                <a16:creationId xmlns:a16="http://schemas.microsoft.com/office/drawing/2014/main" id="{18F96890-9B86-1149-B4A6-52C769256945}"/>
+              </a:ext>
+            </a:extLst>
+          </p:cNvPr>
+          <p:cNvSpPr>
+            <a:spLocks noGrp="1"/>
+          </p:cNvSpPr>
+          <p:nvPr>
+            <p:ph type="title"/>
+          </p:nvPr>
+        </p:nvSpPr>
+        <p:spPr/>
+        <p:txBody>
+          <a:bodyPr/>
+          <a:lstStyle/>
+          <a:p>
+            <a:r>
+              <a:rPr lang="en-US" dirty="0"/>
+              <a:t>Data Source</a:t>
+            </a:r>
+          </a:p>
+        </p:txBody>
+      </p:sp>
+      <p:sp>
+        <p:nvSpPr>
+          <p:cNvPr id="3" name="Content Placeholder 2">
+            <a:extLst>
+              <a:ext uri="{FF2B5EF4-FFF2-40B4-BE49-F238E27FC236}">
+                <a16:creationId xmlns:a16="http://schemas.microsoft.com/office/drawing/2014/main" id="{1E31E60E-ED31-7E47-B696-A9FA64926521}"/>
+              </a:ext>
+            </a:extLst>
+          </p:cNvPr>
+          <p:cNvSpPr>
+            <a:spLocks noGrp="1"/>
+          </p:cNvSpPr>
+          <p:nvPr>
+            <p:ph idx="1"/>
+          </p:nvPr>
+        </p:nvSpPr>
+        <p:spPr/>
+        <p:txBody>
+          <a:bodyPr/>
+          <a:lstStyle/>
+          <a:p>
+            <a:r>
+              <a:rPr lang="en-US" dirty="0"/>
+              <a:t>We could easily find datasets of images online and apply B/W filter to create desired B/W images. </a:t>
+            </a:r>
+          </a:p>
+          <a:p>
+            <a:r>
+              <a:rPr lang="en-US" dirty="0"/>
+              <a:t>Example image dataset includes:</a:t>
+            </a:r>
+          </a:p>
+          <a:p>
+            <a:pPr lvl="1"/>
+            <a:r>
+              <a:rPr lang="en-US" dirty="0"/>
+              <a:t>ImageNet: 1.5M images</a:t>
+            </a:r>
+          </a:p>
+          <a:p>
+            <a:pPr lvl="1"/>
+            <a:r>
+              <a:rPr lang="en-US" dirty="0"/>
+              <a:t>Open images dataset: 9M images</a:t>
+            </a:r>
+          </a:p>
+          <a:p>
+            <a:endParaRPr lang="en-US" dirty="0"/>
+          </a:p>
+          <a:p>
+            <a:endParaRPr lang="en-US" dirty="0"/>
+          </a:p>
+          <a:p>
+            <a:endParaRPr lang="en-US" dirty="0"/>
+          </a:p>
+        </p:txBody>
+      </p:sp>
     </p:spTree>
     <p:extLst>
       <p:ext uri="{BB962C8B-B14F-4D97-AF65-F5344CB8AC3E}">
-        <p14:creationId xmlns:p14="http://schemas.microsoft.com/office/powerpoint/2010/main" val="60648957"/>
+        <p14:creationId xmlns:p14="http://schemas.microsoft.com/office/powerpoint/2010/main" val="1523085169"/>
       </p:ext>
     </p:extLst>
   </p:cSld>
@@ -4732,7 +5086,7 @@
           <a:p>
             <a:r>
               <a:rPr lang="en-CA" dirty="0"/>
-              <a:t>Problems:</a:t>
+              <a:t>Challenges</a:t>
             </a:r>
           </a:p>
         </p:txBody>
@@ -4760,7 +5114,7 @@
           <a:p>
             <a:r>
               <a:rPr lang="en-CA" dirty="0"/>
-              <a:t>Color restoration favors Blue colors</a:t>
+              <a:t>Color restoration favors Blue colors (might be biases from dataset)</a:t>
             </a:r>
           </a:p>
           <a:p>
@@ -4781,6 +5135,89 @@
     <p:extLst>
       <p:ext uri="{BB962C8B-B14F-4D97-AF65-F5344CB8AC3E}">
         <p14:creationId xmlns:p14="http://schemas.microsoft.com/office/powerpoint/2010/main" val="3247539159"/>
+      </p:ext>
+    </p:extLst>
+  </p:cSld>
+  <p:clrMapOvr>
+    <a:masterClrMapping/>
+  </p:clrMapOvr>
+</p:sld>
+</file>
+
+<file path=ppt/slides/slide19.xml><?xml version="1.0" encoding="utf-8"?>
+<p:sld xmlns:a="http://schemas.openxmlformats.org/drawingml/2006/main" xmlns:r="http://schemas.openxmlformats.org/officeDocument/2006/relationships" xmlns:p="http://schemas.openxmlformats.org/presentationml/2006/main">
+  <p:cSld>
+    <p:spTree>
+      <p:nvGrpSpPr>
+        <p:cNvPr id="1" name=""/>
+        <p:cNvGrpSpPr/>
+        <p:nvPr/>
+      </p:nvGrpSpPr>
+      <p:grpSpPr>
+        <a:xfrm>
+          <a:off x="0" y="0"/>
+          <a:ext cx="0" cy="0"/>
+          <a:chOff x="0" y="0"/>
+          <a:chExt cx="0" cy="0"/>
+        </a:xfrm>
+      </p:grpSpPr>
+      <p:sp>
+        <p:nvSpPr>
+          <p:cNvPr id="2" name="Title 1">
+            <a:extLst>
+              <a:ext uri="{FF2B5EF4-FFF2-40B4-BE49-F238E27FC236}">
+                <a16:creationId xmlns:a16="http://schemas.microsoft.com/office/drawing/2014/main" id="{C564A388-824A-8D40-8739-68A650B6F72C}"/>
+              </a:ext>
+            </a:extLst>
+          </p:cNvPr>
+          <p:cNvSpPr>
+            <a:spLocks noGrp="1"/>
+          </p:cNvSpPr>
+          <p:nvPr>
+            <p:ph type="title"/>
+          </p:nvPr>
+        </p:nvSpPr>
+        <p:spPr/>
+        <p:txBody>
+          <a:bodyPr/>
+          <a:lstStyle/>
+          <a:p>
+            <a:r>
+              <a:rPr lang="en-US" dirty="0"/>
+              <a:t>Thanks.</a:t>
+            </a:r>
+          </a:p>
+        </p:txBody>
+      </p:sp>
+      <p:sp>
+        <p:nvSpPr>
+          <p:cNvPr id="3" name="Content Placeholder 2">
+            <a:extLst>
+              <a:ext uri="{FF2B5EF4-FFF2-40B4-BE49-F238E27FC236}">
+                <a16:creationId xmlns:a16="http://schemas.microsoft.com/office/drawing/2014/main" id="{0B3E9BB3-9184-F242-BF85-FD03E1060694}"/>
+              </a:ext>
+            </a:extLst>
+          </p:cNvPr>
+          <p:cNvSpPr>
+            <a:spLocks noGrp="1"/>
+          </p:cNvSpPr>
+          <p:nvPr>
+            <p:ph idx="1"/>
+          </p:nvPr>
+        </p:nvSpPr>
+        <p:spPr/>
+        <p:txBody>
+          <a:bodyPr/>
+          <a:lstStyle/>
+          <a:p>
+            <a:endParaRPr lang="en-US"/>
+          </a:p>
+        </p:txBody>
+      </p:sp>
+    </p:spTree>
+    <p:extLst>
+      <p:ext uri="{BB962C8B-B14F-4D97-AF65-F5344CB8AC3E}">
+        <p14:creationId xmlns:p14="http://schemas.microsoft.com/office/powerpoint/2010/main" val="3888328012"/>
       </p:ext>
     </p:extLst>
   </p:cSld>
@@ -4807,19 +5244,56 @@
           <a:chExt cx="0" cy="0"/>
         </a:xfrm>
       </p:grpSpPr>
+      <p:sp>
+        <p:nvSpPr>
+          <p:cNvPr id="2" name="Title 1">
+            <a:extLst>
+              <a:ext uri="{FF2B5EF4-FFF2-40B4-BE49-F238E27FC236}">
+                <a16:creationId xmlns:a16="http://schemas.microsoft.com/office/drawing/2014/main" id="{42981A0C-B5E6-4708-B592-205E5FF8F57B}"/>
+              </a:ext>
+            </a:extLst>
+          </p:cNvPr>
+          <p:cNvSpPr>
+            <a:spLocks noGrp="1"/>
+          </p:cNvSpPr>
+          <p:nvPr>
+            <p:ph type="title"/>
+          </p:nvPr>
+        </p:nvSpPr>
+        <p:spPr>
+          <a:xfrm>
+            <a:off x="838200" y="365126"/>
+            <a:ext cx="10515600" cy="417300"/>
+          </a:xfrm>
+        </p:spPr>
+        <p:txBody>
+          <a:bodyPr>
+            <a:normAutofit fontScale="90000"/>
+          </a:bodyPr>
+          <a:lstStyle/>
+          <a:p>
+            <a:r>
+              <a:rPr lang="en-CA" dirty="0"/>
+              <a:t>Training Structure:</a:t>
+            </a:r>
+          </a:p>
+        </p:txBody>
+      </p:sp>
       <p:pic>
         <p:nvPicPr>
-          <p:cNvPr id="4" name="Picture 3">
-            <a:extLst>
-              <a:ext uri="{FF2B5EF4-FFF2-40B4-BE49-F238E27FC236}">
-                <a16:creationId xmlns:a16="http://schemas.microsoft.com/office/drawing/2014/main" id="{D57D3087-ADB4-445A-8E1B-E28C47F38395}"/>
+          <p:cNvPr id="7" name="Content Placeholder 6">
+            <a:extLst>
+              <a:ext uri="{FF2B5EF4-FFF2-40B4-BE49-F238E27FC236}">
+                <a16:creationId xmlns:a16="http://schemas.microsoft.com/office/drawing/2014/main" id="{FC03459A-A593-4F80-92B1-61C228FD06F0}"/>
               </a:ext>
             </a:extLst>
           </p:cNvPr>
           <p:cNvPicPr>
-            <a:picLocks noChangeAspect="1"/>
+            <a:picLocks noGrp="1" noChangeAspect="1"/>
           </p:cNvPicPr>
-          <p:nvPr/>
+          <p:nvPr>
+            <p:ph idx="1"/>
+          </p:nvPr>
         </p:nvPicPr>
         <p:blipFill>
           <a:blip r:embed="rId2"/>
@@ -4829,18 +5303,89 @@
         </p:blipFill>
         <p:spPr>
           <a:xfrm>
-            <a:off x="3128962" y="1066800"/>
-            <a:ext cx="5934075" cy="4724400"/>
+            <a:off x="0" y="782426"/>
+            <a:ext cx="7410235" cy="6075574"/>
           </a:xfrm>
           <a:prstGeom prst="rect">
             <a:avLst/>
           </a:prstGeom>
         </p:spPr>
       </p:pic>
+      <p:sp>
+        <p:nvSpPr>
+          <p:cNvPr id="9" name="TextBox 8">
+            <a:extLst>
+              <a:ext uri="{FF2B5EF4-FFF2-40B4-BE49-F238E27FC236}">
+                <a16:creationId xmlns:a16="http://schemas.microsoft.com/office/drawing/2014/main" id="{65F8D375-4A23-4909-BBBC-8152C67D600C}"/>
+              </a:ext>
+            </a:extLst>
+          </p:cNvPr>
+          <p:cNvSpPr txBox="1"/>
+          <p:nvPr/>
+        </p:nvSpPr>
+        <p:spPr>
+          <a:xfrm>
+            <a:off x="7195385" y="1166842"/>
+            <a:ext cx="4996615" cy="4247317"/>
+          </a:xfrm>
+          <a:prstGeom prst="rect">
+            <a:avLst/>
+          </a:prstGeom>
+          <a:noFill/>
+        </p:spPr>
+        <p:txBody>
+          <a:bodyPr wrap="square" rtlCol="0">
+            <a:spAutoFit/>
+          </a:bodyPr>
+          <a:lstStyle/>
+          <a:p>
+            <a:r>
+              <a:rPr lang="en-CA" dirty="0"/>
+              <a:t>The architecture flow is that, the data preprocessor reads the dataset corpuses, and</a:t>
+            </a:r>
+          </a:p>
+          <a:p>
+            <a:r>
+              <a:rPr lang="en-CA" dirty="0"/>
+              <a:t>converts them into Question and Answer style, so it will be able to use it later as</a:t>
+            </a:r>
+          </a:p>
+          <a:p>
+            <a:r>
+              <a:rPr lang="en-CA" dirty="0"/>
+              <a:t>training instances, and then it passes these instances to the data manipulator which</a:t>
+            </a:r>
+          </a:p>
+          <a:p>
+            <a:r>
+              <a:rPr lang="en-CA" dirty="0"/>
+              <a:t>encodes these sequences using the word embeddings made by Google in 2015. The</a:t>
+            </a:r>
+          </a:p>
+          <a:p>
+            <a:r>
+              <a:rPr lang="en-CA" dirty="0"/>
+              <a:t>model then call the training module to train itself on the encoded dataset, and try to</a:t>
+            </a:r>
+          </a:p>
+          <a:p>
+            <a:r>
+              <a:rPr lang="en-CA" dirty="0"/>
+              <a:t>adapt the weights of the model in order to make it better and more accurate in the generalization phase, then it saves the weights in a file to read them back while</a:t>
+            </a:r>
+          </a:p>
+          <a:p>
+            <a:r>
+              <a:rPr lang="en-CA" dirty="0"/>
+              <a:t>testing.</a:t>
+            </a:r>
+          </a:p>
+        </p:txBody>
+      </p:sp>
     </p:spTree>
     <p:extLst>
       <p:ext uri="{BB962C8B-B14F-4D97-AF65-F5344CB8AC3E}">
-        <p14:creationId xmlns:p14="http://schemas.microsoft.com/office/powerpoint/2010/main" val="1023296628"/>
+        <p14:creationId xmlns:p14="http://schemas.microsoft.com/office/powerpoint/2010/main" val="999827896"/>
       </p:ext>
     </p:extLst>
   </p:cSld>
@@ -4897,17 +5442,17 @@
           <a:p>
             <a:r>
               <a:rPr lang="en-CA" dirty="0"/>
-              <a:t>Training Structure:</a:t>
+              <a:t>Testing Structure:</a:t>
             </a:r>
           </a:p>
         </p:txBody>
       </p:sp>
       <p:pic>
         <p:nvPicPr>
-          <p:cNvPr id="7" name="Content Placeholder 6">
-            <a:extLst>
-              <a:ext uri="{FF2B5EF4-FFF2-40B4-BE49-F238E27FC236}">
-                <a16:creationId xmlns:a16="http://schemas.microsoft.com/office/drawing/2014/main" id="{FC03459A-A593-4F80-92B1-61C228FD06F0}"/>
+          <p:cNvPr id="5" name="Content Placeholder 4">
+            <a:extLst>
+              <a:ext uri="{FF2B5EF4-FFF2-40B4-BE49-F238E27FC236}">
+                <a16:creationId xmlns:a16="http://schemas.microsoft.com/office/drawing/2014/main" id="{E84FF96F-528E-42D3-9F75-A61C39605F8A}"/>
               </a:ext>
             </a:extLst>
           </p:cNvPr>
@@ -4927,7 +5472,7 @@
         <p:spPr>
           <a:xfrm>
             <a:off x="0" y="782426"/>
-            <a:ext cx="7410235" cy="6075574"/>
+            <a:ext cx="7195385" cy="6075574"/>
           </a:xfrm>
           <a:prstGeom prst="rect">
             <a:avLst/>
@@ -4936,10 +5481,10 @@
       </p:pic>
       <p:sp>
         <p:nvSpPr>
-          <p:cNvPr id="9" name="TextBox 8">
-            <a:extLst>
-              <a:ext uri="{FF2B5EF4-FFF2-40B4-BE49-F238E27FC236}">
-                <a16:creationId xmlns:a16="http://schemas.microsoft.com/office/drawing/2014/main" id="{65F8D375-4A23-4909-BBBC-8152C67D600C}"/>
+          <p:cNvPr id="6" name="TextBox 5">
+            <a:extLst>
+              <a:ext uri="{FF2B5EF4-FFF2-40B4-BE49-F238E27FC236}">
+                <a16:creationId xmlns:a16="http://schemas.microsoft.com/office/drawing/2014/main" id="{EF29B589-42FE-44FA-8B59-B6819691C332}"/>
               </a:ext>
             </a:extLst>
           </p:cNvPr>
@@ -4948,8 +5493,8 @@
         </p:nvSpPr>
         <p:spPr>
           <a:xfrm>
-            <a:off x="7195385" y="1166842"/>
-            <a:ext cx="4996615" cy="4247317"/>
+            <a:off x="7195385" y="1983247"/>
+            <a:ext cx="4996615" cy="2891505"/>
           </a:xfrm>
           <a:prstGeom prst="rect">
             <a:avLst/>
@@ -4964,43 +5509,31 @@
           <a:p>
             <a:r>
               <a:rPr lang="en-CA" dirty="0"/>
-              <a:t>The architecture flow is that, the data preprocessor reads the dataset corpuses, and</a:t>
+              <a:t>The architecture flow is that, the website (the UI) receives a query (after logging in</a:t>
             </a:r>
           </a:p>
           <a:p>
             <a:r>
               <a:rPr lang="en-CA" dirty="0"/>
-              <a:t>converts them into Question and Answer style, so it will be able to use it later as</a:t>
+              <a:t>and so), the interface send this query to the data manipulator to encode it, then it</a:t>
             </a:r>
           </a:p>
           <a:p>
             <a:r>
               <a:rPr lang="en-CA" dirty="0"/>
-              <a:t>training instances, and then it passes these instances to the data manipulator which</a:t>
+              <a:t>send this encoded query to the model which calls the tester, the tester loads the</a:t>
             </a:r>
           </a:p>
           <a:p>
             <a:r>
               <a:rPr lang="en-CA" dirty="0"/>
-              <a:t>encodes these sequences using the word embeddings made by Google in 2015. The</a:t>
+              <a:t>saved model which is the weights of the model, and use these weights to generate</a:t>
             </a:r>
           </a:p>
           <a:p>
             <a:r>
               <a:rPr lang="en-CA" dirty="0"/>
-              <a:t>model then call the training module to train itself on the encoded dataset, and try to</a:t>
-            </a:r>
-          </a:p>
-          <a:p>
-            <a:r>
-              <a:rPr lang="en-CA" dirty="0"/>
-              <a:t>adapt the weights of the model in order to make it better and more accurate in the generalization phase, then it saves the weights in a file to read them back while</a:t>
-            </a:r>
-          </a:p>
-          <a:p>
-            <a:r>
-              <a:rPr lang="en-CA" dirty="0"/>
-              <a:t>testing.</a:t>
+              <a:t>the answer for this query, then it decodes the answer into words.</a:t>
             </a:r>
           </a:p>
         </p:txBody>
@@ -5008,7 +5541,7 @@
     </p:spTree>
     <p:extLst>
       <p:ext uri="{BB962C8B-B14F-4D97-AF65-F5344CB8AC3E}">
-        <p14:creationId xmlns:p14="http://schemas.microsoft.com/office/powerpoint/2010/main" val="999827896"/>
+        <p14:creationId xmlns:p14="http://schemas.microsoft.com/office/powerpoint/2010/main" val="779116505"/>
       </p:ext>
     </p:extLst>
   </p:cSld>
@@ -5053,7 +5586,7 @@
         </p:nvSpPr>
         <p:spPr>
           <a:xfrm>
-            <a:off x="838200" y="365126"/>
+            <a:off x="788773" y="3343920"/>
             <a:ext cx="10515600" cy="417300"/>
           </a:xfrm>
         </p:spPr>
@@ -5065,49 +5598,70 @@
           <a:p>
             <a:r>
               <a:rPr lang="en-CA" dirty="0"/>
-              <a:t>Testing Structure:</a:t>
-            </a:r>
-          </a:p>
-        </p:txBody>
-      </p:sp>
-      <p:pic>
-        <p:nvPicPr>
-          <p:cNvPr id="5" name="Content Placeholder 4">
-            <a:extLst>
-              <a:ext uri="{FF2B5EF4-FFF2-40B4-BE49-F238E27FC236}">
-                <a16:creationId xmlns:a16="http://schemas.microsoft.com/office/drawing/2014/main" id="{E84FF96F-528E-42D3-9F75-A61C39605F8A}"/>
-              </a:ext>
-            </a:extLst>
-          </p:cNvPr>
-          <p:cNvPicPr>
-            <a:picLocks noGrp="1" noChangeAspect="1"/>
-          </p:cNvPicPr>
+              <a:t>Feature Selection:</a:t>
+            </a:r>
+          </a:p>
+        </p:txBody>
+      </p:sp>
+      <p:sp>
+        <p:nvSpPr>
+          <p:cNvPr id="4" name="Content Placeholder 3">
+            <a:extLst>
+              <a:ext uri="{FF2B5EF4-FFF2-40B4-BE49-F238E27FC236}">
+                <a16:creationId xmlns:a16="http://schemas.microsoft.com/office/drawing/2014/main" id="{DACDC7C0-DC09-4AEC-92E2-0608F5AABA63}"/>
+              </a:ext>
+            </a:extLst>
+          </p:cNvPr>
+          <p:cNvSpPr>
+            <a:spLocks noGrp="1"/>
+          </p:cNvSpPr>
           <p:nvPr>
             <p:ph idx="1"/>
           </p:nvPr>
-        </p:nvPicPr>
-        <p:blipFill>
-          <a:blip r:embed="rId2"/>
-          <a:stretch>
-            <a:fillRect/>
-          </a:stretch>
-        </p:blipFill>
+        </p:nvSpPr>
         <p:spPr>
           <a:xfrm>
-            <a:off x="0" y="782426"/>
-            <a:ext cx="7195385" cy="6075574"/>
+            <a:off x="739346" y="3909433"/>
+            <a:ext cx="10515600" cy="2175669"/>
           </a:xfrm>
-          <a:prstGeom prst="rect">
-            <a:avLst/>
-          </a:prstGeom>
         </p:spPr>
-      </p:pic>
-      <p:sp>
-        <p:nvSpPr>
-          <p:cNvPr id="6" name="TextBox 5">
-            <a:extLst>
-              <a:ext uri="{FF2B5EF4-FFF2-40B4-BE49-F238E27FC236}">
-                <a16:creationId xmlns:a16="http://schemas.microsoft.com/office/drawing/2014/main" id="{EF29B589-42FE-44FA-8B59-B6819691C332}"/>
+        <p:txBody>
+          <a:bodyPr>
+            <a:normAutofit/>
+          </a:bodyPr>
+          <a:lstStyle/>
+          <a:p>
+            <a:r>
+              <a:rPr lang="en-CA" sz="2400" dirty="0"/>
+              <a:t>N-grams: used to find probability of sentence S</a:t>
+            </a:r>
+          </a:p>
+          <a:p>
+            <a:r>
+              <a:rPr lang="en-CA" sz="2400" dirty="0"/>
+              <a:t>Word Classes: similar words appear in similar context</a:t>
+            </a:r>
+          </a:p>
+          <a:p>
+            <a:r>
+              <a:rPr lang="en-CA" sz="2400" dirty="0"/>
+              <a:t>Bag of Words: word frequency vector </a:t>
+            </a:r>
+          </a:p>
+          <a:p>
+            <a:r>
+              <a:rPr lang="en-CA" sz="2400" dirty="0"/>
+              <a:t>Word2Vec: similar words have close word vector</a:t>
+            </a:r>
+          </a:p>
+        </p:txBody>
+      </p:sp>
+      <p:sp>
+        <p:nvSpPr>
+          <p:cNvPr id="3" name="TextBox 2">
+            <a:extLst>
+              <a:ext uri="{FF2B5EF4-FFF2-40B4-BE49-F238E27FC236}">
+                <a16:creationId xmlns:a16="http://schemas.microsoft.com/office/drawing/2014/main" id="{FE348B13-3B6B-5A43-B0FF-3EA9C87BE5F1}"/>
               </a:ext>
             </a:extLst>
           </p:cNvPr>
@@ -5116,8 +5670,8 @@
         </p:nvSpPr>
         <p:spPr>
           <a:xfrm>
-            <a:off x="7195385" y="1983247"/>
-            <a:ext cx="4996615" cy="2891505"/>
+            <a:off x="739346" y="476335"/>
+            <a:ext cx="10614454" cy="2554545"/>
           </a:xfrm>
           <a:prstGeom prst="rect">
             <a:avLst/>
@@ -5131,32 +5685,52 @@
           <a:lstStyle/>
           <a:p>
             <a:r>
-              <a:rPr lang="en-CA" dirty="0"/>
-              <a:t>The architecture flow is that, the website (the UI) receives a query (after logging in</a:t>
-            </a:r>
-          </a:p>
-          <a:p>
-            <a:r>
-              <a:rPr lang="en-CA" dirty="0"/>
-              <a:t>and so), the interface send this query to the data manipulator to encode it, then it</a:t>
-            </a:r>
-          </a:p>
-          <a:p>
-            <a:r>
-              <a:rPr lang="en-CA" dirty="0"/>
-              <a:t>send this encoded query to the model which calls the tester, the tester loads the</a:t>
-            </a:r>
-          </a:p>
-          <a:p>
-            <a:r>
-              <a:rPr lang="en-CA" dirty="0"/>
-              <a:t>saved model which is the weights of the model, and use these weights to generate</a:t>
-            </a:r>
-          </a:p>
-          <a:p>
-            <a:r>
-              <a:rPr lang="en-CA" dirty="0"/>
-              <a:t>the answer for this query, then it decodes the answer into words.</a:t>
+              <a:rPr lang="en-CA" sz="4000" dirty="0">
+                <a:latin typeface="+mj-lt"/>
+              </a:rPr>
+              <a:t>Data source:</a:t>
+            </a:r>
+          </a:p>
+          <a:p>
+            <a:pPr marL="285750" indent="-285750">
+              <a:buFont typeface="Arial" panose="020B0604020202020204" pitchFamily="34" charset="0"/>
+              <a:buChar char="•"/>
+            </a:pPr>
+            <a:r>
+              <a:rPr lang="en-US" sz="2400" dirty="0"/>
+              <a:t>Cornell Movie-Dialogs Corpus:</a:t>
+            </a:r>
+          </a:p>
+          <a:p>
+            <a:r>
+              <a:rPr lang="en-US" sz="2400" dirty="0"/>
+              <a:t>	220,579 conversational exchanges between 10,292 pairs of movie characters</a:t>
+            </a:r>
+          </a:p>
+          <a:p>
+            <a:pPr marL="285750" indent="-285750">
+              <a:buFont typeface="Arial" panose="020B0604020202020204" pitchFamily="34" charset="0"/>
+              <a:buChar char="•"/>
+            </a:pPr>
+            <a:r>
+              <a:rPr lang="en-US" sz="2400" dirty="0" err="1"/>
+              <a:t>OpenSubtitles</a:t>
+            </a:r>
+            <a:r>
+              <a:rPr lang="en-US" sz="2400" dirty="0"/>
+              <a:t> dataset:</a:t>
+            </a:r>
+          </a:p>
+          <a:p>
+            <a:r>
+              <a:rPr lang="en-US" sz="2400" dirty="0"/>
+              <a:t>	total number of sentence fragments: 3.35G</a:t>
+            </a:r>
+          </a:p>
+          <a:p>
+            <a:r>
+              <a:rPr lang="en-US" sz="2400" dirty="0"/>
+              <a:t>And more</a:t>
             </a:r>
           </a:p>
         </p:txBody>
@@ -5164,7 +5738,7 @@
     </p:spTree>
     <p:extLst>
       <p:ext uri="{BB962C8B-B14F-4D97-AF65-F5344CB8AC3E}">
-        <p14:creationId xmlns:p14="http://schemas.microsoft.com/office/powerpoint/2010/main" val="779116505"/>
+        <p14:creationId xmlns:p14="http://schemas.microsoft.com/office/powerpoint/2010/main" val="713200134"/>
       </p:ext>
     </p:extLst>
   </p:cSld>
@@ -5221,7 +5795,7 @@
           <a:p>
             <a:r>
               <a:rPr lang="en-CA" dirty="0"/>
-              <a:t>Feature Selection:</a:t>
+              <a:t>Context Recognition:</a:t>
             </a:r>
           </a:p>
         </p:txBody>
@@ -5244,35 +5818,73 @@
         </p:nvSpPr>
         <p:spPr>
           <a:xfrm>
-            <a:off x="838200" y="1253331"/>
-            <a:ext cx="10515600" cy="4351338"/>
+            <a:off x="838200" y="1253330"/>
+            <a:ext cx="10515600" cy="5147469"/>
           </a:xfrm>
         </p:spPr>
         <p:txBody>
-          <a:bodyPr/>
+          <a:bodyPr>
+            <a:normAutofit/>
+          </a:bodyPr>
           <a:lstStyle/>
           <a:p>
             <a:r>
               <a:rPr lang="en-CA" dirty="0"/>
-              <a:t>N-grams: used to find probability of sentence S</a:t>
-            </a:r>
+              <a:t>Choosing sentence headings: POS, dependency graph, NER, 4 steps of IE</a:t>
+            </a:r>
+          </a:p>
+          <a:p>
+            <a:endParaRPr lang="en-CA" dirty="0"/>
           </a:p>
           <a:p>
             <a:r>
               <a:rPr lang="en-CA" dirty="0"/>
-              <a:t>Word Classes: similar words appear in similar context</a:t>
-            </a:r>
-          </a:p>
-          <a:p>
+              <a:t>Finding similarities: </a:t>
+            </a:r>
+          </a:p>
+          <a:p>
+            <a:pPr marL="0" indent="0">
+              <a:buNone/>
+            </a:pPr>
             <a:r>
               <a:rPr lang="en-CA" dirty="0"/>
-              <a:t>Bag of Words: word frequency vector </a:t>
-            </a:r>
-          </a:p>
-          <a:p>
+              <a:t>-Word embedding</a:t>
+            </a:r>
+          </a:p>
+          <a:p>
+            <a:pPr marL="0" indent="0">
+              <a:buNone/>
+            </a:pPr>
             <a:r>
               <a:rPr lang="en-CA" dirty="0"/>
-              <a:t>Word2Vec: similar words have close word vector</a:t>
+              <a:t>-Word alignment</a:t>
+            </a:r>
+          </a:p>
+          <a:p>
+            <a:pPr marL="0" indent="0">
+              <a:buNone/>
+            </a:pPr>
+            <a:r>
+              <a:rPr lang="en-CA" dirty="0"/>
+              <a:t>-Word vector	</a:t>
+            </a:r>
+          </a:p>
+          <a:p>
+            <a:pPr marL="0" indent="0">
+              <a:buNone/>
+            </a:pPr>
+            <a:r>
+              <a:rPr lang="en-CA" dirty="0"/>
+              <a:t>-Continuous bag of words: predict certain word</a:t>
+            </a:r>
+          </a:p>
+          <a:p>
+            <a:pPr marL="0" indent="0">
+              <a:buNone/>
+            </a:pPr>
+            <a:r>
+              <a:rPr lang="en-CA" dirty="0"/>
+              <a:t>-Skip gram: predict word neighbors</a:t>
             </a:r>
           </a:p>
         </p:txBody>
@@ -5280,7 +5892,7 @@
     </p:spTree>
     <p:extLst>
       <p:ext uri="{BB962C8B-B14F-4D97-AF65-F5344CB8AC3E}">
-        <p14:creationId xmlns:p14="http://schemas.microsoft.com/office/powerpoint/2010/main" val="713200134"/>
+        <p14:creationId xmlns:p14="http://schemas.microsoft.com/office/powerpoint/2010/main" val="974763924"/>
       </p:ext>
     </p:extLst>
   </p:cSld>
@@ -5337,167 +5949,13 @@
           <a:p>
             <a:r>
               <a:rPr lang="en-CA" dirty="0"/>
-              <a:t>Context Recognition:</a:t>
-            </a:r>
-          </a:p>
-        </p:txBody>
-      </p:sp>
-      <p:sp>
-        <p:nvSpPr>
-          <p:cNvPr id="4" name="Content Placeholder 3">
-            <a:extLst>
-              <a:ext uri="{FF2B5EF4-FFF2-40B4-BE49-F238E27FC236}">
-                <a16:creationId xmlns:a16="http://schemas.microsoft.com/office/drawing/2014/main" id="{DACDC7C0-DC09-4AEC-92E2-0608F5AABA63}"/>
-              </a:ext>
-            </a:extLst>
-          </p:cNvPr>
-          <p:cNvSpPr>
-            <a:spLocks noGrp="1"/>
-          </p:cNvSpPr>
-          <p:nvPr>
-            <p:ph idx="1"/>
-          </p:nvPr>
-        </p:nvSpPr>
-        <p:spPr>
-          <a:xfrm>
-            <a:off x="838200" y="1253330"/>
-            <a:ext cx="10515600" cy="5147469"/>
-          </a:xfrm>
-        </p:spPr>
-        <p:txBody>
-          <a:bodyPr>
-            <a:normAutofit/>
-          </a:bodyPr>
-          <a:lstStyle/>
-          <a:p>
-            <a:r>
-              <a:rPr lang="en-CA" dirty="0"/>
-              <a:t>Choosing sentence headings: POS, dependency graph, NER, 4 steps of IE</a:t>
-            </a:r>
-          </a:p>
-          <a:p>
-            <a:endParaRPr lang="en-CA" dirty="0"/>
-          </a:p>
-          <a:p>
-            <a:r>
-              <a:rPr lang="en-CA" dirty="0"/>
-              <a:t>Finding similarities: </a:t>
-            </a:r>
-          </a:p>
-          <a:p>
-            <a:pPr marL="0" indent="0">
-              <a:buNone/>
-            </a:pPr>
-            <a:r>
-              <a:rPr lang="en-CA" dirty="0"/>
-              <a:t>-Word embedding</a:t>
-            </a:r>
-          </a:p>
-          <a:p>
-            <a:pPr marL="0" indent="0">
-              <a:buNone/>
-            </a:pPr>
-            <a:r>
-              <a:rPr lang="en-CA" dirty="0"/>
-              <a:t>-Word alignment</a:t>
-            </a:r>
-          </a:p>
-          <a:p>
-            <a:pPr marL="0" indent="0">
-              <a:buNone/>
-            </a:pPr>
-            <a:r>
-              <a:rPr lang="en-CA" dirty="0"/>
-              <a:t>-Word vector	</a:t>
-            </a:r>
-          </a:p>
-          <a:p>
-            <a:pPr marL="0" indent="0">
-              <a:buNone/>
-            </a:pPr>
-            <a:r>
-              <a:rPr lang="en-CA" dirty="0"/>
-              <a:t>-Continuous bag of words: predict certain word</a:t>
-            </a:r>
-          </a:p>
-          <a:p>
-            <a:pPr marL="0" indent="0">
-              <a:buNone/>
-            </a:pPr>
-            <a:r>
-              <a:rPr lang="en-CA" dirty="0"/>
-              <a:t>-Skip gram: predict word neighbors</a:t>
-            </a:r>
-          </a:p>
-        </p:txBody>
-      </p:sp>
-    </p:spTree>
-    <p:extLst>
-      <p:ext uri="{BB962C8B-B14F-4D97-AF65-F5344CB8AC3E}">
-        <p14:creationId xmlns:p14="http://schemas.microsoft.com/office/powerpoint/2010/main" val="974763924"/>
-      </p:ext>
-    </p:extLst>
-  </p:cSld>
-  <p:clrMapOvr>
-    <a:masterClrMapping/>
-  </p:clrMapOvr>
-</p:sld>
-</file>
-
-<file path=ppt/slides/slide7.xml><?xml version="1.0" encoding="utf-8"?>
-<p:sld xmlns:a="http://schemas.openxmlformats.org/drawingml/2006/main" xmlns:r="http://schemas.openxmlformats.org/officeDocument/2006/relationships" xmlns:p="http://schemas.openxmlformats.org/presentationml/2006/main">
-  <p:cSld>
-    <p:spTree>
-      <p:nvGrpSpPr>
-        <p:cNvPr id="1" name=""/>
-        <p:cNvGrpSpPr/>
-        <p:nvPr/>
-      </p:nvGrpSpPr>
-      <p:grpSpPr>
-        <a:xfrm>
-          <a:off x="0" y="0"/>
-          <a:ext cx="0" cy="0"/>
-          <a:chOff x="0" y="0"/>
-          <a:chExt cx="0" cy="0"/>
-        </a:xfrm>
-      </p:grpSpPr>
-      <p:sp>
-        <p:nvSpPr>
-          <p:cNvPr id="2" name="Title 1">
-            <a:extLst>
-              <a:ext uri="{FF2B5EF4-FFF2-40B4-BE49-F238E27FC236}">
-                <a16:creationId xmlns:a16="http://schemas.microsoft.com/office/drawing/2014/main" id="{42981A0C-B5E6-4708-B592-205E5FF8F57B}"/>
-              </a:ext>
-            </a:extLst>
-          </p:cNvPr>
-          <p:cNvSpPr>
-            <a:spLocks noGrp="1"/>
-          </p:cNvSpPr>
-          <p:nvPr>
-            <p:ph type="title"/>
-          </p:nvPr>
-        </p:nvSpPr>
-        <p:spPr>
-          <a:xfrm>
-            <a:off x="838200" y="365126"/>
-            <a:ext cx="10515600" cy="417300"/>
-          </a:xfrm>
-        </p:spPr>
-        <p:txBody>
-          <a:bodyPr>
-            <a:normAutofit fontScale="90000"/>
-          </a:bodyPr>
-          <a:lstStyle/>
-          <a:p>
-            <a:r>
-              <a:rPr lang="en-CA" dirty="0"/>
               <a:t>Word vector training:</a:t>
             </a:r>
           </a:p>
         </p:txBody>
       </p:sp>
-      <mc:AlternateContent xmlns:mc="http://schemas.openxmlformats.org/markup-compatibility/2006">
-        <mc:Choice xmlns:a14="http://schemas.microsoft.com/office/drawing/2010/main" Requires="a14">
+      <mc:AlternateContent xmlns:mc="http://schemas.openxmlformats.org/markup-compatibility/2006" xmlns:a14="http://schemas.microsoft.com/office/drawing/2010/main">
+        <mc:Choice Requires="a14">
           <p:sp>
             <p:nvSpPr>
               <p:cNvPr id="4" name="Content Placeholder 3">
@@ -5625,7 +6083,7 @@
             </p:txBody>
           </p:sp>
         </mc:Choice>
-        <mc:Fallback>
+        <mc:Fallback xmlns="">
           <p:sp>
             <p:nvSpPr>
               <p:cNvPr id="4" name="Content Placeholder 3">
@@ -5682,6 +6140,166 @@
 </p:sld>
 </file>
 
+<file path=ppt/slides/slide7.xml><?xml version="1.0" encoding="utf-8"?>
+<p:sld xmlns:a="http://schemas.openxmlformats.org/drawingml/2006/main" xmlns:r="http://schemas.openxmlformats.org/officeDocument/2006/relationships" xmlns:p="http://schemas.openxmlformats.org/presentationml/2006/main">
+  <p:cSld>
+    <p:spTree>
+      <p:nvGrpSpPr>
+        <p:cNvPr id="1" name=""/>
+        <p:cNvGrpSpPr/>
+        <p:nvPr/>
+      </p:nvGrpSpPr>
+      <p:grpSpPr>
+        <a:xfrm>
+          <a:off x="0" y="0"/>
+          <a:ext cx="0" cy="0"/>
+          <a:chOff x="0" y="0"/>
+          <a:chExt cx="0" cy="0"/>
+        </a:xfrm>
+      </p:grpSpPr>
+      <p:sp>
+        <p:nvSpPr>
+          <p:cNvPr id="2" name="Title 1">
+            <a:extLst>
+              <a:ext uri="{FF2B5EF4-FFF2-40B4-BE49-F238E27FC236}">
+                <a16:creationId xmlns:a16="http://schemas.microsoft.com/office/drawing/2014/main" id="{42981A0C-B5E6-4708-B592-205E5FF8F57B}"/>
+              </a:ext>
+            </a:extLst>
+          </p:cNvPr>
+          <p:cNvSpPr>
+            <a:spLocks noGrp="1"/>
+          </p:cNvSpPr>
+          <p:nvPr>
+            <p:ph type="title"/>
+          </p:nvPr>
+        </p:nvSpPr>
+        <p:spPr>
+          <a:xfrm>
+            <a:off x="838200" y="365126"/>
+            <a:ext cx="10515600" cy="417300"/>
+          </a:xfrm>
+        </p:spPr>
+        <p:txBody>
+          <a:bodyPr>
+            <a:normAutofit fontScale="90000"/>
+          </a:bodyPr>
+          <a:lstStyle/>
+          <a:p>
+            <a:r>
+              <a:rPr lang="en-CA" dirty="0"/>
+              <a:t>Testing:</a:t>
+            </a:r>
+          </a:p>
+        </p:txBody>
+      </p:sp>
+      <p:sp>
+        <p:nvSpPr>
+          <p:cNvPr id="4" name="Content Placeholder 3">
+            <a:extLst>
+              <a:ext uri="{FF2B5EF4-FFF2-40B4-BE49-F238E27FC236}">
+                <a16:creationId xmlns:a16="http://schemas.microsoft.com/office/drawing/2014/main" id="{DACDC7C0-DC09-4AEC-92E2-0608F5AABA63}"/>
+              </a:ext>
+            </a:extLst>
+          </p:cNvPr>
+          <p:cNvSpPr>
+            <a:spLocks noGrp="1"/>
+          </p:cNvSpPr>
+          <p:nvPr>
+            <p:ph idx="1"/>
+          </p:nvPr>
+        </p:nvSpPr>
+        <p:spPr>
+          <a:xfrm>
+            <a:off x="838200" y="1253330"/>
+            <a:ext cx="10515600" cy="5100335"/>
+          </a:xfrm>
+        </p:spPr>
+        <p:txBody>
+          <a:bodyPr>
+            <a:normAutofit/>
+          </a:bodyPr>
+          <a:lstStyle/>
+          <a:p>
+            <a:r>
+              <a:rPr lang="en-CA" dirty="0"/>
+              <a:t>Granular Conversation Test:</a:t>
+            </a:r>
+          </a:p>
+          <a:p>
+            <a:pPr marL="0" indent="0">
+              <a:buNone/>
+            </a:pPr>
+            <a:r>
+              <a:rPr lang="en-CA" dirty="0"/>
+              <a:t>-Semantics: “Does the response make sense by itself?”</a:t>
+            </a:r>
+          </a:p>
+          <a:p>
+            <a:pPr marL="0" indent="0">
+              <a:buNone/>
+            </a:pPr>
+            <a:r>
+              <a:rPr lang="en-CA" dirty="0"/>
+              <a:t>-Structure: “Is it understandable and does it follows a structure a human</a:t>
+            </a:r>
+          </a:p>
+          <a:p>
+            <a:pPr marL="0" indent="0">
+              <a:buNone/>
+            </a:pPr>
+            <a:r>
+              <a:rPr lang="en-CA" dirty="0"/>
+              <a:t>would use?”</a:t>
+            </a:r>
+          </a:p>
+          <a:p>
+            <a:pPr marL="0" indent="0">
+              <a:buNone/>
+            </a:pPr>
+            <a:r>
+              <a:rPr lang="en-CA" dirty="0"/>
+              <a:t>-Context: “Does the response make sense in the context?”</a:t>
+            </a:r>
+          </a:p>
+          <a:p>
+            <a:pPr marL="0" indent="0">
+              <a:buNone/>
+            </a:pPr>
+            <a:r>
+              <a:rPr lang="en-CA" dirty="0"/>
+              <a:t>-Feeling: “Does the response feel human?”</a:t>
+            </a:r>
+          </a:p>
+          <a:p>
+            <a:pPr marL="0" indent="0">
+              <a:buNone/>
+            </a:pPr>
+            <a:endParaRPr lang="en-CA" dirty="0"/>
+          </a:p>
+          <a:p>
+            <a:pPr marL="0" indent="0">
+              <a:buNone/>
+            </a:pPr>
+            <a:r>
+              <a:rPr lang="en-CA" dirty="0"/>
+              <a:t>0/1 scoring and takes average of all four components</a:t>
+            </a:r>
+          </a:p>
+        </p:txBody>
+      </p:sp>
+    </p:spTree>
+    <p:extLst>
+      <p:ext uri="{BB962C8B-B14F-4D97-AF65-F5344CB8AC3E}">
+        <p14:creationId xmlns:p14="http://schemas.microsoft.com/office/powerpoint/2010/main" val="1806790600"/>
+      </p:ext>
+    </p:extLst>
+  </p:cSld>
+  <p:clrMapOvr>
+    <a:masterClrMapping/>
+  </p:clrMapOvr>
+</p:sld>
+</file>
+
 <file path=ppt/slides/slide8.xml><?xml version="1.0" encoding="utf-8"?>
 <p:sld xmlns:a="http://schemas.openxmlformats.org/drawingml/2006/main" xmlns:r="http://schemas.openxmlformats.org/officeDocument/2006/relationships" xmlns:p="http://schemas.openxmlformats.org/presentationml/2006/main">
   <p:cSld>
@@ -5704,7 +6322,7 @@
           <p:cNvPr id="2" name="Title 1">
             <a:extLst>
               <a:ext uri="{FF2B5EF4-FFF2-40B4-BE49-F238E27FC236}">
-                <a16:creationId xmlns:a16="http://schemas.microsoft.com/office/drawing/2014/main" id="{42981A0C-B5E6-4708-B592-205E5FF8F57B}"/>
+                <a16:creationId xmlns:a16="http://schemas.microsoft.com/office/drawing/2014/main" id="{861ADC6D-3272-417A-A4CA-797A1BE670CB}"/>
               </a:ext>
             </a:extLst>
           </p:cNvPr>
@@ -5715,31 +6333,24 @@
             <p:ph type="title"/>
           </p:nvPr>
         </p:nvSpPr>
-        <p:spPr>
-          <a:xfrm>
-            <a:off x="838200" y="365126"/>
-            <a:ext cx="10515600" cy="417300"/>
-          </a:xfrm>
-        </p:spPr>
-        <p:txBody>
-          <a:bodyPr>
-            <a:normAutofit fontScale="90000"/>
-          </a:bodyPr>
+        <p:spPr/>
+        <p:txBody>
+          <a:bodyPr/>
           <a:lstStyle/>
           <a:p>
             <a:r>
               <a:rPr lang="en-CA" dirty="0"/>
-              <a:t>Testing:</a:t>
-            </a:r>
-          </a:p>
-        </p:txBody>
-      </p:sp>
-      <p:sp>
-        <p:nvSpPr>
-          <p:cNvPr id="4" name="Content Placeholder 3">
-            <a:extLst>
-              <a:ext uri="{FF2B5EF4-FFF2-40B4-BE49-F238E27FC236}">
-                <a16:creationId xmlns:a16="http://schemas.microsoft.com/office/drawing/2014/main" id="{DACDC7C0-DC09-4AEC-92E2-0608F5AABA63}"/>
+              <a:t>Challenges:</a:t>
+            </a:r>
+          </a:p>
+        </p:txBody>
+      </p:sp>
+      <p:sp>
+        <p:nvSpPr>
+          <p:cNvPr id="3" name="Content Placeholder 2">
+            <a:extLst>
+              <a:ext uri="{FF2B5EF4-FFF2-40B4-BE49-F238E27FC236}">
+                <a16:creationId xmlns:a16="http://schemas.microsoft.com/office/drawing/2014/main" id="{74E4DEA5-DDEF-4578-8F30-91949891E260}"/>
               </a:ext>
             </a:extLst>
           </p:cNvPr>
@@ -5750,81 +6361,26 @@
             <p:ph idx="1"/>
           </p:nvPr>
         </p:nvSpPr>
-        <p:spPr>
-          <a:xfrm>
-            <a:off x="838200" y="1253330"/>
-            <a:ext cx="10515600" cy="5100335"/>
-          </a:xfrm>
-        </p:spPr>
-        <p:txBody>
-          <a:bodyPr>
-            <a:normAutofit/>
-          </a:bodyPr>
+        <p:spPr/>
+        <p:txBody>
+          <a:bodyPr/>
           <a:lstStyle/>
           <a:p>
             <a:r>
               <a:rPr lang="en-CA" dirty="0"/>
-              <a:t>Granular Conversation Test:</a:t>
-            </a:r>
-          </a:p>
-          <a:p>
-            <a:pPr marL="0" indent="0">
-              <a:buNone/>
-            </a:pPr>
+              <a:t>Implementation is Q&amp;A based</a:t>
+            </a:r>
+          </a:p>
+          <a:p>
             <a:r>
               <a:rPr lang="en-CA" dirty="0"/>
-              <a:t>-Semantics: “Does the response make sense by itself?”</a:t>
-            </a:r>
-          </a:p>
-          <a:p>
-            <a:pPr marL="0" indent="0">
-              <a:buNone/>
-            </a:pPr>
+              <a:t>Q&amp;A answering system is deterministic</a:t>
+            </a:r>
+          </a:p>
+          <a:p>
             <a:r>
               <a:rPr lang="en-CA" dirty="0"/>
-              <a:t>-Structure: “Is it understandable and does it follows a structure a human</a:t>
-            </a:r>
-          </a:p>
-          <a:p>
-            <a:pPr marL="0" indent="0">
-              <a:buNone/>
-            </a:pPr>
-            <a:r>
-              <a:rPr lang="en-CA" dirty="0"/>
-              <a:t>would use?”</a:t>
-            </a:r>
-          </a:p>
-          <a:p>
-            <a:pPr marL="0" indent="0">
-              <a:buNone/>
-            </a:pPr>
-            <a:r>
-              <a:rPr lang="en-CA" dirty="0"/>
-              <a:t>-Context: “Does the response make sense in the context?”</a:t>
-            </a:r>
-          </a:p>
-          <a:p>
-            <a:pPr marL="0" indent="0">
-              <a:buNone/>
-            </a:pPr>
-            <a:r>
-              <a:rPr lang="en-CA" dirty="0"/>
-              <a:t>-Feeling: “Does the response feel human?”</a:t>
-            </a:r>
-          </a:p>
-          <a:p>
-            <a:pPr marL="0" indent="0">
-              <a:buNone/>
-            </a:pPr>
-            <a:endParaRPr lang="en-CA" dirty="0"/>
-          </a:p>
-          <a:p>
-            <a:pPr marL="0" indent="0">
-              <a:buNone/>
-            </a:pPr>
-            <a:r>
-              <a:rPr lang="en-CA" dirty="0"/>
-              <a:t>0/1 scoring and takes average of all four components</a:t>
+              <a:t>Each Q&amp;A are independent of each other</a:t>
             </a:r>
           </a:p>
         </p:txBody>
@@ -5832,7 +6388,7 @@
     </p:spTree>
     <p:extLst>
       <p:ext uri="{BB962C8B-B14F-4D97-AF65-F5344CB8AC3E}">
-        <p14:creationId xmlns:p14="http://schemas.microsoft.com/office/powerpoint/2010/main" val="1806790600"/>
+        <p14:creationId xmlns:p14="http://schemas.microsoft.com/office/powerpoint/2010/main" val="4043780860"/>
       </p:ext>
     </p:extLst>
   </p:cSld>
@@ -5864,7 +6420,7 @@
           <p:cNvPr id="2" name="Title 1">
             <a:extLst>
               <a:ext uri="{FF2B5EF4-FFF2-40B4-BE49-F238E27FC236}">
-                <a16:creationId xmlns:a16="http://schemas.microsoft.com/office/drawing/2014/main" id="{861ADC6D-3272-417A-A4CA-797A1BE670CB}"/>
+                <a16:creationId xmlns:a16="http://schemas.microsoft.com/office/drawing/2014/main" id="{E92FDF02-115D-46E1-A69D-9631888D4F04}"/>
               </a:ext>
             </a:extLst>
           </p:cNvPr>
@@ -5882,7 +6438,7 @@
           <a:p>
             <a:r>
               <a:rPr lang="en-CA" dirty="0"/>
-              <a:t>Problems:</a:t>
+              <a:t>Our approach:</a:t>
             </a:r>
           </a:p>
         </p:txBody>
@@ -5892,7 +6448,7 @@
           <p:cNvPr id="3" name="Content Placeholder 2">
             <a:extLst>
               <a:ext uri="{FF2B5EF4-FFF2-40B4-BE49-F238E27FC236}">
-                <a16:creationId xmlns:a16="http://schemas.microsoft.com/office/drawing/2014/main" id="{74E4DEA5-DDEF-4578-8F30-91949891E260}"/>
+                <a16:creationId xmlns:a16="http://schemas.microsoft.com/office/drawing/2014/main" id="{F6C05C56-86B0-49AE-A0B7-BC021DA5BC0A}"/>
               </a:ext>
             </a:extLst>
           </p:cNvPr>
@@ -5910,27 +6466,39 @@
           <a:p>
             <a:r>
               <a:rPr lang="en-CA" dirty="0"/>
-              <a:t>Implementation is Q&amp;A based</a:t>
-            </a:r>
+              <a:t>Transfer learning on targeted domain: achieve better performance on target domain while benefiting from source domain (dialog space is both source and target domain)</a:t>
+            </a:r>
+          </a:p>
+          <a:p>
+            <a:endParaRPr lang="en-CA" dirty="0"/>
           </a:p>
           <a:p>
             <a:r>
               <a:rPr lang="en-CA" dirty="0"/>
-              <a:t>Q&amp;A answering system is deterministic</a:t>
-            </a:r>
+              <a:t>Intent based dialog management using LSTM</a:t>
+            </a:r>
+          </a:p>
+          <a:p>
+            <a:endParaRPr lang="en-CA" dirty="0"/>
           </a:p>
           <a:p>
             <a:r>
               <a:rPr lang="en-CA" dirty="0"/>
-              <a:t>Each Q&amp;A are independent of each other</a:t>
-            </a:r>
+              <a:t>Interlocutor tracking system</a:t>
+            </a:r>
+          </a:p>
+          <a:p>
+            <a:endParaRPr lang="en-CA" dirty="0"/>
+          </a:p>
+          <a:p>
+            <a:endParaRPr lang="en-CA" dirty="0"/>
           </a:p>
         </p:txBody>
       </p:sp>
     </p:spTree>
     <p:extLst>
       <p:ext uri="{BB962C8B-B14F-4D97-AF65-F5344CB8AC3E}">
-        <p14:creationId xmlns:p14="http://schemas.microsoft.com/office/powerpoint/2010/main" val="4043780860"/>
+        <p14:creationId xmlns:p14="http://schemas.microsoft.com/office/powerpoint/2010/main" val="2354734232"/>
       </p:ext>
     </p:extLst>
   </p:cSld>

--- a/Proposal.pptx
+++ b/Proposal.pptx
@@ -5,28 +5,29 @@
     <p:sldMasterId id="2147483648" r:id="rId1"/>
   </p:sldMasterIdLst>
   <p:notesMasterIdLst>
-    <p:notesMasterId r:id="rId21"/>
+    <p:notesMasterId r:id="rId22"/>
   </p:notesMasterIdLst>
   <p:sldIdLst>
     <p:sldId id="256" r:id="rId2"/>
-    <p:sldId id="257" r:id="rId3"/>
-    <p:sldId id="258" r:id="rId4"/>
-    <p:sldId id="261" r:id="rId5"/>
-    <p:sldId id="263" r:id="rId6"/>
-    <p:sldId id="264" r:id="rId7"/>
-    <p:sldId id="265" r:id="rId8"/>
-    <p:sldId id="275" r:id="rId9"/>
-    <p:sldId id="276" r:id="rId10"/>
-    <p:sldId id="277" r:id="rId11"/>
-    <p:sldId id="266" r:id="rId12"/>
-    <p:sldId id="270" r:id="rId13"/>
-    <p:sldId id="267" r:id="rId14"/>
-    <p:sldId id="269" r:id="rId15"/>
-    <p:sldId id="272" r:id="rId16"/>
-    <p:sldId id="273" r:id="rId17"/>
-    <p:sldId id="279" r:id="rId18"/>
-    <p:sldId id="274" r:id="rId19"/>
-    <p:sldId id="278" r:id="rId20"/>
+    <p:sldId id="288" r:id="rId3"/>
+    <p:sldId id="280" r:id="rId4"/>
+    <p:sldId id="281" r:id="rId5"/>
+    <p:sldId id="282" r:id="rId6"/>
+    <p:sldId id="283" r:id="rId7"/>
+    <p:sldId id="284" r:id="rId8"/>
+    <p:sldId id="286" r:id="rId9"/>
+    <p:sldId id="277" r:id="rId10"/>
+    <p:sldId id="289" r:id="rId11"/>
+    <p:sldId id="290" r:id="rId12"/>
+    <p:sldId id="266" r:id="rId13"/>
+    <p:sldId id="270" r:id="rId14"/>
+    <p:sldId id="267" r:id="rId15"/>
+    <p:sldId id="269" r:id="rId16"/>
+    <p:sldId id="272" r:id="rId17"/>
+    <p:sldId id="273" r:id="rId18"/>
+    <p:sldId id="279" r:id="rId19"/>
+    <p:sldId id="274" r:id="rId20"/>
+    <p:sldId id="278" r:id="rId21"/>
   </p:sldIdLst>
   <p:sldSz cx="12192000" cy="6858000"/>
   <p:notesSz cx="6858000" cy="9144000"/>
@@ -215,7 +216,7 @@
           <a:p>
             <a:fld id="{2242B1A0-E255-4016-AD51-362A89FAC870}" type="datetimeFigureOut">
               <a:rPr lang="en-CA" smtClean="0"/>
-              <a:t>2019-02-03</a:t>
+              <a:t>2019-02-04</a:t>
             </a:fld>
             <a:endParaRPr lang="en-CA"/>
           </a:p>
@@ -483,177 +484,6 @@
 </p:notesMaster>
 </file>
 
-<file path=ppt/notesSlides/notesSlide1.xml><?xml version="1.0" encoding="utf-8"?>
-<p:notes xmlns:a="http://schemas.openxmlformats.org/drawingml/2006/main" xmlns:r="http://schemas.openxmlformats.org/officeDocument/2006/relationships" xmlns:p="http://schemas.openxmlformats.org/presentationml/2006/main">
-  <p:cSld>
-    <p:spTree>
-      <p:nvGrpSpPr>
-        <p:cNvPr id="1" name=""/>
-        <p:cNvGrpSpPr/>
-        <p:nvPr/>
-      </p:nvGrpSpPr>
-      <p:grpSpPr>
-        <a:xfrm>
-          <a:off x="0" y="0"/>
-          <a:ext cx="0" cy="0"/>
-          <a:chOff x="0" y="0"/>
-          <a:chExt cx="0" cy="0"/>
-        </a:xfrm>
-      </p:grpSpPr>
-      <p:sp>
-        <p:nvSpPr>
-          <p:cNvPr id="2" name="Slide Image Placeholder 1"/>
-          <p:cNvSpPr>
-            <a:spLocks noGrp="1" noRot="1" noChangeAspect="1"/>
-          </p:cNvSpPr>
-          <p:nvPr>
-            <p:ph type="sldImg"/>
-          </p:nvPr>
-        </p:nvSpPr>
-        <p:spPr/>
-      </p:sp>
-      <p:sp>
-        <p:nvSpPr>
-          <p:cNvPr id="3" name="Notes Placeholder 2"/>
-          <p:cNvSpPr>
-            <a:spLocks noGrp="1"/>
-          </p:cNvSpPr>
-          <p:nvPr>
-            <p:ph type="body" idx="1"/>
-          </p:nvPr>
-        </p:nvSpPr>
-        <p:spPr/>
-        <p:txBody>
-          <a:bodyPr/>
-          <a:lstStyle/>
-          <a:p>
-            <a:r>
-              <a:rPr lang="en-US" dirty="0"/>
-              <a:t>Add dataset source</a:t>
-            </a:r>
-          </a:p>
-        </p:txBody>
-      </p:sp>
-      <p:sp>
-        <p:nvSpPr>
-          <p:cNvPr id="4" name="Slide Number Placeholder 3"/>
-          <p:cNvSpPr>
-            <a:spLocks noGrp="1"/>
-          </p:cNvSpPr>
-          <p:nvPr>
-            <p:ph type="sldNum" sz="quarter" idx="5"/>
-          </p:nvPr>
-        </p:nvSpPr>
-        <p:spPr/>
-        <p:txBody>
-          <a:bodyPr/>
-          <a:lstStyle/>
-          <a:p>
-            <a:fld id="{F635A496-EDE2-4BAC-A9F4-438BB6A66E5A}" type="slidenum">
-              <a:rPr lang="en-CA" smtClean="0"/>
-              <a:t>4</a:t>
-            </a:fld>
-            <a:endParaRPr lang="en-CA"/>
-          </a:p>
-        </p:txBody>
-      </p:sp>
-    </p:spTree>
-    <p:extLst>
-      <p:ext uri="{BB962C8B-B14F-4D97-AF65-F5344CB8AC3E}">
-        <p14:creationId xmlns:p14="http://schemas.microsoft.com/office/powerpoint/2010/main" val="1984174973"/>
-      </p:ext>
-    </p:extLst>
-  </p:cSld>
-  <p:clrMapOvr>
-    <a:masterClrMapping/>
-  </p:clrMapOvr>
-</p:notes>
-</file>
-
-<file path=ppt/notesSlides/notesSlide2.xml><?xml version="1.0" encoding="utf-8"?>
-<p:notes xmlns:a="http://schemas.openxmlformats.org/drawingml/2006/main" xmlns:r="http://schemas.openxmlformats.org/officeDocument/2006/relationships" xmlns:p="http://schemas.openxmlformats.org/presentationml/2006/main">
-  <p:cSld>
-    <p:spTree>
-      <p:nvGrpSpPr>
-        <p:cNvPr id="1" name=""/>
-        <p:cNvGrpSpPr/>
-        <p:nvPr/>
-      </p:nvGrpSpPr>
-      <p:grpSpPr>
-        <a:xfrm>
-          <a:off x="0" y="0"/>
-          <a:ext cx="0" cy="0"/>
-          <a:chOff x="0" y="0"/>
-          <a:chExt cx="0" cy="0"/>
-        </a:xfrm>
-      </p:grpSpPr>
-      <p:sp>
-        <p:nvSpPr>
-          <p:cNvPr id="2" name="Slide Image Placeholder 1"/>
-          <p:cNvSpPr>
-            <a:spLocks noGrp="1" noRot="1" noChangeAspect="1"/>
-          </p:cNvSpPr>
-          <p:nvPr>
-            <p:ph type="sldImg"/>
-          </p:nvPr>
-        </p:nvSpPr>
-        <p:spPr/>
-      </p:sp>
-      <p:sp>
-        <p:nvSpPr>
-          <p:cNvPr id="3" name="Notes Placeholder 2"/>
-          <p:cNvSpPr>
-            <a:spLocks noGrp="1"/>
-          </p:cNvSpPr>
-          <p:nvPr>
-            <p:ph type="body" idx="1"/>
-          </p:nvPr>
-        </p:nvSpPr>
-        <p:spPr/>
-        <p:txBody>
-          <a:bodyPr/>
-          <a:lstStyle/>
-          <a:p>
-            <a:endParaRPr lang="en-CA" dirty="0"/>
-          </a:p>
-        </p:txBody>
-      </p:sp>
-      <p:sp>
-        <p:nvSpPr>
-          <p:cNvPr id="4" name="Slide Number Placeholder 3"/>
-          <p:cNvSpPr>
-            <a:spLocks noGrp="1"/>
-          </p:cNvSpPr>
-          <p:nvPr>
-            <p:ph type="sldNum" sz="quarter" idx="5"/>
-          </p:nvPr>
-        </p:nvSpPr>
-        <p:spPr/>
-        <p:txBody>
-          <a:bodyPr/>
-          <a:lstStyle/>
-          <a:p>
-            <a:fld id="{F635A496-EDE2-4BAC-A9F4-438BB6A66E5A}" type="slidenum">
-              <a:rPr lang="en-CA" smtClean="0"/>
-              <a:t>9</a:t>
-            </a:fld>
-            <a:endParaRPr lang="en-CA"/>
-          </a:p>
-        </p:txBody>
-      </p:sp>
-    </p:spTree>
-    <p:extLst>
-      <p:ext uri="{BB962C8B-B14F-4D97-AF65-F5344CB8AC3E}">
-        <p14:creationId xmlns:p14="http://schemas.microsoft.com/office/powerpoint/2010/main" val="1072731362"/>
-      </p:ext>
-    </p:extLst>
-  </p:cSld>
-  <p:clrMapOvr>
-    <a:masterClrMapping/>
-  </p:clrMapOvr>
-</p:notes>
-</file>
-
 <file path=ppt/slideLayouts/slideLayout1.xml><?xml version="1.0" encoding="utf-8"?>
 <p:sldLayout xmlns:a="http://schemas.openxmlformats.org/drawingml/2006/main" xmlns:r="http://schemas.openxmlformats.org/officeDocument/2006/relationships" xmlns:p="http://schemas.openxmlformats.org/presentationml/2006/main" type="title" preserve="1">
   <p:cSld name="Title Slide">
@@ -676,7 +506,7 @@
           <p:cNvPr id="2" name="Title 1">
             <a:extLst>
               <a:ext uri="{FF2B5EF4-FFF2-40B4-BE49-F238E27FC236}">
-                <a16:creationId xmlns:a16="http://schemas.microsoft.com/office/drawing/2014/main" id="{80BF9648-DA75-4A20-99AC-370541C74B83}"/>
+                <a16:creationId xmlns:a16="http://schemas.microsoft.com/office/drawing/2014/main" xmlns="" id="{80BF9648-DA75-4A20-99AC-370541C74B83}"/>
               </a:ext>
             </a:extLst>
           </p:cNvPr>
@@ -714,7 +544,7 @@
           <p:cNvPr id="3" name="Subtitle 2">
             <a:extLst>
               <a:ext uri="{FF2B5EF4-FFF2-40B4-BE49-F238E27FC236}">
-                <a16:creationId xmlns:a16="http://schemas.microsoft.com/office/drawing/2014/main" id="{23A6B22E-98E2-494B-BDD1-D81E16518C87}"/>
+                <a16:creationId xmlns:a16="http://schemas.microsoft.com/office/drawing/2014/main" xmlns="" id="{23A6B22E-98E2-494B-BDD1-D81E16518C87}"/>
               </a:ext>
             </a:extLst>
           </p:cNvPr>
@@ -785,7 +615,7 @@
           <p:cNvPr id="4" name="Date Placeholder 3">
             <a:extLst>
               <a:ext uri="{FF2B5EF4-FFF2-40B4-BE49-F238E27FC236}">
-                <a16:creationId xmlns:a16="http://schemas.microsoft.com/office/drawing/2014/main" id="{6AF86989-7D73-48C5-B7ED-16378C8055A7}"/>
+                <a16:creationId xmlns:a16="http://schemas.microsoft.com/office/drawing/2014/main" xmlns="" id="{6AF86989-7D73-48C5-B7ED-16378C8055A7}"/>
               </a:ext>
             </a:extLst>
           </p:cNvPr>
@@ -803,7 +633,7 @@
           <a:p>
             <a:fld id="{0E4FE686-5192-480A-AE8D-6BB1A950DE34}" type="datetimeFigureOut">
               <a:rPr lang="en-CA" smtClean="0"/>
-              <a:t>2019-02-03</a:t>
+              <a:t>2019-02-04</a:t>
             </a:fld>
             <a:endParaRPr lang="en-CA"/>
           </a:p>
@@ -814,7 +644,7 @@
           <p:cNvPr id="5" name="Footer Placeholder 4">
             <a:extLst>
               <a:ext uri="{FF2B5EF4-FFF2-40B4-BE49-F238E27FC236}">
-                <a16:creationId xmlns:a16="http://schemas.microsoft.com/office/drawing/2014/main" id="{D8255884-BD0D-47EC-95D4-43DF0922922D}"/>
+                <a16:creationId xmlns:a16="http://schemas.microsoft.com/office/drawing/2014/main" xmlns="" id="{D8255884-BD0D-47EC-95D4-43DF0922922D}"/>
               </a:ext>
             </a:extLst>
           </p:cNvPr>
@@ -839,7 +669,7 @@
           <p:cNvPr id="6" name="Slide Number Placeholder 5">
             <a:extLst>
               <a:ext uri="{FF2B5EF4-FFF2-40B4-BE49-F238E27FC236}">
-                <a16:creationId xmlns:a16="http://schemas.microsoft.com/office/drawing/2014/main" id="{03033E9F-C506-4A58-A331-E95781D274F9}"/>
+                <a16:creationId xmlns:a16="http://schemas.microsoft.com/office/drawing/2014/main" xmlns="" id="{03033E9F-C506-4A58-A331-E95781D274F9}"/>
               </a:ext>
             </a:extLst>
           </p:cNvPr>
@@ -898,7 +728,7 @@
           <p:cNvPr id="2" name="Title 1">
             <a:extLst>
               <a:ext uri="{FF2B5EF4-FFF2-40B4-BE49-F238E27FC236}">
-                <a16:creationId xmlns:a16="http://schemas.microsoft.com/office/drawing/2014/main" id="{ED68385C-FAC5-4CD7-AB29-6B9169868F6F}"/>
+                <a16:creationId xmlns:a16="http://schemas.microsoft.com/office/drawing/2014/main" xmlns="" id="{ED68385C-FAC5-4CD7-AB29-6B9169868F6F}"/>
               </a:ext>
             </a:extLst>
           </p:cNvPr>
@@ -927,7 +757,7 @@
           <p:cNvPr id="3" name="Vertical Text Placeholder 2">
             <a:extLst>
               <a:ext uri="{FF2B5EF4-FFF2-40B4-BE49-F238E27FC236}">
-                <a16:creationId xmlns:a16="http://schemas.microsoft.com/office/drawing/2014/main" id="{EA6C8635-F829-4DB7-8A92-36541574399D}"/>
+                <a16:creationId xmlns:a16="http://schemas.microsoft.com/office/drawing/2014/main" xmlns="" id="{EA6C8635-F829-4DB7-8A92-36541574399D}"/>
               </a:ext>
             </a:extLst>
           </p:cNvPr>
@@ -985,7 +815,7 @@
           <p:cNvPr id="4" name="Date Placeholder 3">
             <a:extLst>
               <a:ext uri="{FF2B5EF4-FFF2-40B4-BE49-F238E27FC236}">
-                <a16:creationId xmlns:a16="http://schemas.microsoft.com/office/drawing/2014/main" id="{D0B0EBC6-A10E-4E7A-B29C-821259CCAF71}"/>
+                <a16:creationId xmlns:a16="http://schemas.microsoft.com/office/drawing/2014/main" xmlns="" id="{D0B0EBC6-A10E-4E7A-B29C-821259CCAF71}"/>
               </a:ext>
             </a:extLst>
           </p:cNvPr>
@@ -1003,7 +833,7 @@
           <a:p>
             <a:fld id="{0E4FE686-5192-480A-AE8D-6BB1A950DE34}" type="datetimeFigureOut">
               <a:rPr lang="en-CA" smtClean="0"/>
-              <a:t>2019-02-03</a:t>
+              <a:t>2019-02-04</a:t>
             </a:fld>
             <a:endParaRPr lang="en-CA"/>
           </a:p>
@@ -1014,7 +844,7 @@
           <p:cNvPr id="5" name="Footer Placeholder 4">
             <a:extLst>
               <a:ext uri="{FF2B5EF4-FFF2-40B4-BE49-F238E27FC236}">
-                <a16:creationId xmlns:a16="http://schemas.microsoft.com/office/drawing/2014/main" id="{A3705300-A484-4D74-A0E9-4393DCAA4FF8}"/>
+                <a16:creationId xmlns:a16="http://schemas.microsoft.com/office/drawing/2014/main" xmlns="" id="{A3705300-A484-4D74-A0E9-4393DCAA4FF8}"/>
               </a:ext>
             </a:extLst>
           </p:cNvPr>
@@ -1039,7 +869,7 @@
           <p:cNvPr id="6" name="Slide Number Placeholder 5">
             <a:extLst>
               <a:ext uri="{FF2B5EF4-FFF2-40B4-BE49-F238E27FC236}">
-                <a16:creationId xmlns:a16="http://schemas.microsoft.com/office/drawing/2014/main" id="{1E5F4BE3-5561-45F1-8B74-105D0CDD16D2}"/>
+                <a16:creationId xmlns:a16="http://schemas.microsoft.com/office/drawing/2014/main" xmlns="" id="{1E5F4BE3-5561-45F1-8B74-105D0CDD16D2}"/>
               </a:ext>
             </a:extLst>
           </p:cNvPr>
@@ -1098,7 +928,7 @@
           <p:cNvPr id="2" name="Vertical Title 1">
             <a:extLst>
               <a:ext uri="{FF2B5EF4-FFF2-40B4-BE49-F238E27FC236}">
-                <a16:creationId xmlns:a16="http://schemas.microsoft.com/office/drawing/2014/main" id="{71A901E6-1736-4F0B-B891-823767572FF4}"/>
+                <a16:creationId xmlns:a16="http://schemas.microsoft.com/office/drawing/2014/main" xmlns="" id="{71A901E6-1736-4F0B-B891-823767572FF4}"/>
               </a:ext>
             </a:extLst>
           </p:cNvPr>
@@ -1132,7 +962,7 @@
           <p:cNvPr id="3" name="Vertical Text Placeholder 2">
             <a:extLst>
               <a:ext uri="{FF2B5EF4-FFF2-40B4-BE49-F238E27FC236}">
-                <a16:creationId xmlns:a16="http://schemas.microsoft.com/office/drawing/2014/main" id="{C88564A8-93DF-4E5E-B087-0DA080EF08A6}"/>
+                <a16:creationId xmlns:a16="http://schemas.microsoft.com/office/drawing/2014/main" xmlns="" id="{C88564A8-93DF-4E5E-B087-0DA080EF08A6}"/>
               </a:ext>
             </a:extLst>
           </p:cNvPr>
@@ -1195,7 +1025,7 @@
           <p:cNvPr id="4" name="Date Placeholder 3">
             <a:extLst>
               <a:ext uri="{FF2B5EF4-FFF2-40B4-BE49-F238E27FC236}">
-                <a16:creationId xmlns:a16="http://schemas.microsoft.com/office/drawing/2014/main" id="{76465526-AC3C-433D-A6CC-C725CD3F09A8}"/>
+                <a16:creationId xmlns:a16="http://schemas.microsoft.com/office/drawing/2014/main" xmlns="" id="{76465526-AC3C-433D-A6CC-C725CD3F09A8}"/>
               </a:ext>
             </a:extLst>
           </p:cNvPr>
@@ -1213,7 +1043,7 @@
           <a:p>
             <a:fld id="{0E4FE686-5192-480A-AE8D-6BB1A950DE34}" type="datetimeFigureOut">
               <a:rPr lang="en-CA" smtClean="0"/>
-              <a:t>2019-02-03</a:t>
+              <a:t>2019-02-04</a:t>
             </a:fld>
             <a:endParaRPr lang="en-CA"/>
           </a:p>
@@ -1224,7 +1054,7 @@
           <p:cNvPr id="5" name="Footer Placeholder 4">
             <a:extLst>
               <a:ext uri="{FF2B5EF4-FFF2-40B4-BE49-F238E27FC236}">
-                <a16:creationId xmlns:a16="http://schemas.microsoft.com/office/drawing/2014/main" id="{58BEAD82-5A72-4576-BCE1-EFBB3955D219}"/>
+                <a16:creationId xmlns:a16="http://schemas.microsoft.com/office/drawing/2014/main" xmlns="" id="{58BEAD82-5A72-4576-BCE1-EFBB3955D219}"/>
               </a:ext>
             </a:extLst>
           </p:cNvPr>
@@ -1249,7 +1079,7 @@
           <p:cNvPr id="6" name="Slide Number Placeholder 5">
             <a:extLst>
               <a:ext uri="{FF2B5EF4-FFF2-40B4-BE49-F238E27FC236}">
-                <a16:creationId xmlns:a16="http://schemas.microsoft.com/office/drawing/2014/main" id="{72F38DD4-5ADB-41BB-AB1C-94ACE98265D5}"/>
+                <a16:creationId xmlns:a16="http://schemas.microsoft.com/office/drawing/2014/main" xmlns="" id="{72F38DD4-5ADB-41BB-AB1C-94ACE98265D5}"/>
               </a:ext>
             </a:extLst>
           </p:cNvPr>
@@ -1308,7 +1138,7 @@
           <p:cNvPr id="2" name="Title 1">
             <a:extLst>
               <a:ext uri="{FF2B5EF4-FFF2-40B4-BE49-F238E27FC236}">
-                <a16:creationId xmlns:a16="http://schemas.microsoft.com/office/drawing/2014/main" id="{8714E408-4974-4A82-A6E8-F33059D5A0FE}"/>
+                <a16:creationId xmlns:a16="http://schemas.microsoft.com/office/drawing/2014/main" xmlns="" id="{8714E408-4974-4A82-A6E8-F33059D5A0FE}"/>
               </a:ext>
             </a:extLst>
           </p:cNvPr>
@@ -1337,7 +1167,7 @@
           <p:cNvPr id="3" name="Content Placeholder 2">
             <a:extLst>
               <a:ext uri="{FF2B5EF4-FFF2-40B4-BE49-F238E27FC236}">
-                <a16:creationId xmlns:a16="http://schemas.microsoft.com/office/drawing/2014/main" id="{5DB0E674-7DBB-4CCF-924D-A28C12420B48}"/>
+                <a16:creationId xmlns:a16="http://schemas.microsoft.com/office/drawing/2014/main" xmlns="" id="{5DB0E674-7DBB-4CCF-924D-A28C12420B48}"/>
               </a:ext>
             </a:extLst>
           </p:cNvPr>
@@ -1395,7 +1225,7 @@
           <p:cNvPr id="4" name="Date Placeholder 3">
             <a:extLst>
               <a:ext uri="{FF2B5EF4-FFF2-40B4-BE49-F238E27FC236}">
-                <a16:creationId xmlns:a16="http://schemas.microsoft.com/office/drawing/2014/main" id="{B967068E-77C7-4C4C-9FA7-14562F7C2FDD}"/>
+                <a16:creationId xmlns:a16="http://schemas.microsoft.com/office/drawing/2014/main" xmlns="" id="{B967068E-77C7-4C4C-9FA7-14562F7C2FDD}"/>
               </a:ext>
             </a:extLst>
           </p:cNvPr>
@@ -1413,7 +1243,7 @@
           <a:p>
             <a:fld id="{0E4FE686-5192-480A-AE8D-6BB1A950DE34}" type="datetimeFigureOut">
               <a:rPr lang="en-CA" smtClean="0"/>
-              <a:t>2019-02-03</a:t>
+              <a:t>2019-02-04</a:t>
             </a:fld>
             <a:endParaRPr lang="en-CA"/>
           </a:p>
@@ -1424,7 +1254,7 @@
           <p:cNvPr id="5" name="Footer Placeholder 4">
             <a:extLst>
               <a:ext uri="{FF2B5EF4-FFF2-40B4-BE49-F238E27FC236}">
-                <a16:creationId xmlns:a16="http://schemas.microsoft.com/office/drawing/2014/main" id="{73806DC2-68BF-43EC-9EE2-F71B3DB9E9E4}"/>
+                <a16:creationId xmlns:a16="http://schemas.microsoft.com/office/drawing/2014/main" xmlns="" id="{73806DC2-68BF-43EC-9EE2-F71B3DB9E9E4}"/>
               </a:ext>
             </a:extLst>
           </p:cNvPr>
@@ -1449,7 +1279,7 @@
           <p:cNvPr id="6" name="Slide Number Placeholder 5">
             <a:extLst>
               <a:ext uri="{FF2B5EF4-FFF2-40B4-BE49-F238E27FC236}">
-                <a16:creationId xmlns:a16="http://schemas.microsoft.com/office/drawing/2014/main" id="{FE0EB296-1FBB-4CBD-A3CC-2FB6AE1BCE27}"/>
+                <a16:creationId xmlns:a16="http://schemas.microsoft.com/office/drawing/2014/main" xmlns="" id="{FE0EB296-1FBB-4CBD-A3CC-2FB6AE1BCE27}"/>
               </a:ext>
             </a:extLst>
           </p:cNvPr>
@@ -1508,7 +1338,7 @@
           <p:cNvPr id="2" name="Title 1">
             <a:extLst>
               <a:ext uri="{FF2B5EF4-FFF2-40B4-BE49-F238E27FC236}">
-                <a16:creationId xmlns:a16="http://schemas.microsoft.com/office/drawing/2014/main" id="{76BCBC00-9A5B-49FC-9DED-F8D426EFFD5B}"/>
+                <a16:creationId xmlns:a16="http://schemas.microsoft.com/office/drawing/2014/main" xmlns="" id="{76BCBC00-9A5B-49FC-9DED-F8D426EFFD5B}"/>
               </a:ext>
             </a:extLst>
           </p:cNvPr>
@@ -1546,7 +1376,7 @@
           <p:cNvPr id="3" name="Text Placeholder 2">
             <a:extLst>
               <a:ext uri="{FF2B5EF4-FFF2-40B4-BE49-F238E27FC236}">
-                <a16:creationId xmlns:a16="http://schemas.microsoft.com/office/drawing/2014/main" id="{D33817AE-6561-4563-B425-BEADBA0CE2BA}"/>
+                <a16:creationId xmlns:a16="http://schemas.microsoft.com/office/drawing/2014/main" xmlns="" id="{D33817AE-6561-4563-B425-BEADBA0CE2BA}"/>
               </a:ext>
             </a:extLst>
           </p:cNvPr>
@@ -1671,7 +1501,7 @@
           <p:cNvPr id="4" name="Date Placeholder 3">
             <a:extLst>
               <a:ext uri="{FF2B5EF4-FFF2-40B4-BE49-F238E27FC236}">
-                <a16:creationId xmlns:a16="http://schemas.microsoft.com/office/drawing/2014/main" id="{239FC386-68DD-4080-8853-E70F7457A6D5}"/>
+                <a16:creationId xmlns:a16="http://schemas.microsoft.com/office/drawing/2014/main" xmlns="" id="{239FC386-68DD-4080-8853-E70F7457A6D5}"/>
               </a:ext>
             </a:extLst>
           </p:cNvPr>
@@ -1689,7 +1519,7 @@
           <a:p>
             <a:fld id="{0E4FE686-5192-480A-AE8D-6BB1A950DE34}" type="datetimeFigureOut">
               <a:rPr lang="en-CA" smtClean="0"/>
-              <a:t>2019-02-03</a:t>
+              <a:t>2019-02-04</a:t>
             </a:fld>
             <a:endParaRPr lang="en-CA"/>
           </a:p>
@@ -1700,7 +1530,7 @@
           <p:cNvPr id="5" name="Footer Placeholder 4">
             <a:extLst>
               <a:ext uri="{FF2B5EF4-FFF2-40B4-BE49-F238E27FC236}">
-                <a16:creationId xmlns:a16="http://schemas.microsoft.com/office/drawing/2014/main" id="{820C4051-61A2-4957-982A-12A059BB20D6}"/>
+                <a16:creationId xmlns:a16="http://schemas.microsoft.com/office/drawing/2014/main" xmlns="" id="{820C4051-61A2-4957-982A-12A059BB20D6}"/>
               </a:ext>
             </a:extLst>
           </p:cNvPr>
@@ -1725,7 +1555,7 @@
           <p:cNvPr id="6" name="Slide Number Placeholder 5">
             <a:extLst>
               <a:ext uri="{FF2B5EF4-FFF2-40B4-BE49-F238E27FC236}">
-                <a16:creationId xmlns:a16="http://schemas.microsoft.com/office/drawing/2014/main" id="{E40B34A5-E323-4346-813A-3690D23686CF}"/>
+                <a16:creationId xmlns:a16="http://schemas.microsoft.com/office/drawing/2014/main" xmlns="" id="{E40B34A5-E323-4346-813A-3690D23686CF}"/>
               </a:ext>
             </a:extLst>
           </p:cNvPr>
@@ -1784,7 +1614,7 @@
           <p:cNvPr id="2" name="Title 1">
             <a:extLst>
               <a:ext uri="{FF2B5EF4-FFF2-40B4-BE49-F238E27FC236}">
-                <a16:creationId xmlns:a16="http://schemas.microsoft.com/office/drawing/2014/main" id="{A7039269-7DF8-4A56-85D6-E59D63E10487}"/>
+                <a16:creationId xmlns:a16="http://schemas.microsoft.com/office/drawing/2014/main" xmlns="" id="{A7039269-7DF8-4A56-85D6-E59D63E10487}"/>
               </a:ext>
             </a:extLst>
           </p:cNvPr>
@@ -1813,7 +1643,7 @@
           <p:cNvPr id="3" name="Content Placeholder 2">
             <a:extLst>
               <a:ext uri="{FF2B5EF4-FFF2-40B4-BE49-F238E27FC236}">
-                <a16:creationId xmlns:a16="http://schemas.microsoft.com/office/drawing/2014/main" id="{15C28F2D-C492-49DB-AFF9-0361D6E9F251}"/>
+                <a16:creationId xmlns:a16="http://schemas.microsoft.com/office/drawing/2014/main" xmlns="" id="{15C28F2D-C492-49DB-AFF9-0361D6E9F251}"/>
               </a:ext>
             </a:extLst>
           </p:cNvPr>
@@ -1876,7 +1706,7 @@
           <p:cNvPr id="4" name="Content Placeholder 3">
             <a:extLst>
               <a:ext uri="{FF2B5EF4-FFF2-40B4-BE49-F238E27FC236}">
-                <a16:creationId xmlns:a16="http://schemas.microsoft.com/office/drawing/2014/main" id="{38CF8483-C3E5-4521-81CC-0370689A97CB}"/>
+                <a16:creationId xmlns:a16="http://schemas.microsoft.com/office/drawing/2014/main" xmlns="" id="{38CF8483-C3E5-4521-81CC-0370689A97CB}"/>
               </a:ext>
             </a:extLst>
           </p:cNvPr>
@@ -1939,7 +1769,7 @@
           <p:cNvPr id="5" name="Date Placeholder 4">
             <a:extLst>
               <a:ext uri="{FF2B5EF4-FFF2-40B4-BE49-F238E27FC236}">
-                <a16:creationId xmlns:a16="http://schemas.microsoft.com/office/drawing/2014/main" id="{71B52542-291B-46CA-A961-C83EE7D6B5DD}"/>
+                <a16:creationId xmlns:a16="http://schemas.microsoft.com/office/drawing/2014/main" xmlns="" id="{71B52542-291B-46CA-A961-C83EE7D6B5DD}"/>
               </a:ext>
             </a:extLst>
           </p:cNvPr>
@@ -1957,7 +1787,7 @@
           <a:p>
             <a:fld id="{0E4FE686-5192-480A-AE8D-6BB1A950DE34}" type="datetimeFigureOut">
               <a:rPr lang="en-CA" smtClean="0"/>
-              <a:t>2019-02-03</a:t>
+              <a:t>2019-02-04</a:t>
             </a:fld>
             <a:endParaRPr lang="en-CA"/>
           </a:p>
@@ -1968,7 +1798,7 @@
           <p:cNvPr id="6" name="Footer Placeholder 5">
             <a:extLst>
               <a:ext uri="{FF2B5EF4-FFF2-40B4-BE49-F238E27FC236}">
-                <a16:creationId xmlns:a16="http://schemas.microsoft.com/office/drawing/2014/main" id="{8F930C9E-0963-485C-BD60-4CD714953E87}"/>
+                <a16:creationId xmlns:a16="http://schemas.microsoft.com/office/drawing/2014/main" xmlns="" id="{8F930C9E-0963-485C-BD60-4CD714953E87}"/>
               </a:ext>
             </a:extLst>
           </p:cNvPr>
@@ -1993,7 +1823,7 @@
           <p:cNvPr id="7" name="Slide Number Placeholder 6">
             <a:extLst>
               <a:ext uri="{FF2B5EF4-FFF2-40B4-BE49-F238E27FC236}">
-                <a16:creationId xmlns:a16="http://schemas.microsoft.com/office/drawing/2014/main" id="{47AC8978-06A0-41F9-AD44-C3F6F2D25828}"/>
+                <a16:creationId xmlns:a16="http://schemas.microsoft.com/office/drawing/2014/main" xmlns="" id="{47AC8978-06A0-41F9-AD44-C3F6F2D25828}"/>
               </a:ext>
             </a:extLst>
           </p:cNvPr>
@@ -2052,7 +1882,7 @@
           <p:cNvPr id="2" name="Title 1">
             <a:extLst>
               <a:ext uri="{FF2B5EF4-FFF2-40B4-BE49-F238E27FC236}">
-                <a16:creationId xmlns:a16="http://schemas.microsoft.com/office/drawing/2014/main" id="{E283AAAE-8A63-48DF-872D-C03CD54C926D}"/>
+                <a16:creationId xmlns:a16="http://schemas.microsoft.com/office/drawing/2014/main" xmlns="" id="{E283AAAE-8A63-48DF-872D-C03CD54C926D}"/>
               </a:ext>
             </a:extLst>
           </p:cNvPr>
@@ -2086,7 +1916,7 @@
           <p:cNvPr id="3" name="Text Placeholder 2">
             <a:extLst>
               <a:ext uri="{FF2B5EF4-FFF2-40B4-BE49-F238E27FC236}">
-                <a16:creationId xmlns:a16="http://schemas.microsoft.com/office/drawing/2014/main" id="{A5FA63C9-CC28-4D29-BCE7-4F74291BEE5E}"/>
+                <a16:creationId xmlns:a16="http://schemas.microsoft.com/office/drawing/2014/main" xmlns="" id="{A5FA63C9-CC28-4D29-BCE7-4F74291BEE5E}"/>
               </a:ext>
             </a:extLst>
           </p:cNvPr>
@@ -2157,7 +1987,7 @@
           <p:cNvPr id="4" name="Content Placeholder 3">
             <a:extLst>
               <a:ext uri="{FF2B5EF4-FFF2-40B4-BE49-F238E27FC236}">
-                <a16:creationId xmlns:a16="http://schemas.microsoft.com/office/drawing/2014/main" id="{6643F822-2874-40C4-A138-750C59F72B46}"/>
+                <a16:creationId xmlns:a16="http://schemas.microsoft.com/office/drawing/2014/main" xmlns="" id="{6643F822-2874-40C4-A138-750C59F72B46}"/>
               </a:ext>
             </a:extLst>
           </p:cNvPr>
@@ -2220,7 +2050,7 @@
           <p:cNvPr id="5" name="Text Placeholder 4">
             <a:extLst>
               <a:ext uri="{FF2B5EF4-FFF2-40B4-BE49-F238E27FC236}">
-                <a16:creationId xmlns:a16="http://schemas.microsoft.com/office/drawing/2014/main" id="{FBC08F3B-58DD-4DF2-A752-3E63BCC4F75A}"/>
+                <a16:creationId xmlns:a16="http://schemas.microsoft.com/office/drawing/2014/main" xmlns="" id="{FBC08F3B-58DD-4DF2-A752-3E63BCC4F75A}"/>
               </a:ext>
             </a:extLst>
           </p:cNvPr>
@@ -2291,7 +2121,7 @@
           <p:cNvPr id="6" name="Content Placeholder 5">
             <a:extLst>
               <a:ext uri="{FF2B5EF4-FFF2-40B4-BE49-F238E27FC236}">
-                <a16:creationId xmlns:a16="http://schemas.microsoft.com/office/drawing/2014/main" id="{FB10DF0A-6C6A-4871-BEDC-B76D8F6F4F1E}"/>
+                <a16:creationId xmlns:a16="http://schemas.microsoft.com/office/drawing/2014/main" xmlns="" id="{FB10DF0A-6C6A-4871-BEDC-B76D8F6F4F1E}"/>
               </a:ext>
             </a:extLst>
           </p:cNvPr>
@@ -2354,7 +2184,7 @@
           <p:cNvPr id="7" name="Date Placeholder 6">
             <a:extLst>
               <a:ext uri="{FF2B5EF4-FFF2-40B4-BE49-F238E27FC236}">
-                <a16:creationId xmlns:a16="http://schemas.microsoft.com/office/drawing/2014/main" id="{32E2015E-AD29-4AAB-A832-0B305439C1ED}"/>
+                <a16:creationId xmlns:a16="http://schemas.microsoft.com/office/drawing/2014/main" xmlns="" id="{32E2015E-AD29-4AAB-A832-0B305439C1ED}"/>
               </a:ext>
             </a:extLst>
           </p:cNvPr>
@@ -2372,7 +2202,7 @@
           <a:p>
             <a:fld id="{0E4FE686-5192-480A-AE8D-6BB1A950DE34}" type="datetimeFigureOut">
               <a:rPr lang="en-CA" smtClean="0"/>
-              <a:t>2019-02-03</a:t>
+              <a:t>2019-02-04</a:t>
             </a:fld>
             <a:endParaRPr lang="en-CA"/>
           </a:p>
@@ -2383,7 +2213,7 @@
           <p:cNvPr id="8" name="Footer Placeholder 7">
             <a:extLst>
               <a:ext uri="{FF2B5EF4-FFF2-40B4-BE49-F238E27FC236}">
-                <a16:creationId xmlns:a16="http://schemas.microsoft.com/office/drawing/2014/main" id="{F2B1680A-4BF8-43E3-85D6-1D381BC3D055}"/>
+                <a16:creationId xmlns:a16="http://schemas.microsoft.com/office/drawing/2014/main" xmlns="" id="{F2B1680A-4BF8-43E3-85D6-1D381BC3D055}"/>
               </a:ext>
             </a:extLst>
           </p:cNvPr>
@@ -2408,7 +2238,7 @@
           <p:cNvPr id="9" name="Slide Number Placeholder 8">
             <a:extLst>
               <a:ext uri="{FF2B5EF4-FFF2-40B4-BE49-F238E27FC236}">
-                <a16:creationId xmlns:a16="http://schemas.microsoft.com/office/drawing/2014/main" id="{5DC4C15B-013F-4AE0-B597-B986D02258AB}"/>
+                <a16:creationId xmlns:a16="http://schemas.microsoft.com/office/drawing/2014/main" xmlns="" id="{5DC4C15B-013F-4AE0-B597-B986D02258AB}"/>
               </a:ext>
             </a:extLst>
           </p:cNvPr>
@@ -2467,7 +2297,7 @@
           <p:cNvPr id="2" name="Title 1">
             <a:extLst>
               <a:ext uri="{FF2B5EF4-FFF2-40B4-BE49-F238E27FC236}">
-                <a16:creationId xmlns:a16="http://schemas.microsoft.com/office/drawing/2014/main" id="{220C25D3-2290-4EF1-8254-4ECA1B778275}"/>
+                <a16:creationId xmlns:a16="http://schemas.microsoft.com/office/drawing/2014/main" xmlns="" id="{220C25D3-2290-4EF1-8254-4ECA1B778275}"/>
               </a:ext>
             </a:extLst>
           </p:cNvPr>
@@ -2496,7 +2326,7 @@
           <p:cNvPr id="3" name="Date Placeholder 2">
             <a:extLst>
               <a:ext uri="{FF2B5EF4-FFF2-40B4-BE49-F238E27FC236}">
-                <a16:creationId xmlns:a16="http://schemas.microsoft.com/office/drawing/2014/main" id="{A84EA472-DCB7-4065-AA87-56440DD68272}"/>
+                <a16:creationId xmlns:a16="http://schemas.microsoft.com/office/drawing/2014/main" xmlns="" id="{A84EA472-DCB7-4065-AA87-56440DD68272}"/>
               </a:ext>
             </a:extLst>
           </p:cNvPr>
@@ -2514,7 +2344,7 @@
           <a:p>
             <a:fld id="{0E4FE686-5192-480A-AE8D-6BB1A950DE34}" type="datetimeFigureOut">
               <a:rPr lang="en-CA" smtClean="0"/>
-              <a:t>2019-02-03</a:t>
+              <a:t>2019-02-04</a:t>
             </a:fld>
             <a:endParaRPr lang="en-CA"/>
           </a:p>
@@ -2525,7 +2355,7 @@
           <p:cNvPr id="4" name="Footer Placeholder 3">
             <a:extLst>
               <a:ext uri="{FF2B5EF4-FFF2-40B4-BE49-F238E27FC236}">
-                <a16:creationId xmlns:a16="http://schemas.microsoft.com/office/drawing/2014/main" id="{AC7D0285-39CC-447B-BE68-3002F9DF9389}"/>
+                <a16:creationId xmlns:a16="http://schemas.microsoft.com/office/drawing/2014/main" xmlns="" id="{AC7D0285-39CC-447B-BE68-3002F9DF9389}"/>
               </a:ext>
             </a:extLst>
           </p:cNvPr>
@@ -2550,7 +2380,7 @@
           <p:cNvPr id="5" name="Slide Number Placeholder 4">
             <a:extLst>
               <a:ext uri="{FF2B5EF4-FFF2-40B4-BE49-F238E27FC236}">
-                <a16:creationId xmlns:a16="http://schemas.microsoft.com/office/drawing/2014/main" id="{A898CC2A-BB19-49DE-8BFE-F9599E6B7C35}"/>
+                <a16:creationId xmlns:a16="http://schemas.microsoft.com/office/drawing/2014/main" xmlns="" id="{A898CC2A-BB19-49DE-8BFE-F9599E6B7C35}"/>
               </a:ext>
             </a:extLst>
           </p:cNvPr>
@@ -2609,7 +2439,7 @@
           <p:cNvPr id="2" name="Date Placeholder 1">
             <a:extLst>
               <a:ext uri="{FF2B5EF4-FFF2-40B4-BE49-F238E27FC236}">
-                <a16:creationId xmlns:a16="http://schemas.microsoft.com/office/drawing/2014/main" id="{C9FE5880-AC43-467E-930E-1B668620EC98}"/>
+                <a16:creationId xmlns:a16="http://schemas.microsoft.com/office/drawing/2014/main" xmlns="" id="{C9FE5880-AC43-467E-930E-1B668620EC98}"/>
               </a:ext>
             </a:extLst>
           </p:cNvPr>
@@ -2627,7 +2457,7 @@
           <a:p>
             <a:fld id="{0E4FE686-5192-480A-AE8D-6BB1A950DE34}" type="datetimeFigureOut">
               <a:rPr lang="en-CA" smtClean="0"/>
-              <a:t>2019-02-03</a:t>
+              <a:t>2019-02-04</a:t>
             </a:fld>
             <a:endParaRPr lang="en-CA"/>
           </a:p>
@@ -2638,7 +2468,7 @@
           <p:cNvPr id="3" name="Footer Placeholder 2">
             <a:extLst>
               <a:ext uri="{FF2B5EF4-FFF2-40B4-BE49-F238E27FC236}">
-                <a16:creationId xmlns:a16="http://schemas.microsoft.com/office/drawing/2014/main" id="{E22C37CF-A157-4568-97F2-0ED836A9EBDE}"/>
+                <a16:creationId xmlns:a16="http://schemas.microsoft.com/office/drawing/2014/main" xmlns="" id="{E22C37CF-A157-4568-97F2-0ED836A9EBDE}"/>
               </a:ext>
             </a:extLst>
           </p:cNvPr>
@@ -2663,7 +2493,7 @@
           <p:cNvPr id="4" name="Slide Number Placeholder 3">
             <a:extLst>
               <a:ext uri="{FF2B5EF4-FFF2-40B4-BE49-F238E27FC236}">
-                <a16:creationId xmlns:a16="http://schemas.microsoft.com/office/drawing/2014/main" id="{5BB8711A-B739-4ECC-89CD-7D87EF6438BB}"/>
+                <a16:creationId xmlns:a16="http://schemas.microsoft.com/office/drawing/2014/main" xmlns="" id="{5BB8711A-B739-4ECC-89CD-7D87EF6438BB}"/>
               </a:ext>
             </a:extLst>
           </p:cNvPr>
@@ -2722,7 +2552,7 @@
           <p:cNvPr id="2" name="Title 1">
             <a:extLst>
               <a:ext uri="{FF2B5EF4-FFF2-40B4-BE49-F238E27FC236}">
-                <a16:creationId xmlns:a16="http://schemas.microsoft.com/office/drawing/2014/main" id="{C6D9B85F-7EEA-4048-BC99-C24CA5CAECD4}"/>
+                <a16:creationId xmlns:a16="http://schemas.microsoft.com/office/drawing/2014/main" xmlns="" id="{C6D9B85F-7EEA-4048-BC99-C24CA5CAECD4}"/>
               </a:ext>
             </a:extLst>
           </p:cNvPr>
@@ -2760,7 +2590,7 @@
           <p:cNvPr id="3" name="Content Placeholder 2">
             <a:extLst>
               <a:ext uri="{FF2B5EF4-FFF2-40B4-BE49-F238E27FC236}">
-                <a16:creationId xmlns:a16="http://schemas.microsoft.com/office/drawing/2014/main" id="{F48D9241-72EF-4E25-8B05-3A286C251938}"/>
+                <a16:creationId xmlns:a16="http://schemas.microsoft.com/office/drawing/2014/main" xmlns="" id="{F48D9241-72EF-4E25-8B05-3A286C251938}"/>
               </a:ext>
             </a:extLst>
           </p:cNvPr>
@@ -2851,7 +2681,7 @@
           <p:cNvPr id="4" name="Text Placeholder 3">
             <a:extLst>
               <a:ext uri="{FF2B5EF4-FFF2-40B4-BE49-F238E27FC236}">
-                <a16:creationId xmlns:a16="http://schemas.microsoft.com/office/drawing/2014/main" id="{623453C5-695C-4178-9A78-55BFCFFF5402}"/>
+                <a16:creationId xmlns:a16="http://schemas.microsoft.com/office/drawing/2014/main" xmlns="" id="{623453C5-695C-4178-9A78-55BFCFFF5402}"/>
               </a:ext>
             </a:extLst>
           </p:cNvPr>
@@ -2922,7 +2752,7 @@
           <p:cNvPr id="5" name="Date Placeholder 4">
             <a:extLst>
               <a:ext uri="{FF2B5EF4-FFF2-40B4-BE49-F238E27FC236}">
-                <a16:creationId xmlns:a16="http://schemas.microsoft.com/office/drawing/2014/main" id="{C2B44B84-83DA-438A-9112-6E1C8E8EBA8E}"/>
+                <a16:creationId xmlns:a16="http://schemas.microsoft.com/office/drawing/2014/main" xmlns="" id="{C2B44B84-83DA-438A-9112-6E1C8E8EBA8E}"/>
               </a:ext>
             </a:extLst>
           </p:cNvPr>
@@ -2940,7 +2770,7 @@
           <a:p>
             <a:fld id="{0E4FE686-5192-480A-AE8D-6BB1A950DE34}" type="datetimeFigureOut">
               <a:rPr lang="en-CA" smtClean="0"/>
-              <a:t>2019-02-03</a:t>
+              <a:t>2019-02-04</a:t>
             </a:fld>
             <a:endParaRPr lang="en-CA"/>
           </a:p>
@@ -2951,7 +2781,7 @@
           <p:cNvPr id="6" name="Footer Placeholder 5">
             <a:extLst>
               <a:ext uri="{FF2B5EF4-FFF2-40B4-BE49-F238E27FC236}">
-                <a16:creationId xmlns:a16="http://schemas.microsoft.com/office/drawing/2014/main" id="{BC495BA3-74B0-4CFB-B95A-A758A112D1B7}"/>
+                <a16:creationId xmlns:a16="http://schemas.microsoft.com/office/drawing/2014/main" xmlns="" id="{BC495BA3-74B0-4CFB-B95A-A758A112D1B7}"/>
               </a:ext>
             </a:extLst>
           </p:cNvPr>
@@ -2976,7 +2806,7 @@
           <p:cNvPr id="7" name="Slide Number Placeholder 6">
             <a:extLst>
               <a:ext uri="{FF2B5EF4-FFF2-40B4-BE49-F238E27FC236}">
-                <a16:creationId xmlns:a16="http://schemas.microsoft.com/office/drawing/2014/main" id="{14A45B42-3604-4565-A98E-7D9420B28E17}"/>
+                <a16:creationId xmlns:a16="http://schemas.microsoft.com/office/drawing/2014/main" xmlns="" id="{14A45B42-3604-4565-A98E-7D9420B28E17}"/>
               </a:ext>
             </a:extLst>
           </p:cNvPr>
@@ -3035,7 +2865,7 @@
           <p:cNvPr id="2" name="Title 1">
             <a:extLst>
               <a:ext uri="{FF2B5EF4-FFF2-40B4-BE49-F238E27FC236}">
-                <a16:creationId xmlns:a16="http://schemas.microsoft.com/office/drawing/2014/main" id="{4965197F-A5DB-4E23-8E3B-B4CB7F668C39}"/>
+                <a16:creationId xmlns:a16="http://schemas.microsoft.com/office/drawing/2014/main" xmlns="" id="{4965197F-A5DB-4E23-8E3B-B4CB7F668C39}"/>
               </a:ext>
             </a:extLst>
           </p:cNvPr>
@@ -3073,7 +2903,7 @@
           <p:cNvPr id="3" name="Picture Placeholder 2">
             <a:extLst>
               <a:ext uri="{FF2B5EF4-FFF2-40B4-BE49-F238E27FC236}">
-                <a16:creationId xmlns:a16="http://schemas.microsoft.com/office/drawing/2014/main" id="{3FD7E5B4-4B98-43B2-9BCB-4E5280694FCD}"/>
+                <a16:creationId xmlns:a16="http://schemas.microsoft.com/office/drawing/2014/main" xmlns="" id="{3FD7E5B4-4B98-43B2-9BCB-4E5280694FCD}"/>
               </a:ext>
             </a:extLst>
           </p:cNvPr>
@@ -3140,7 +2970,7 @@
           <p:cNvPr id="4" name="Text Placeholder 3">
             <a:extLst>
               <a:ext uri="{FF2B5EF4-FFF2-40B4-BE49-F238E27FC236}">
-                <a16:creationId xmlns:a16="http://schemas.microsoft.com/office/drawing/2014/main" id="{690CFF2A-2544-452D-9B5F-85BFDB5B50A6}"/>
+                <a16:creationId xmlns:a16="http://schemas.microsoft.com/office/drawing/2014/main" xmlns="" id="{690CFF2A-2544-452D-9B5F-85BFDB5B50A6}"/>
               </a:ext>
             </a:extLst>
           </p:cNvPr>
@@ -3211,7 +3041,7 @@
           <p:cNvPr id="5" name="Date Placeholder 4">
             <a:extLst>
               <a:ext uri="{FF2B5EF4-FFF2-40B4-BE49-F238E27FC236}">
-                <a16:creationId xmlns:a16="http://schemas.microsoft.com/office/drawing/2014/main" id="{748A8B47-3D90-4CE7-B6EC-DC27D33DCA8A}"/>
+                <a16:creationId xmlns:a16="http://schemas.microsoft.com/office/drawing/2014/main" xmlns="" id="{748A8B47-3D90-4CE7-B6EC-DC27D33DCA8A}"/>
               </a:ext>
             </a:extLst>
           </p:cNvPr>
@@ -3229,7 +3059,7 @@
           <a:p>
             <a:fld id="{0E4FE686-5192-480A-AE8D-6BB1A950DE34}" type="datetimeFigureOut">
               <a:rPr lang="en-CA" smtClean="0"/>
-              <a:t>2019-02-03</a:t>
+              <a:t>2019-02-04</a:t>
             </a:fld>
             <a:endParaRPr lang="en-CA"/>
           </a:p>
@@ -3240,7 +3070,7 @@
           <p:cNvPr id="6" name="Footer Placeholder 5">
             <a:extLst>
               <a:ext uri="{FF2B5EF4-FFF2-40B4-BE49-F238E27FC236}">
-                <a16:creationId xmlns:a16="http://schemas.microsoft.com/office/drawing/2014/main" id="{EF812E3B-5349-40A7-A77C-39B808278ADD}"/>
+                <a16:creationId xmlns:a16="http://schemas.microsoft.com/office/drawing/2014/main" xmlns="" id="{EF812E3B-5349-40A7-A77C-39B808278ADD}"/>
               </a:ext>
             </a:extLst>
           </p:cNvPr>
@@ -3265,7 +3095,7 @@
           <p:cNvPr id="7" name="Slide Number Placeholder 6">
             <a:extLst>
               <a:ext uri="{FF2B5EF4-FFF2-40B4-BE49-F238E27FC236}">
-                <a16:creationId xmlns:a16="http://schemas.microsoft.com/office/drawing/2014/main" id="{CDFE14D6-CF64-44B7-874E-0898C393E5AE}"/>
+                <a16:creationId xmlns:a16="http://schemas.microsoft.com/office/drawing/2014/main" xmlns="" id="{CDFE14D6-CF64-44B7-874E-0898C393E5AE}"/>
               </a:ext>
             </a:extLst>
           </p:cNvPr>
@@ -3329,7 +3159,7 @@
           <p:cNvPr id="2" name="Title Placeholder 1">
             <a:extLst>
               <a:ext uri="{FF2B5EF4-FFF2-40B4-BE49-F238E27FC236}">
-                <a16:creationId xmlns:a16="http://schemas.microsoft.com/office/drawing/2014/main" id="{FDAF0261-81B4-40E0-B6A7-C9094CF4814C}"/>
+                <a16:creationId xmlns:a16="http://schemas.microsoft.com/office/drawing/2014/main" xmlns="" id="{FDAF0261-81B4-40E0-B6A7-C9094CF4814C}"/>
               </a:ext>
             </a:extLst>
           </p:cNvPr>
@@ -3368,7 +3198,7 @@
           <p:cNvPr id="3" name="Text Placeholder 2">
             <a:extLst>
               <a:ext uri="{FF2B5EF4-FFF2-40B4-BE49-F238E27FC236}">
-                <a16:creationId xmlns:a16="http://schemas.microsoft.com/office/drawing/2014/main" id="{31920D46-5FC6-4766-98D8-8D040DB18CC8}"/>
+                <a16:creationId xmlns:a16="http://schemas.microsoft.com/office/drawing/2014/main" xmlns="" id="{31920D46-5FC6-4766-98D8-8D040DB18CC8}"/>
               </a:ext>
             </a:extLst>
           </p:cNvPr>
@@ -3436,7 +3266,7 @@
           <p:cNvPr id="4" name="Date Placeholder 3">
             <a:extLst>
               <a:ext uri="{FF2B5EF4-FFF2-40B4-BE49-F238E27FC236}">
-                <a16:creationId xmlns:a16="http://schemas.microsoft.com/office/drawing/2014/main" id="{A58B01BF-BA06-4291-A1C6-CDE64C16EAFF}"/>
+                <a16:creationId xmlns:a16="http://schemas.microsoft.com/office/drawing/2014/main" xmlns="" id="{A58B01BF-BA06-4291-A1C6-CDE64C16EAFF}"/>
               </a:ext>
             </a:extLst>
           </p:cNvPr>
@@ -3472,7 +3302,7 @@
           <a:p>
             <a:fld id="{0E4FE686-5192-480A-AE8D-6BB1A950DE34}" type="datetimeFigureOut">
               <a:rPr lang="en-CA" smtClean="0"/>
-              <a:t>2019-02-03</a:t>
+              <a:t>2019-02-04</a:t>
             </a:fld>
             <a:endParaRPr lang="en-CA"/>
           </a:p>
@@ -3483,7 +3313,7 @@
           <p:cNvPr id="5" name="Footer Placeholder 4">
             <a:extLst>
               <a:ext uri="{FF2B5EF4-FFF2-40B4-BE49-F238E27FC236}">
-                <a16:creationId xmlns:a16="http://schemas.microsoft.com/office/drawing/2014/main" id="{F939F380-0608-4E46-A62F-58D276B7C4D7}"/>
+                <a16:creationId xmlns:a16="http://schemas.microsoft.com/office/drawing/2014/main" xmlns="" id="{F939F380-0608-4E46-A62F-58D276B7C4D7}"/>
               </a:ext>
             </a:extLst>
           </p:cNvPr>
@@ -3526,7 +3356,7 @@
           <p:cNvPr id="6" name="Slide Number Placeholder 5">
             <a:extLst>
               <a:ext uri="{FF2B5EF4-FFF2-40B4-BE49-F238E27FC236}">
-                <a16:creationId xmlns:a16="http://schemas.microsoft.com/office/drawing/2014/main" id="{49A3245C-DC47-4C2B-A2EA-F05309A6B2F9}"/>
+                <a16:creationId xmlns:a16="http://schemas.microsoft.com/office/drawing/2014/main" xmlns="" id="{49A3245C-DC47-4C2B-A2EA-F05309A6B2F9}"/>
               </a:ext>
             </a:extLst>
           </p:cNvPr>
@@ -3894,7 +3724,7 @@
           <p:cNvPr id="2" name="Title 1">
             <a:extLst>
               <a:ext uri="{FF2B5EF4-FFF2-40B4-BE49-F238E27FC236}">
-                <a16:creationId xmlns:a16="http://schemas.microsoft.com/office/drawing/2014/main" id="{30BD2896-21E0-4001-B9EE-0AC67EE59DA4}"/>
+                <a16:creationId xmlns:a16="http://schemas.microsoft.com/office/drawing/2014/main" xmlns="" id="{30BD2896-21E0-4001-B9EE-0AC67EE59DA4}"/>
               </a:ext>
             </a:extLst>
           </p:cNvPr>
@@ -3929,7 +3759,7 @@
           <p:cNvPr id="4" name="Picture 3">
             <a:extLst>
               <a:ext uri="{FF2B5EF4-FFF2-40B4-BE49-F238E27FC236}">
-                <a16:creationId xmlns:a16="http://schemas.microsoft.com/office/drawing/2014/main" id="{D0A799EA-2DD2-EE41-8FEE-DBEC4F3EED52}"/>
+                <a16:creationId xmlns:a16="http://schemas.microsoft.com/office/drawing/2014/main" xmlns="" id="{D0A799EA-2DD2-EE41-8FEE-DBEC4F3EED52}"/>
               </a:ext>
             </a:extLst>
           </p:cNvPr>
@@ -4061,10 +3891,2591 @@
       </p:grpSpPr>
       <p:sp>
         <p:nvSpPr>
+          <p:cNvPr id="5" name="Title 1">
+            <a:extLst>
+              <a:ext uri="{FF2B5EF4-FFF2-40B4-BE49-F238E27FC236}">
+                <a16:creationId xmlns:a16="http://schemas.microsoft.com/office/drawing/2014/main" xmlns="" id="{42981A0C-B5E6-4708-B592-205E5FF8F57B}"/>
+              </a:ext>
+            </a:extLst>
+          </p:cNvPr>
+          <p:cNvSpPr>
+            <a:spLocks noGrp="1"/>
+          </p:cNvSpPr>
+          <p:nvPr>
+            <p:ph type="title"/>
+          </p:nvPr>
+        </p:nvSpPr>
+        <p:spPr>
+          <a:xfrm>
+            <a:off x="838200" y="466726"/>
+            <a:ext cx="10515600" cy="417300"/>
+          </a:xfrm>
+        </p:spPr>
+        <p:txBody>
+          <a:bodyPr>
+            <a:normAutofit fontScale="90000"/>
+          </a:bodyPr>
+          <a:lstStyle/>
+          <a:p>
+            <a:r>
+              <a:rPr lang="en-CA" dirty="0" smtClean="0"/>
+              <a:t>TODO / Ideas to explore</a:t>
+            </a:r>
+            <a:endParaRPr lang="en-CA" dirty="0"/>
+          </a:p>
+        </p:txBody>
+      </p:sp>
+      <p:sp>
+        <p:nvSpPr>
+          <p:cNvPr id="7" name="Content Placeholder 2">
+            <a:extLst>
+              <a:ext uri="{FF2B5EF4-FFF2-40B4-BE49-F238E27FC236}">
+                <a16:creationId xmlns:a16="http://schemas.microsoft.com/office/drawing/2014/main" xmlns="" id="{74E4DEA5-DDEF-4578-8F30-91949891E260}"/>
+              </a:ext>
+            </a:extLst>
+          </p:cNvPr>
+          <p:cNvSpPr>
+            <a:spLocks noGrp="1"/>
+          </p:cNvSpPr>
+          <p:nvPr>
+            <p:ph idx="1"/>
+          </p:nvPr>
+        </p:nvSpPr>
+        <p:spPr>
+          <a:xfrm>
+            <a:off x="838200" y="1698625"/>
+            <a:ext cx="10515600" cy="4351338"/>
+          </a:xfrm>
+        </p:spPr>
+        <p:txBody>
+          <a:bodyPr>
+            <a:normAutofit/>
+          </a:bodyPr>
+          <a:lstStyle/>
+          <a:p>
+            <a:r>
+              <a:rPr lang="en-CA" dirty="0" smtClean="0"/>
+              <a:t>Simple tricks on transformer, see its performance and find some ideas</a:t>
+            </a:r>
+          </a:p>
+          <a:p>
+            <a:endParaRPr lang="en-CA" dirty="0" smtClean="0"/>
+          </a:p>
+          <a:p>
+            <a:r>
+              <a:rPr lang="en-CA" dirty="0" smtClean="0"/>
+              <a:t>Combine generative and retrieval model</a:t>
+            </a:r>
+          </a:p>
+          <a:p>
+            <a:pPr lvl="1"/>
+            <a:r>
+              <a:rPr lang="en-CA" dirty="0" smtClean="0"/>
+              <a:t>Build two bots: conversational, task-oriented, combine</a:t>
+            </a:r>
+          </a:p>
+          <a:p>
+            <a:pPr lvl="1"/>
+            <a:r>
+              <a:rPr lang="en-CA" dirty="0" smtClean="0"/>
+              <a:t>Build two bots: encoder-decoder to generate pairs, retrieval model to optimize</a:t>
+            </a:r>
+          </a:p>
+          <a:p>
+            <a:pPr marL="457200" lvl="1" indent="0">
+              <a:buNone/>
+            </a:pPr>
+            <a:endParaRPr lang="en-US" dirty="0" smtClean="0"/>
+          </a:p>
+          <a:p>
+            <a:r>
+              <a:rPr lang="en-US" dirty="0" smtClean="0"/>
+              <a:t>memory </a:t>
+            </a:r>
+            <a:r>
+              <a:rPr lang="en-US" dirty="0"/>
+              <a:t>network / neural </a:t>
+            </a:r>
+            <a:r>
+              <a:rPr lang="en-US" dirty="0" smtClean="0"/>
+              <a:t>turning machine</a:t>
+            </a:r>
+            <a:endParaRPr lang="en-CA" dirty="0" smtClean="0"/>
+          </a:p>
+        </p:txBody>
+      </p:sp>
+    </p:spTree>
+    <p:extLst>
+      <p:ext uri="{BB962C8B-B14F-4D97-AF65-F5344CB8AC3E}">
+        <p14:creationId xmlns:p14="http://schemas.microsoft.com/office/powerpoint/2010/main" val="3871623391"/>
+      </p:ext>
+    </p:extLst>
+  </p:cSld>
+  <p:clrMapOvr>
+    <a:masterClrMapping/>
+  </p:clrMapOvr>
+  <p:timing>
+    <p:tnLst>
+      <p:par>
+        <p:cTn id="1" dur="indefinite" restart="never" nodeType="tmRoot"/>
+      </p:par>
+    </p:tnLst>
+  </p:timing>
+</p:sld>
+</file>
+
+<file path=ppt/slides/slide11.xml><?xml version="1.0" encoding="utf-8"?>
+<p:sld xmlns:a="http://schemas.openxmlformats.org/drawingml/2006/main" xmlns:r="http://schemas.openxmlformats.org/officeDocument/2006/relationships" xmlns:p="http://schemas.openxmlformats.org/presentationml/2006/main">
+  <p:cSld>
+    <p:spTree>
+      <p:nvGrpSpPr>
+        <p:cNvPr id="1" name=""/>
+        <p:cNvGrpSpPr/>
+        <p:nvPr/>
+      </p:nvGrpSpPr>
+      <p:grpSpPr>
+        <a:xfrm>
+          <a:off x="0" y="0"/>
+          <a:ext cx="0" cy="0"/>
+          <a:chOff x="0" y="0"/>
+          <a:chExt cx="0" cy="0"/>
+        </a:xfrm>
+      </p:grpSpPr>
+      <p:sp>
+        <p:nvSpPr>
+          <p:cNvPr id="5" name="Title 1">
+            <a:extLst>
+              <a:ext uri="{FF2B5EF4-FFF2-40B4-BE49-F238E27FC236}">
+                <a16:creationId xmlns:a16="http://schemas.microsoft.com/office/drawing/2014/main" xmlns="" id="{42981A0C-B5E6-4708-B592-205E5FF8F57B}"/>
+              </a:ext>
+            </a:extLst>
+          </p:cNvPr>
+          <p:cNvSpPr>
+            <a:spLocks noGrp="1"/>
+          </p:cNvSpPr>
+          <p:nvPr>
+            <p:ph type="title"/>
+          </p:nvPr>
+        </p:nvSpPr>
+        <p:spPr>
+          <a:xfrm>
+            <a:off x="838200" y="466726"/>
+            <a:ext cx="10515600" cy="417300"/>
+          </a:xfrm>
+        </p:spPr>
+        <p:txBody>
+          <a:bodyPr>
+            <a:normAutofit fontScale="90000"/>
+          </a:bodyPr>
+          <a:lstStyle/>
+          <a:p>
+            <a:r>
+              <a:rPr lang="en-CA" dirty="0" smtClean="0"/>
+              <a:t>Evaluation</a:t>
+            </a:r>
+            <a:endParaRPr lang="en-CA" dirty="0"/>
+          </a:p>
+        </p:txBody>
+      </p:sp>
+      <p:sp>
+        <p:nvSpPr>
+          <p:cNvPr id="6" name="Content Placeholder 3">
+            <a:extLst>
+              <a:ext uri="{FF2B5EF4-FFF2-40B4-BE49-F238E27FC236}">
+                <a16:creationId xmlns:a16="http://schemas.microsoft.com/office/drawing/2014/main" xmlns="" id="{DACDC7C0-DC09-4AEC-92E2-0608F5AABA63}"/>
+              </a:ext>
+            </a:extLst>
+          </p:cNvPr>
+          <p:cNvSpPr>
+            <a:spLocks noGrp="1"/>
+          </p:cNvSpPr>
+          <p:nvPr>
+            <p:ph idx="1"/>
+          </p:nvPr>
+        </p:nvSpPr>
+        <p:spPr>
+          <a:xfrm>
+            <a:off x="838200" y="1253331"/>
+            <a:ext cx="10515600" cy="4525170"/>
+          </a:xfrm>
+        </p:spPr>
+        <p:txBody>
+          <a:bodyPr>
+            <a:normAutofit/>
+          </a:bodyPr>
+          <a:lstStyle/>
+          <a:p>
+            <a:r>
+              <a:rPr lang="en-CA" dirty="0"/>
+              <a:t>Granular Conversation </a:t>
+            </a:r>
+            <a:r>
+              <a:rPr lang="en-CA" dirty="0" smtClean="0"/>
+              <a:t>Test:</a:t>
+            </a:r>
+          </a:p>
+          <a:p>
+            <a:pPr lvl="1"/>
+            <a:r>
+              <a:rPr lang="en-CA" dirty="0" smtClean="0"/>
+              <a:t>Semantics</a:t>
+            </a:r>
+            <a:r>
+              <a:rPr lang="en-CA" dirty="0"/>
+              <a:t>: “Does the response make sense by itself</a:t>
+            </a:r>
+            <a:r>
+              <a:rPr lang="en-CA" dirty="0" smtClean="0"/>
+              <a:t>?”</a:t>
+            </a:r>
+          </a:p>
+          <a:p>
+            <a:pPr lvl="1"/>
+            <a:r>
+              <a:rPr lang="en-CA" dirty="0" smtClean="0"/>
+              <a:t>Structure</a:t>
+            </a:r>
+            <a:r>
+              <a:rPr lang="en-CA" dirty="0"/>
+              <a:t>: “Is it understandable and does it follows a structure a </a:t>
+            </a:r>
+            <a:r>
+              <a:rPr lang="en-CA" dirty="0" smtClean="0"/>
+              <a:t>human would </a:t>
+            </a:r>
+            <a:r>
+              <a:rPr lang="en-CA" dirty="0"/>
+              <a:t>use</a:t>
+            </a:r>
+            <a:r>
+              <a:rPr lang="en-CA" dirty="0" smtClean="0"/>
+              <a:t>?”</a:t>
+            </a:r>
+          </a:p>
+          <a:p>
+            <a:pPr lvl="1"/>
+            <a:r>
+              <a:rPr lang="en-CA" dirty="0" smtClean="0"/>
+              <a:t>Context</a:t>
+            </a:r>
+            <a:r>
+              <a:rPr lang="en-CA" dirty="0"/>
+              <a:t>: “Does the response make sense in the context</a:t>
+            </a:r>
+            <a:r>
+              <a:rPr lang="en-CA" dirty="0" smtClean="0"/>
+              <a:t>?”</a:t>
+            </a:r>
+          </a:p>
+          <a:p>
+            <a:pPr lvl="1"/>
+            <a:r>
+              <a:rPr lang="en-CA" dirty="0" smtClean="0"/>
+              <a:t>Feeling</a:t>
+            </a:r>
+            <a:r>
+              <a:rPr lang="en-CA" dirty="0"/>
+              <a:t>: “Does the response feel human?”</a:t>
+            </a:r>
+          </a:p>
+          <a:p>
+            <a:pPr marL="0" indent="0">
+              <a:buNone/>
+            </a:pPr>
+            <a:r>
+              <a:rPr lang="en-CA" dirty="0" smtClean="0">
+                <a:solidFill>
+                  <a:schemeClr val="bg1">
+                    <a:lumMod val="50000"/>
+                  </a:schemeClr>
+                </a:solidFill>
+              </a:rPr>
+              <a:t>0/1 </a:t>
+            </a:r>
+            <a:r>
+              <a:rPr lang="en-CA" dirty="0">
+                <a:solidFill>
+                  <a:schemeClr val="bg1">
+                    <a:lumMod val="50000"/>
+                  </a:schemeClr>
+                </a:solidFill>
+              </a:rPr>
+              <a:t>scoring and takes average of all four </a:t>
+            </a:r>
+            <a:r>
+              <a:rPr lang="en-CA" dirty="0" smtClean="0">
+                <a:solidFill>
+                  <a:schemeClr val="bg1">
+                    <a:lumMod val="50000"/>
+                  </a:schemeClr>
+                </a:solidFill>
+              </a:rPr>
+              <a:t>components</a:t>
+            </a:r>
+          </a:p>
+          <a:p>
+            <a:endParaRPr lang="en-CA" dirty="0" smtClean="0"/>
+          </a:p>
+          <a:p>
+            <a:r>
+              <a:rPr lang="en-CA" dirty="0" smtClean="0"/>
+              <a:t>Amazon </a:t>
+            </a:r>
+            <a:r>
+              <a:rPr lang="en-CA" dirty="0"/>
+              <a:t>Mechanical </a:t>
+            </a:r>
+            <a:r>
+              <a:rPr lang="en-CA" dirty="0" smtClean="0"/>
+              <a:t>Turk</a:t>
+            </a:r>
+            <a:endParaRPr lang="en-CA" dirty="0"/>
+          </a:p>
+        </p:txBody>
+      </p:sp>
+    </p:spTree>
+    <p:extLst>
+      <p:ext uri="{BB962C8B-B14F-4D97-AF65-F5344CB8AC3E}">
+        <p14:creationId xmlns:p14="http://schemas.microsoft.com/office/powerpoint/2010/main" val="1674631438"/>
+      </p:ext>
+    </p:extLst>
+  </p:cSld>
+  <p:clrMapOvr>
+    <a:masterClrMapping/>
+  </p:clrMapOvr>
+  <p:timing>
+    <p:tnLst>
+      <p:par>
+        <p:cTn id="1" dur="indefinite" restart="never" nodeType="tmRoot"/>
+      </p:par>
+    </p:tnLst>
+  </p:timing>
+</p:sld>
+</file>
+
+<file path=ppt/slides/slide12.xml><?xml version="1.0" encoding="utf-8"?>
+<p:sld xmlns:a="http://schemas.openxmlformats.org/drawingml/2006/main" xmlns:r="http://schemas.openxmlformats.org/officeDocument/2006/relationships" xmlns:p="http://schemas.openxmlformats.org/presentationml/2006/main">
+  <p:cSld>
+    <p:spTree>
+      <p:nvGrpSpPr>
+        <p:cNvPr id="1" name=""/>
+        <p:cNvGrpSpPr/>
+        <p:nvPr/>
+      </p:nvGrpSpPr>
+      <p:grpSpPr>
+        <a:xfrm>
+          <a:off x="0" y="0"/>
+          <a:ext cx="0" cy="0"/>
+          <a:chOff x="0" y="0"/>
+          <a:chExt cx="0" cy="0"/>
+        </a:xfrm>
+      </p:grpSpPr>
+      <p:sp>
+        <p:nvSpPr>
+          <p:cNvPr id="2" name="Title 1">
+            <a:extLst>
+              <a:ext uri="{FF2B5EF4-FFF2-40B4-BE49-F238E27FC236}">
+                <a16:creationId xmlns:a16="http://schemas.microsoft.com/office/drawing/2014/main" xmlns="" id="{30BD2896-21E0-4001-B9EE-0AC67EE59DA4}"/>
+              </a:ext>
+            </a:extLst>
+          </p:cNvPr>
+          <p:cNvSpPr>
+            <a:spLocks noGrp="1"/>
+          </p:cNvSpPr>
+          <p:nvPr>
+            <p:ph type="ctrTitle"/>
+          </p:nvPr>
+        </p:nvSpPr>
+        <p:spPr>
+          <a:xfrm>
+            <a:off x="1524000" y="2235200"/>
+            <a:ext cx="9144000" cy="2387600"/>
+          </a:xfrm>
+        </p:spPr>
+        <p:txBody>
+          <a:bodyPr>
+            <a:normAutofit/>
+          </a:bodyPr>
+          <a:lstStyle/>
+          <a:p>
+            <a:r>
+              <a:rPr lang="en-CA" dirty="0"/>
+              <a:t>B/W Image Color Restoration with Super Resolution</a:t>
+            </a:r>
+          </a:p>
+        </p:txBody>
+      </p:sp>
+    </p:spTree>
+    <p:extLst>
+      <p:ext uri="{BB962C8B-B14F-4D97-AF65-F5344CB8AC3E}">
+        <p14:creationId xmlns:p14="http://schemas.microsoft.com/office/powerpoint/2010/main" val="2376305604"/>
+      </p:ext>
+    </p:extLst>
+  </p:cSld>
+  <p:clrMapOvr>
+    <a:masterClrMapping/>
+  </p:clrMapOvr>
+  <p:timing>
+    <p:tnLst>
+      <p:par>
+        <p:cTn id="1" dur="indefinite" restart="never" nodeType="tmRoot"/>
+      </p:par>
+    </p:tnLst>
+  </p:timing>
+</p:sld>
+</file>
+
+<file path=ppt/slides/slide13.xml><?xml version="1.0" encoding="utf-8"?>
+<p:sld xmlns:a="http://schemas.openxmlformats.org/drawingml/2006/main" xmlns:r="http://schemas.openxmlformats.org/officeDocument/2006/relationships" xmlns:p="http://schemas.openxmlformats.org/presentationml/2006/main">
+  <p:cSld>
+    <p:spTree>
+      <p:nvGrpSpPr>
+        <p:cNvPr id="1" name=""/>
+        <p:cNvGrpSpPr/>
+        <p:nvPr/>
+      </p:nvGrpSpPr>
+      <p:grpSpPr>
+        <a:xfrm>
+          <a:off x="0" y="0"/>
+          <a:ext cx="0" cy="0"/>
+          <a:chOff x="0" y="0"/>
+          <a:chExt cx="0" cy="0"/>
+        </a:xfrm>
+      </p:grpSpPr>
+      <p:pic>
+        <p:nvPicPr>
+          <p:cNvPr id="2050" name="Picture 2" descr="TexasWoman">
+            <a:extLst>
+              <a:ext uri="{FF2B5EF4-FFF2-40B4-BE49-F238E27FC236}">
+                <a16:creationId xmlns:a16="http://schemas.microsoft.com/office/drawing/2014/main" xmlns="" id="{D52E5440-5CA8-437A-BA30-6445667F3C14}"/>
+              </a:ext>
+            </a:extLst>
+          </p:cNvPr>
+          <p:cNvPicPr>
+            <a:picLocks noChangeAspect="1" noChangeArrowheads="1"/>
+          </p:cNvPicPr>
+          <p:nvPr/>
+        </p:nvPicPr>
+        <p:blipFill>
+          <a:blip r:embed="rId2">
+            <a:extLst>
+              <a:ext uri="{28A0092B-C50C-407E-A947-70E740481C1C}">
+                <a14:useLocalDpi xmlns:a14="http://schemas.microsoft.com/office/drawing/2010/main" val="0"/>
+              </a:ext>
+            </a:extLst>
+          </a:blip>
+          <a:srcRect/>
+          <a:stretch>
+            <a:fillRect/>
+          </a:stretch>
+        </p:blipFill>
+        <p:spPr bwMode="auto">
+          <a:xfrm>
+            <a:off x="842962" y="87549"/>
+            <a:ext cx="10506075" cy="3105150"/>
+          </a:xfrm>
+          <a:prstGeom prst="rect">
+            <a:avLst/>
+          </a:prstGeom>
+          <a:noFill/>
+          <a:extLst>
+            <a:ext uri="{909E8E84-426E-40DD-AFC4-6F175D3DCCD1}">
+              <a14:hiddenFill xmlns:a14="http://schemas.microsoft.com/office/drawing/2010/main">
+                <a:solidFill>
+                  <a:srgbClr val="FFFFFF"/>
+                </a:solidFill>
+              </a14:hiddenFill>
+            </a:ext>
+          </a:extLst>
+        </p:spPr>
+      </p:pic>
+      <p:pic>
+        <p:nvPicPr>
+          <p:cNvPr id="2054" name="Picture 6" descr="SwedenLivingRoom">
+            <a:extLst>
+              <a:ext uri="{FF2B5EF4-FFF2-40B4-BE49-F238E27FC236}">
+                <a16:creationId xmlns:a16="http://schemas.microsoft.com/office/drawing/2014/main" xmlns="" id="{18C9162D-230F-4EB1-91D1-0102CBE3A802}"/>
+              </a:ext>
+            </a:extLst>
+          </p:cNvPr>
+          <p:cNvPicPr>
+            <a:picLocks noChangeAspect="1" noChangeArrowheads="1"/>
+          </p:cNvPicPr>
+          <p:nvPr/>
+        </p:nvPicPr>
+        <p:blipFill>
+          <a:blip r:embed="rId3">
+            <a:extLst>
+              <a:ext uri="{28A0092B-C50C-407E-A947-70E740481C1C}">
+                <a14:useLocalDpi xmlns:a14="http://schemas.microsoft.com/office/drawing/2010/main" val="0"/>
+              </a:ext>
+            </a:extLst>
+          </a:blip>
+          <a:srcRect/>
+          <a:stretch>
+            <a:fillRect/>
+          </a:stretch>
+        </p:blipFill>
+        <p:spPr bwMode="auto">
+          <a:xfrm>
+            <a:off x="842962" y="3341451"/>
+            <a:ext cx="10525125" cy="3429000"/>
+          </a:xfrm>
+          <a:prstGeom prst="rect">
+            <a:avLst/>
+          </a:prstGeom>
+          <a:noFill/>
+          <a:extLst>
+            <a:ext uri="{909E8E84-426E-40DD-AFC4-6F175D3DCCD1}">
+              <a14:hiddenFill xmlns:a14="http://schemas.microsoft.com/office/drawing/2010/main">
+                <a:solidFill>
+                  <a:srgbClr val="FFFFFF"/>
+                </a:solidFill>
+              </a14:hiddenFill>
+            </a:ext>
+          </a:extLst>
+        </p:spPr>
+      </p:pic>
+    </p:spTree>
+    <p:extLst>
+      <p:ext uri="{BB962C8B-B14F-4D97-AF65-F5344CB8AC3E}">
+        <p14:creationId xmlns:p14="http://schemas.microsoft.com/office/powerpoint/2010/main" val="3289625241"/>
+      </p:ext>
+    </p:extLst>
+  </p:cSld>
+  <p:clrMapOvr>
+    <a:masterClrMapping/>
+  </p:clrMapOvr>
+</p:sld>
+</file>
+
+<file path=ppt/slides/slide14.xml><?xml version="1.0" encoding="utf-8"?>
+<p:sld xmlns:a="http://schemas.openxmlformats.org/drawingml/2006/main" xmlns:r="http://schemas.openxmlformats.org/officeDocument/2006/relationships" xmlns:p="http://schemas.openxmlformats.org/presentationml/2006/main">
+  <p:cSld>
+    <p:spTree>
+      <p:nvGrpSpPr>
+        <p:cNvPr id="1" name=""/>
+        <p:cNvGrpSpPr/>
+        <p:nvPr/>
+      </p:nvGrpSpPr>
+      <p:grpSpPr>
+        <a:xfrm>
+          <a:off x="0" y="0"/>
+          <a:ext cx="0" cy="0"/>
+          <a:chOff x="0" y="0"/>
+          <a:chExt cx="0" cy="0"/>
+        </a:xfrm>
+      </p:grpSpPr>
+      <p:sp>
+        <p:nvSpPr>
+          <p:cNvPr id="2" name="Title 1">
+            <a:extLst>
+              <a:ext uri="{FF2B5EF4-FFF2-40B4-BE49-F238E27FC236}">
+                <a16:creationId xmlns:a16="http://schemas.microsoft.com/office/drawing/2014/main" xmlns="" id="{42981A0C-B5E6-4708-B592-205E5FF8F57B}"/>
+              </a:ext>
+            </a:extLst>
+          </p:cNvPr>
+          <p:cNvSpPr>
+            <a:spLocks noGrp="1"/>
+          </p:cNvSpPr>
+          <p:nvPr>
+            <p:ph type="title"/>
+          </p:nvPr>
+        </p:nvSpPr>
+        <p:spPr>
+          <a:xfrm>
+            <a:off x="838200" y="365126"/>
+            <a:ext cx="10515600" cy="417300"/>
+          </a:xfrm>
+        </p:spPr>
+        <p:txBody>
+          <a:bodyPr>
+            <a:normAutofit fontScale="90000"/>
+          </a:bodyPr>
+          <a:lstStyle/>
+          <a:p>
+            <a:r>
+              <a:rPr lang="en-CA" dirty="0"/>
+              <a:t>GAN structure - Generator &amp; Discriminator:</a:t>
+            </a:r>
+          </a:p>
+        </p:txBody>
+      </p:sp>
+      <p:pic>
+        <p:nvPicPr>
+          <p:cNvPr id="1026" name="Picture 2" descr="Image result for GAN generator">
+            <a:extLst>
+              <a:ext uri="{FF2B5EF4-FFF2-40B4-BE49-F238E27FC236}">
+                <a16:creationId xmlns:a16="http://schemas.microsoft.com/office/drawing/2014/main" xmlns="" id="{161793BB-937B-4E2C-B42D-B99EF8387810}"/>
+              </a:ext>
+            </a:extLst>
+          </p:cNvPr>
+          <p:cNvPicPr>
+            <a:picLocks noChangeAspect="1" noChangeArrowheads="1"/>
+          </p:cNvPicPr>
+          <p:nvPr/>
+        </p:nvPicPr>
+        <p:blipFill>
+          <a:blip r:embed="rId2">
+            <a:extLst>
+              <a:ext uri="{28A0092B-C50C-407E-A947-70E740481C1C}">
+                <a14:useLocalDpi xmlns:a14="http://schemas.microsoft.com/office/drawing/2010/main" val="0"/>
+              </a:ext>
+            </a:extLst>
+          </a:blip>
+          <a:srcRect/>
+          <a:stretch>
+            <a:fillRect/>
+          </a:stretch>
+        </p:blipFill>
+        <p:spPr bwMode="auto">
+          <a:xfrm>
+            <a:off x="838200" y="782426"/>
+            <a:ext cx="8711153" cy="3799011"/>
+          </a:xfrm>
+          <a:prstGeom prst="rect">
+            <a:avLst/>
+          </a:prstGeom>
+          <a:noFill/>
+          <a:extLst>
+            <a:ext uri="{909E8E84-426E-40DD-AFC4-6F175D3DCCD1}">
+              <a14:hiddenFill xmlns:a14="http://schemas.microsoft.com/office/drawing/2010/main">
+                <a:solidFill>
+                  <a:srgbClr val="FFFFFF"/>
+                </a:solidFill>
+              </a14:hiddenFill>
+            </a:ext>
+          </a:extLst>
+        </p:spPr>
+      </p:pic>
+      <p:sp>
+        <p:nvSpPr>
+          <p:cNvPr id="8" name="Content Placeholder 3">
+            <a:extLst>
+              <a:ext uri="{FF2B5EF4-FFF2-40B4-BE49-F238E27FC236}">
+                <a16:creationId xmlns:a16="http://schemas.microsoft.com/office/drawing/2014/main" xmlns="" id="{3EB15702-8298-464F-AC4E-772E2235E4CE}"/>
+              </a:ext>
+            </a:extLst>
+          </p:cNvPr>
+          <p:cNvSpPr>
+            <a:spLocks noGrp="1"/>
+          </p:cNvSpPr>
+          <p:nvPr>
+            <p:ph idx="1"/>
+          </p:nvPr>
+        </p:nvSpPr>
+        <p:spPr>
+          <a:xfrm>
+            <a:off x="838200" y="4816662"/>
+            <a:ext cx="10515600" cy="2041337"/>
+          </a:xfrm>
+        </p:spPr>
+        <p:txBody>
+          <a:bodyPr>
+            <a:normAutofit/>
+          </a:bodyPr>
+          <a:lstStyle/>
+          <a:p>
+            <a:r>
+              <a:rPr lang="en-CA" sz="2000" dirty="0"/>
+              <a:t>Two Time-Scale Update Rule: gen / dis iteration, higher learning rate on the discriminator</a:t>
+            </a:r>
+          </a:p>
+          <a:p>
+            <a:r>
+              <a:rPr lang="en-CA" sz="2000" dirty="0"/>
+              <a:t>Feature loss on generator</a:t>
+            </a:r>
+          </a:p>
+          <a:p>
+            <a:r>
+              <a:rPr lang="en-CA" sz="2000" dirty="0"/>
+              <a:t>Hinge loss on discriminator</a:t>
+            </a:r>
+          </a:p>
+        </p:txBody>
+      </p:sp>
+    </p:spTree>
+    <p:extLst>
+      <p:ext uri="{BB962C8B-B14F-4D97-AF65-F5344CB8AC3E}">
+        <p14:creationId xmlns:p14="http://schemas.microsoft.com/office/powerpoint/2010/main" val="3526045758"/>
+      </p:ext>
+    </p:extLst>
+  </p:cSld>
+  <p:clrMapOvr>
+    <a:masterClrMapping/>
+  </p:clrMapOvr>
+</p:sld>
+</file>
+
+<file path=ppt/slides/slide15.xml><?xml version="1.0" encoding="utf-8"?>
+<p:sld xmlns:a="http://schemas.openxmlformats.org/drawingml/2006/main" xmlns:r="http://schemas.openxmlformats.org/officeDocument/2006/relationships" xmlns:p="http://schemas.openxmlformats.org/presentationml/2006/main">
+  <p:cSld>
+    <p:spTree>
+      <p:nvGrpSpPr>
+        <p:cNvPr id="1" name=""/>
+        <p:cNvGrpSpPr/>
+        <p:nvPr/>
+      </p:nvGrpSpPr>
+      <p:grpSpPr>
+        <a:xfrm>
+          <a:off x="0" y="0"/>
+          <a:ext cx="0" cy="0"/>
+          <a:chOff x="0" y="0"/>
+          <a:chExt cx="0" cy="0"/>
+        </a:xfrm>
+      </p:grpSpPr>
+      <p:sp>
+        <p:nvSpPr>
+          <p:cNvPr id="2" name="Title 1">
+            <a:extLst>
+              <a:ext uri="{FF2B5EF4-FFF2-40B4-BE49-F238E27FC236}">
+                <a16:creationId xmlns:a16="http://schemas.microsoft.com/office/drawing/2014/main" xmlns="" id="{42981A0C-B5E6-4708-B592-205E5FF8F57B}"/>
+              </a:ext>
+            </a:extLst>
+          </p:cNvPr>
+          <p:cNvSpPr>
+            <a:spLocks noGrp="1"/>
+          </p:cNvSpPr>
+          <p:nvPr>
+            <p:ph type="title"/>
+          </p:nvPr>
+        </p:nvSpPr>
+        <p:spPr>
+          <a:xfrm>
+            <a:off x="838200" y="365126"/>
+            <a:ext cx="10515600" cy="417300"/>
+          </a:xfrm>
+        </p:spPr>
+        <p:txBody>
+          <a:bodyPr>
+            <a:normAutofit fontScale="90000"/>
+          </a:bodyPr>
+          <a:lstStyle/>
+          <a:p>
+            <a:r>
+              <a:rPr lang="en-CA" dirty="0"/>
+              <a:t>Self-Attention Generative Adversarial Networks:</a:t>
+            </a:r>
+          </a:p>
+        </p:txBody>
+      </p:sp>
+      <p:sp>
+        <p:nvSpPr>
+          <p:cNvPr id="9" name="TextBox 8">
+            <a:extLst>
+              <a:ext uri="{FF2B5EF4-FFF2-40B4-BE49-F238E27FC236}">
+                <a16:creationId xmlns:a16="http://schemas.microsoft.com/office/drawing/2014/main" xmlns="" id="{65F8D375-4A23-4909-BBBC-8152C67D600C}"/>
+              </a:ext>
+            </a:extLst>
+          </p:cNvPr>
+          <p:cNvSpPr txBox="1"/>
+          <p:nvPr/>
+        </p:nvSpPr>
+        <p:spPr>
+          <a:xfrm>
+            <a:off x="838200" y="4633864"/>
+            <a:ext cx="11353800" cy="1200329"/>
+          </a:xfrm>
+          <a:prstGeom prst="rect">
+            <a:avLst/>
+          </a:prstGeom>
+          <a:noFill/>
+        </p:spPr>
+        <p:txBody>
+          <a:bodyPr wrap="square" rtlCol="0">
+            <a:spAutoFit/>
+          </a:bodyPr>
+          <a:lstStyle/>
+          <a:p>
+            <a:r>
+              <a:rPr lang="en-CA" dirty="0"/>
+              <a:t>-Non-local method to allow generator and the discriminator to efficiently model relationships between widely separated spatial regions</a:t>
+            </a:r>
+          </a:p>
+          <a:p>
+            <a:endParaRPr lang="en-CA" dirty="0"/>
+          </a:p>
+          <a:p>
+            <a:r>
+              <a:rPr lang="en-CA" dirty="0"/>
+              <a:t>-SAGAN applies to both generator and discriminator</a:t>
+            </a:r>
+          </a:p>
+        </p:txBody>
+      </p:sp>
+      <p:pic>
+        <p:nvPicPr>
+          <p:cNvPr id="5" name="Picture 4">
+            <a:extLst>
+              <a:ext uri="{FF2B5EF4-FFF2-40B4-BE49-F238E27FC236}">
+                <a16:creationId xmlns:a16="http://schemas.microsoft.com/office/drawing/2014/main" xmlns="" id="{EA29FCF3-7B6F-4F45-9EDF-8CE1688C047F}"/>
+              </a:ext>
+            </a:extLst>
+          </p:cNvPr>
+          <p:cNvPicPr>
+            <a:picLocks noChangeAspect="1"/>
+          </p:cNvPicPr>
+          <p:nvPr/>
+        </p:nvPicPr>
+        <p:blipFill>
+          <a:blip r:embed="rId2"/>
+          <a:stretch>
+            <a:fillRect/>
+          </a:stretch>
+        </p:blipFill>
+        <p:spPr>
+          <a:xfrm>
+            <a:off x="838200" y="960051"/>
+            <a:ext cx="8582025" cy="3352800"/>
+          </a:xfrm>
+          <a:prstGeom prst="rect">
+            <a:avLst/>
+          </a:prstGeom>
+        </p:spPr>
+      </p:pic>
+    </p:spTree>
+    <p:extLst>
+      <p:ext uri="{BB962C8B-B14F-4D97-AF65-F5344CB8AC3E}">
+        <p14:creationId xmlns:p14="http://schemas.microsoft.com/office/powerpoint/2010/main" val="1834437852"/>
+      </p:ext>
+    </p:extLst>
+  </p:cSld>
+  <p:clrMapOvr>
+    <a:masterClrMapping/>
+  </p:clrMapOvr>
+</p:sld>
+</file>
+
+<file path=ppt/slides/slide16.xml><?xml version="1.0" encoding="utf-8"?>
+<p:sld xmlns:a="http://schemas.openxmlformats.org/drawingml/2006/main" xmlns:r="http://schemas.openxmlformats.org/officeDocument/2006/relationships" xmlns:p="http://schemas.openxmlformats.org/presentationml/2006/main">
+  <p:cSld>
+    <p:spTree>
+      <p:nvGrpSpPr>
+        <p:cNvPr id="1" name=""/>
+        <p:cNvGrpSpPr/>
+        <p:nvPr/>
+      </p:nvGrpSpPr>
+      <p:grpSpPr>
+        <a:xfrm>
+          <a:off x="0" y="0"/>
+          <a:ext cx="0" cy="0"/>
+          <a:chOff x="0" y="0"/>
+          <a:chExt cx="0" cy="0"/>
+        </a:xfrm>
+      </p:grpSpPr>
+      <p:pic>
+        <p:nvPicPr>
+          <p:cNvPr id="4" name="Picture 3">
+            <a:extLst>
+              <a:ext uri="{FF2B5EF4-FFF2-40B4-BE49-F238E27FC236}">
+                <a16:creationId xmlns:a16="http://schemas.microsoft.com/office/drawing/2014/main" xmlns="" id="{A7F0E624-6A8B-43DC-AF97-38CA30940C93}"/>
+              </a:ext>
+            </a:extLst>
+          </p:cNvPr>
+          <p:cNvPicPr>
+            <a:picLocks noChangeAspect="1"/>
+          </p:cNvPicPr>
+          <p:nvPr/>
+        </p:nvPicPr>
+        <p:blipFill>
+          <a:blip r:embed="rId2"/>
+          <a:stretch>
+            <a:fillRect/>
+          </a:stretch>
+        </p:blipFill>
+        <p:spPr>
+          <a:xfrm>
+            <a:off x="0" y="1310220"/>
+            <a:ext cx="12192000" cy="4323288"/>
+          </a:xfrm>
+          <a:prstGeom prst="rect">
+            <a:avLst/>
+          </a:prstGeom>
+        </p:spPr>
+      </p:pic>
+      <p:sp>
+        <p:nvSpPr>
+          <p:cNvPr id="2" name="TextBox 1">
+            <a:extLst>
+              <a:ext uri="{FF2B5EF4-FFF2-40B4-BE49-F238E27FC236}">
+                <a16:creationId xmlns:a16="http://schemas.microsoft.com/office/drawing/2014/main" xmlns="" id="{FA1173C7-42D2-5D46-BB89-6324A686A6B5}"/>
+              </a:ext>
+            </a:extLst>
+          </p:cNvPr>
+          <p:cNvSpPr txBox="1"/>
+          <p:nvPr/>
+        </p:nvSpPr>
+        <p:spPr>
+          <a:xfrm>
+            <a:off x="285750" y="357190"/>
+            <a:ext cx="6602641" cy="707886"/>
+          </a:xfrm>
+          <a:prstGeom prst="rect">
+            <a:avLst/>
+          </a:prstGeom>
+          <a:noFill/>
+        </p:spPr>
+        <p:txBody>
+          <a:bodyPr wrap="none" rtlCol="0">
+            <a:spAutoFit/>
+          </a:bodyPr>
+          <a:lstStyle/>
+          <a:p>
+            <a:r>
+              <a:rPr lang="en-CA" sz="4000" dirty="0"/>
+              <a:t>Single Image Super Resolution:</a:t>
+            </a:r>
+            <a:endParaRPr lang="en-US" sz="4000" dirty="0"/>
+          </a:p>
+        </p:txBody>
+      </p:sp>
+    </p:spTree>
+    <p:extLst>
+      <p:ext uri="{BB962C8B-B14F-4D97-AF65-F5344CB8AC3E}">
+        <p14:creationId xmlns:p14="http://schemas.microsoft.com/office/powerpoint/2010/main" val="60648957"/>
+      </p:ext>
+    </p:extLst>
+  </p:cSld>
+  <p:clrMapOvr>
+    <a:masterClrMapping/>
+  </p:clrMapOvr>
+</p:sld>
+</file>
+
+<file path=ppt/slides/slide17.xml><?xml version="1.0" encoding="utf-8"?>
+<p:sld xmlns:a="http://schemas.openxmlformats.org/drawingml/2006/main" xmlns:r="http://schemas.openxmlformats.org/officeDocument/2006/relationships" xmlns:p="http://schemas.openxmlformats.org/presentationml/2006/main">
+  <p:cSld>
+    <p:spTree>
+      <p:nvGrpSpPr>
+        <p:cNvPr id="1" name=""/>
+        <p:cNvGrpSpPr/>
+        <p:nvPr/>
+      </p:nvGrpSpPr>
+      <p:grpSpPr>
+        <a:xfrm>
+          <a:off x="0" y="0"/>
+          <a:ext cx="0" cy="0"/>
+          <a:chOff x="0" y="0"/>
+          <a:chExt cx="0" cy="0"/>
+        </a:xfrm>
+      </p:grpSpPr>
+      <p:sp>
+        <p:nvSpPr>
+          <p:cNvPr id="2" name="Title 1">
+            <a:extLst>
+              <a:ext uri="{FF2B5EF4-FFF2-40B4-BE49-F238E27FC236}">
+                <a16:creationId xmlns:a16="http://schemas.microsoft.com/office/drawing/2014/main" xmlns="" id="{42981A0C-B5E6-4708-B592-205E5FF8F57B}"/>
+              </a:ext>
+            </a:extLst>
+          </p:cNvPr>
+          <p:cNvSpPr>
+            <a:spLocks noGrp="1"/>
+          </p:cNvSpPr>
+          <p:nvPr>
+            <p:ph type="title"/>
+          </p:nvPr>
+        </p:nvSpPr>
+        <p:spPr>
+          <a:xfrm>
+            <a:off x="838200" y="365126"/>
+            <a:ext cx="10515600" cy="417300"/>
+          </a:xfrm>
+        </p:spPr>
+        <p:txBody>
+          <a:bodyPr>
+            <a:normAutofit fontScale="90000"/>
+          </a:bodyPr>
+          <a:lstStyle/>
+          <a:p>
+            <a:r>
+              <a:rPr lang="en-CA" dirty="0"/>
+              <a:t>Single Image Super Resolution:</a:t>
+            </a:r>
+          </a:p>
+        </p:txBody>
+      </p:sp>
+      <p:sp>
+        <p:nvSpPr>
+          <p:cNvPr id="4" name="Content Placeholder 3">
+            <a:extLst>
+              <a:ext uri="{FF2B5EF4-FFF2-40B4-BE49-F238E27FC236}">
+                <a16:creationId xmlns:a16="http://schemas.microsoft.com/office/drawing/2014/main" xmlns="" id="{EF770116-7BBD-4DB9-89D5-5BC7376E4399}"/>
+              </a:ext>
+            </a:extLst>
+          </p:cNvPr>
+          <p:cNvSpPr>
+            <a:spLocks noGrp="1"/>
+          </p:cNvSpPr>
+          <p:nvPr>
+            <p:ph idx="1"/>
+          </p:nvPr>
+        </p:nvSpPr>
+        <p:spPr>
+          <a:xfrm>
+            <a:off x="7829550" y="3082417"/>
+            <a:ext cx="3524249" cy="710119"/>
+          </a:xfrm>
+        </p:spPr>
+        <p:txBody>
+          <a:bodyPr>
+            <a:normAutofit lnSpcReduction="10000"/>
+          </a:bodyPr>
+          <a:lstStyle/>
+          <a:p>
+            <a:pPr marL="0" indent="0">
+              <a:buNone/>
+            </a:pPr>
+            <a:r>
+              <a:rPr lang="en-CA" sz="2400" dirty="0"/>
+              <a:t>Patch Search for Low Res-Images</a:t>
+            </a:r>
+          </a:p>
+        </p:txBody>
+      </p:sp>
+      <p:pic>
+        <p:nvPicPr>
+          <p:cNvPr id="5" name="Picture 4">
+            <a:extLst>
+              <a:ext uri="{FF2B5EF4-FFF2-40B4-BE49-F238E27FC236}">
+                <a16:creationId xmlns:a16="http://schemas.microsoft.com/office/drawing/2014/main" xmlns="" id="{CAC440CC-FD25-4F9A-BF23-1BFAD3A7214B}"/>
+              </a:ext>
+            </a:extLst>
+          </p:cNvPr>
+          <p:cNvPicPr>
+            <a:picLocks noChangeAspect="1"/>
+          </p:cNvPicPr>
+          <p:nvPr/>
+        </p:nvPicPr>
+        <p:blipFill>
+          <a:blip r:embed="rId2"/>
+          <a:stretch>
+            <a:fillRect/>
+          </a:stretch>
+        </p:blipFill>
+        <p:spPr>
+          <a:xfrm>
+            <a:off x="838200" y="1092199"/>
+            <a:ext cx="6991350" cy="5400675"/>
+          </a:xfrm>
+          <a:prstGeom prst="rect">
+            <a:avLst/>
+          </a:prstGeom>
+        </p:spPr>
+      </p:pic>
+    </p:spTree>
+    <p:extLst>
+      <p:ext uri="{BB962C8B-B14F-4D97-AF65-F5344CB8AC3E}">
+        <p14:creationId xmlns:p14="http://schemas.microsoft.com/office/powerpoint/2010/main" val="3063670243"/>
+      </p:ext>
+    </p:extLst>
+  </p:cSld>
+  <p:clrMapOvr>
+    <a:masterClrMapping/>
+  </p:clrMapOvr>
+</p:sld>
+</file>
+
+<file path=ppt/slides/slide18.xml><?xml version="1.0" encoding="utf-8"?>
+<p:sld xmlns:a="http://schemas.openxmlformats.org/drawingml/2006/main" xmlns:r="http://schemas.openxmlformats.org/officeDocument/2006/relationships" xmlns:p="http://schemas.openxmlformats.org/presentationml/2006/main">
+  <p:cSld>
+    <p:spTree>
+      <p:nvGrpSpPr>
+        <p:cNvPr id="1" name=""/>
+        <p:cNvGrpSpPr/>
+        <p:nvPr/>
+      </p:nvGrpSpPr>
+      <p:grpSpPr>
+        <a:xfrm>
+          <a:off x="0" y="0"/>
+          <a:ext cx="0" cy="0"/>
+          <a:chOff x="0" y="0"/>
+          <a:chExt cx="0" cy="0"/>
+        </a:xfrm>
+      </p:grpSpPr>
+      <p:sp>
+        <p:nvSpPr>
+          <p:cNvPr id="2" name="Title 1">
+            <a:extLst>
+              <a:ext uri="{FF2B5EF4-FFF2-40B4-BE49-F238E27FC236}">
+                <a16:creationId xmlns:a16="http://schemas.microsoft.com/office/drawing/2014/main" xmlns="" id="{18F96890-9B86-1149-B4A6-52C769256945}"/>
+              </a:ext>
+            </a:extLst>
+          </p:cNvPr>
+          <p:cNvSpPr>
+            <a:spLocks noGrp="1"/>
+          </p:cNvSpPr>
+          <p:nvPr>
+            <p:ph type="title"/>
+          </p:nvPr>
+        </p:nvSpPr>
+        <p:spPr/>
+        <p:txBody>
+          <a:bodyPr/>
+          <a:lstStyle/>
+          <a:p>
+            <a:r>
+              <a:rPr lang="en-US" dirty="0"/>
+              <a:t>Data Source</a:t>
+            </a:r>
+          </a:p>
+        </p:txBody>
+      </p:sp>
+      <p:sp>
+        <p:nvSpPr>
+          <p:cNvPr id="3" name="Content Placeholder 2">
+            <a:extLst>
+              <a:ext uri="{FF2B5EF4-FFF2-40B4-BE49-F238E27FC236}">
+                <a16:creationId xmlns:a16="http://schemas.microsoft.com/office/drawing/2014/main" xmlns="" id="{1E31E60E-ED31-7E47-B696-A9FA64926521}"/>
+              </a:ext>
+            </a:extLst>
+          </p:cNvPr>
+          <p:cNvSpPr>
+            <a:spLocks noGrp="1"/>
+          </p:cNvSpPr>
+          <p:nvPr>
+            <p:ph idx="1"/>
+          </p:nvPr>
+        </p:nvSpPr>
+        <p:spPr/>
+        <p:txBody>
+          <a:bodyPr/>
+          <a:lstStyle/>
+          <a:p>
+            <a:r>
+              <a:rPr lang="en-US" dirty="0"/>
+              <a:t>We could easily find datasets of images online and apply B/W filter to create desired B/W images. </a:t>
+            </a:r>
+          </a:p>
+          <a:p>
+            <a:r>
+              <a:rPr lang="en-US" dirty="0"/>
+              <a:t>Example image dataset includes:</a:t>
+            </a:r>
+          </a:p>
+          <a:p>
+            <a:pPr lvl="1"/>
+            <a:r>
+              <a:rPr lang="en-US" dirty="0"/>
+              <a:t>ImageNet: 1.5M images</a:t>
+            </a:r>
+          </a:p>
+          <a:p>
+            <a:pPr lvl="1"/>
+            <a:r>
+              <a:rPr lang="en-US" dirty="0"/>
+              <a:t>Open images dataset: 9M images</a:t>
+            </a:r>
+          </a:p>
+          <a:p>
+            <a:endParaRPr lang="en-US" dirty="0"/>
+          </a:p>
+          <a:p>
+            <a:endParaRPr lang="en-US" dirty="0"/>
+          </a:p>
+          <a:p>
+            <a:endParaRPr lang="en-US" dirty="0"/>
+          </a:p>
+        </p:txBody>
+      </p:sp>
+    </p:spTree>
+    <p:extLst>
+      <p:ext uri="{BB962C8B-B14F-4D97-AF65-F5344CB8AC3E}">
+        <p14:creationId xmlns:p14="http://schemas.microsoft.com/office/powerpoint/2010/main" val="1523085169"/>
+      </p:ext>
+    </p:extLst>
+  </p:cSld>
+  <p:clrMapOvr>
+    <a:masterClrMapping/>
+  </p:clrMapOvr>
+</p:sld>
+</file>
+
+<file path=ppt/slides/slide19.xml><?xml version="1.0" encoding="utf-8"?>
+<p:sld xmlns:a="http://schemas.openxmlformats.org/drawingml/2006/main" xmlns:r="http://schemas.openxmlformats.org/officeDocument/2006/relationships" xmlns:p="http://schemas.openxmlformats.org/presentationml/2006/main">
+  <p:cSld>
+    <p:spTree>
+      <p:nvGrpSpPr>
+        <p:cNvPr id="1" name=""/>
+        <p:cNvGrpSpPr/>
+        <p:nvPr/>
+      </p:nvGrpSpPr>
+      <p:grpSpPr>
+        <a:xfrm>
+          <a:off x="0" y="0"/>
+          <a:ext cx="0" cy="0"/>
+          <a:chOff x="0" y="0"/>
+          <a:chExt cx="0" cy="0"/>
+        </a:xfrm>
+      </p:grpSpPr>
+      <p:sp>
+        <p:nvSpPr>
+          <p:cNvPr id="2" name="Title 1">
+            <a:extLst>
+              <a:ext uri="{FF2B5EF4-FFF2-40B4-BE49-F238E27FC236}">
+                <a16:creationId xmlns:a16="http://schemas.microsoft.com/office/drawing/2014/main" xmlns="" id="{861ADC6D-3272-417A-A4CA-797A1BE670CB}"/>
+              </a:ext>
+            </a:extLst>
+          </p:cNvPr>
+          <p:cNvSpPr>
+            <a:spLocks noGrp="1"/>
+          </p:cNvSpPr>
+          <p:nvPr>
+            <p:ph type="title"/>
+          </p:nvPr>
+        </p:nvSpPr>
+        <p:spPr/>
+        <p:txBody>
+          <a:bodyPr/>
+          <a:lstStyle/>
+          <a:p>
+            <a:r>
+              <a:rPr lang="en-CA" dirty="0"/>
+              <a:t>Challenges</a:t>
+            </a:r>
+          </a:p>
+        </p:txBody>
+      </p:sp>
+      <p:sp>
+        <p:nvSpPr>
+          <p:cNvPr id="3" name="Content Placeholder 2">
+            <a:extLst>
+              <a:ext uri="{FF2B5EF4-FFF2-40B4-BE49-F238E27FC236}">
+                <a16:creationId xmlns:a16="http://schemas.microsoft.com/office/drawing/2014/main" xmlns="" id="{74E4DEA5-DDEF-4578-8F30-91949891E260}"/>
+              </a:ext>
+            </a:extLst>
+          </p:cNvPr>
+          <p:cNvSpPr>
+            <a:spLocks noGrp="1"/>
+          </p:cNvSpPr>
+          <p:nvPr>
+            <p:ph idx="1"/>
+          </p:nvPr>
+        </p:nvSpPr>
+        <p:spPr/>
+        <p:txBody>
+          <a:bodyPr/>
+          <a:lstStyle/>
+          <a:p>
+            <a:r>
+              <a:rPr lang="en-CA" dirty="0"/>
+              <a:t>Color restoration favors Blue colors (might be biases from dataset)</a:t>
+            </a:r>
+          </a:p>
+          <a:p>
+            <a:r>
+              <a:rPr lang="en-CA" dirty="0"/>
+              <a:t>Cannot identify artwork colors</a:t>
+            </a:r>
+          </a:p>
+          <a:p>
+            <a:r>
+              <a:rPr lang="en-CA" dirty="0"/>
+              <a:t>Super resolution takes large amount of resources</a:t>
+            </a:r>
+          </a:p>
+        </p:txBody>
+      </p:sp>
+    </p:spTree>
+    <p:extLst>
+      <p:ext uri="{BB962C8B-B14F-4D97-AF65-F5344CB8AC3E}">
+        <p14:creationId xmlns:p14="http://schemas.microsoft.com/office/powerpoint/2010/main" val="3247539159"/>
+      </p:ext>
+    </p:extLst>
+  </p:cSld>
+  <p:clrMapOvr>
+    <a:masterClrMapping/>
+  </p:clrMapOvr>
+</p:sld>
+</file>
+
+<file path=ppt/slides/slide2.xml><?xml version="1.0" encoding="utf-8"?>
+<p:sld xmlns:a="http://schemas.openxmlformats.org/drawingml/2006/main" xmlns:r="http://schemas.openxmlformats.org/officeDocument/2006/relationships" xmlns:p="http://schemas.openxmlformats.org/presentationml/2006/main">
+  <p:cSld>
+    <p:spTree>
+      <p:nvGrpSpPr>
+        <p:cNvPr id="1" name=""/>
+        <p:cNvGrpSpPr/>
+        <p:nvPr/>
+      </p:nvGrpSpPr>
+      <p:grpSpPr>
+        <a:xfrm>
+          <a:off x="0" y="0"/>
+          <a:ext cx="0" cy="0"/>
+          <a:chOff x="0" y="0"/>
+          <a:chExt cx="0" cy="0"/>
+        </a:xfrm>
+      </p:grpSpPr>
+      <p:sp>
+        <p:nvSpPr>
+          <p:cNvPr id="5" name="Content Placeholder 3">
+            <a:extLst>
+              <a:ext uri="{FF2B5EF4-FFF2-40B4-BE49-F238E27FC236}">
+                <a16:creationId xmlns:a16="http://schemas.microsoft.com/office/drawing/2014/main" xmlns="" id="{3EB15702-8298-464F-AC4E-772E2235E4CE}"/>
+              </a:ext>
+            </a:extLst>
+          </p:cNvPr>
+          <p:cNvSpPr>
+            <a:spLocks noGrp="1"/>
+          </p:cNvSpPr>
+          <p:nvPr>
+            <p:ph idx="1"/>
+          </p:nvPr>
+        </p:nvSpPr>
+        <p:spPr>
+          <a:xfrm>
+            <a:off x="838200" y="1298762"/>
+            <a:ext cx="10515600" cy="4365437"/>
+          </a:xfrm>
+        </p:spPr>
+        <p:txBody>
+          <a:bodyPr>
+            <a:normAutofit/>
+          </a:bodyPr>
+          <a:lstStyle/>
+          <a:p>
+            <a:r>
+              <a:rPr lang="en-US" dirty="0" smtClean="0"/>
+              <a:t>Generative : Our baseline and goal</a:t>
+            </a:r>
+          </a:p>
+          <a:p>
+            <a:pPr lvl="1"/>
+            <a:r>
+              <a:rPr lang="en-US" dirty="0" smtClean="0"/>
+              <a:t>Encoder-decoder generator</a:t>
+            </a:r>
+          </a:p>
+          <a:p>
+            <a:pPr marL="0" indent="0">
+              <a:buNone/>
+            </a:pPr>
+            <a:r>
+              <a:rPr lang="en-US" dirty="0" smtClean="0"/>
+              <a:t> </a:t>
+            </a:r>
+            <a:endParaRPr lang="en-US" dirty="0"/>
+          </a:p>
+          <a:p>
+            <a:r>
+              <a:rPr lang="en-CA" dirty="0" smtClean="0"/>
+              <a:t>Retrieval</a:t>
+            </a:r>
+          </a:p>
+          <a:p>
+            <a:pPr lvl="1"/>
+            <a:r>
+              <a:rPr lang="en-US" altLang="zh-CN" dirty="0"/>
+              <a:t>query-response </a:t>
+            </a:r>
+            <a:r>
+              <a:rPr lang="en-US" altLang="zh-CN" dirty="0" smtClean="0"/>
+              <a:t>pair</a:t>
+            </a:r>
+          </a:p>
+          <a:p>
+            <a:pPr lvl="1"/>
+            <a:r>
+              <a:rPr lang="en-US" dirty="0" smtClean="0"/>
+              <a:t>Optimize: From Q&amp;A to chatbot</a:t>
+            </a:r>
+          </a:p>
+          <a:p>
+            <a:pPr lvl="1"/>
+            <a:r>
+              <a:rPr lang="en-CA" dirty="0"/>
+              <a:t>Multi-view </a:t>
+            </a:r>
+            <a:r>
+              <a:rPr lang="en-CA" dirty="0" smtClean="0"/>
+              <a:t>model, SMN, DUA: Modern representation method</a:t>
+            </a:r>
+            <a:endParaRPr lang="en-CA" dirty="0"/>
+          </a:p>
+        </p:txBody>
+      </p:sp>
+      <p:sp>
+        <p:nvSpPr>
+          <p:cNvPr id="8" name="Title 1">
+            <a:extLst>
+              <a:ext uri="{FF2B5EF4-FFF2-40B4-BE49-F238E27FC236}">
+                <a16:creationId xmlns:a16="http://schemas.microsoft.com/office/drawing/2014/main" xmlns="" id="{42981A0C-B5E6-4708-B592-205E5FF8F57B}"/>
+              </a:ext>
+            </a:extLst>
+          </p:cNvPr>
+          <p:cNvSpPr>
+            <a:spLocks noGrp="1"/>
+          </p:cNvSpPr>
+          <p:nvPr>
+            <p:ph type="title"/>
+          </p:nvPr>
+        </p:nvSpPr>
+        <p:spPr>
+          <a:xfrm>
+            <a:off x="838200" y="466726"/>
+            <a:ext cx="10515600" cy="417300"/>
+          </a:xfrm>
+        </p:spPr>
+        <p:txBody>
+          <a:bodyPr>
+            <a:normAutofit fontScale="90000"/>
+          </a:bodyPr>
+          <a:lstStyle/>
+          <a:p>
+            <a:r>
+              <a:rPr lang="en-CA" dirty="0" smtClean="0"/>
+              <a:t>Overview</a:t>
+            </a:r>
+            <a:endParaRPr lang="en-CA" dirty="0"/>
+          </a:p>
+        </p:txBody>
+      </p:sp>
+    </p:spTree>
+    <p:extLst>
+      <p:ext uri="{BB962C8B-B14F-4D97-AF65-F5344CB8AC3E}">
+        <p14:creationId xmlns:p14="http://schemas.microsoft.com/office/powerpoint/2010/main" val="2318427084"/>
+      </p:ext>
+    </p:extLst>
+  </p:cSld>
+  <p:clrMapOvr>
+    <a:masterClrMapping/>
+  </p:clrMapOvr>
+  <p:timing>
+    <p:tnLst>
+      <p:par>
+        <p:cTn id="1" dur="indefinite" restart="never" nodeType="tmRoot"/>
+      </p:par>
+    </p:tnLst>
+  </p:timing>
+</p:sld>
+</file>
+
+<file path=ppt/slides/slide20.xml><?xml version="1.0" encoding="utf-8"?>
+<p:sld xmlns:a="http://schemas.openxmlformats.org/drawingml/2006/main" xmlns:r="http://schemas.openxmlformats.org/officeDocument/2006/relationships" xmlns:p="http://schemas.openxmlformats.org/presentationml/2006/main">
+  <p:cSld>
+    <p:spTree>
+      <p:nvGrpSpPr>
+        <p:cNvPr id="1" name=""/>
+        <p:cNvGrpSpPr/>
+        <p:nvPr/>
+      </p:nvGrpSpPr>
+      <p:grpSpPr>
+        <a:xfrm>
+          <a:off x="0" y="0"/>
+          <a:ext cx="0" cy="0"/>
+          <a:chOff x="0" y="0"/>
+          <a:chExt cx="0" cy="0"/>
+        </a:xfrm>
+      </p:grpSpPr>
+      <p:sp>
+        <p:nvSpPr>
+          <p:cNvPr id="2" name="Title 1">
+            <a:extLst>
+              <a:ext uri="{FF2B5EF4-FFF2-40B4-BE49-F238E27FC236}">
+                <a16:creationId xmlns:a16="http://schemas.microsoft.com/office/drawing/2014/main" xmlns="" id="{C564A388-824A-8D40-8739-68A650B6F72C}"/>
+              </a:ext>
+            </a:extLst>
+          </p:cNvPr>
+          <p:cNvSpPr>
+            <a:spLocks noGrp="1"/>
+          </p:cNvSpPr>
+          <p:nvPr>
+            <p:ph type="title"/>
+          </p:nvPr>
+        </p:nvSpPr>
+        <p:spPr/>
+        <p:txBody>
+          <a:bodyPr/>
+          <a:lstStyle/>
+          <a:p>
+            <a:r>
+              <a:rPr lang="en-US" dirty="0"/>
+              <a:t>Thanks.</a:t>
+            </a:r>
+          </a:p>
+        </p:txBody>
+      </p:sp>
+      <p:sp>
+        <p:nvSpPr>
+          <p:cNvPr id="3" name="Content Placeholder 2">
+            <a:extLst>
+              <a:ext uri="{FF2B5EF4-FFF2-40B4-BE49-F238E27FC236}">
+                <a16:creationId xmlns:a16="http://schemas.microsoft.com/office/drawing/2014/main" xmlns="" id="{0B3E9BB3-9184-F242-BF85-FD03E1060694}"/>
+              </a:ext>
+            </a:extLst>
+          </p:cNvPr>
+          <p:cNvSpPr>
+            <a:spLocks noGrp="1"/>
+          </p:cNvSpPr>
+          <p:nvPr>
+            <p:ph idx="1"/>
+          </p:nvPr>
+        </p:nvSpPr>
+        <p:spPr/>
+        <p:txBody>
+          <a:bodyPr/>
+          <a:lstStyle/>
+          <a:p>
+            <a:endParaRPr lang="en-US"/>
+          </a:p>
+        </p:txBody>
+      </p:sp>
+    </p:spTree>
+    <p:extLst>
+      <p:ext uri="{BB962C8B-B14F-4D97-AF65-F5344CB8AC3E}">
+        <p14:creationId xmlns:p14="http://schemas.microsoft.com/office/powerpoint/2010/main" val="3888328012"/>
+      </p:ext>
+    </p:extLst>
+  </p:cSld>
+  <p:clrMapOvr>
+    <a:masterClrMapping/>
+  </p:clrMapOvr>
+</p:sld>
+</file>
+
+<file path=ppt/slides/slide3.xml><?xml version="1.0" encoding="utf-8"?>
+<p:sld xmlns:a="http://schemas.openxmlformats.org/drawingml/2006/main" xmlns:r="http://schemas.openxmlformats.org/officeDocument/2006/relationships" xmlns:p="http://schemas.openxmlformats.org/presentationml/2006/main">
+  <p:cSld>
+    <p:spTree>
+      <p:nvGrpSpPr>
+        <p:cNvPr id="1" name=""/>
+        <p:cNvGrpSpPr/>
+        <p:nvPr/>
+      </p:nvGrpSpPr>
+      <p:grpSpPr>
+        <a:xfrm>
+          <a:off x="0" y="0"/>
+          <a:ext cx="0" cy="0"/>
+          <a:chOff x="0" y="0"/>
+          <a:chExt cx="0" cy="0"/>
+        </a:xfrm>
+      </p:grpSpPr>
+      <p:pic>
+        <p:nvPicPr>
+          <p:cNvPr id="1026" name="Picture 2" descr="https://camo.githubusercontent.com/599a879884c2cebb9132c5991f626f26d5557732/68747470733a2f2f342e62702e626c6f6773706f742e636f6d2f2d61417253306c31706a48512f566a6a3731704b416145492f41414141414141414178452f4e767931465362445f56732f733634302f325446737461746963677261706869635f616c742d30312e706e67"/>
+          <p:cNvPicPr>
+            <a:picLocks noChangeAspect="1" noChangeArrowheads="1"/>
+          </p:cNvPicPr>
+          <p:nvPr/>
+        </p:nvPicPr>
+        <p:blipFill>
+          <a:blip r:embed="rId2">
+            <a:extLst>
+              <a:ext uri="{28A0092B-C50C-407E-A947-70E740481C1C}">
+                <a14:useLocalDpi xmlns:a14="http://schemas.microsoft.com/office/drawing/2010/main" val="0"/>
+              </a:ext>
+            </a:extLst>
+          </a:blip>
+          <a:srcRect/>
+          <a:stretch>
+            <a:fillRect/>
+          </a:stretch>
+        </p:blipFill>
+        <p:spPr bwMode="auto">
+          <a:xfrm>
+            <a:off x="630237" y="1163975"/>
+            <a:ext cx="10931526" cy="3296538"/>
+          </a:xfrm>
+          <a:prstGeom prst="rect">
+            <a:avLst/>
+          </a:prstGeom>
+          <a:noFill/>
+          <a:extLst>
+            <a:ext uri="{909E8E84-426E-40DD-AFC4-6F175D3DCCD1}">
+              <a14:hiddenFill xmlns:a14="http://schemas.microsoft.com/office/drawing/2010/main">
+                <a:solidFill>
+                  <a:srgbClr val="FFFFFF"/>
+                </a:solidFill>
+              </a14:hiddenFill>
+            </a:ext>
+          </a:extLst>
+        </p:spPr>
+      </p:pic>
+      <p:sp>
+        <p:nvSpPr>
+          <p:cNvPr id="5" name="Content Placeholder 3">
+            <a:extLst>
+              <a:ext uri="{FF2B5EF4-FFF2-40B4-BE49-F238E27FC236}">
+                <a16:creationId xmlns:a16="http://schemas.microsoft.com/office/drawing/2014/main" xmlns="" id="{3EB15702-8298-464F-AC4E-772E2235E4CE}"/>
+              </a:ext>
+            </a:extLst>
+          </p:cNvPr>
+          <p:cNvSpPr>
+            <a:spLocks noGrp="1"/>
+          </p:cNvSpPr>
+          <p:nvPr>
+            <p:ph idx="1"/>
+          </p:nvPr>
+        </p:nvSpPr>
+        <p:spPr>
+          <a:xfrm>
+            <a:off x="838200" y="4842063"/>
+            <a:ext cx="10515600" cy="1660338"/>
+          </a:xfrm>
+        </p:spPr>
+        <p:txBody>
+          <a:bodyPr>
+            <a:normAutofit/>
+          </a:bodyPr>
+          <a:lstStyle/>
+          <a:p>
+            <a:r>
+              <a:rPr lang="en-CA" sz="2000" dirty="0" smtClean="0"/>
+              <a:t>Classical seq2seq model (</a:t>
+            </a:r>
+            <a:r>
+              <a:rPr lang="en-CA" sz="2000" dirty="0" err="1" smtClean="0"/>
+              <a:t>Googlebot</a:t>
+            </a:r>
+            <a:r>
+              <a:rPr lang="en-CA" sz="2000" dirty="0" smtClean="0"/>
+              <a:t>, 2015) : LSTM layers without attention</a:t>
+            </a:r>
+            <a:endParaRPr lang="en-CA" sz="2000" dirty="0" smtClean="0"/>
+          </a:p>
+          <a:p>
+            <a:r>
+              <a:rPr lang="en-CA" sz="2000" dirty="0"/>
+              <a:t>Supported corpora: </a:t>
+            </a:r>
+            <a:r>
+              <a:rPr lang="en-US" sz="2000" dirty="0" smtClean="0"/>
+              <a:t>Cornell</a:t>
+            </a:r>
+            <a:r>
+              <a:rPr lang="en-US" sz="2000" dirty="0"/>
+              <a:t>, </a:t>
+            </a:r>
+            <a:r>
+              <a:rPr lang="en-US" sz="2000" dirty="0" err="1"/>
+              <a:t>OpenSubtitles</a:t>
+            </a:r>
+            <a:r>
+              <a:rPr lang="en-US" sz="2000" dirty="0"/>
+              <a:t>, Ubuntu and Scotus</a:t>
+            </a:r>
+            <a:r>
+              <a:rPr lang="en-CA" sz="2000" dirty="0" smtClean="0"/>
+              <a:t>Feature </a:t>
+            </a:r>
+            <a:r>
+              <a:rPr lang="en-CA" sz="2000" dirty="0"/>
+              <a:t>loss on </a:t>
+            </a:r>
+            <a:r>
+              <a:rPr lang="en-CA" sz="2000" dirty="0" smtClean="0"/>
+              <a:t>generator</a:t>
+            </a:r>
+          </a:p>
+          <a:p>
+            <a:r>
+              <a:rPr lang="en-CA" sz="2000" dirty="0" smtClean="0"/>
+              <a:t>Seq2seq loss &amp; perplexity based</a:t>
+            </a:r>
+          </a:p>
+          <a:p>
+            <a:r>
+              <a:rPr lang="en-CA" sz="2000" dirty="0" smtClean="0"/>
+              <a:t>Q&amp;A system: without dialog tracking, not a chatbot</a:t>
+            </a:r>
+            <a:endParaRPr lang="en-CA" sz="2000" dirty="0"/>
+          </a:p>
+        </p:txBody>
+      </p:sp>
+      <p:sp>
+        <p:nvSpPr>
+          <p:cNvPr id="8" name="Title 1">
+            <a:extLst>
+              <a:ext uri="{FF2B5EF4-FFF2-40B4-BE49-F238E27FC236}">
+                <a16:creationId xmlns:a16="http://schemas.microsoft.com/office/drawing/2014/main" xmlns="" id="{42981A0C-B5E6-4708-B592-205E5FF8F57B}"/>
+              </a:ext>
+            </a:extLst>
+          </p:cNvPr>
+          <p:cNvSpPr>
+            <a:spLocks noGrp="1"/>
+          </p:cNvSpPr>
+          <p:nvPr>
+            <p:ph type="title"/>
+          </p:nvPr>
+        </p:nvSpPr>
+        <p:spPr>
+          <a:xfrm>
+            <a:off x="838200" y="466726"/>
+            <a:ext cx="10515600" cy="417300"/>
+          </a:xfrm>
+        </p:spPr>
+        <p:txBody>
+          <a:bodyPr>
+            <a:normAutofit fontScale="90000"/>
+          </a:bodyPr>
+          <a:lstStyle/>
+          <a:p>
+            <a:r>
+              <a:rPr lang="en-CA" dirty="0" smtClean="0"/>
+              <a:t>Overview</a:t>
+            </a:r>
+            <a:endParaRPr lang="en-CA" dirty="0"/>
+          </a:p>
+        </p:txBody>
+      </p:sp>
+    </p:spTree>
+    <p:extLst>
+      <p:ext uri="{BB962C8B-B14F-4D97-AF65-F5344CB8AC3E}">
+        <p14:creationId xmlns:p14="http://schemas.microsoft.com/office/powerpoint/2010/main" val="1683646553"/>
+      </p:ext>
+    </p:extLst>
+  </p:cSld>
+  <p:clrMapOvr>
+    <a:masterClrMapping/>
+  </p:clrMapOvr>
+  <p:timing>
+    <p:tnLst>
+      <p:par>
+        <p:cTn id="1" dur="indefinite" restart="never" nodeType="tmRoot"/>
+      </p:par>
+    </p:tnLst>
+  </p:timing>
+</p:sld>
+</file>
+
+<file path=ppt/slides/slide4.xml><?xml version="1.0" encoding="utf-8"?>
+<p:sld xmlns:a="http://schemas.openxmlformats.org/drawingml/2006/main" xmlns:r="http://schemas.openxmlformats.org/officeDocument/2006/relationships" xmlns:p="http://schemas.openxmlformats.org/presentationml/2006/main">
+  <p:cSld>
+    <p:spTree>
+      <p:nvGrpSpPr>
+        <p:cNvPr id="1" name=""/>
+        <p:cNvGrpSpPr/>
+        <p:nvPr/>
+      </p:nvGrpSpPr>
+      <p:grpSpPr>
+        <a:xfrm>
+          <a:off x="0" y="0"/>
+          <a:ext cx="0" cy="0"/>
+          <a:chOff x="0" y="0"/>
+          <a:chExt cx="0" cy="0"/>
+        </a:xfrm>
+      </p:grpSpPr>
+      <p:sp>
+        <p:nvSpPr>
+          <p:cNvPr id="3" name="Content Placeholder 2">
+            <a:extLst>
+              <a:ext uri="{FF2B5EF4-FFF2-40B4-BE49-F238E27FC236}">
+                <a16:creationId xmlns:a16="http://schemas.microsoft.com/office/drawing/2014/main" xmlns="" id="{74E4DEA5-DDEF-4578-8F30-91949891E260}"/>
+              </a:ext>
+            </a:extLst>
+          </p:cNvPr>
+          <p:cNvSpPr>
+            <a:spLocks noGrp="1"/>
+          </p:cNvSpPr>
+          <p:nvPr>
+            <p:ph idx="1"/>
+          </p:nvPr>
+        </p:nvSpPr>
+        <p:spPr>
+          <a:xfrm>
+            <a:off x="838200" y="1698625"/>
+            <a:ext cx="10515600" cy="4351338"/>
+          </a:xfrm>
+        </p:spPr>
+        <p:txBody>
+          <a:bodyPr/>
+          <a:lstStyle/>
+          <a:p>
+            <a:r>
+              <a:rPr lang="en-CA" dirty="0" smtClean="0"/>
+              <a:t>Simplest Q&amp;A system: </a:t>
+            </a:r>
+          </a:p>
+          <a:p>
+            <a:pPr lvl="1"/>
+            <a:r>
+              <a:rPr lang="en-CA" dirty="0" smtClean="0"/>
+              <a:t>Deterministic: Q&amp;A system is not a chatbot</a:t>
+            </a:r>
+          </a:p>
+          <a:p>
+            <a:pPr lvl="1"/>
+            <a:r>
+              <a:rPr lang="en-CA" dirty="0" smtClean="0"/>
+              <a:t>Independent: Each Q&amp;A pair is independent of others</a:t>
+            </a:r>
+          </a:p>
+          <a:p>
+            <a:pPr lvl="1"/>
+            <a:r>
+              <a:rPr lang="en-CA" dirty="0" smtClean="0"/>
+              <a:t>Bad performance: attention, transformer, and </a:t>
+            </a:r>
+            <a:r>
+              <a:rPr lang="en-CA" dirty="0"/>
+              <a:t>modern architecture</a:t>
+            </a:r>
+            <a:endParaRPr lang="en-CA" dirty="0" smtClean="0"/>
+          </a:p>
+          <a:p>
+            <a:r>
+              <a:rPr lang="en-CA" dirty="0" smtClean="0"/>
+              <a:t>Not friendly to current version</a:t>
+            </a:r>
+          </a:p>
+          <a:p>
+            <a:r>
+              <a:rPr lang="en-CA" dirty="0" smtClean="0"/>
+              <a:t>No personality</a:t>
+            </a:r>
+          </a:p>
+          <a:p>
+            <a:r>
+              <a:rPr lang="en-CA" dirty="0" smtClean="0"/>
+              <a:t>Costly evaluation</a:t>
+            </a:r>
+          </a:p>
+          <a:p>
+            <a:r>
+              <a:rPr lang="en-CA" dirty="0" smtClean="0"/>
+              <a:t>Friendly API for various dataset (Twitter, Reddit)</a:t>
+            </a:r>
+          </a:p>
+        </p:txBody>
+      </p:sp>
+      <p:sp>
+        <p:nvSpPr>
+          <p:cNvPr id="5" name="Title 1">
+            <a:extLst>
+              <a:ext uri="{FF2B5EF4-FFF2-40B4-BE49-F238E27FC236}">
+                <a16:creationId xmlns:a16="http://schemas.microsoft.com/office/drawing/2014/main" xmlns="" id="{42981A0C-B5E6-4708-B592-205E5FF8F57B}"/>
+              </a:ext>
+            </a:extLst>
+          </p:cNvPr>
+          <p:cNvSpPr>
+            <a:spLocks noGrp="1"/>
+          </p:cNvSpPr>
+          <p:nvPr>
+            <p:ph type="title"/>
+          </p:nvPr>
+        </p:nvSpPr>
+        <p:spPr>
+          <a:xfrm>
+            <a:off x="838200" y="466726"/>
+            <a:ext cx="10515600" cy="417300"/>
+          </a:xfrm>
+        </p:spPr>
+        <p:txBody>
+          <a:bodyPr>
+            <a:normAutofit fontScale="90000"/>
+          </a:bodyPr>
+          <a:lstStyle/>
+          <a:p>
+            <a:r>
+              <a:rPr lang="en-CA" dirty="0" smtClean="0"/>
+              <a:t>Challenges</a:t>
+            </a:r>
+            <a:endParaRPr lang="en-CA" dirty="0"/>
+          </a:p>
+        </p:txBody>
+      </p:sp>
+    </p:spTree>
+    <p:extLst>
+      <p:ext uri="{BB962C8B-B14F-4D97-AF65-F5344CB8AC3E}">
+        <p14:creationId xmlns:p14="http://schemas.microsoft.com/office/powerpoint/2010/main" val="2851154472"/>
+      </p:ext>
+    </p:extLst>
+  </p:cSld>
+  <p:clrMapOvr>
+    <a:masterClrMapping/>
+  </p:clrMapOvr>
+  <p:timing>
+    <p:tnLst>
+      <p:par>
+        <p:cTn id="1" dur="indefinite" restart="never" nodeType="tmRoot"/>
+      </p:par>
+    </p:tnLst>
+  </p:timing>
+</p:sld>
+</file>
+
+<file path=ppt/slides/slide5.xml><?xml version="1.0" encoding="utf-8"?>
+<p:sld xmlns:a="http://schemas.openxmlformats.org/drawingml/2006/main" xmlns:r="http://schemas.openxmlformats.org/officeDocument/2006/relationships" xmlns:p="http://schemas.openxmlformats.org/presentationml/2006/main">
+  <p:cSld>
+    <p:spTree>
+      <p:nvGrpSpPr>
+        <p:cNvPr id="1" name=""/>
+        <p:cNvGrpSpPr/>
+        <p:nvPr/>
+      </p:nvGrpSpPr>
+      <p:grpSpPr>
+        <a:xfrm>
+          <a:off x="0" y="0"/>
+          <a:ext cx="0" cy="0"/>
+          <a:chOff x="0" y="0"/>
+          <a:chExt cx="0" cy="0"/>
+        </a:xfrm>
+      </p:grpSpPr>
+      <p:sp>
+        <p:nvSpPr>
+          <p:cNvPr id="5" name="Title 1">
+            <a:extLst>
+              <a:ext uri="{FF2B5EF4-FFF2-40B4-BE49-F238E27FC236}">
+                <a16:creationId xmlns:a16="http://schemas.microsoft.com/office/drawing/2014/main" xmlns="" id="{42981A0C-B5E6-4708-B592-205E5FF8F57B}"/>
+              </a:ext>
+            </a:extLst>
+          </p:cNvPr>
+          <p:cNvSpPr>
+            <a:spLocks noGrp="1"/>
+          </p:cNvSpPr>
+          <p:nvPr>
+            <p:ph type="title"/>
+          </p:nvPr>
+        </p:nvSpPr>
+        <p:spPr>
+          <a:xfrm>
+            <a:off x="838200" y="466726"/>
+            <a:ext cx="10515600" cy="417300"/>
+          </a:xfrm>
+        </p:spPr>
+        <p:txBody>
+          <a:bodyPr>
+            <a:normAutofit fontScale="90000"/>
+          </a:bodyPr>
+          <a:lstStyle/>
+          <a:p>
+            <a:r>
+              <a:rPr lang="en-CA" dirty="0" smtClean="0"/>
+              <a:t>Goal</a:t>
+            </a:r>
+            <a:endParaRPr lang="en-CA" dirty="0"/>
+          </a:p>
+        </p:txBody>
+      </p:sp>
+      <p:sp>
+        <p:nvSpPr>
+          <p:cNvPr id="7" name="Content Placeholder 2">
+            <a:extLst>
+              <a:ext uri="{FF2B5EF4-FFF2-40B4-BE49-F238E27FC236}">
+                <a16:creationId xmlns:a16="http://schemas.microsoft.com/office/drawing/2014/main" xmlns="" id="{74E4DEA5-DDEF-4578-8F30-91949891E260}"/>
+              </a:ext>
+            </a:extLst>
+          </p:cNvPr>
+          <p:cNvSpPr>
+            <a:spLocks noGrp="1"/>
+          </p:cNvSpPr>
+          <p:nvPr>
+            <p:ph idx="1"/>
+          </p:nvPr>
+        </p:nvSpPr>
+        <p:spPr>
+          <a:xfrm>
+            <a:off x="838200" y="1698625"/>
+            <a:ext cx="10515600" cy="4351338"/>
+          </a:xfrm>
+        </p:spPr>
+        <p:txBody>
+          <a:bodyPr/>
+          <a:lstStyle/>
+          <a:p>
+            <a:r>
+              <a:rPr lang="en-CA" dirty="0" smtClean="0"/>
+              <a:t>Chatbot</a:t>
+            </a:r>
+          </a:p>
+          <a:p>
+            <a:pPr lvl="1"/>
+            <a:r>
+              <a:rPr lang="en-CA" dirty="0" smtClean="0"/>
+              <a:t>Chat with real person : Turning Test</a:t>
+            </a:r>
+          </a:p>
+          <a:p>
+            <a:pPr lvl="1"/>
+            <a:r>
+              <a:rPr lang="en-CA" dirty="0" smtClean="0"/>
+              <a:t>Memory : Dialog tracking, Have the “same” answer on simple questions</a:t>
+            </a:r>
+            <a:endParaRPr lang="en-CA" dirty="0" smtClean="0"/>
+          </a:p>
+          <a:p>
+            <a:pPr lvl="1"/>
+            <a:r>
+              <a:rPr lang="en-CA" dirty="0" smtClean="0">
+                <a:solidFill>
+                  <a:schemeClr val="bg1">
+                    <a:lumMod val="50000"/>
+                  </a:schemeClr>
+                </a:solidFill>
+              </a:rPr>
+              <a:t>Handle simple situations : Book a movie</a:t>
+            </a:r>
+            <a:r>
+              <a:rPr lang="en-CA" dirty="0" smtClean="0">
+                <a:solidFill>
+                  <a:schemeClr val="bg1">
+                    <a:lumMod val="50000"/>
+                  </a:schemeClr>
+                </a:solidFill>
+              </a:rPr>
+              <a:t>, search for restaurants nearby</a:t>
+            </a:r>
+          </a:p>
+          <a:p>
+            <a:pPr lvl="1"/>
+            <a:r>
+              <a:rPr lang="en-CA" dirty="0" smtClean="0">
+                <a:solidFill>
+                  <a:schemeClr val="bg1">
+                    <a:lumMod val="50000"/>
+                  </a:schemeClr>
+                </a:solidFill>
+              </a:rPr>
+              <a:t>Personality or emotion: Rude vs rude</a:t>
+            </a:r>
+          </a:p>
+          <a:p>
+            <a:r>
+              <a:rPr lang="en-CA" dirty="0" smtClean="0"/>
+              <a:t>Open domain</a:t>
+            </a:r>
+          </a:p>
+          <a:p>
+            <a:pPr lvl="1"/>
+            <a:r>
+              <a:rPr lang="en-CA" dirty="0" smtClean="0"/>
+              <a:t>Large scale of dataset</a:t>
+            </a:r>
+          </a:p>
+          <a:p>
+            <a:pPr lvl="1"/>
+            <a:r>
+              <a:rPr lang="en-CA" dirty="0" smtClean="0">
+                <a:solidFill>
+                  <a:schemeClr val="bg1">
+                    <a:lumMod val="50000"/>
+                  </a:schemeClr>
+                </a:solidFill>
+              </a:rPr>
+              <a:t>Handle unfamiliar situation</a:t>
+            </a:r>
+          </a:p>
+          <a:p>
+            <a:r>
+              <a:rPr lang="en-CA" dirty="0" smtClean="0"/>
+              <a:t>Non deterministic</a:t>
+            </a:r>
+            <a:endParaRPr lang="en-CA" dirty="0" smtClean="0"/>
+          </a:p>
+        </p:txBody>
+      </p:sp>
+    </p:spTree>
+    <p:extLst>
+      <p:ext uri="{BB962C8B-B14F-4D97-AF65-F5344CB8AC3E}">
+        <p14:creationId xmlns:p14="http://schemas.microsoft.com/office/powerpoint/2010/main" val="1434932592"/>
+      </p:ext>
+    </p:extLst>
+  </p:cSld>
+  <p:clrMapOvr>
+    <a:masterClrMapping/>
+  </p:clrMapOvr>
+  <p:timing>
+    <p:tnLst>
+      <p:par>
+        <p:cTn id="1" dur="indefinite" restart="never" nodeType="tmRoot"/>
+      </p:par>
+    </p:tnLst>
+  </p:timing>
+</p:sld>
+</file>
+
+<file path=ppt/slides/slide6.xml><?xml version="1.0" encoding="utf-8"?>
+<p:sld xmlns:a="http://schemas.openxmlformats.org/drawingml/2006/main" xmlns:r="http://schemas.openxmlformats.org/officeDocument/2006/relationships" xmlns:p="http://schemas.openxmlformats.org/presentationml/2006/main">
+  <p:cSld>
+    <p:spTree>
+      <p:nvGrpSpPr>
+        <p:cNvPr id="1" name=""/>
+        <p:cNvGrpSpPr/>
+        <p:nvPr/>
+      </p:nvGrpSpPr>
+      <p:grpSpPr>
+        <a:xfrm>
+          <a:off x="0" y="0"/>
+          <a:ext cx="0" cy="0"/>
+          <a:chOff x="0" y="0"/>
+          <a:chExt cx="0" cy="0"/>
+        </a:xfrm>
+      </p:grpSpPr>
+      <p:sp>
+        <p:nvSpPr>
+          <p:cNvPr id="5" name="Title 1">
+            <a:extLst>
+              <a:ext uri="{FF2B5EF4-FFF2-40B4-BE49-F238E27FC236}">
+                <a16:creationId xmlns:a16="http://schemas.microsoft.com/office/drawing/2014/main" xmlns="" id="{42981A0C-B5E6-4708-B592-205E5FF8F57B}"/>
+              </a:ext>
+            </a:extLst>
+          </p:cNvPr>
+          <p:cNvSpPr>
+            <a:spLocks noGrp="1"/>
+          </p:cNvSpPr>
+          <p:nvPr>
+            <p:ph type="title"/>
+          </p:nvPr>
+        </p:nvSpPr>
+        <p:spPr>
+          <a:xfrm>
+            <a:off x="838200" y="466726"/>
+            <a:ext cx="10515600" cy="417300"/>
+          </a:xfrm>
+        </p:spPr>
+        <p:txBody>
+          <a:bodyPr>
+            <a:normAutofit fontScale="90000"/>
+          </a:bodyPr>
+          <a:lstStyle/>
+          <a:p>
+            <a:r>
+              <a:rPr lang="en-CA" dirty="0"/>
+              <a:t>Our approach</a:t>
+            </a:r>
+            <a:endParaRPr lang="en-CA" dirty="0"/>
+          </a:p>
+        </p:txBody>
+      </p:sp>
+      <p:sp>
+        <p:nvSpPr>
+          <p:cNvPr id="7" name="Content Placeholder 2">
+            <a:extLst>
+              <a:ext uri="{FF2B5EF4-FFF2-40B4-BE49-F238E27FC236}">
+                <a16:creationId xmlns:a16="http://schemas.microsoft.com/office/drawing/2014/main" xmlns="" id="{74E4DEA5-DDEF-4578-8F30-91949891E260}"/>
+              </a:ext>
+            </a:extLst>
+          </p:cNvPr>
+          <p:cNvSpPr>
+            <a:spLocks noGrp="1"/>
+          </p:cNvSpPr>
+          <p:nvPr>
+            <p:ph idx="1"/>
+          </p:nvPr>
+        </p:nvSpPr>
+        <p:spPr>
+          <a:xfrm>
+            <a:off x="838200" y="1371600"/>
+            <a:ext cx="10515600" cy="5054599"/>
+          </a:xfrm>
+        </p:spPr>
+        <p:txBody>
+          <a:bodyPr>
+            <a:normAutofit/>
+          </a:bodyPr>
+          <a:lstStyle/>
+          <a:p>
+            <a:r>
+              <a:rPr lang="en-CA" dirty="0" smtClean="0"/>
+              <a:t>[Core] Implementation</a:t>
+            </a:r>
+          </a:p>
+          <a:p>
+            <a:pPr lvl="1"/>
+            <a:r>
+              <a:rPr lang="en-CA" dirty="0" smtClean="0"/>
+              <a:t> [basic] seq2seq model + attention + beam search</a:t>
+            </a:r>
+          </a:p>
+          <a:p>
+            <a:pPr lvl="1"/>
+            <a:r>
+              <a:rPr lang="en-CA" dirty="0" smtClean="0"/>
+              <a:t> [basic] Friendly interface on Web</a:t>
+            </a:r>
+          </a:p>
+          <a:p>
+            <a:pPr lvl="1"/>
+            <a:r>
+              <a:rPr lang="en-CA" dirty="0" smtClean="0"/>
+              <a:t> [basic] </a:t>
+            </a:r>
+            <a:r>
+              <a:rPr lang="en-US" dirty="0"/>
+              <a:t>memory network / neural </a:t>
+            </a:r>
+            <a:r>
+              <a:rPr lang="en-US" dirty="0" smtClean="0"/>
+              <a:t>turning </a:t>
+            </a:r>
+            <a:r>
+              <a:rPr lang="en-US" dirty="0"/>
+              <a:t>machine</a:t>
+            </a:r>
+            <a:endParaRPr lang="en-CA" dirty="0" smtClean="0"/>
+          </a:p>
+          <a:p>
+            <a:r>
+              <a:rPr lang="en-CA" dirty="0" smtClean="0"/>
+              <a:t>[Discussion] Our ideas</a:t>
+            </a:r>
+          </a:p>
+          <a:p>
+            <a:pPr lvl="1"/>
+            <a:r>
+              <a:rPr lang="en-CA" dirty="0" smtClean="0"/>
+              <a:t>Goal-oriented chatbot</a:t>
+            </a:r>
+          </a:p>
+          <a:p>
+            <a:pPr lvl="2"/>
+            <a:r>
+              <a:rPr lang="en-US" dirty="0"/>
+              <a:t>Transfer learning on targeted domain: achieve better performance on target domain while benefiting from source domain (dialog space is both source and target domain)</a:t>
+            </a:r>
+          </a:p>
+          <a:p>
+            <a:pPr lvl="2"/>
+            <a:r>
+              <a:rPr lang="en-US" dirty="0" smtClean="0"/>
+              <a:t>Intent </a:t>
+            </a:r>
+            <a:r>
+              <a:rPr lang="en-US" dirty="0"/>
+              <a:t>based dialog management using LSTM</a:t>
+            </a:r>
+          </a:p>
+          <a:p>
+            <a:pPr lvl="2"/>
+            <a:r>
+              <a:rPr lang="en-US" dirty="0" smtClean="0"/>
+              <a:t>Interlocutor </a:t>
+            </a:r>
+            <a:r>
+              <a:rPr lang="en-US" dirty="0"/>
+              <a:t>tracking system</a:t>
+            </a:r>
+          </a:p>
+          <a:p>
+            <a:pPr lvl="1"/>
+            <a:r>
+              <a:rPr lang="en-CA" dirty="0" smtClean="0"/>
+              <a:t>Hierarchical recurrent encoder-decoder</a:t>
+            </a:r>
+          </a:p>
+          <a:p>
+            <a:pPr lvl="1"/>
+            <a:r>
+              <a:rPr lang="en-CA" dirty="0" smtClean="0"/>
+              <a:t>Transformer</a:t>
+            </a:r>
+            <a:endParaRPr lang="en-CA" dirty="0" smtClean="0"/>
+          </a:p>
+        </p:txBody>
+      </p:sp>
+    </p:spTree>
+    <p:extLst>
+      <p:ext uri="{BB962C8B-B14F-4D97-AF65-F5344CB8AC3E}">
+        <p14:creationId xmlns:p14="http://schemas.microsoft.com/office/powerpoint/2010/main" val="1606066971"/>
+      </p:ext>
+    </p:extLst>
+  </p:cSld>
+  <p:clrMapOvr>
+    <a:masterClrMapping/>
+  </p:clrMapOvr>
+  <p:timing>
+    <p:tnLst>
+      <p:par>
+        <p:cTn id="1" dur="indefinite" restart="never" nodeType="tmRoot"/>
+      </p:par>
+    </p:tnLst>
+  </p:timing>
+</p:sld>
+</file>
+
+<file path=ppt/slides/slide7.xml><?xml version="1.0" encoding="utf-8"?>
+<p:sld xmlns:a="http://schemas.openxmlformats.org/drawingml/2006/main" xmlns:r="http://schemas.openxmlformats.org/officeDocument/2006/relationships" xmlns:p="http://schemas.openxmlformats.org/presentationml/2006/main">
+  <p:cSld>
+    <p:spTree>
+      <p:nvGrpSpPr>
+        <p:cNvPr id="1" name=""/>
+        <p:cNvGrpSpPr/>
+        <p:nvPr/>
+      </p:nvGrpSpPr>
+      <p:grpSpPr>
+        <a:xfrm>
+          <a:off x="0" y="0"/>
+          <a:ext cx="0" cy="0"/>
+          <a:chOff x="0" y="0"/>
+          <a:chExt cx="0" cy="0"/>
+        </a:xfrm>
+      </p:grpSpPr>
+      <p:sp>
+        <p:nvSpPr>
+          <p:cNvPr id="5" name="Title 1">
+            <a:extLst>
+              <a:ext uri="{FF2B5EF4-FFF2-40B4-BE49-F238E27FC236}">
+                <a16:creationId xmlns:a16="http://schemas.microsoft.com/office/drawing/2014/main" xmlns="" id="{42981A0C-B5E6-4708-B592-205E5FF8F57B}"/>
+              </a:ext>
+            </a:extLst>
+          </p:cNvPr>
+          <p:cNvSpPr>
+            <a:spLocks noGrp="1"/>
+          </p:cNvSpPr>
+          <p:nvPr>
+            <p:ph type="title"/>
+          </p:nvPr>
+        </p:nvSpPr>
+        <p:spPr>
+          <a:xfrm>
+            <a:off x="838200" y="466726"/>
+            <a:ext cx="10515600" cy="417300"/>
+          </a:xfrm>
+        </p:spPr>
+        <p:txBody>
+          <a:bodyPr>
+            <a:normAutofit fontScale="90000"/>
+          </a:bodyPr>
+          <a:lstStyle/>
+          <a:p>
+            <a:r>
+              <a:rPr lang="en-CA" dirty="0"/>
+              <a:t>Our approach</a:t>
+            </a:r>
+            <a:endParaRPr lang="en-CA" dirty="0"/>
+          </a:p>
+        </p:txBody>
+      </p:sp>
+      <p:sp>
+        <p:nvSpPr>
+          <p:cNvPr id="7" name="Content Placeholder 2">
+            <a:extLst>
+              <a:ext uri="{FF2B5EF4-FFF2-40B4-BE49-F238E27FC236}">
+                <a16:creationId xmlns:a16="http://schemas.microsoft.com/office/drawing/2014/main" xmlns="" id="{74E4DEA5-DDEF-4578-8F30-91949891E260}"/>
+              </a:ext>
+            </a:extLst>
+          </p:cNvPr>
+          <p:cNvSpPr>
+            <a:spLocks noGrp="1"/>
+          </p:cNvSpPr>
+          <p:nvPr>
+            <p:ph idx="1"/>
+          </p:nvPr>
+        </p:nvSpPr>
+        <p:spPr>
+          <a:xfrm>
+            <a:off x="838200" y="1698625"/>
+            <a:ext cx="10515600" cy="4351338"/>
+          </a:xfrm>
+        </p:spPr>
+        <p:txBody>
+          <a:bodyPr>
+            <a:normAutofit/>
+          </a:bodyPr>
+          <a:lstStyle/>
+          <a:p>
+            <a:r>
+              <a:rPr lang="en-CA" dirty="0" smtClean="0"/>
+              <a:t>seq2seq model + attention + beam search</a:t>
+            </a:r>
+          </a:p>
+          <a:p>
+            <a:endParaRPr lang="en-CA" dirty="0" smtClean="0"/>
+          </a:p>
+          <a:p>
+            <a:r>
+              <a:rPr lang="en-CA" dirty="0" smtClean="0"/>
+              <a:t>Friendly interface on Web</a:t>
+            </a:r>
+          </a:p>
+          <a:p>
+            <a:endParaRPr lang="en-US" dirty="0" smtClean="0"/>
+          </a:p>
+          <a:p>
+            <a:r>
+              <a:rPr lang="en-US" dirty="0" smtClean="0"/>
+              <a:t>memory </a:t>
+            </a:r>
+            <a:r>
+              <a:rPr lang="en-US" dirty="0"/>
+              <a:t>network / neural </a:t>
+            </a:r>
+            <a:r>
+              <a:rPr lang="en-US" dirty="0" smtClean="0"/>
+              <a:t>turning machine</a:t>
+            </a:r>
+            <a:endParaRPr lang="en-CA" dirty="0" smtClean="0"/>
+          </a:p>
+        </p:txBody>
+      </p:sp>
+    </p:spTree>
+    <p:extLst>
+      <p:ext uri="{BB962C8B-B14F-4D97-AF65-F5344CB8AC3E}">
+        <p14:creationId xmlns:p14="http://schemas.microsoft.com/office/powerpoint/2010/main" val="2984715264"/>
+      </p:ext>
+    </p:extLst>
+  </p:cSld>
+  <p:clrMapOvr>
+    <a:masterClrMapping/>
+  </p:clrMapOvr>
+  <p:timing>
+    <p:tnLst>
+      <p:par>
+        <p:cTn id="1" dur="indefinite" restart="never" nodeType="tmRoot"/>
+      </p:par>
+    </p:tnLst>
+  </p:timing>
+</p:sld>
+</file>
+
+<file path=ppt/slides/slide8.xml><?xml version="1.0" encoding="utf-8"?>
+<p:sld xmlns:a="http://schemas.openxmlformats.org/drawingml/2006/main" xmlns:r="http://schemas.openxmlformats.org/officeDocument/2006/relationships" xmlns:p="http://schemas.openxmlformats.org/presentationml/2006/main">
+  <p:cSld>
+    <p:spTree>
+      <p:nvGrpSpPr>
+        <p:cNvPr id="1" name=""/>
+        <p:cNvGrpSpPr/>
+        <p:nvPr/>
+      </p:nvGrpSpPr>
+      <p:grpSpPr>
+        <a:xfrm>
+          <a:off x="0" y="0"/>
+          <a:ext cx="0" cy="0"/>
+          <a:chOff x="0" y="0"/>
+          <a:chExt cx="0" cy="0"/>
+        </a:xfrm>
+      </p:grpSpPr>
+      <p:sp>
+        <p:nvSpPr>
+          <p:cNvPr id="5" name="Title 1">
+            <a:extLst>
+              <a:ext uri="{FF2B5EF4-FFF2-40B4-BE49-F238E27FC236}">
+                <a16:creationId xmlns:a16="http://schemas.microsoft.com/office/drawing/2014/main" xmlns="" id="{42981A0C-B5E6-4708-B592-205E5FF8F57B}"/>
+              </a:ext>
+            </a:extLst>
+          </p:cNvPr>
+          <p:cNvSpPr>
+            <a:spLocks noGrp="1"/>
+          </p:cNvSpPr>
+          <p:nvPr>
+            <p:ph type="title"/>
+          </p:nvPr>
+        </p:nvSpPr>
+        <p:spPr>
+          <a:xfrm>
+            <a:off x="838200" y="466726"/>
+            <a:ext cx="10515600" cy="417300"/>
+          </a:xfrm>
+        </p:spPr>
+        <p:txBody>
+          <a:bodyPr>
+            <a:normAutofit fontScale="90000"/>
+          </a:bodyPr>
+          <a:lstStyle/>
+          <a:p>
+            <a:r>
+              <a:rPr lang="en-CA" dirty="0"/>
+              <a:t>Our approach</a:t>
+            </a:r>
+            <a:endParaRPr lang="en-CA" dirty="0"/>
+          </a:p>
+        </p:txBody>
+      </p:sp>
+      <p:sp>
+        <p:nvSpPr>
+          <p:cNvPr id="7" name="Content Placeholder 2">
+            <a:extLst>
+              <a:ext uri="{FF2B5EF4-FFF2-40B4-BE49-F238E27FC236}">
+                <a16:creationId xmlns:a16="http://schemas.microsoft.com/office/drawing/2014/main" xmlns="" id="{74E4DEA5-DDEF-4578-8F30-91949891E260}"/>
+              </a:ext>
+            </a:extLst>
+          </p:cNvPr>
+          <p:cNvSpPr>
+            <a:spLocks noGrp="1"/>
+          </p:cNvSpPr>
+          <p:nvPr>
+            <p:ph idx="1"/>
+          </p:nvPr>
+        </p:nvSpPr>
+        <p:spPr>
+          <a:xfrm>
+            <a:off x="838200" y="1698625"/>
+            <a:ext cx="10515600" cy="4351338"/>
+          </a:xfrm>
+        </p:spPr>
+        <p:txBody>
+          <a:bodyPr>
+            <a:normAutofit/>
+          </a:bodyPr>
+          <a:lstStyle/>
+          <a:p>
+            <a:r>
+              <a:rPr lang="en-US" dirty="0"/>
+              <a:t>Transfer learning on targeted domain: achieve better performance on target domain while benefiting from source domain (dialog space is both source and target domain)</a:t>
+            </a:r>
+          </a:p>
+          <a:p>
+            <a:endParaRPr lang="en-US" dirty="0" smtClean="0"/>
+          </a:p>
+          <a:p>
+            <a:r>
+              <a:rPr lang="en-US" dirty="0" smtClean="0"/>
+              <a:t>Intent </a:t>
+            </a:r>
+            <a:r>
+              <a:rPr lang="en-US" dirty="0"/>
+              <a:t>based dialog management using LSTM</a:t>
+            </a:r>
+          </a:p>
+          <a:p>
+            <a:endParaRPr lang="en-US" dirty="0" smtClean="0"/>
+          </a:p>
+          <a:p>
+            <a:r>
+              <a:rPr lang="en-US" dirty="0" smtClean="0"/>
+              <a:t>Interlocutor </a:t>
+            </a:r>
+            <a:r>
+              <a:rPr lang="en-US" dirty="0"/>
+              <a:t>tracking system</a:t>
+            </a:r>
+            <a:endParaRPr lang="en-CA" dirty="0" smtClean="0"/>
+          </a:p>
+        </p:txBody>
+      </p:sp>
+    </p:spTree>
+    <p:extLst>
+      <p:ext uri="{BB962C8B-B14F-4D97-AF65-F5344CB8AC3E}">
+        <p14:creationId xmlns:p14="http://schemas.microsoft.com/office/powerpoint/2010/main" val="187860051"/>
+      </p:ext>
+    </p:extLst>
+  </p:cSld>
+  <p:clrMapOvr>
+    <a:masterClrMapping/>
+  </p:clrMapOvr>
+  <p:timing>
+    <p:tnLst>
+      <p:par>
+        <p:cTn id="1" dur="indefinite" restart="never" nodeType="tmRoot"/>
+      </p:par>
+    </p:tnLst>
+  </p:timing>
+</p:sld>
+</file>
+
+<file path=ppt/slides/slide9.xml><?xml version="1.0" encoding="utf-8"?>
+<p:sld xmlns:a="http://schemas.openxmlformats.org/drawingml/2006/main" xmlns:r="http://schemas.openxmlformats.org/officeDocument/2006/relationships" xmlns:p="http://schemas.openxmlformats.org/presentationml/2006/main">
+  <p:cSld>
+    <p:spTree>
+      <p:nvGrpSpPr>
+        <p:cNvPr id="1" name=""/>
+        <p:cNvGrpSpPr/>
+        <p:nvPr/>
+      </p:nvGrpSpPr>
+      <p:grpSpPr>
+        <a:xfrm>
+          <a:off x="0" y="0"/>
+          <a:ext cx="0" cy="0"/>
+          <a:chOff x="0" y="0"/>
+          <a:chExt cx="0" cy="0"/>
+        </a:xfrm>
+      </p:grpSpPr>
+      <p:sp>
+        <p:nvSpPr>
           <p:cNvPr id="3" name="TextBox 2">
             <a:extLst>
               <a:ext uri="{FF2B5EF4-FFF2-40B4-BE49-F238E27FC236}">
-                <a16:creationId xmlns:a16="http://schemas.microsoft.com/office/drawing/2014/main" id="{B875B024-DCD7-5D44-81E6-E45B9E1EA58A}"/>
+                <a16:creationId xmlns:a16="http://schemas.microsoft.com/office/drawing/2014/main" xmlns="" id="{B875B024-DCD7-5D44-81E6-E45B9E1EA58A}"/>
               </a:ext>
             </a:extLst>
           </p:cNvPr>
@@ -4102,7 +6513,7 @@
           <p:cNvPr id="6" name="Picture 5">
             <a:extLst>
               <a:ext uri="{FF2B5EF4-FFF2-40B4-BE49-F238E27FC236}">
-                <a16:creationId xmlns:a16="http://schemas.microsoft.com/office/drawing/2014/main" id="{651A44AF-EC96-ED41-AC8C-AE2AF157A4A1}"/>
+                <a16:creationId xmlns:a16="http://schemas.microsoft.com/office/drawing/2014/main" xmlns="" id="{651A44AF-EC96-ED41-AC8C-AE2AF157A4A1}"/>
               </a:ext>
             </a:extLst>
           </p:cNvPr>
@@ -4212,2299 +6623,6 @@
       </p:par>
     </p:tnLst>
   </p:timing>
-</p:sld>
-</file>
-
-<file path=ppt/slides/slide11.xml><?xml version="1.0" encoding="utf-8"?>
-<p:sld xmlns:a="http://schemas.openxmlformats.org/drawingml/2006/main" xmlns:r="http://schemas.openxmlformats.org/officeDocument/2006/relationships" xmlns:p="http://schemas.openxmlformats.org/presentationml/2006/main">
-  <p:cSld>
-    <p:spTree>
-      <p:nvGrpSpPr>
-        <p:cNvPr id="1" name=""/>
-        <p:cNvGrpSpPr/>
-        <p:nvPr/>
-      </p:nvGrpSpPr>
-      <p:grpSpPr>
-        <a:xfrm>
-          <a:off x="0" y="0"/>
-          <a:ext cx="0" cy="0"/>
-          <a:chOff x="0" y="0"/>
-          <a:chExt cx="0" cy="0"/>
-        </a:xfrm>
-      </p:grpSpPr>
-      <p:sp>
-        <p:nvSpPr>
-          <p:cNvPr id="2" name="Title 1">
-            <a:extLst>
-              <a:ext uri="{FF2B5EF4-FFF2-40B4-BE49-F238E27FC236}">
-                <a16:creationId xmlns:a16="http://schemas.microsoft.com/office/drawing/2014/main" id="{30BD2896-21E0-4001-B9EE-0AC67EE59DA4}"/>
-              </a:ext>
-            </a:extLst>
-          </p:cNvPr>
-          <p:cNvSpPr>
-            <a:spLocks noGrp="1"/>
-          </p:cNvSpPr>
-          <p:nvPr>
-            <p:ph type="ctrTitle"/>
-          </p:nvPr>
-        </p:nvSpPr>
-        <p:spPr>
-          <a:xfrm>
-            <a:off x="1524000" y="2235200"/>
-            <a:ext cx="9144000" cy="2387600"/>
-          </a:xfrm>
-        </p:spPr>
-        <p:txBody>
-          <a:bodyPr>
-            <a:normAutofit/>
-          </a:bodyPr>
-          <a:lstStyle/>
-          <a:p>
-            <a:r>
-              <a:rPr lang="en-CA" dirty="0"/>
-              <a:t>B/W Image Color Restoration with Super Resolution</a:t>
-            </a:r>
-          </a:p>
-        </p:txBody>
-      </p:sp>
-    </p:spTree>
-    <p:extLst>
-      <p:ext uri="{BB962C8B-B14F-4D97-AF65-F5344CB8AC3E}">
-        <p14:creationId xmlns:p14="http://schemas.microsoft.com/office/powerpoint/2010/main" val="2376305604"/>
-      </p:ext>
-    </p:extLst>
-  </p:cSld>
-  <p:clrMapOvr>
-    <a:masterClrMapping/>
-  </p:clrMapOvr>
-</p:sld>
-</file>
-
-<file path=ppt/slides/slide12.xml><?xml version="1.0" encoding="utf-8"?>
-<p:sld xmlns:a="http://schemas.openxmlformats.org/drawingml/2006/main" xmlns:r="http://schemas.openxmlformats.org/officeDocument/2006/relationships" xmlns:p="http://schemas.openxmlformats.org/presentationml/2006/main">
-  <p:cSld>
-    <p:spTree>
-      <p:nvGrpSpPr>
-        <p:cNvPr id="1" name=""/>
-        <p:cNvGrpSpPr/>
-        <p:nvPr/>
-      </p:nvGrpSpPr>
-      <p:grpSpPr>
-        <a:xfrm>
-          <a:off x="0" y="0"/>
-          <a:ext cx="0" cy="0"/>
-          <a:chOff x="0" y="0"/>
-          <a:chExt cx="0" cy="0"/>
-        </a:xfrm>
-      </p:grpSpPr>
-      <p:pic>
-        <p:nvPicPr>
-          <p:cNvPr id="2050" name="Picture 2" descr="TexasWoman">
-            <a:extLst>
-              <a:ext uri="{FF2B5EF4-FFF2-40B4-BE49-F238E27FC236}">
-                <a16:creationId xmlns:a16="http://schemas.microsoft.com/office/drawing/2014/main" id="{D52E5440-5CA8-437A-BA30-6445667F3C14}"/>
-              </a:ext>
-            </a:extLst>
-          </p:cNvPr>
-          <p:cNvPicPr>
-            <a:picLocks noChangeAspect="1" noChangeArrowheads="1"/>
-          </p:cNvPicPr>
-          <p:nvPr/>
-        </p:nvPicPr>
-        <p:blipFill>
-          <a:blip r:embed="rId2">
-            <a:extLst>
-              <a:ext uri="{28A0092B-C50C-407E-A947-70E740481C1C}">
-                <a14:useLocalDpi xmlns:a14="http://schemas.microsoft.com/office/drawing/2010/main" val="0"/>
-              </a:ext>
-            </a:extLst>
-          </a:blip>
-          <a:srcRect/>
-          <a:stretch>
-            <a:fillRect/>
-          </a:stretch>
-        </p:blipFill>
-        <p:spPr bwMode="auto">
-          <a:xfrm>
-            <a:off x="842962" y="87549"/>
-            <a:ext cx="10506075" cy="3105150"/>
-          </a:xfrm>
-          <a:prstGeom prst="rect">
-            <a:avLst/>
-          </a:prstGeom>
-          <a:noFill/>
-          <a:extLst>
-            <a:ext uri="{909E8E84-426E-40DD-AFC4-6F175D3DCCD1}">
-              <a14:hiddenFill xmlns:a14="http://schemas.microsoft.com/office/drawing/2010/main">
-                <a:solidFill>
-                  <a:srgbClr val="FFFFFF"/>
-                </a:solidFill>
-              </a14:hiddenFill>
-            </a:ext>
-          </a:extLst>
-        </p:spPr>
-      </p:pic>
-      <p:pic>
-        <p:nvPicPr>
-          <p:cNvPr id="2054" name="Picture 6" descr="SwedenLivingRoom">
-            <a:extLst>
-              <a:ext uri="{FF2B5EF4-FFF2-40B4-BE49-F238E27FC236}">
-                <a16:creationId xmlns:a16="http://schemas.microsoft.com/office/drawing/2014/main" id="{18C9162D-230F-4EB1-91D1-0102CBE3A802}"/>
-              </a:ext>
-            </a:extLst>
-          </p:cNvPr>
-          <p:cNvPicPr>
-            <a:picLocks noChangeAspect="1" noChangeArrowheads="1"/>
-          </p:cNvPicPr>
-          <p:nvPr/>
-        </p:nvPicPr>
-        <p:blipFill>
-          <a:blip r:embed="rId3">
-            <a:extLst>
-              <a:ext uri="{28A0092B-C50C-407E-A947-70E740481C1C}">
-                <a14:useLocalDpi xmlns:a14="http://schemas.microsoft.com/office/drawing/2010/main" val="0"/>
-              </a:ext>
-            </a:extLst>
-          </a:blip>
-          <a:srcRect/>
-          <a:stretch>
-            <a:fillRect/>
-          </a:stretch>
-        </p:blipFill>
-        <p:spPr bwMode="auto">
-          <a:xfrm>
-            <a:off x="842962" y="3341451"/>
-            <a:ext cx="10525125" cy="3429000"/>
-          </a:xfrm>
-          <a:prstGeom prst="rect">
-            <a:avLst/>
-          </a:prstGeom>
-          <a:noFill/>
-          <a:extLst>
-            <a:ext uri="{909E8E84-426E-40DD-AFC4-6F175D3DCCD1}">
-              <a14:hiddenFill xmlns:a14="http://schemas.microsoft.com/office/drawing/2010/main">
-                <a:solidFill>
-                  <a:srgbClr val="FFFFFF"/>
-                </a:solidFill>
-              </a14:hiddenFill>
-            </a:ext>
-          </a:extLst>
-        </p:spPr>
-      </p:pic>
-    </p:spTree>
-    <p:extLst>
-      <p:ext uri="{BB962C8B-B14F-4D97-AF65-F5344CB8AC3E}">
-        <p14:creationId xmlns:p14="http://schemas.microsoft.com/office/powerpoint/2010/main" val="3289625241"/>
-      </p:ext>
-    </p:extLst>
-  </p:cSld>
-  <p:clrMapOvr>
-    <a:masterClrMapping/>
-  </p:clrMapOvr>
-</p:sld>
-</file>
-
-<file path=ppt/slides/slide13.xml><?xml version="1.0" encoding="utf-8"?>
-<p:sld xmlns:a="http://schemas.openxmlformats.org/drawingml/2006/main" xmlns:r="http://schemas.openxmlformats.org/officeDocument/2006/relationships" xmlns:p="http://schemas.openxmlformats.org/presentationml/2006/main">
-  <p:cSld>
-    <p:spTree>
-      <p:nvGrpSpPr>
-        <p:cNvPr id="1" name=""/>
-        <p:cNvGrpSpPr/>
-        <p:nvPr/>
-      </p:nvGrpSpPr>
-      <p:grpSpPr>
-        <a:xfrm>
-          <a:off x="0" y="0"/>
-          <a:ext cx="0" cy="0"/>
-          <a:chOff x="0" y="0"/>
-          <a:chExt cx="0" cy="0"/>
-        </a:xfrm>
-      </p:grpSpPr>
-      <p:sp>
-        <p:nvSpPr>
-          <p:cNvPr id="2" name="Title 1">
-            <a:extLst>
-              <a:ext uri="{FF2B5EF4-FFF2-40B4-BE49-F238E27FC236}">
-                <a16:creationId xmlns:a16="http://schemas.microsoft.com/office/drawing/2014/main" id="{42981A0C-B5E6-4708-B592-205E5FF8F57B}"/>
-              </a:ext>
-            </a:extLst>
-          </p:cNvPr>
-          <p:cNvSpPr>
-            <a:spLocks noGrp="1"/>
-          </p:cNvSpPr>
-          <p:nvPr>
-            <p:ph type="title"/>
-          </p:nvPr>
-        </p:nvSpPr>
-        <p:spPr>
-          <a:xfrm>
-            <a:off x="838200" y="365126"/>
-            <a:ext cx="10515600" cy="417300"/>
-          </a:xfrm>
-        </p:spPr>
-        <p:txBody>
-          <a:bodyPr>
-            <a:normAutofit fontScale="90000"/>
-          </a:bodyPr>
-          <a:lstStyle/>
-          <a:p>
-            <a:r>
-              <a:rPr lang="en-CA" dirty="0"/>
-              <a:t>GAN structure - Generator &amp; Discriminator:</a:t>
-            </a:r>
-          </a:p>
-        </p:txBody>
-      </p:sp>
-      <p:pic>
-        <p:nvPicPr>
-          <p:cNvPr id="1026" name="Picture 2" descr="Image result for GAN generator">
-            <a:extLst>
-              <a:ext uri="{FF2B5EF4-FFF2-40B4-BE49-F238E27FC236}">
-                <a16:creationId xmlns:a16="http://schemas.microsoft.com/office/drawing/2014/main" id="{161793BB-937B-4E2C-B42D-B99EF8387810}"/>
-              </a:ext>
-            </a:extLst>
-          </p:cNvPr>
-          <p:cNvPicPr>
-            <a:picLocks noChangeAspect="1" noChangeArrowheads="1"/>
-          </p:cNvPicPr>
-          <p:nvPr/>
-        </p:nvPicPr>
-        <p:blipFill>
-          <a:blip r:embed="rId2">
-            <a:extLst>
-              <a:ext uri="{28A0092B-C50C-407E-A947-70E740481C1C}">
-                <a14:useLocalDpi xmlns:a14="http://schemas.microsoft.com/office/drawing/2010/main" val="0"/>
-              </a:ext>
-            </a:extLst>
-          </a:blip>
-          <a:srcRect/>
-          <a:stretch>
-            <a:fillRect/>
-          </a:stretch>
-        </p:blipFill>
-        <p:spPr bwMode="auto">
-          <a:xfrm>
-            <a:off x="838200" y="782426"/>
-            <a:ext cx="8711153" cy="3799011"/>
-          </a:xfrm>
-          <a:prstGeom prst="rect">
-            <a:avLst/>
-          </a:prstGeom>
-          <a:noFill/>
-          <a:extLst>
-            <a:ext uri="{909E8E84-426E-40DD-AFC4-6F175D3DCCD1}">
-              <a14:hiddenFill xmlns:a14="http://schemas.microsoft.com/office/drawing/2010/main">
-                <a:solidFill>
-                  <a:srgbClr val="FFFFFF"/>
-                </a:solidFill>
-              </a14:hiddenFill>
-            </a:ext>
-          </a:extLst>
-        </p:spPr>
-      </p:pic>
-      <p:sp>
-        <p:nvSpPr>
-          <p:cNvPr id="8" name="Content Placeholder 3">
-            <a:extLst>
-              <a:ext uri="{FF2B5EF4-FFF2-40B4-BE49-F238E27FC236}">
-                <a16:creationId xmlns:a16="http://schemas.microsoft.com/office/drawing/2014/main" id="{3EB15702-8298-464F-AC4E-772E2235E4CE}"/>
-              </a:ext>
-            </a:extLst>
-          </p:cNvPr>
-          <p:cNvSpPr>
-            <a:spLocks noGrp="1"/>
-          </p:cNvSpPr>
-          <p:nvPr>
-            <p:ph idx="1"/>
-          </p:nvPr>
-        </p:nvSpPr>
-        <p:spPr>
-          <a:xfrm>
-            <a:off x="838200" y="4816662"/>
-            <a:ext cx="10515600" cy="2041337"/>
-          </a:xfrm>
-        </p:spPr>
-        <p:txBody>
-          <a:bodyPr>
-            <a:normAutofit/>
-          </a:bodyPr>
-          <a:lstStyle/>
-          <a:p>
-            <a:r>
-              <a:rPr lang="en-CA" sz="2000" dirty="0"/>
-              <a:t>Two Time-Scale Update Rule: gen / dis iteration, higher learning rate on the discriminator</a:t>
-            </a:r>
-          </a:p>
-          <a:p>
-            <a:r>
-              <a:rPr lang="en-CA" sz="2000" dirty="0"/>
-              <a:t>Feature loss on generator</a:t>
-            </a:r>
-          </a:p>
-          <a:p>
-            <a:r>
-              <a:rPr lang="en-CA" sz="2000" dirty="0"/>
-              <a:t>Hinge loss on discriminator</a:t>
-            </a:r>
-          </a:p>
-        </p:txBody>
-      </p:sp>
-    </p:spTree>
-    <p:extLst>
-      <p:ext uri="{BB962C8B-B14F-4D97-AF65-F5344CB8AC3E}">
-        <p14:creationId xmlns:p14="http://schemas.microsoft.com/office/powerpoint/2010/main" val="3526045758"/>
-      </p:ext>
-    </p:extLst>
-  </p:cSld>
-  <p:clrMapOvr>
-    <a:masterClrMapping/>
-  </p:clrMapOvr>
-</p:sld>
-</file>
-
-<file path=ppt/slides/slide14.xml><?xml version="1.0" encoding="utf-8"?>
-<p:sld xmlns:a="http://schemas.openxmlformats.org/drawingml/2006/main" xmlns:r="http://schemas.openxmlformats.org/officeDocument/2006/relationships" xmlns:p="http://schemas.openxmlformats.org/presentationml/2006/main">
-  <p:cSld>
-    <p:spTree>
-      <p:nvGrpSpPr>
-        <p:cNvPr id="1" name=""/>
-        <p:cNvGrpSpPr/>
-        <p:nvPr/>
-      </p:nvGrpSpPr>
-      <p:grpSpPr>
-        <a:xfrm>
-          <a:off x="0" y="0"/>
-          <a:ext cx="0" cy="0"/>
-          <a:chOff x="0" y="0"/>
-          <a:chExt cx="0" cy="0"/>
-        </a:xfrm>
-      </p:grpSpPr>
-      <p:sp>
-        <p:nvSpPr>
-          <p:cNvPr id="2" name="Title 1">
-            <a:extLst>
-              <a:ext uri="{FF2B5EF4-FFF2-40B4-BE49-F238E27FC236}">
-                <a16:creationId xmlns:a16="http://schemas.microsoft.com/office/drawing/2014/main" id="{42981A0C-B5E6-4708-B592-205E5FF8F57B}"/>
-              </a:ext>
-            </a:extLst>
-          </p:cNvPr>
-          <p:cNvSpPr>
-            <a:spLocks noGrp="1"/>
-          </p:cNvSpPr>
-          <p:nvPr>
-            <p:ph type="title"/>
-          </p:nvPr>
-        </p:nvSpPr>
-        <p:spPr>
-          <a:xfrm>
-            <a:off x="838200" y="365126"/>
-            <a:ext cx="10515600" cy="417300"/>
-          </a:xfrm>
-        </p:spPr>
-        <p:txBody>
-          <a:bodyPr>
-            <a:normAutofit fontScale="90000"/>
-          </a:bodyPr>
-          <a:lstStyle/>
-          <a:p>
-            <a:r>
-              <a:rPr lang="en-CA" dirty="0"/>
-              <a:t>Self-Attention Generative Adversarial Networks:</a:t>
-            </a:r>
-          </a:p>
-        </p:txBody>
-      </p:sp>
-      <p:sp>
-        <p:nvSpPr>
-          <p:cNvPr id="9" name="TextBox 8">
-            <a:extLst>
-              <a:ext uri="{FF2B5EF4-FFF2-40B4-BE49-F238E27FC236}">
-                <a16:creationId xmlns:a16="http://schemas.microsoft.com/office/drawing/2014/main" id="{65F8D375-4A23-4909-BBBC-8152C67D600C}"/>
-              </a:ext>
-            </a:extLst>
-          </p:cNvPr>
-          <p:cNvSpPr txBox="1"/>
-          <p:nvPr/>
-        </p:nvSpPr>
-        <p:spPr>
-          <a:xfrm>
-            <a:off x="838200" y="4633864"/>
-            <a:ext cx="11353800" cy="1200329"/>
-          </a:xfrm>
-          <a:prstGeom prst="rect">
-            <a:avLst/>
-          </a:prstGeom>
-          <a:noFill/>
-        </p:spPr>
-        <p:txBody>
-          <a:bodyPr wrap="square" rtlCol="0">
-            <a:spAutoFit/>
-          </a:bodyPr>
-          <a:lstStyle/>
-          <a:p>
-            <a:r>
-              <a:rPr lang="en-CA" dirty="0"/>
-              <a:t>-Non-local method to allow generator and the discriminator to efficiently model relationships between widely separated spatial regions</a:t>
-            </a:r>
-          </a:p>
-          <a:p>
-            <a:endParaRPr lang="en-CA" dirty="0"/>
-          </a:p>
-          <a:p>
-            <a:r>
-              <a:rPr lang="en-CA" dirty="0"/>
-              <a:t>-SAGAN applies to both generator and discriminator</a:t>
-            </a:r>
-          </a:p>
-        </p:txBody>
-      </p:sp>
-      <p:pic>
-        <p:nvPicPr>
-          <p:cNvPr id="5" name="Picture 4">
-            <a:extLst>
-              <a:ext uri="{FF2B5EF4-FFF2-40B4-BE49-F238E27FC236}">
-                <a16:creationId xmlns:a16="http://schemas.microsoft.com/office/drawing/2014/main" id="{EA29FCF3-7B6F-4F45-9EDF-8CE1688C047F}"/>
-              </a:ext>
-            </a:extLst>
-          </p:cNvPr>
-          <p:cNvPicPr>
-            <a:picLocks noChangeAspect="1"/>
-          </p:cNvPicPr>
-          <p:nvPr/>
-        </p:nvPicPr>
-        <p:blipFill>
-          <a:blip r:embed="rId2"/>
-          <a:stretch>
-            <a:fillRect/>
-          </a:stretch>
-        </p:blipFill>
-        <p:spPr>
-          <a:xfrm>
-            <a:off x="838200" y="960051"/>
-            <a:ext cx="8582025" cy="3352800"/>
-          </a:xfrm>
-          <a:prstGeom prst="rect">
-            <a:avLst/>
-          </a:prstGeom>
-        </p:spPr>
-      </p:pic>
-    </p:spTree>
-    <p:extLst>
-      <p:ext uri="{BB962C8B-B14F-4D97-AF65-F5344CB8AC3E}">
-        <p14:creationId xmlns:p14="http://schemas.microsoft.com/office/powerpoint/2010/main" val="1834437852"/>
-      </p:ext>
-    </p:extLst>
-  </p:cSld>
-  <p:clrMapOvr>
-    <a:masterClrMapping/>
-  </p:clrMapOvr>
-</p:sld>
-</file>
-
-<file path=ppt/slides/slide15.xml><?xml version="1.0" encoding="utf-8"?>
-<p:sld xmlns:a="http://schemas.openxmlformats.org/drawingml/2006/main" xmlns:r="http://schemas.openxmlformats.org/officeDocument/2006/relationships" xmlns:p="http://schemas.openxmlformats.org/presentationml/2006/main">
-  <p:cSld>
-    <p:spTree>
-      <p:nvGrpSpPr>
-        <p:cNvPr id="1" name=""/>
-        <p:cNvGrpSpPr/>
-        <p:nvPr/>
-      </p:nvGrpSpPr>
-      <p:grpSpPr>
-        <a:xfrm>
-          <a:off x="0" y="0"/>
-          <a:ext cx="0" cy="0"/>
-          <a:chOff x="0" y="0"/>
-          <a:chExt cx="0" cy="0"/>
-        </a:xfrm>
-      </p:grpSpPr>
-      <p:pic>
-        <p:nvPicPr>
-          <p:cNvPr id="4" name="Picture 3">
-            <a:extLst>
-              <a:ext uri="{FF2B5EF4-FFF2-40B4-BE49-F238E27FC236}">
-                <a16:creationId xmlns:a16="http://schemas.microsoft.com/office/drawing/2014/main" id="{A7F0E624-6A8B-43DC-AF97-38CA30940C93}"/>
-              </a:ext>
-            </a:extLst>
-          </p:cNvPr>
-          <p:cNvPicPr>
-            <a:picLocks noChangeAspect="1"/>
-          </p:cNvPicPr>
-          <p:nvPr/>
-        </p:nvPicPr>
-        <p:blipFill>
-          <a:blip r:embed="rId2"/>
-          <a:stretch>
-            <a:fillRect/>
-          </a:stretch>
-        </p:blipFill>
-        <p:spPr>
-          <a:xfrm>
-            <a:off x="0" y="1310220"/>
-            <a:ext cx="12192000" cy="4323288"/>
-          </a:xfrm>
-          <a:prstGeom prst="rect">
-            <a:avLst/>
-          </a:prstGeom>
-        </p:spPr>
-      </p:pic>
-      <p:sp>
-        <p:nvSpPr>
-          <p:cNvPr id="2" name="TextBox 1">
-            <a:extLst>
-              <a:ext uri="{FF2B5EF4-FFF2-40B4-BE49-F238E27FC236}">
-                <a16:creationId xmlns:a16="http://schemas.microsoft.com/office/drawing/2014/main" id="{FA1173C7-42D2-5D46-BB89-6324A686A6B5}"/>
-              </a:ext>
-            </a:extLst>
-          </p:cNvPr>
-          <p:cNvSpPr txBox="1"/>
-          <p:nvPr/>
-        </p:nvSpPr>
-        <p:spPr>
-          <a:xfrm>
-            <a:off x="285750" y="357190"/>
-            <a:ext cx="6602641" cy="707886"/>
-          </a:xfrm>
-          <a:prstGeom prst="rect">
-            <a:avLst/>
-          </a:prstGeom>
-          <a:noFill/>
-        </p:spPr>
-        <p:txBody>
-          <a:bodyPr wrap="none" rtlCol="0">
-            <a:spAutoFit/>
-          </a:bodyPr>
-          <a:lstStyle/>
-          <a:p>
-            <a:r>
-              <a:rPr lang="en-CA" sz="4000" dirty="0"/>
-              <a:t>Single Image Super Resolution:</a:t>
-            </a:r>
-            <a:endParaRPr lang="en-US" sz="4000" dirty="0"/>
-          </a:p>
-        </p:txBody>
-      </p:sp>
-    </p:spTree>
-    <p:extLst>
-      <p:ext uri="{BB962C8B-B14F-4D97-AF65-F5344CB8AC3E}">
-        <p14:creationId xmlns:p14="http://schemas.microsoft.com/office/powerpoint/2010/main" val="60648957"/>
-      </p:ext>
-    </p:extLst>
-  </p:cSld>
-  <p:clrMapOvr>
-    <a:masterClrMapping/>
-  </p:clrMapOvr>
-</p:sld>
-</file>
-
-<file path=ppt/slides/slide16.xml><?xml version="1.0" encoding="utf-8"?>
-<p:sld xmlns:a="http://schemas.openxmlformats.org/drawingml/2006/main" xmlns:r="http://schemas.openxmlformats.org/officeDocument/2006/relationships" xmlns:p="http://schemas.openxmlformats.org/presentationml/2006/main">
-  <p:cSld>
-    <p:spTree>
-      <p:nvGrpSpPr>
-        <p:cNvPr id="1" name=""/>
-        <p:cNvGrpSpPr/>
-        <p:nvPr/>
-      </p:nvGrpSpPr>
-      <p:grpSpPr>
-        <a:xfrm>
-          <a:off x="0" y="0"/>
-          <a:ext cx="0" cy="0"/>
-          <a:chOff x="0" y="0"/>
-          <a:chExt cx="0" cy="0"/>
-        </a:xfrm>
-      </p:grpSpPr>
-      <p:sp>
-        <p:nvSpPr>
-          <p:cNvPr id="2" name="Title 1">
-            <a:extLst>
-              <a:ext uri="{FF2B5EF4-FFF2-40B4-BE49-F238E27FC236}">
-                <a16:creationId xmlns:a16="http://schemas.microsoft.com/office/drawing/2014/main" id="{42981A0C-B5E6-4708-B592-205E5FF8F57B}"/>
-              </a:ext>
-            </a:extLst>
-          </p:cNvPr>
-          <p:cNvSpPr>
-            <a:spLocks noGrp="1"/>
-          </p:cNvSpPr>
-          <p:nvPr>
-            <p:ph type="title"/>
-          </p:nvPr>
-        </p:nvSpPr>
-        <p:spPr>
-          <a:xfrm>
-            <a:off x="838200" y="365126"/>
-            <a:ext cx="10515600" cy="417300"/>
-          </a:xfrm>
-        </p:spPr>
-        <p:txBody>
-          <a:bodyPr>
-            <a:normAutofit fontScale="90000"/>
-          </a:bodyPr>
-          <a:lstStyle/>
-          <a:p>
-            <a:r>
-              <a:rPr lang="en-CA" dirty="0"/>
-              <a:t>Single Image Super Resolution:</a:t>
-            </a:r>
-          </a:p>
-        </p:txBody>
-      </p:sp>
-      <p:sp>
-        <p:nvSpPr>
-          <p:cNvPr id="4" name="Content Placeholder 3">
-            <a:extLst>
-              <a:ext uri="{FF2B5EF4-FFF2-40B4-BE49-F238E27FC236}">
-                <a16:creationId xmlns:a16="http://schemas.microsoft.com/office/drawing/2014/main" id="{EF770116-7BBD-4DB9-89D5-5BC7376E4399}"/>
-              </a:ext>
-            </a:extLst>
-          </p:cNvPr>
-          <p:cNvSpPr>
-            <a:spLocks noGrp="1"/>
-          </p:cNvSpPr>
-          <p:nvPr>
-            <p:ph idx="1"/>
-          </p:nvPr>
-        </p:nvSpPr>
-        <p:spPr>
-          <a:xfrm>
-            <a:off x="7829550" y="3082417"/>
-            <a:ext cx="3524249" cy="710119"/>
-          </a:xfrm>
-        </p:spPr>
-        <p:txBody>
-          <a:bodyPr>
-            <a:normAutofit lnSpcReduction="10000"/>
-          </a:bodyPr>
-          <a:lstStyle/>
-          <a:p>
-            <a:pPr marL="0" indent="0">
-              <a:buNone/>
-            </a:pPr>
-            <a:r>
-              <a:rPr lang="en-CA" sz="2400" dirty="0"/>
-              <a:t>Patch Search for Low Res-Images</a:t>
-            </a:r>
-          </a:p>
-        </p:txBody>
-      </p:sp>
-      <p:pic>
-        <p:nvPicPr>
-          <p:cNvPr id="5" name="Picture 4">
-            <a:extLst>
-              <a:ext uri="{FF2B5EF4-FFF2-40B4-BE49-F238E27FC236}">
-                <a16:creationId xmlns:a16="http://schemas.microsoft.com/office/drawing/2014/main" id="{CAC440CC-FD25-4F9A-BF23-1BFAD3A7214B}"/>
-              </a:ext>
-            </a:extLst>
-          </p:cNvPr>
-          <p:cNvPicPr>
-            <a:picLocks noChangeAspect="1"/>
-          </p:cNvPicPr>
-          <p:nvPr/>
-        </p:nvPicPr>
-        <p:blipFill>
-          <a:blip r:embed="rId2"/>
-          <a:stretch>
-            <a:fillRect/>
-          </a:stretch>
-        </p:blipFill>
-        <p:spPr>
-          <a:xfrm>
-            <a:off x="838200" y="1092199"/>
-            <a:ext cx="6991350" cy="5400675"/>
-          </a:xfrm>
-          <a:prstGeom prst="rect">
-            <a:avLst/>
-          </a:prstGeom>
-        </p:spPr>
-      </p:pic>
-    </p:spTree>
-    <p:extLst>
-      <p:ext uri="{BB962C8B-B14F-4D97-AF65-F5344CB8AC3E}">
-        <p14:creationId xmlns:p14="http://schemas.microsoft.com/office/powerpoint/2010/main" val="3063670243"/>
-      </p:ext>
-    </p:extLst>
-  </p:cSld>
-  <p:clrMapOvr>
-    <a:masterClrMapping/>
-  </p:clrMapOvr>
-</p:sld>
-</file>
-
-<file path=ppt/slides/slide17.xml><?xml version="1.0" encoding="utf-8"?>
-<p:sld xmlns:a="http://schemas.openxmlformats.org/drawingml/2006/main" xmlns:r="http://schemas.openxmlformats.org/officeDocument/2006/relationships" xmlns:p="http://schemas.openxmlformats.org/presentationml/2006/main">
-  <p:cSld>
-    <p:spTree>
-      <p:nvGrpSpPr>
-        <p:cNvPr id="1" name=""/>
-        <p:cNvGrpSpPr/>
-        <p:nvPr/>
-      </p:nvGrpSpPr>
-      <p:grpSpPr>
-        <a:xfrm>
-          <a:off x="0" y="0"/>
-          <a:ext cx="0" cy="0"/>
-          <a:chOff x="0" y="0"/>
-          <a:chExt cx="0" cy="0"/>
-        </a:xfrm>
-      </p:grpSpPr>
-      <p:sp>
-        <p:nvSpPr>
-          <p:cNvPr id="2" name="Title 1">
-            <a:extLst>
-              <a:ext uri="{FF2B5EF4-FFF2-40B4-BE49-F238E27FC236}">
-                <a16:creationId xmlns:a16="http://schemas.microsoft.com/office/drawing/2014/main" id="{18F96890-9B86-1149-B4A6-52C769256945}"/>
-              </a:ext>
-            </a:extLst>
-          </p:cNvPr>
-          <p:cNvSpPr>
-            <a:spLocks noGrp="1"/>
-          </p:cNvSpPr>
-          <p:nvPr>
-            <p:ph type="title"/>
-          </p:nvPr>
-        </p:nvSpPr>
-        <p:spPr/>
-        <p:txBody>
-          <a:bodyPr/>
-          <a:lstStyle/>
-          <a:p>
-            <a:r>
-              <a:rPr lang="en-US" dirty="0"/>
-              <a:t>Data Source</a:t>
-            </a:r>
-          </a:p>
-        </p:txBody>
-      </p:sp>
-      <p:sp>
-        <p:nvSpPr>
-          <p:cNvPr id="3" name="Content Placeholder 2">
-            <a:extLst>
-              <a:ext uri="{FF2B5EF4-FFF2-40B4-BE49-F238E27FC236}">
-                <a16:creationId xmlns:a16="http://schemas.microsoft.com/office/drawing/2014/main" id="{1E31E60E-ED31-7E47-B696-A9FA64926521}"/>
-              </a:ext>
-            </a:extLst>
-          </p:cNvPr>
-          <p:cNvSpPr>
-            <a:spLocks noGrp="1"/>
-          </p:cNvSpPr>
-          <p:nvPr>
-            <p:ph idx="1"/>
-          </p:nvPr>
-        </p:nvSpPr>
-        <p:spPr/>
-        <p:txBody>
-          <a:bodyPr/>
-          <a:lstStyle/>
-          <a:p>
-            <a:r>
-              <a:rPr lang="en-US" dirty="0"/>
-              <a:t>We could easily find datasets of images online and apply B/W filter to create desired B/W images. </a:t>
-            </a:r>
-          </a:p>
-          <a:p>
-            <a:r>
-              <a:rPr lang="en-US" dirty="0"/>
-              <a:t>Example image dataset includes:</a:t>
-            </a:r>
-          </a:p>
-          <a:p>
-            <a:pPr lvl="1"/>
-            <a:r>
-              <a:rPr lang="en-US" dirty="0"/>
-              <a:t>ImageNet: 1.5M images</a:t>
-            </a:r>
-          </a:p>
-          <a:p>
-            <a:pPr lvl="1"/>
-            <a:r>
-              <a:rPr lang="en-US" dirty="0"/>
-              <a:t>Open images dataset: 9M images</a:t>
-            </a:r>
-          </a:p>
-          <a:p>
-            <a:endParaRPr lang="en-US" dirty="0"/>
-          </a:p>
-          <a:p>
-            <a:endParaRPr lang="en-US" dirty="0"/>
-          </a:p>
-          <a:p>
-            <a:endParaRPr lang="en-US" dirty="0"/>
-          </a:p>
-        </p:txBody>
-      </p:sp>
-    </p:spTree>
-    <p:extLst>
-      <p:ext uri="{BB962C8B-B14F-4D97-AF65-F5344CB8AC3E}">
-        <p14:creationId xmlns:p14="http://schemas.microsoft.com/office/powerpoint/2010/main" val="1523085169"/>
-      </p:ext>
-    </p:extLst>
-  </p:cSld>
-  <p:clrMapOvr>
-    <a:masterClrMapping/>
-  </p:clrMapOvr>
-</p:sld>
-</file>
-
-<file path=ppt/slides/slide18.xml><?xml version="1.0" encoding="utf-8"?>
-<p:sld xmlns:a="http://schemas.openxmlformats.org/drawingml/2006/main" xmlns:r="http://schemas.openxmlformats.org/officeDocument/2006/relationships" xmlns:p="http://schemas.openxmlformats.org/presentationml/2006/main">
-  <p:cSld>
-    <p:spTree>
-      <p:nvGrpSpPr>
-        <p:cNvPr id="1" name=""/>
-        <p:cNvGrpSpPr/>
-        <p:nvPr/>
-      </p:nvGrpSpPr>
-      <p:grpSpPr>
-        <a:xfrm>
-          <a:off x="0" y="0"/>
-          <a:ext cx="0" cy="0"/>
-          <a:chOff x="0" y="0"/>
-          <a:chExt cx="0" cy="0"/>
-        </a:xfrm>
-      </p:grpSpPr>
-      <p:sp>
-        <p:nvSpPr>
-          <p:cNvPr id="2" name="Title 1">
-            <a:extLst>
-              <a:ext uri="{FF2B5EF4-FFF2-40B4-BE49-F238E27FC236}">
-                <a16:creationId xmlns:a16="http://schemas.microsoft.com/office/drawing/2014/main" id="{861ADC6D-3272-417A-A4CA-797A1BE670CB}"/>
-              </a:ext>
-            </a:extLst>
-          </p:cNvPr>
-          <p:cNvSpPr>
-            <a:spLocks noGrp="1"/>
-          </p:cNvSpPr>
-          <p:nvPr>
-            <p:ph type="title"/>
-          </p:nvPr>
-        </p:nvSpPr>
-        <p:spPr/>
-        <p:txBody>
-          <a:bodyPr/>
-          <a:lstStyle/>
-          <a:p>
-            <a:r>
-              <a:rPr lang="en-CA" dirty="0"/>
-              <a:t>Challenges</a:t>
-            </a:r>
-          </a:p>
-        </p:txBody>
-      </p:sp>
-      <p:sp>
-        <p:nvSpPr>
-          <p:cNvPr id="3" name="Content Placeholder 2">
-            <a:extLst>
-              <a:ext uri="{FF2B5EF4-FFF2-40B4-BE49-F238E27FC236}">
-                <a16:creationId xmlns:a16="http://schemas.microsoft.com/office/drawing/2014/main" id="{74E4DEA5-DDEF-4578-8F30-91949891E260}"/>
-              </a:ext>
-            </a:extLst>
-          </p:cNvPr>
-          <p:cNvSpPr>
-            <a:spLocks noGrp="1"/>
-          </p:cNvSpPr>
-          <p:nvPr>
-            <p:ph idx="1"/>
-          </p:nvPr>
-        </p:nvSpPr>
-        <p:spPr/>
-        <p:txBody>
-          <a:bodyPr/>
-          <a:lstStyle/>
-          <a:p>
-            <a:r>
-              <a:rPr lang="en-CA" dirty="0"/>
-              <a:t>Color restoration favors Blue colors (might be biases from dataset)</a:t>
-            </a:r>
-          </a:p>
-          <a:p>
-            <a:r>
-              <a:rPr lang="en-CA" dirty="0"/>
-              <a:t>Cannot identify artwork colors</a:t>
-            </a:r>
-          </a:p>
-          <a:p>
-            <a:r>
-              <a:rPr lang="en-CA" dirty="0"/>
-              <a:t>Super resolution takes large amount of resources</a:t>
-            </a:r>
-          </a:p>
-        </p:txBody>
-      </p:sp>
-    </p:spTree>
-    <p:extLst>
-      <p:ext uri="{BB962C8B-B14F-4D97-AF65-F5344CB8AC3E}">
-        <p14:creationId xmlns:p14="http://schemas.microsoft.com/office/powerpoint/2010/main" val="3247539159"/>
-      </p:ext>
-    </p:extLst>
-  </p:cSld>
-  <p:clrMapOvr>
-    <a:masterClrMapping/>
-  </p:clrMapOvr>
-</p:sld>
-</file>
-
-<file path=ppt/slides/slide19.xml><?xml version="1.0" encoding="utf-8"?>
-<p:sld xmlns:a="http://schemas.openxmlformats.org/drawingml/2006/main" xmlns:r="http://schemas.openxmlformats.org/officeDocument/2006/relationships" xmlns:p="http://schemas.openxmlformats.org/presentationml/2006/main">
-  <p:cSld>
-    <p:spTree>
-      <p:nvGrpSpPr>
-        <p:cNvPr id="1" name=""/>
-        <p:cNvGrpSpPr/>
-        <p:nvPr/>
-      </p:nvGrpSpPr>
-      <p:grpSpPr>
-        <a:xfrm>
-          <a:off x="0" y="0"/>
-          <a:ext cx="0" cy="0"/>
-          <a:chOff x="0" y="0"/>
-          <a:chExt cx="0" cy="0"/>
-        </a:xfrm>
-      </p:grpSpPr>
-      <p:sp>
-        <p:nvSpPr>
-          <p:cNvPr id="2" name="Title 1">
-            <a:extLst>
-              <a:ext uri="{FF2B5EF4-FFF2-40B4-BE49-F238E27FC236}">
-                <a16:creationId xmlns:a16="http://schemas.microsoft.com/office/drawing/2014/main" id="{C564A388-824A-8D40-8739-68A650B6F72C}"/>
-              </a:ext>
-            </a:extLst>
-          </p:cNvPr>
-          <p:cNvSpPr>
-            <a:spLocks noGrp="1"/>
-          </p:cNvSpPr>
-          <p:nvPr>
-            <p:ph type="title"/>
-          </p:nvPr>
-        </p:nvSpPr>
-        <p:spPr/>
-        <p:txBody>
-          <a:bodyPr/>
-          <a:lstStyle/>
-          <a:p>
-            <a:r>
-              <a:rPr lang="en-US" dirty="0"/>
-              <a:t>Thanks.</a:t>
-            </a:r>
-          </a:p>
-        </p:txBody>
-      </p:sp>
-      <p:sp>
-        <p:nvSpPr>
-          <p:cNvPr id="3" name="Content Placeholder 2">
-            <a:extLst>
-              <a:ext uri="{FF2B5EF4-FFF2-40B4-BE49-F238E27FC236}">
-                <a16:creationId xmlns:a16="http://schemas.microsoft.com/office/drawing/2014/main" id="{0B3E9BB3-9184-F242-BF85-FD03E1060694}"/>
-              </a:ext>
-            </a:extLst>
-          </p:cNvPr>
-          <p:cNvSpPr>
-            <a:spLocks noGrp="1"/>
-          </p:cNvSpPr>
-          <p:nvPr>
-            <p:ph idx="1"/>
-          </p:nvPr>
-        </p:nvSpPr>
-        <p:spPr/>
-        <p:txBody>
-          <a:bodyPr/>
-          <a:lstStyle/>
-          <a:p>
-            <a:endParaRPr lang="en-US"/>
-          </a:p>
-        </p:txBody>
-      </p:sp>
-    </p:spTree>
-    <p:extLst>
-      <p:ext uri="{BB962C8B-B14F-4D97-AF65-F5344CB8AC3E}">
-        <p14:creationId xmlns:p14="http://schemas.microsoft.com/office/powerpoint/2010/main" val="3888328012"/>
-      </p:ext>
-    </p:extLst>
-  </p:cSld>
-  <p:clrMapOvr>
-    <a:masterClrMapping/>
-  </p:clrMapOvr>
-</p:sld>
-</file>
-
-<file path=ppt/slides/slide2.xml><?xml version="1.0" encoding="utf-8"?>
-<p:sld xmlns:a="http://schemas.openxmlformats.org/drawingml/2006/main" xmlns:r="http://schemas.openxmlformats.org/officeDocument/2006/relationships" xmlns:p="http://schemas.openxmlformats.org/presentationml/2006/main">
-  <p:cSld>
-    <p:spTree>
-      <p:nvGrpSpPr>
-        <p:cNvPr id="1" name=""/>
-        <p:cNvGrpSpPr/>
-        <p:nvPr/>
-      </p:nvGrpSpPr>
-      <p:grpSpPr>
-        <a:xfrm>
-          <a:off x="0" y="0"/>
-          <a:ext cx="0" cy="0"/>
-          <a:chOff x="0" y="0"/>
-          <a:chExt cx="0" cy="0"/>
-        </a:xfrm>
-      </p:grpSpPr>
-      <p:sp>
-        <p:nvSpPr>
-          <p:cNvPr id="2" name="Title 1">
-            <a:extLst>
-              <a:ext uri="{FF2B5EF4-FFF2-40B4-BE49-F238E27FC236}">
-                <a16:creationId xmlns:a16="http://schemas.microsoft.com/office/drawing/2014/main" id="{42981A0C-B5E6-4708-B592-205E5FF8F57B}"/>
-              </a:ext>
-            </a:extLst>
-          </p:cNvPr>
-          <p:cNvSpPr>
-            <a:spLocks noGrp="1"/>
-          </p:cNvSpPr>
-          <p:nvPr>
-            <p:ph type="title"/>
-          </p:nvPr>
-        </p:nvSpPr>
-        <p:spPr>
-          <a:xfrm>
-            <a:off x="838200" y="365126"/>
-            <a:ext cx="10515600" cy="417300"/>
-          </a:xfrm>
-        </p:spPr>
-        <p:txBody>
-          <a:bodyPr>
-            <a:normAutofit fontScale="90000"/>
-          </a:bodyPr>
-          <a:lstStyle/>
-          <a:p>
-            <a:r>
-              <a:rPr lang="en-CA" dirty="0"/>
-              <a:t>Training Structure:</a:t>
-            </a:r>
-          </a:p>
-        </p:txBody>
-      </p:sp>
-      <p:pic>
-        <p:nvPicPr>
-          <p:cNvPr id="7" name="Content Placeholder 6">
-            <a:extLst>
-              <a:ext uri="{FF2B5EF4-FFF2-40B4-BE49-F238E27FC236}">
-                <a16:creationId xmlns:a16="http://schemas.microsoft.com/office/drawing/2014/main" id="{FC03459A-A593-4F80-92B1-61C228FD06F0}"/>
-              </a:ext>
-            </a:extLst>
-          </p:cNvPr>
-          <p:cNvPicPr>
-            <a:picLocks noGrp="1" noChangeAspect="1"/>
-          </p:cNvPicPr>
-          <p:nvPr>
-            <p:ph idx="1"/>
-          </p:nvPr>
-        </p:nvPicPr>
-        <p:blipFill>
-          <a:blip r:embed="rId2"/>
-          <a:stretch>
-            <a:fillRect/>
-          </a:stretch>
-        </p:blipFill>
-        <p:spPr>
-          <a:xfrm>
-            <a:off x="0" y="782426"/>
-            <a:ext cx="7410235" cy="6075574"/>
-          </a:xfrm>
-          <a:prstGeom prst="rect">
-            <a:avLst/>
-          </a:prstGeom>
-        </p:spPr>
-      </p:pic>
-      <p:sp>
-        <p:nvSpPr>
-          <p:cNvPr id="9" name="TextBox 8">
-            <a:extLst>
-              <a:ext uri="{FF2B5EF4-FFF2-40B4-BE49-F238E27FC236}">
-                <a16:creationId xmlns:a16="http://schemas.microsoft.com/office/drawing/2014/main" id="{65F8D375-4A23-4909-BBBC-8152C67D600C}"/>
-              </a:ext>
-            </a:extLst>
-          </p:cNvPr>
-          <p:cNvSpPr txBox="1"/>
-          <p:nvPr/>
-        </p:nvSpPr>
-        <p:spPr>
-          <a:xfrm>
-            <a:off x="7195385" y="1166842"/>
-            <a:ext cx="4996615" cy="4247317"/>
-          </a:xfrm>
-          <a:prstGeom prst="rect">
-            <a:avLst/>
-          </a:prstGeom>
-          <a:noFill/>
-        </p:spPr>
-        <p:txBody>
-          <a:bodyPr wrap="square" rtlCol="0">
-            <a:spAutoFit/>
-          </a:bodyPr>
-          <a:lstStyle/>
-          <a:p>
-            <a:r>
-              <a:rPr lang="en-CA" dirty="0"/>
-              <a:t>The architecture flow is that, the data preprocessor reads the dataset corpuses, and</a:t>
-            </a:r>
-          </a:p>
-          <a:p>
-            <a:r>
-              <a:rPr lang="en-CA" dirty="0"/>
-              <a:t>converts them into Question and Answer style, so it will be able to use it later as</a:t>
-            </a:r>
-          </a:p>
-          <a:p>
-            <a:r>
-              <a:rPr lang="en-CA" dirty="0"/>
-              <a:t>training instances, and then it passes these instances to the data manipulator which</a:t>
-            </a:r>
-          </a:p>
-          <a:p>
-            <a:r>
-              <a:rPr lang="en-CA" dirty="0"/>
-              <a:t>encodes these sequences using the word embeddings made by Google in 2015. The</a:t>
-            </a:r>
-          </a:p>
-          <a:p>
-            <a:r>
-              <a:rPr lang="en-CA" dirty="0"/>
-              <a:t>model then call the training module to train itself on the encoded dataset, and try to</a:t>
-            </a:r>
-          </a:p>
-          <a:p>
-            <a:r>
-              <a:rPr lang="en-CA" dirty="0"/>
-              <a:t>adapt the weights of the model in order to make it better and more accurate in the generalization phase, then it saves the weights in a file to read them back while</a:t>
-            </a:r>
-          </a:p>
-          <a:p>
-            <a:r>
-              <a:rPr lang="en-CA" dirty="0"/>
-              <a:t>testing.</a:t>
-            </a:r>
-          </a:p>
-        </p:txBody>
-      </p:sp>
-    </p:spTree>
-    <p:extLst>
-      <p:ext uri="{BB962C8B-B14F-4D97-AF65-F5344CB8AC3E}">
-        <p14:creationId xmlns:p14="http://schemas.microsoft.com/office/powerpoint/2010/main" val="999827896"/>
-      </p:ext>
-    </p:extLst>
-  </p:cSld>
-  <p:clrMapOvr>
-    <a:masterClrMapping/>
-  </p:clrMapOvr>
-</p:sld>
-</file>
-
-<file path=ppt/slides/slide3.xml><?xml version="1.0" encoding="utf-8"?>
-<p:sld xmlns:a="http://schemas.openxmlformats.org/drawingml/2006/main" xmlns:r="http://schemas.openxmlformats.org/officeDocument/2006/relationships" xmlns:p="http://schemas.openxmlformats.org/presentationml/2006/main">
-  <p:cSld>
-    <p:spTree>
-      <p:nvGrpSpPr>
-        <p:cNvPr id="1" name=""/>
-        <p:cNvGrpSpPr/>
-        <p:nvPr/>
-      </p:nvGrpSpPr>
-      <p:grpSpPr>
-        <a:xfrm>
-          <a:off x="0" y="0"/>
-          <a:ext cx="0" cy="0"/>
-          <a:chOff x="0" y="0"/>
-          <a:chExt cx="0" cy="0"/>
-        </a:xfrm>
-      </p:grpSpPr>
-      <p:sp>
-        <p:nvSpPr>
-          <p:cNvPr id="2" name="Title 1">
-            <a:extLst>
-              <a:ext uri="{FF2B5EF4-FFF2-40B4-BE49-F238E27FC236}">
-                <a16:creationId xmlns:a16="http://schemas.microsoft.com/office/drawing/2014/main" id="{42981A0C-B5E6-4708-B592-205E5FF8F57B}"/>
-              </a:ext>
-            </a:extLst>
-          </p:cNvPr>
-          <p:cNvSpPr>
-            <a:spLocks noGrp="1"/>
-          </p:cNvSpPr>
-          <p:nvPr>
-            <p:ph type="title"/>
-          </p:nvPr>
-        </p:nvSpPr>
-        <p:spPr>
-          <a:xfrm>
-            <a:off x="838200" y="365126"/>
-            <a:ext cx="10515600" cy="417300"/>
-          </a:xfrm>
-        </p:spPr>
-        <p:txBody>
-          <a:bodyPr>
-            <a:normAutofit fontScale="90000"/>
-          </a:bodyPr>
-          <a:lstStyle/>
-          <a:p>
-            <a:r>
-              <a:rPr lang="en-CA" dirty="0"/>
-              <a:t>Testing Structure:</a:t>
-            </a:r>
-          </a:p>
-        </p:txBody>
-      </p:sp>
-      <p:pic>
-        <p:nvPicPr>
-          <p:cNvPr id="5" name="Content Placeholder 4">
-            <a:extLst>
-              <a:ext uri="{FF2B5EF4-FFF2-40B4-BE49-F238E27FC236}">
-                <a16:creationId xmlns:a16="http://schemas.microsoft.com/office/drawing/2014/main" id="{E84FF96F-528E-42D3-9F75-A61C39605F8A}"/>
-              </a:ext>
-            </a:extLst>
-          </p:cNvPr>
-          <p:cNvPicPr>
-            <a:picLocks noGrp="1" noChangeAspect="1"/>
-          </p:cNvPicPr>
-          <p:nvPr>
-            <p:ph idx="1"/>
-          </p:nvPr>
-        </p:nvPicPr>
-        <p:blipFill>
-          <a:blip r:embed="rId2"/>
-          <a:stretch>
-            <a:fillRect/>
-          </a:stretch>
-        </p:blipFill>
-        <p:spPr>
-          <a:xfrm>
-            <a:off x="0" y="782426"/>
-            <a:ext cx="7195385" cy="6075574"/>
-          </a:xfrm>
-          <a:prstGeom prst="rect">
-            <a:avLst/>
-          </a:prstGeom>
-        </p:spPr>
-      </p:pic>
-      <p:sp>
-        <p:nvSpPr>
-          <p:cNvPr id="6" name="TextBox 5">
-            <a:extLst>
-              <a:ext uri="{FF2B5EF4-FFF2-40B4-BE49-F238E27FC236}">
-                <a16:creationId xmlns:a16="http://schemas.microsoft.com/office/drawing/2014/main" id="{EF29B589-42FE-44FA-8B59-B6819691C332}"/>
-              </a:ext>
-            </a:extLst>
-          </p:cNvPr>
-          <p:cNvSpPr txBox="1"/>
-          <p:nvPr/>
-        </p:nvSpPr>
-        <p:spPr>
-          <a:xfrm>
-            <a:off x="7195385" y="1983247"/>
-            <a:ext cx="4996615" cy="2891505"/>
-          </a:xfrm>
-          <a:prstGeom prst="rect">
-            <a:avLst/>
-          </a:prstGeom>
-          <a:noFill/>
-        </p:spPr>
-        <p:txBody>
-          <a:bodyPr wrap="square" rtlCol="0">
-            <a:spAutoFit/>
-          </a:bodyPr>
-          <a:lstStyle/>
-          <a:p>
-            <a:r>
-              <a:rPr lang="en-CA" dirty="0"/>
-              <a:t>The architecture flow is that, the website (the UI) receives a query (after logging in</a:t>
-            </a:r>
-          </a:p>
-          <a:p>
-            <a:r>
-              <a:rPr lang="en-CA" dirty="0"/>
-              <a:t>and so), the interface send this query to the data manipulator to encode it, then it</a:t>
-            </a:r>
-          </a:p>
-          <a:p>
-            <a:r>
-              <a:rPr lang="en-CA" dirty="0"/>
-              <a:t>send this encoded query to the model which calls the tester, the tester loads the</a:t>
-            </a:r>
-          </a:p>
-          <a:p>
-            <a:r>
-              <a:rPr lang="en-CA" dirty="0"/>
-              <a:t>saved model which is the weights of the model, and use these weights to generate</a:t>
-            </a:r>
-          </a:p>
-          <a:p>
-            <a:r>
-              <a:rPr lang="en-CA" dirty="0"/>
-              <a:t>the answer for this query, then it decodes the answer into words.</a:t>
-            </a:r>
-          </a:p>
-        </p:txBody>
-      </p:sp>
-    </p:spTree>
-    <p:extLst>
-      <p:ext uri="{BB962C8B-B14F-4D97-AF65-F5344CB8AC3E}">
-        <p14:creationId xmlns:p14="http://schemas.microsoft.com/office/powerpoint/2010/main" val="779116505"/>
-      </p:ext>
-    </p:extLst>
-  </p:cSld>
-  <p:clrMapOvr>
-    <a:masterClrMapping/>
-  </p:clrMapOvr>
-</p:sld>
-</file>
-
-<file path=ppt/slides/slide4.xml><?xml version="1.0" encoding="utf-8"?>
-<p:sld xmlns:a="http://schemas.openxmlformats.org/drawingml/2006/main" xmlns:r="http://schemas.openxmlformats.org/officeDocument/2006/relationships" xmlns:p="http://schemas.openxmlformats.org/presentationml/2006/main">
-  <p:cSld>
-    <p:spTree>
-      <p:nvGrpSpPr>
-        <p:cNvPr id="1" name=""/>
-        <p:cNvGrpSpPr/>
-        <p:nvPr/>
-      </p:nvGrpSpPr>
-      <p:grpSpPr>
-        <a:xfrm>
-          <a:off x="0" y="0"/>
-          <a:ext cx="0" cy="0"/>
-          <a:chOff x="0" y="0"/>
-          <a:chExt cx="0" cy="0"/>
-        </a:xfrm>
-      </p:grpSpPr>
-      <p:sp>
-        <p:nvSpPr>
-          <p:cNvPr id="2" name="Title 1">
-            <a:extLst>
-              <a:ext uri="{FF2B5EF4-FFF2-40B4-BE49-F238E27FC236}">
-                <a16:creationId xmlns:a16="http://schemas.microsoft.com/office/drawing/2014/main" id="{42981A0C-B5E6-4708-B592-205E5FF8F57B}"/>
-              </a:ext>
-            </a:extLst>
-          </p:cNvPr>
-          <p:cNvSpPr>
-            <a:spLocks noGrp="1"/>
-          </p:cNvSpPr>
-          <p:nvPr>
-            <p:ph type="title"/>
-          </p:nvPr>
-        </p:nvSpPr>
-        <p:spPr>
-          <a:xfrm>
-            <a:off x="788773" y="3343920"/>
-            <a:ext cx="10515600" cy="417300"/>
-          </a:xfrm>
-        </p:spPr>
-        <p:txBody>
-          <a:bodyPr>
-            <a:normAutofit fontScale="90000"/>
-          </a:bodyPr>
-          <a:lstStyle/>
-          <a:p>
-            <a:r>
-              <a:rPr lang="en-CA" dirty="0"/>
-              <a:t>Feature Selection:</a:t>
-            </a:r>
-          </a:p>
-        </p:txBody>
-      </p:sp>
-      <p:sp>
-        <p:nvSpPr>
-          <p:cNvPr id="4" name="Content Placeholder 3">
-            <a:extLst>
-              <a:ext uri="{FF2B5EF4-FFF2-40B4-BE49-F238E27FC236}">
-                <a16:creationId xmlns:a16="http://schemas.microsoft.com/office/drawing/2014/main" id="{DACDC7C0-DC09-4AEC-92E2-0608F5AABA63}"/>
-              </a:ext>
-            </a:extLst>
-          </p:cNvPr>
-          <p:cNvSpPr>
-            <a:spLocks noGrp="1"/>
-          </p:cNvSpPr>
-          <p:nvPr>
-            <p:ph idx="1"/>
-          </p:nvPr>
-        </p:nvSpPr>
-        <p:spPr>
-          <a:xfrm>
-            <a:off x="739346" y="3909433"/>
-            <a:ext cx="10515600" cy="2175669"/>
-          </a:xfrm>
-        </p:spPr>
-        <p:txBody>
-          <a:bodyPr>
-            <a:normAutofit/>
-          </a:bodyPr>
-          <a:lstStyle/>
-          <a:p>
-            <a:r>
-              <a:rPr lang="en-CA" sz="2400" dirty="0"/>
-              <a:t>N-grams: used to find probability of sentence S</a:t>
-            </a:r>
-          </a:p>
-          <a:p>
-            <a:r>
-              <a:rPr lang="en-CA" sz="2400" dirty="0"/>
-              <a:t>Word Classes: similar words appear in similar context</a:t>
-            </a:r>
-          </a:p>
-          <a:p>
-            <a:r>
-              <a:rPr lang="en-CA" sz="2400" dirty="0"/>
-              <a:t>Bag of Words: word frequency vector </a:t>
-            </a:r>
-          </a:p>
-          <a:p>
-            <a:r>
-              <a:rPr lang="en-CA" sz="2400" dirty="0"/>
-              <a:t>Word2Vec: similar words have close word vector</a:t>
-            </a:r>
-          </a:p>
-        </p:txBody>
-      </p:sp>
-      <p:sp>
-        <p:nvSpPr>
-          <p:cNvPr id="3" name="TextBox 2">
-            <a:extLst>
-              <a:ext uri="{FF2B5EF4-FFF2-40B4-BE49-F238E27FC236}">
-                <a16:creationId xmlns:a16="http://schemas.microsoft.com/office/drawing/2014/main" id="{FE348B13-3B6B-5A43-B0FF-3EA9C87BE5F1}"/>
-              </a:ext>
-            </a:extLst>
-          </p:cNvPr>
-          <p:cNvSpPr txBox="1"/>
-          <p:nvPr/>
-        </p:nvSpPr>
-        <p:spPr>
-          <a:xfrm>
-            <a:off x="739346" y="476335"/>
-            <a:ext cx="10614454" cy="2554545"/>
-          </a:xfrm>
-          <a:prstGeom prst="rect">
-            <a:avLst/>
-          </a:prstGeom>
-          <a:noFill/>
-        </p:spPr>
-        <p:txBody>
-          <a:bodyPr wrap="square" rtlCol="0">
-            <a:spAutoFit/>
-          </a:bodyPr>
-          <a:lstStyle/>
-          <a:p>
-            <a:r>
-              <a:rPr lang="en-CA" sz="4000" dirty="0">
-                <a:latin typeface="+mj-lt"/>
-              </a:rPr>
-              <a:t>Data source:</a:t>
-            </a:r>
-          </a:p>
-          <a:p>
-            <a:pPr marL="285750" indent="-285750">
-              <a:buFont typeface="Arial" panose="020B0604020202020204" pitchFamily="34" charset="0"/>
-              <a:buChar char="•"/>
-            </a:pPr>
-            <a:r>
-              <a:rPr lang="en-US" sz="2400" dirty="0"/>
-              <a:t>Cornell Movie-Dialogs Corpus:</a:t>
-            </a:r>
-          </a:p>
-          <a:p>
-            <a:r>
-              <a:rPr lang="en-US" sz="2400" dirty="0"/>
-              <a:t>	220,579 conversational exchanges between 10,292 pairs of movie characters</a:t>
-            </a:r>
-          </a:p>
-          <a:p>
-            <a:pPr marL="285750" indent="-285750">
-              <a:buFont typeface="Arial" panose="020B0604020202020204" pitchFamily="34" charset="0"/>
-              <a:buChar char="•"/>
-            </a:pPr>
-            <a:r>
-              <a:rPr lang="en-US" sz="2400" dirty="0" err="1"/>
-              <a:t>OpenSubtitles</a:t>
-            </a:r>
-            <a:r>
-              <a:rPr lang="en-US" sz="2400" dirty="0"/>
-              <a:t> dataset:</a:t>
-            </a:r>
-          </a:p>
-          <a:p>
-            <a:r>
-              <a:rPr lang="en-US" sz="2400" dirty="0"/>
-              <a:t>	total number of sentence fragments: 3.35G</a:t>
-            </a:r>
-          </a:p>
-          <a:p>
-            <a:r>
-              <a:rPr lang="en-US" sz="2400" dirty="0"/>
-              <a:t>And more</a:t>
-            </a:r>
-          </a:p>
-        </p:txBody>
-      </p:sp>
-    </p:spTree>
-    <p:extLst>
-      <p:ext uri="{BB962C8B-B14F-4D97-AF65-F5344CB8AC3E}">
-        <p14:creationId xmlns:p14="http://schemas.microsoft.com/office/powerpoint/2010/main" val="713200134"/>
-      </p:ext>
-    </p:extLst>
-  </p:cSld>
-  <p:clrMapOvr>
-    <a:masterClrMapping/>
-  </p:clrMapOvr>
-</p:sld>
-</file>
-
-<file path=ppt/slides/slide5.xml><?xml version="1.0" encoding="utf-8"?>
-<p:sld xmlns:a="http://schemas.openxmlformats.org/drawingml/2006/main" xmlns:r="http://schemas.openxmlformats.org/officeDocument/2006/relationships" xmlns:p="http://schemas.openxmlformats.org/presentationml/2006/main">
-  <p:cSld>
-    <p:spTree>
-      <p:nvGrpSpPr>
-        <p:cNvPr id="1" name=""/>
-        <p:cNvGrpSpPr/>
-        <p:nvPr/>
-      </p:nvGrpSpPr>
-      <p:grpSpPr>
-        <a:xfrm>
-          <a:off x="0" y="0"/>
-          <a:ext cx="0" cy="0"/>
-          <a:chOff x="0" y="0"/>
-          <a:chExt cx="0" cy="0"/>
-        </a:xfrm>
-      </p:grpSpPr>
-      <p:sp>
-        <p:nvSpPr>
-          <p:cNvPr id="2" name="Title 1">
-            <a:extLst>
-              <a:ext uri="{FF2B5EF4-FFF2-40B4-BE49-F238E27FC236}">
-                <a16:creationId xmlns:a16="http://schemas.microsoft.com/office/drawing/2014/main" id="{42981A0C-B5E6-4708-B592-205E5FF8F57B}"/>
-              </a:ext>
-            </a:extLst>
-          </p:cNvPr>
-          <p:cNvSpPr>
-            <a:spLocks noGrp="1"/>
-          </p:cNvSpPr>
-          <p:nvPr>
-            <p:ph type="title"/>
-          </p:nvPr>
-        </p:nvSpPr>
-        <p:spPr>
-          <a:xfrm>
-            <a:off x="838200" y="365126"/>
-            <a:ext cx="10515600" cy="417300"/>
-          </a:xfrm>
-        </p:spPr>
-        <p:txBody>
-          <a:bodyPr>
-            <a:normAutofit fontScale="90000"/>
-          </a:bodyPr>
-          <a:lstStyle/>
-          <a:p>
-            <a:r>
-              <a:rPr lang="en-CA" dirty="0"/>
-              <a:t>Context Recognition:</a:t>
-            </a:r>
-          </a:p>
-        </p:txBody>
-      </p:sp>
-      <p:sp>
-        <p:nvSpPr>
-          <p:cNvPr id="4" name="Content Placeholder 3">
-            <a:extLst>
-              <a:ext uri="{FF2B5EF4-FFF2-40B4-BE49-F238E27FC236}">
-                <a16:creationId xmlns:a16="http://schemas.microsoft.com/office/drawing/2014/main" id="{DACDC7C0-DC09-4AEC-92E2-0608F5AABA63}"/>
-              </a:ext>
-            </a:extLst>
-          </p:cNvPr>
-          <p:cNvSpPr>
-            <a:spLocks noGrp="1"/>
-          </p:cNvSpPr>
-          <p:nvPr>
-            <p:ph idx="1"/>
-          </p:nvPr>
-        </p:nvSpPr>
-        <p:spPr>
-          <a:xfrm>
-            <a:off x="838200" y="1253330"/>
-            <a:ext cx="10515600" cy="5147469"/>
-          </a:xfrm>
-        </p:spPr>
-        <p:txBody>
-          <a:bodyPr>
-            <a:normAutofit/>
-          </a:bodyPr>
-          <a:lstStyle/>
-          <a:p>
-            <a:r>
-              <a:rPr lang="en-CA" dirty="0"/>
-              <a:t>Choosing sentence headings: POS, dependency graph, NER, 4 steps of IE</a:t>
-            </a:r>
-          </a:p>
-          <a:p>
-            <a:endParaRPr lang="en-CA" dirty="0"/>
-          </a:p>
-          <a:p>
-            <a:r>
-              <a:rPr lang="en-CA" dirty="0"/>
-              <a:t>Finding similarities: </a:t>
-            </a:r>
-          </a:p>
-          <a:p>
-            <a:pPr marL="0" indent="0">
-              <a:buNone/>
-            </a:pPr>
-            <a:r>
-              <a:rPr lang="en-CA" dirty="0"/>
-              <a:t>-Word embedding</a:t>
-            </a:r>
-          </a:p>
-          <a:p>
-            <a:pPr marL="0" indent="0">
-              <a:buNone/>
-            </a:pPr>
-            <a:r>
-              <a:rPr lang="en-CA" dirty="0"/>
-              <a:t>-Word alignment</a:t>
-            </a:r>
-          </a:p>
-          <a:p>
-            <a:pPr marL="0" indent="0">
-              <a:buNone/>
-            </a:pPr>
-            <a:r>
-              <a:rPr lang="en-CA" dirty="0"/>
-              <a:t>-Word vector	</a:t>
-            </a:r>
-          </a:p>
-          <a:p>
-            <a:pPr marL="0" indent="0">
-              <a:buNone/>
-            </a:pPr>
-            <a:r>
-              <a:rPr lang="en-CA" dirty="0"/>
-              <a:t>-Continuous bag of words: predict certain word</a:t>
-            </a:r>
-          </a:p>
-          <a:p>
-            <a:pPr marL="0" indent="0">
-              <a:buNone/>
-            </a:pPr>
-            <a:r>
-              <a:rPr lang="en-CA" dirty="0"/>
-              <a:t>-Skip gram: predict word neighbors</a:t>
-            </a:r>
-          </a:p>
-        </p:txBody>
-      </p:sp>
-    </p:spTree>
-    <p:extLst>
-      <p:ext uri="{BB962C8B-B14F-4D97-AF65-F5344CB8AC3E}">
-        <p14:creationId xmlns:p14="http://schemas.microsoft.com/office/powerpoint/2010/main" val="974763924"/>
-      </p:ext>
-    </p:extLst>
-  </p:cSld>
-  <p:clrMapOvr>
-    <a:masterClrMapping/>
-  </p:clrMapOvr>
-</p:sld>
-</file>
-
-<file path=ppt/slides/slide6.xml><?xml version="1.0" encoding="utf-8"?>
-<p:sld xmlns:a="http://schemas.openxmlformats.org/drawingml/2006/main" xmlns:r="http://schemas.openxmlformats.org/officeDocument/2006/relationships" xmlns:p="http://schemas.openxmlformats.org/presentationml/2006/main">
-  <p:cSld>
-    <p:spTree>
-      <p:nvGrpSpPr>
-        <p:cNvPr id="1" name=""/>
-        <p:cNvGrpSpPr/>
-        <p:nvPr/>
-      </p:nvGrpSpPr>
-      <p:grpSpPr>
-        <a:xfrm>
-          <a:off x="0" y="0"/>
-          <a:ext cx="0" cy="0"/>
-          <a:chOff x="0" y="0"/>
-          <a:chExt cx="0" cy="0"/>
-        </a:xfrm>
-      </p:grpSpPr>
-      <p:sp>
-        <p:nvSpPr>
-          <p:cNvPr id="2" name="Title 1">
-            <a:extLst>
-              <a:ext uri="{FF2B5EF4-FFF2-40B4-BE49-F238E27FC236}">
-                <a16:creationId xmlns:a16="http://schemas.microsoft.com/office/drawing/2014/main" id="{42981A0C-B5E6-4708-B592-205E5FF8F57B}"/>
-              </a:ext>
-            </a:extLst>
-          </p:cNvPr>
-          <p:cNvSpPr>
-            <a:spLocks noGrp="1"/>
-          </p:cNvSpPr>
-          <p:nvPr>
-            <p:ph type="title"/>
-          </p:nvPr>
-        </p:nvSpPr>
-        <p:spPr>
-          <a:xfrm>
-            <a:off x="838200" y="365126"/>
-            <a:ext cx="10515600" cy="417300"/>
-          </a:xfrm>
-        </p:spPr>
-        <p:txBody>
-          <a:bodyPr>
-            <a:normAutofit fontScale="90000"/>
-          </a:bodyPr>
-          <a:lstStyle/>
-          <a:p>
-            <a:r>
-              <a:rPr lang="en-CA" dirty="0"/>
-              <a:t>Word vector training:</a:t>
-            </a:r>
-          </a:p>
-        </p:txBody>
-      </p:sp>
-      <mc:AlternateContent xmlns:mc="http://schemas.openxmlformats.org/markup-compatibility/2006" xmlns:a14="http://schemas.microsoft.com/office/drawing/2010/main">
-        <mc:Choice Requires="a14">
-          <p:sp>
-            <p:nvSpPr>
-              <p:cNvPr id="4" name="Content Placeholder 3">
-                <a:extLst>
-                  <a:ext uri="{FF2B5EF4-FFF2-40B4-BE49-F238E27FC236}">
-                    <a16:creationId xmlns:a16="http://schemas.microsoft.com/office/drawing/2014/main" id="{DACDC7C0-DC09-4AEC-92E2-0608F5AABA63}"/>
-                  </a:ext>
-                </a:extLst>
-              </p:cNvPr>
-              <p:cNvSpPr>
-                <a:spLocks noGrp="1"/>
-              </p:cNvSpPr>
-              <p:nvPr>
-                <p:ph idx="1"/>
-              </p:nvPr>
-            </p:nvSpPr>
-            <p:spPr>
-              <a:xfrm>
-                <a:off x="838200" y="1253331"/>
-                <a:ext cx="10515600" cy="4351338"/>
-              </a:xfrm>
-            </p:spPr>
-            <p:txBody>
-              <a:bodyPr>
-                <a:normAutofit/>
-              </a:bodyPr>
-              <a:lstStyle/>
-              <a:p>
-                <a:r>
-                  <a:rPr lang="en-CA" dirty="0"/>
-                  <a:t>Negative sampling: output neuron that represents the positive class + few randomly sampled neurons are evaluated. (makes the training speed independent on the vocabulary size)</a:t>
-                </a:r>
-              </a:p>
-              <a:p>
-                <a:endParaRPr lang="en-CA" dirty="0"/>
-              </a:p>
-              <a:p>
-                <a:r>
-                  <a:rPr lang="en-CA" dirty="0"/>
-                  <a:t>Hierarchical </a:t>
-                </a:r>
-                <a:r>
-                  <a:rPr lang="en-CA" dirty="0" err="1"/>
-                  <a:t>softmax</a:t>
-                </a:r>
-                <a:r>
-                  <a:rPr lang="en-CA" dirty="0"/>
-                  <a:t>: To speed up conditional probability of P(</a:t>
-                </a:r>
-                <a:r>
-                  <a:rPr lang="en-CA" dirty="0" err="1"/>
-                  <a:t>w|category</a:t>
-                </a:r>
-                <a:r>
-                  <a:rPr lang="en-CA" dirty="0"/>
-                  <a:t>) by </a:t>
-                </a:r>
-                <a14:m>
-                  <m:oMath xmlns:m="http://schemas.openxmlformats.org/officeDocument/2006/math">
-                    <m:r>
-                      <a:rPr lang="en-CA" b="0" i="1" smtClean="0">
-                        <a:latin typeface="Cambria Math" panose="02040503050406030204" pitchFamily="18" charset="0"/>
-                      </a:rPr>
-                      <m:t>𝑂</m:t>
-                    </m:r>
-                    <m:r>
-                      <a:rPr lang="en-CA" b="0" i="1" smtClean="0">
-                        <a:latin typeface="Cambria Math" panose="02040503050406030204" pitchFamily="18" charset="0"/>
-                      </a:rPr>
-                      <m:t>(</m:t>
-                    </m:r>
-                    <m:r>
-                      <a:rPr lang="en-CA" b="0" i="1" smtClean="0">
-                        <a:latin typeface="Cambria Math" panose="02040503050406030204" pitchFamily="18" charset="0"/>
-                      </a:rPr>
-                      <m:t>𝐿𝑜</m:t>
-                    </m:r>
-                    <m:sSub>
-                      <m:sSubPr>
-                        <m:ctrlPr>
-                          <a:rPr lang="en-CA" b="0" i="1" smtClean="0">
-                            <a:latin typeface="Cambria Math" panose="02040503050406030204" pitchFamily="18" charset="0"/>
-                          </a:rPr>
-                        </m:ctrlPr>
-                      </m:sSubPr>
-                      <m:e>
-                        <m:r>
-                          <a:rPr lang="en-CA" b="0" i="1" smtClean="0">
-                            <a:latin typeface="Cambria Math" panose="02040503050406030204" pitchFamily="18" charset="0"/>
-                          </a:rPr>
-                          <m:t>𝑔</m:t>
-                        </m:r>
-                      </m:e>
-                      <m:sub>
-                        <m:r>
-                          <a:rPr lang="en-CA" b="0" i="1" smtClean="0">
-                            <a:latin typeface="Cambria Math" panose="02040503050406030204" pitchFamily="18" charset="0"/>
-                          </a:rPr>
-                          <m:t>2</m:t>
-                        </m:r>
-                      </m:sub>
-                    </m:sSub>
-                    <m:r>
-                      <a:rPr lang="en-CA" b="0" i="1" smtClean="0">
-                        <a:latin typeface="Cambria Math" panose="02040503050406030204" pitchFamily="18" charset="0"/>
-                      </a:rPr>
-                      <m:t>𝑉</m:t>
-                    </m:r>
-                    <m:r>
-                      <a:rPr lang="en-CA" b="0" i="1" smtClean="0">
-                        <a:latin typeface="Cambria Math" panose="02040503050406030204" pitchFamily="18" charset="0"/>
-                      </a:rPr>
-                      <m:t>)</m:t>
-                    </m:r>
-                  </m:oMath>
-                </a14:m>
-                <a:endParaRPr lang="en-CA" dirty="0"/>
-              </a:p>
-              <a:p>
-                <a:pPr marL="0" indent="0">
-                  <a:buNone/>
-                </a:pPr>
-                <a:endParaRPr lang="en-CA" dirty="0"/>
-              </a:p>
-            </p:txBody>
-          </p:sp>
-        </mc:Choice>
-        <mc:Fallback xmlns="">
-          <p:sp>
-            <p:nvSpPr>
-              <p:cNvPr id="4" name="Content Placeholder 3">
-                <a:extLst>
-                  <a:ext uri="{FF2B5EF4-FFF2-40B4-BE49-F238E27FC236}">
-                    <a16:creationId xmlns:a16="http://schemas.microsoft.com/office/drawing/2014/main" id="{DACDC7C0-DC09-4AEC-92E2-0608F5AABA63}"/>
-                  </a:ext>
-                </a:extLst>
-              </p:cNvPr>
-              <p:cNvSpPr>
-                <a:spLocks noGrp="1" noRot="1" noChangeAspect="1" noMove="1" noResize="1" noEditPoints="1" noAdjustHandles="1" noChangeArrowheads="1" noChangeShapeType="1" noTextEdit="1"/>
-              </p:cNvSpPr>
-              <p:nvPr>
-                <p:ph idx="1"/>
-              </p:nvPr>
-            </p:nvSpPr>
-            <p:spPr>
-              <a:xfrm>
-                <a:off x="838200" y="1253331"/>
-                <a:ext cx="10515600" cy="4351338"/>
-              </a:xfrm>
-              <a:blipFill>
-                <a:blip r:embed="rId2"/>
-                <a:stretch>
-                  <a:fillRect l="-1043" t="-2384" r="-1101"/>
-                </a:stretch>
-              </a:blipFill>
-            </p:spPr>
-            <p:txBody>
-              <a:bodyPr/>
-              <a:lstStyle/>
-              <a:p>
-                <a:r>
-                  <a:rPr lang="en-CA">
-                    <a:noFill/>
-                  </a:rPr>
-                  <a:t> </a:t>
-                </a:r>
-              </a:p>
-            </p:txBody>
-          </p:sp>
-        </mc:Fallback>
-      </mc:AlternateContent>
-    </p:spTree>
-    <p:extLst>
-      <p:ext uri="{BB962C8B-B14F-4D97-AF65-F5344CB8AC3E}">
-        <p14:creationId xmlns:p14="http://schemas.microsoft.com/office/powerpoint/2010/main" val="641944243"/>
-      </p:ext>
-    </p:extLst>
-  </p:cSld>
-  <p:clrMapOvr>
-    <a:masterClrMapping/>
-  </p:clrMapOvr>
-</p:sld>
-</file>
-
-<file path=ppt/slides/slide7.xml><?xml version="1.0" encoding="utf-8"?>
-<p:sld xmlns:a="http://schemas.openxmlformats.org/drawingml/2006/main" xmlns:r="http://schemas.openxmlformats.org/officeDocument/2006/relationships" xmlns:p="http://schemas.openxmlformats.org/presentationml/2006/main">
-  <p:cSld>
-    <p:spTree>
-      <p:nvGrpSpPr>
-        <p:cNvPr id="1" name=""/>
-        <p:cNvGrpSpPr/>
-        <p:nvPr/>
-      </p:nvGrpSpPr>
-      <p:grpSpPr>
-        <a:xfrm>
-          <a:off x="0" y="0"/>
-          <a:ext cx="0" cy="0"/>
-          <a:chOff x="0" y="0"/>
-          <a:chExt cx="0" cy="0"/>
-        </a:xfrm>
-      </p:grpSpPr>
-      <p:sp>
-        <p:nvSpPr>
-          <p:cNvPr id="2" name="Title 1">
-            <a:extLst>
-              <a:ext uri="{FF2B5EF4-FFF2-40B4-BE49-F238E27FC236}">
-                <a16:creationId xmlns:a16="http://schemas.microsoft.com/office/drawing/2014/main" id="{42981A0C-B5E6-4708-B592-205E5FF8F57B}"/>
-              </a:ext>
-            </a:extLst>
-          </p:cNvPr>
-          <p:cNvSpPr>
-            <a:spLocks noGrp="1"/>
-          </p:cNvSpPr>
-          <p:nvPr>
-            <p:ph type="title"/>
-          </p:nvPr>
-        </p:nvSpPr>
-        <p:spPr>
-          <a:xfrm>
-            <a:off x="838200" y="365126"/>
-            <a:ext cx="10515600" cy="417300"/>
-          </a:xfrm>
-        </p:spPr>
-        <p:txBody>
-          <a:bodyPr>
-            <a:normAutofit fontScale="90000"/>
-          </a:bodyPr>
-          <a:lstStyle/>
-          <a:p>
-            <a:r>
-              <a:rPr lang="en-CA" dirty="0"/>
-              <a:t>Testing:</a:t>
-            </a:r>
-          </a:p>
-        </p:txBody>
-      </p:sp>
-      <p:sp>
-        <p:nvSpPr>
-          <p:cNvPr id="4" name="Content Placeholder 3">
-            <a:extLst>
-              <a:ext uri="{FF2B5EF4-FFF2-40B4-BE49-F238E27FC236}">
-                <a16:creationId xmlns:a16="http://schemas.microsoft.com/office/drawing/2014/main" id="{DACDC7C0-DC09-4AEC-92E2-0608F5AABA63}"/>
-              </a:ext>
-            </a:extLst>
-          </p:cNvPr>
-          <p:cNvSpPr>
-            <a:spLocks noGrp="1"/>
-          </p:cNvSpPr>
-          <p:nvPr>
-            <p:ph idx="1"/>
-          </p:nvPr>
-        </p:nvSpPr>
-        <p:spPr>
-          <a:xfrm>
-            <a:off x="838200" y="1253330"/>
-            <a:ext cx="10515600" cy="5100335"/>
-          </a:xfrm>
-        </p:spPr>
-        <p:txBody>
-          <a:bodyPr>
-            <a:normAutofit/>
-          </a:bodyPr>
-          <a:lstStyle/>
-          <a:p>
-            <a:r>
-              <a:rPr lang="en-CA" dirty="0"/>
-              <a:t>Granular Conversation Test:</a:t>
-            </a:r>
-          </a:p>
-          <a:p>
-            <a:pPr marL="0" indent="0">
-              <a:buNone/>
-            </a:pPr>
-            <a:r>
-              <a:rPr lang="en-CA" dirty="0"/>
-              <a:t>-Semantics: “Does the response make sense by itself?”</a:t>
-            </a:r>
-          </a:p>
-          <a:p>
-            <a:pPr marL="0" indent="0">
-              <a:buNone/>
-            </a:pPr>
-            <a:r>
-              <a:rPr lang="en-CA" dirty="0"/>
-              <a:t>-Structure: “Is it understandable and does it follows a structure a human</a:t>
-            </a:r>
-          </a:p>
-          <a:p>
-            <a:pPr marL="0" indent="0">
-              <a:buNone/>
-            </a:pPr>
-            <a:r>
-              <a:rPr lang="en-CA" dirty="0"/>
-              <a:t>would use?”</a:t>
-            </a:r>
-          </a:p>
-          <a:p>
-            <a:pPr marL="0" indent="0">
-              <a:buNone/>
-            </a:pPr>
-            <a:r>
-              <a:rPr lang="en-CA" dirty="0"/>
-              <a:t>-Context: “Does the response make sense in the context?”</a:t>
-            </a:r>
-          </a:p>
-          <a:p>
-            <a:pPr marL="0" indent="0">
-              <a:buNone/>
-            </a:pPr>
-            <a:r>
-              <a:rPr lang="en-CA" dirty="0"/>
-              <a:t>-Feeling: “Does the response feel human?”</a:t>
-            </a:r>
-          </a:p>
-          <a:p>
-            <a:pPr marL="0" indent="0">
-              <a:buNone/>
-            </a:pPr>
-            <a:endParaRPr lang="en-CA" dirty="0"/>
-          </a:p>
-          <a:p>
-            <a:pPr marL="0" indent="0">
-              <a:buNone/>
-            </a:pPr>
-            <a:r>
-              <a:rPr lang="en-CA" dirty="0"/>
-              <a:t>0/1 scoring and takes average of all four components</a:t>
-            </a:r>
-          </a:p>
-        </p:txBody>
-      </p:sp>
-    </p:spTree>
-    <p:extLst>
-      <p:ext uri="{BB962C8B-B14F-4D97-AF65-F5344CB8AC3E}">
-        <p14:creationId xmlns:p14="http://schemas.microsoft.com/office/powerpoint/2010/main" val="1806790600"/>
-      </p:ext>
-    </p:extLst>
-  </p:cSld>
-  <p:clrMapOvr>
-    <a:masterClrMapping/>
-  </p:clrMapOvr>
-</p:sld>
-</file>
-
-<file path=ppt/slides/slide8.xml><?xml version="1.0" encoding="utf-8"?>
-<p:sld xmlns:a="http://schemas.openxmlformats.org/drawingml/2006/main" xmlns:r="http://schemas.openxmlformats.org/officeDocument/2006/relationships" xmlns:p="http://schemas.openxmlformats.org/presentationml/2006/main">
-  <p:cSld>
-    <p:spTree>
-      <p:nvGrpSpPr>
-        <p:cNvPr id="1" name=""/>
-        <p:cNvGrpSpPr/>
-        <p:nvPr/>
-      </p:nvGrpSpPr>
-      <p:grpSpPr>
-        <a:xfrm>
-          <a:off x="0" y="0"/>
-          <a:ext cx="0" cy="0"/>
-          <a:chOff x="0" y="0"/>
-          <a:chExt cx="0" cy="0"/>
-        </a:xfrm>
-      </p:grpSpPr>
-      <p:sp>
-        <p:nvSpPr>
-          <p:cNvPr id="2" name="Title 1">
-            <a:extLst>
-              <a:ext uri="{FF2B5EF4-FFF2-40B4-BE49-F238E27FC236}">
-                <a16:creationId xmlns:a16="http://schemas.microsoft.com/office/drawing/2014/main" id="{861ADC6D-3272-417A-A4CA-797A1BE670CB}"/>
-              </a:ext>
-            </a:extLst>
-          </p:cNvPr>
-          <p:cNvSpPr>
-            <a:spLocks noGrp="1"/>
-          </p:cNvSpPr>
-          <p:nvPr>
-            <p:ph type="title"/>
-          </p:nvPr>
-        </p:nvSpPr>
-        <p:spPr/>
-        <p:txBody>
-          <a:bodyPr/>
-          <a:lstStyle/>
-          <a:p>
-            <a:r>
-              <a:rPr lang="en-CA" dirty="0"/>
-              <a:t>Challenges:</a:t>
-            </a:r>
-          </a:p>
-        </p:txBody>
-      </p:sp>
-      <p:sp>
-        <p:nvSpPr>
-          <p:cNvPr id="3" name="Content Placeholder 2">
-            <a:extLst>
-              <a:ext uri="{FF2B5EF4-FFF2-40B4-BE49-F238E27FC236}">
-                <a16:creationId xmlns:a16="http://schemas.microsoft.com/office/drawing/2014/main" id="{74E4DEA5-DDEF-4578-8F30-91949891E260}"/>
-              </a:ext>
-            </a:extLst>
-          </p:cNvPr>
-          <p:cNvSpPr>
-            <a:spLocks noGrp="1"/>
-          </p:cNvSpPr>
-          <p:nvPr>
-            <p:ph idx="1"/>
-          </p:nvPr>
-        </p:nvSpPr>
-        <p:spPr/>
-        <p:txBody>
-          <a:bodyPr/>
-          <a:lstStyle/>
-          <a:p>
-            <a:r>
-              <a:rPr lang="en-CA" dirty="0"/>
-              <a:t>Implementation is Q&amp;A based</a:t>
-            </a:r>
-          </a:p>
-          <a:p>
-            <a:r>
-              <a:rPr lang="en-CA" dirty="0"/>
-              <a:t>Q&amp;A answering system is deterministic</a:t>
-            </a:r>
-          </a:p>
-          <a:p>
-            <a:r>
-              <a:rPr lang="en-CA" dirty="0"/>
-              <a:t>Each Q&amp;A are independent of each other</a:t>
-            </a:r>
-          </a:p>
-        </p:txBody>
-      </p:sp>
-    </p:spTree>
-    <p:extLst>
-      <p:ext uri="{BB962C8B-B14F-4D97-AF65-F5344CB8AC3E}">
-        <p14:creationId xmlns:p14="http://schemas.microsoft.com/office/powerpoint/2010/main" val="4043780860"/>
-      </p:ext>
-    </p:extLst>
-  </p:cSld>
-  <p:clrMapOvr>
-    <a:masterClrMapping/>
-  </p:clrMapOvr>
-</p:sld>
-</file>
-
-<file path=ppt/slides/slide9.xml><?xml version="1.0" encoding="utf-8"?>
-<p:sld xmlns:a="http://schemas.openxmlformats.org/drawingml/2006/main" xmlns:r="http://schemas.openxmlformats.org/officeDocument/2006/relationships" xmlns:p="http://schemas.openxmlformats.org/presentationml/2006/main">
-  <p:cSld>
-    <p:spTree>
-      <p:nvGrpSpPr>
-        <p:cNvPr id="1" name=""/>
-        <p:cNvGrpSpPr/>
-        <p:nvPr/>
-      </p:nvGrpSpPr>
-      <p:grpSpPr>
-        <a:xfrm>
-          <a:off x="0" y="0"/>
-          <a:ext cx="0" cy="0"/>
-          <a:chOff x="0" y="0"/>
-          <a:chExt cx="0" cy="0"/>
-        </a:xfrm>
-      </p:grpSpPr>
-      <p:sp>
-        <p:nvSpPr>
-          <p:cNvPr id="2" name="Title 1">
-            <a:extLst>
-              <a:ext uri="{FF2B5EF4-FFF2-40B4-BE49-F238E27FC236}">
-                <a16:creationId xmlns:a16="http://schemas.microsoft.com/office/drawing/2014/main" id="{E92FDF02-115D-46E1-A69D-9631888D4F04}"/>
-              </a:ext>
-            </a:extLst>
-          </p:cNvPr>
-          <p:cNvSpPr>
-            <a:spLocks noGrp="1"/>
-          </p:cNvSpPr>
-          <p:nvPr>
-            <p:ph type="title"/>
-          </p:nvPr>
-        </p:nvSpPr>
-        <p:spPr/>
-        <p:txBody>
-          <a:bodyPr/>
-          <a:lstStyle/>
-          <a:p>
-            <a:r>
-              <a:rPr lang="en-CA" dirty="0"/>
-              <a:t>Our approach:</a:t>
-            </a:r>
-          </a:p>
-        </p:txBody>
-      </p:sp>
-      <p:sp>
-        <p:nvSpPr>
-          <p:cNvPr id="3" name="Content Placeholder 2">
-            <a:extLst>
-              <a:ext uri="{FF2B5EF4-FFF2-40B4-BE49-F238E27FC236}">
-                <a16:creationId xmlns:a16="http://schemas.microsoft.com/office/drawing/2014/main" id="{F6C05C56-86B0-49AE-A0B7-BC021DA5BC0A}"/>
-              </a:ext>
-            </a:extLst>
-          </p:cNvPr>
-          <p:cNvSpPr>
-            <a:spLocks noGrp="1"/>
-          </p:cNvSpPr>
-          <p:nvPr>
-            <p:ph idx="1"/>
-          </p:nvPr>
-        </p:nvSpPr>
-        <p:spPr/>
-        <p:txBody>
-          <a:bodyPr/>
-          <a:lstStyle/>
-          <a:p>
-            <a:r>
-              <a:rPr lang="en-CA" dirty="0"/>
-              <a:t>Transfer learning on targeted domain: achieve better performance on target domain while benefiting from source domain (dialog space is both source and target domain)</a:t>
-            </a:r>
-          </a:p>
-          <a:p>
-            <a:endParaRPr lang="en-CA" dirty="0"/>
-          </a:p>
-          <a:p>
-            <a:r>
-              <a:rPr lang="en-CA" dirty="0"/>
-              <a:t>Intent based dialog management using LSTM</a:t>
-            </a:r>
-          </a:p>
-          <a:p>
-            <a:endParaRPr lang="en-CA" dirty="0"/>
-          </a:p>
-          <a:p>
-            <a:r>
-              <a:rPr lang="en-CA" dirty="0"/>
-              <a:t>Interlocutor tracking system</a:t>
-            </a:r>
-          </a:p>
-          <a:p>
-            <a:endParaRPr lang="en-CA" dirty="0"/>
-          </a:p>
-          <a:p>
-            <a:endParaRPr lang="en-CA" dirty="0"/>
-          </a:p>
-        </p:txBody>
-      </p:sp>
-    </p:spTree>
-    <p:extLst>
-      <p:ext uri="{BB962C8B-B14F-4D97-AF65-F5344CB8AC3E}">
-        <p14:creationId xmlns:p14="http://schemas.microsoft.com/office/powerpoint/2010/main" val="2354734232"/>
-      </p:ext>
-    </p:extLst>
-  </p:cSld>
-  <p:clrMapOvr>
-    <a:masterClrMapping/>
-  </p:clrMapOvr>
 </p:sld>
 </file>
 

--- a/Proposal.pptx
+++ b/Proposal.pptx
@@ -5,7 +5,7 @@
     <p:sldMasterId id="2147483648" r:id="rId1"/>
   </p:sldMasterIdLst>
   <p:notesMasterIdLst>
-    <p:notesMasterId r:id="rId22"/>
+    <p:notesMasterId r:id="rId23"/>
   </p:notesMasterIdLst>
   <p:sldIdLst>
     <p:sldId id="256" r:id="rId2"/>
@@ -27,7 +27,8 @@
     <p:sldId id="273" r:id="rId18"/>
     <p:sldId id="279" r:id="rId19"/>
     <p:sldId id="274" r:id="rId20"/>
-    <p:sldId id="278" r:id="rId21"/>
+    <p:sldId id="291" r:id="rId21"/>
+    <p:sldId id="278" r:id="rId22"/>
   </p:sldIdLst>
   <p:sldSz cx="12192000" cy="6858000"/>
   <p:notesSz cx="6858000" cy="9144000"/>
@@ -506,7 +507,7 @@
           <p:cNvPr id="2" name="Title 1">
             <a:extLst>
               <a:ext uri="{FF2B5EF4-FFF2-40B4-BE49-F238E27FC236}">
-                <a16:creationId xmlns:a16="http://schemas.microsoft.com/office/drawing/2014/main" xmlns="" id="{80BF9648-DA75-4A20-99AC-370541C74B83}"/>
+                <a16:creationId xmlns="" xmlns:a16="http://schemas.microsoft.com/office/drawing/2014/main" id="{80BF9648-DA75-4A20-99AC-370541C74B83}"/>
               </a:ext>
             </a:extLst>
           </p:cNvPr>
@@ -544,7 +545,7 @@
           <p:cNvPr id="3" name="Subtitle 2">
             <a:extLst>
               <a:ext uri="{FF2B5EF4-FFF2-40B4-BE49-F238E27FC236}">
-                <a16:creationId xmlns:a16="http://schemas.microsoft.com/office/drawing/2014/main" xmlns="" id="{23A6B22E-98E2-494B-BDD1-D81E16518C87}"/>
+                <a16:creationId xmlns="" xmlns:a16="http://schemas.microsoft.com/office/drawing/2014/main" id="{23A6B22E-98E2-494B-BDD1-D81E16518C87}"/>
               </a:ext>
             </a:extLst>
           </p:cNvPr>
@@ -615,7 +616,7 @@
           <p:cNvPr id="4" name="Date Placeholder 3">
             <a:extLst>
               <a:ext uri="{FF2B5EF4-FFF2-40B4-BE49-F238E27FC236}">
-                <a16:creationId xmlns:a16="http://schemas.microsoft.com/office/drawing/2014/main" xmlns="" id="{6AF86989-7D73-48C5-B7ED-16378C8055A7}"/>
+                <a16:creationId xmlns="" xmlns:a16="http://schemas.microsoft.com/office/drawing/2014/main" id="{6AF86989-7D73-48C5-B7ED-16378C8055A7}"/>
               </a:ext>
             </a:extLst>
           </p:cNvPr>
@@ -644,7 +645,7 @@
           <p:cNvPr id="5" name="Footer Placeholder 4">
             <a:extLst>
               <a:ext uri="{FF2B5EF4-FFF2-40B4-BE49-F238E27FC236}">
-                <a16:creationId xmlns:a16="http://schemas.microsoft.com/office/drawing/2014/main" xmlns="" id="{D8255884-BD0D-47EC-95D4-43DF0922922D}"/>
+                <a16:creationId xmlns="" xmlns:a16="http://schemas.microsoft.com/office/drawing/2014/main" id="{D8255884-BD0D-47EC-95D4-43DF0922922D}"/>
               </a:ext>
             </a:extLst>
           </p:cNvPr>
@@ -669,7 +670,7 @@
           <p:cNvPr id="6" name="Slide Number Placeholder 5">
             <a:extLst>
               <a:ext uri="{FF2B5EF4-FFF2-40B4-BE49-F238E27FC236}">
-                <a16:creationId xmlns:a16="http://schemas.microsoft.com/office/drawing/2014/main" xmlns="" id="{03033E9F-C506-4A58-A331-E95781D274F9}"/>
+                <a16:creationId xmlns="" xmlns:a16="http://schemas.microsoft.com/office/drawing/2014/main" id="{03033E9F-C506-4A58-A331-E95781D274F9}"/>
               </a:ext>
             </a:extLst>
           </p:cNvPr>
@@ -728,7 +729,7 @@
           <p:cNvPr id="2" name="Title 1">
             <a:extLst>
               <a:ext uri="{FF2B5EF4-FFF2-40B4-BE49-F238E27FC236}">
-                <a16:creationId xmlns:a16="http://schemas.microsoft.com/office/drawing/2014/main" xmlns="" id="{ED68385C-FAC5-4CD7-AB29-6B9169868F6F}"/>
+                <a16:creationId xmlns="" xmlns:a16="http://schemas.microsoft.com/office/drawing/2014/main" id="{ED68385C-FAC5-4CD7-AB29-6B9169868F6F}"/>
               </a:ext>
             </a:extLst>
           </p:cNvPr>
@@ -757,7 +758,7 @@
           <p:cNvPr id="3" name="Vertical Text Placeholder 2">
             <a:extLst>
               <a:ext uri="{FF2B5EF4-FFF2-40B4-BE49-F238E27FC236}">
-                <a16:creationId xmlns:a16="http://schemas.microsoft.com/office/drawing/2014/main" xmlns="" id="{EA6C8635-F829-4DB7-8A92-36541574399D}"/>
+                <a16:creationId xmlns="" xmlns:a16="http://schemas.microsoft.com/office/drawing/2014/main" id="{EA6C8635-F829-4DB7-8A92-36541574399D}"/>
               </a:ext>
             </a:extLst>
           </p:cNvPr>
@@ -815,7 +816,7 @@
           <p:cNvPr id="4" name="Date Placeholder 3">
             <a:extLst>
               <a:ext uri="{FF2B5EF4-FFF2-40B4-BE49-F238E27FC236}">
-                <a16:creationId xmlns:a16="http://schemas.microsoft.com/office/drawing/2014/main" xmlns="" id="{D0B0EBC6-A10E-4E7A-B29C-821259CCAF71}"/>
+                <a16:creationId xmlns="" xmlns:a16="http://schemas.microsoft.com/office/drawing/2014/main" id="{D0B0EBC6-A10E-4E7A-B29C-821259CCAF71}"/>
               </a:ext>
             </a:extLst>
           </p:cNvPr>
@@ -844,7 +845,7 @@
           <p:cNvPr id="5" name="Footer Placeholder 4">
             <a:extLst>
               <a:ext uri="{FF2B5EF4-FFF2-40B4-BE49-F238E27FC236}">
-                <a16:creationId xmlns:a16="http://schemas.microsoft.com/office/drawing/2014/main" xmlns="" id="{A3705300-A484-4D74-A0E9-4393DCAA4FF8}"/>
+                <a16:creationId xmlns="" xmlns:a16="http://schemas.microsoft.com/office/drawing/2014/main" id="{A3705300-A484-4D74-A0E9-4393DCAA4FF8}"/>
               </a:ext>
             </a:extLst>
           </p:cNvPr>
@@ -869,7 +870,7 @@
           <p:cNvPr id="6" name="Slide Number Placeholder 5">
             <a:extLst>
               <a:ext uri="{FF2B5EF4-FFF2-40B4-BE49-F238E27FC236}">
-                <a16:creationId xmlns:a16="http://schemas.microsoft.com/office/drawing/2014/main" xmlns="" id="{1E5F4BE3-5561-45F1-8B74-105D0CDD16D2}"/>
+                <a16:creationId xmlns="" xmlns:a16="http://schemas.microsoft.com/office/drawing/2014/main" id="{1E5F4BE3-5561-45F1-8B74-105D0CDD16D2}"/>
               </a:ext>
             </a:extLst>
           </p:cNvPr>
@@ -928,7 +929,7 @@
           <p:cNvPr id="2" name="Vertical Title 1">
             <a:extLst>
               <a:ext uri="{FF2B5EF4-FFF2-40B4-BE49-F238E27FC236}">
-                <a16:creationId xmlns:a16="http://schemas.microsoft.com/office/drawing/2014/main" xmlns="" id="{71A901E6-1736-4F0B-B891-823767572FF4}"/>
+                <a16:creationId xmlns="" xmlns:a16="http://schemas.microsoft.com/office/drawing/2014/main" id="{71A901E6-1736-4F0B-B891-823767572FF4}"/>
               </a:ext>
             </a:extLst>
           </p:cNvPr>
@@ -962,7 +963,7 @@
           <p:cNvPr id="3" name="Vertical Text Placeholder 2">
             <a:extLst>
               <a:ext uri="{FF2B5EF4-FFF2-40B4-BE49-F238E27FC236}">
-                <a16:creationId xmlns:a16="http://schemas.microsoft.com/office/drawing/2014/main" xmlns="" id="{C88564A8-93DF-4E5E-B087-0DA080EF08A6}"/>
+                <a16:creationId xmlns="" xmlns:a16="http://schemas.microsoft.com/office/drawing/2014/main" id="{C88564A8-93DF-4E5E-B087-0DA080EF08A6}"/>
               </a:ext>
             </a:extLst>
           </p:cNvPr>
@@ -1025,7 +1026,7 @@
           <p:cNvPr id="4" name="Date Placeholder 3">
             <a:extLst>
               <a:ext uri="{FF2B5EF4-FFF2-40B4-BE49-F238E27FC236}">
-                <a16:creationId xmlns:a16="http://schemas.microsoft.com/office/drawing/2014/main" xmlns="" id="{76465526-AC3C-433D-A6CC-C725CD3F09A8}"/>
+                <a16:creationId xmlns="" xmlns:a16="http://schemas.microsoft.com/office/drawing/2014/main" id="{76465526-AC3C-433D-A6CC-C725CD3F09A8}"/>
               </a:ext>
             </a:extLst>
           </p:cNvPr>
@@ -1054,7 +1055,7 @@
           <p:cNvPr id="5" name="Footer Placeholder 4">
             <a:extLst>
               <a:ext uri="{FF2B5EF4-FFF2-40B4-BE49-F238E27FC236}">
-                <a16:creationId xmlns:a16="http://schemas.microsoft.com/office/drawing/2014/main" xmlns="" id="{58BEAD82-5A72-4576-BCE1-EFBB3955D219}"/>
+                <a16:creationId xmlns="" xmlns:a16="http://schemas.microsoft.com/office/drawing/2014/main" id="{58BEAD82-5A72-4576-BCE1-EFBB3955D219}"/>
               </a:ext>
             </a:extLst>
           </p:cNvPr>
@@ -1079,7 +1080,7 @@
           <p:cNvPr id="6" name="Slide Number Placeholder 5">
             <a:extLst>
               <a:ext uri="{FF2B5EF4-FFF2-40B4-BE49-F238E27FC236}">
-                <a16:creationId xmlns:a16="http://schemas.microsoft.com/office/drawing/2014/main" xmlns="" id="{72F38DD4-5ADB-41BB-AB1C-94ACE98265D5}"/>
+                <a16:creationId xmlns="" xmlns:a16="http://schemas.microsoft.com/office/drawing/2014/main" id="{72F38DD4-5ADB-41BB-AB1C-94ACE98265D5}"/>
               </a:ext>
             </a:extLst>
           </p:cNvPr>
@@ -1138,7 +1139,7 @@
           <p:cNvPr id="2" name="Title 1">
             <a:extLst>
               <a:ext uri="{FF2B5EF4-FFF2-40B4-BE49-F238E27FC236}">
-                <a16:creationId xmlns:a16="http://schemas.microsoft.com/office/drawing/2014/main" xmlns="" id="{8714E408-4974-4A82-A6E8-F33059D5A0FE}"/>
+                <a16:creationId xmlns="" xmlns:a16="http://schemas.microsoft.com/office/drawing/2014/main" id="{8714E408-4974-4A82-A6E8-F33059D5A0FE}"/>
               </a:ext>
             </a:extLst>
           </p:cNvPr>
@@ -1167,7 +1168,7 @@
           <p:cNvPr id="3" name="Content Placeholder 2">
             <a:extLst>
               <a:ext uri="{FF2B5EF4-FFF2-40B4-BE49-F238E27FC236}">
-                <a16:creationId xmlns:a16="http://schemas.microsoft.com/office/drawing/2014/main" xmlns="" id="{5DB0E674-7DBB-4CCF-924D-A28C12420B48}"/>
+                <a16:creationId xmlns="" xmlns:a16="http://schemas.microsoft.com/office/drawing/2014/main" id="{5DB0E674-7DBB-4CCF-924D-A28C12420B48}"/>
               </a:ext>
             </a:extLst>
           </p:cNvPr>
@@ -1225,7 +1226,7 @@
           <p:cNvPr id="4" name="Date Placeholder 3">
             <a:extLst>
               <a:ext uri="{FF2B5EF4-FFF2-40B4-BE49-F238E27FC236}">
-                <a16:creationId xmlns:a16="http://schemas.microsoft.com/office/drawing/2014/main" xmlns="" id="{B967068E-77C7-4C4C-9FA7-14562F7C2FDD}"/>
+                <a16:creationId xmlns="" xmlns:a16="http://schemas.microsoft.com/office/drawing/2014/main" id="{B967068E-77C7-4C4C-9FA7-14562F7C2FDD}"/>
               </a:ext>
             </a:extLst>
           </p:cNvPr>
@@ -1254,7 +1255,7 @@
           <p:cNvPr id="5" name="Footer Placeholder 4">
             <a:extLst>
               <a:ext uri="{FF2B5EF4-FFF2-40B4-BE49-F238E27FC236}">
-                <a16:creationId xmlns:a16="http://schemas.microsoft.com/office/drawing/2014/main" xmlns="" id="{73806DC2-68BF-43EC-9EE2-F71B3DB9E9E4}"/>
+                <a16:creationId xmlns="" xmlns:a16="http://schemas.microsoft.com/office/drawing/2014/main" id="{73806DC2-68BF-43EC-9EE2-F71B3DB9E9E4}"/>
               </a:ext>
             </a:extLst>
           </p:cNvPr>
@@ -1279,7 +1280,7 @@
           <p:cNvPr id="6" name="Slide Number Placeholder 5">
             <a:extLst>
               <a:ext uri="{FF2B5EF4-FFF2-40B4-BE49-F238E27FC236}">
-                <a16:creationId xmlns:a16="http://schemas.microsoft.com/office/drawing/2014/main" xmlns="" id="{FE0EB296-1FBB-4CBD-A3CC-2FB6AE1BCE27}"/>
+                <a16:creationId xmlns="" xmlns:a16="http://schemas.microsoft.com/office/drawing/2014/main" id="{FE0EB296-1FBB-4CBD-A3CC-2FB6AE1BCE27}"/>
               </a:ext>
             </a:extLst>
           </p:cNvPr>
@@ -1338,7 +1339,7 @@
           <p:cNvPr id="2" name="Title 1">
             <a:extLst>
               <a:ext uri="{FF2B5EF4-FFF2-40B4-BE49-F238E27FC236}">
-                <a16:creationId xmlns:a16="http://schemas.microsoft.com/office/drawing/2014/main" xmlns="" id="{76BCBC00-9A5B-49FC-9DED-F8D426EFFD5B}"/>
+                <a16:creationId xmlns="" xmlns:a16="http://schemas.microsoft.com/office/drawing/2014/main" id="{76BCBC00-9A5B-49FC-9DED-F8D426EFFD5B}"/>
               </a:ext>
             </a:extLst>
           </p:cNvPr>
@@ -1376,7 +1377,7 @@
           <p:cNvPr id="3" name="Text Placeholder 2">
             <a:extLst>
               <a:ext uri="{FF2B5EF4-FFF2-40B4-BE49-F238E27FC236}">
-                <a16:creationId xmlns:a16="http://schemas.microsoft.com/office/drawing/2014/main" xmlns="" id="{D33817AE-6561-4563-B425-BEADBA0CE2BA}"/>
+                <a16:creationId xmlns="" xmlns:a16="http://schemas.microsoft.com/office/drawing/2014/main" id="{D33817AE-6561-4563-B425-BEADBA0CE2BA}"/>
               </a:ext>
             </a:extLst>
           </p:cNvPr>
@@ -1501,7 +1502,7 @@
           <p:cNvPr id="4" name="Date Placeholder 3">
             <a:extLst>
               <a:ext uri="{FF2B5EF4-FFF2-40B4-BE49-F238E27FC236}">
-                <a16:creationId xmlns:a16="http://schemas.microsoft.com/office/drawing/2014/main" xmlns="" id="{239FC386-68DD-4080-8853-E70F7457A6D5}"/>
+                <a16:creationId xmlns="" xmlns:a16="http://schemas.microsoft.com/office/drawing/2014/main" id="{239FC386-68DD-4080-8853-E70F7457A6D5}"/>
               </a:ext>
             </a:extLst>
           </p:cNvPr>
@@ -1530,7 +1531,7 @@
           <p:cNvPr id="5" name="Footer Placeholder 4">
             <a:extLst>
               <a:ext uri="{FF2B5EF4-FFF2-40B4-BE49-F238E27FC236}">
-                <a16:creationId xmlns:a16="http://schemas.microsoft.com/office/drawing/2014/main" xmlns="" id="{820C4051-61A2-4957-982A-12A059BB20D6}"/>
+                <a16:creationId xmlns="" xmlns:a16="http://schemas.microsoft.com/office/drawing/2014/main" id="{820C4051-61A2-4957-982A-12A059BB20D6}"/>
               </a:ext>
             </a:extLst>
           </p:cNvPr>
@@ -1555,7 +1556,7 @@
           <p:cNvPr id="6" name="Slide Number Placeholder 5">
             <a:extLst>
               <a:ext uri="{FF2B5EF4-FFF2-40B4-BE49-F238E27FC236}">
-                <a16:creationId xmlns:a16="http://schemas.microsoft.com/office/drawing/2014/main" xmlns="" id="{E40B34A5-E323-4346-813A-3690D23686CF}"/>
+                <a16:creationId xmlns="" xmlns:a16="http://schemas.microsoft.com/office/drawing/2014/main" id="{E40B34A5-E323-4346-813A-3690D23686CF}"/>
               </a:ext>
             </a:extLst>
           </p:cNvPr>
@@ -1614,7 +1615,7 @@
           <p:cNvPr id="2" name="Title 1">
             <a:extLst>
               <a:ext uri="{FF2B5EF4-FFF2-40B4-BE49-F238E27FC236}">
-                <a16:creationId xmlns:a16="http://schemas.microsoft.com/office/drawing/2014/main" xmlns="" id="{A7039269-7DF8-4A56-85D6-E59D63E10487}"/>
+                <a16:creationId xmlns="" xmlns:a16="http://schemas.microsoft.com/office/drawing/2014/main" id="{A7039269-7DF8-4A56-85D6-E59D63E10487}"/>
               </a:ext>
             </a:extLst>
           </p:cNvPr>
@@ -1643,7 +1644,7 @@
           <p:cNvPr id="3" name="Content Placeholder 2">
             <a:extLst>
               <a:ext uri="{FF2B5EF4-FFF2-40B4-BE49-F238E27FC236}">
-                <a16:creationId xmlns:a16="http://schemas.microsoft.com/office/drawing/2014/main" xmlns="" id="{15C28F2D-C492-49DB-AFF9-0361D6E9F251}"/>
+                <a16:creationId xmlns="" xmlns:a16="http://schemas.microsoft.com/office/drawing/2014/main" id="{15C28F2D-C492-49DB-AFF9-0361D6E9F251}"/>
               </a:ext>
             </a:extLst>
           </p:cNvPr>
@@ -1706,7 +1707,7 @@
           <p:cNvPr id="4" name="Content Placeholder 3">
             <a:extLst>
               <a:ext uri="{FF2B5EF4-FFF2-40B4-BE49-F238E27FC236}">
-                <a16:creationId xmlns:a16="http://schemas.microsoft.com/office/drawing/2014/main" xmlns="" id="{38CF8483-C3E5-4521-81CC-0370689A97CB}"/>
+                <a16:creationId xmlns="" xmlns:a16="http://schemas.microsoft.com/office/drawing/2014/main" id="{38CF8483-C3E5-4521-81CC-0370689A97CB}"/>
               </a:ext>
             </a:extLst>
           </p:cNvPr>
@@ -1769,7 +1770,7 @@
           <p:cNvPr id="5" name="Date Placeholder 4">
             <a:extLst>
               <a:ext uri="{FF2B5EF4-FFF2-40B4-BE49-F238E27FC236}">
-                <a16:creationId xmlns:a16="http://schemas.microsoft.com/office/drawing/2014/main" xmlns="" id="{71B52542-291B-46CA-A961-C83EE7D6B5DD}"/>
+                <a16:creationId xmlns="" xmlns:a16="http://schemas.microsoft.com/office/drawing/2014/main" id="{71B52542-291B-46CA-A961-C83EE7D6B5DD}"/>
               </a:ext>
             </a:extLst>
           </p:cNvPr>
@@ -1798,7 +1799,7 @@
           <p:cNvPr id="6" name="Footer Placeholder 5">
             <a:extLst>
               <a:ext uri="{FF2B5EF4-FFF2-40B4-BE49-F238E27FC236}">
-                <a16:creationId xmlns:a16="http://schemas.microsoft.com/office/drawing/2014/main" xmlns="" id="{8F930C9E-0963-485C-BD60-4CD714953E87}"/>
+                <a16:creationId xmlns="" xmlns:a16="http://schemas.microsoft.com/office/drawing/2014/main" id="{8F930C9E-0963-485C-BD60-4CD714953E87}"/>
               </a:ext>
             </a:extLst>
           </p:cNvPr>
@@ -1823,7 +1824,7 @@
           <p:cNvPr id="7" name="Slide Number Placeholder 6">
             <a:extLst>
               <a:ext uri="{FF2B5EF4-FFF2-40B4-BE49-F238E27FC236}">
-                <a16:creationId xmlns:a16="http://schemas.microsoft.com/office/drawing/2014/main" xmlns="" id="{47AC8978-06A0-41F9-AD44-C3F6F2D25828}"/>
+                <a16:creationId xmlns="" xmlns:a16="http://schemas.microsoft.com/office/drawing/2014/main" id="{47AC8978-06A0-41F9-AD44-C3F6F2D25828}"/>
               </a:ext>
             </a:extLst>
           </p:cNvPr>
@@ -1882,7 +1883,7 @@
           <p:cNvPr id="2" name="Title 1">
             <a:extLst>
               <a:ext uri="{FF2B5EF4-FFF2-40B4-BE49-F238E27FC236}">
-                <a16:creationId xmlns:a16="http://schemas.microsoft.com/office/drawing/2014/main" xmlns="" id="{E283AAAE-8A63-48DF-872D-C03CD54C926D}"/>
+                <a16:creationId xmlns="" xmlns:a16="http://schemas.microsoft.com/office/drawing/2014/main" id="{E283AAAE-8A63-48DF-872D-C03CD54C926D}"/>
               </a:ext>
             </a:extLst>
           </p:cNvPr>
@@ -1916,7 +1917,7 @@
           <p:cNvPr id="3" name="Text Placeholder 2">
             <a:extLst>
               <a:ext uri="{FF2B5EF4-FFF2-40B4-BE49-F238E27FC236}">
-                <a16:creationId xmlns:a16="http://schemas.microsoft.com/office/drawing/2014/main" xmlns="" id="{A5FA63C9-CC28-4D29-BCE7-4F74291BEE5E}"/>
+                <a16:creationId xmlns="" xmlns:a16="http://schemas.microsoft.com/office/drawing/2014/main" id="{A5FA63C9-CC28-4D29-BCE7-4F74291BEE5E}"/>
               </a:ext>
             </a:extLst>
           </p:cNvPr>
@@ -1987,7 +1988,7 @@
           <p:cNvPr id="4" name="Content Placeholder 3">
             <a:extLst>
               <a:ext uri="{FF2B5EF4-FFF2-40B4-BE49-F238E27FC236}">
-                <a16:creationId xmlns:a16="http://schemas.microsoft.com/office/drawing/2014/main" xmlns="" id="{6643F822-2874-40C4-A138-750C59F72B46}"/>
+                <a16:creationId xmlns="" xmlns:a16="http://schemas.microsoft.com/office/drawing/2014/main" id="{6643F822-2874-40C4-A138-750C59F72B46}"/>
               </a:ext>
             </a:extLst>
           </p:cNvPr>
@@ -2050,7 +2051,7 @@
           <p:cNvPr id="5" name="Text Placeholder 4">
             <a:extLst>
               <a:ext uri="{FF2B5EF4-FFF2-40B4-BE49-F238E27FC236}">
-                <a16:creationId xmlns:a16="http://schemas.microsoft.com/office/drawing/2014/main" xmlns="" id="{FBC08F3B-58DD-4DF2-A752-3E63BCC4F75A}"/>
+                <a16:creationId xmlns="" xmlns:a16="http://schemas.microsoft.com/office/drawing/2014/main" id="{FBC08F3B-58DD-4DF2-A752-3E63BCC4F75A}"/>
               </a:ext>
             </a:extLst>
           </p:cNvPr>
@@ -2121,7 +2122,7 @@
           <p:cNvPr id="6" name="Content Placeholder 5">
             <a:extLst>
               <a:ext uri="{FF2B5EF4-FFF2-40B4-BE49-F238E27FC236}">
-                <a16:creationId xmlns:a16="http://schemas.microsoft.com/office/drawing/2014/main" xmlns="" id="{FB10DF0A-6C6A-4871-BEDC-B76D8F6F4F1E}"/>
+                <a16:creationId xmlns="" xmlns:a16="http://schemas.microsoft.com/office/drawing/2014/main" id="{FB10DF0A-6C6A-4871-BEDC-B76D8F6F4F1E}"/>
               </a:ext>
             </a:extLst>
           </p:cNvPr>
@@ -2184,7 +2185,7 @@
           <p:cNvPr id="7" name="Date Placeholder 6">
             <a:extLst>
               <a:ext uri="{FF2B5EF4-FFF2-40B4-BE49-F238E27FC236}">
-                <a16:creationId xmlns:a16="http://schemas.microsoft.com/office/drawing/2014/main" xmlns="" id="{32E2015E-AD29-4AAB-A832-0B305439C1ED}"/>
+                <a16:creationId xmlns="" xmlns:a16="http://schemas.microsoft.com/office/drawing/2014/main" id="{32E2015E-AD29-4AAB-A832-0B305439C1ED}"/>
               </a:ext>
             </a:extLst>
           </p:cNvPr>
@@ -2213,7 +2214,7 @@
           <p:cNvPr id="8" name="Footer Placeholder 7">
             <a:extLst>
               <a:ext uri="{FF2B5EF4-FFF2-40B4-BE49-F238E27FC236}">
-                <a16:creationId xmlns:a16="http://schemas.microsoft.com/office/drawing/2014/main" xmlns="" id="{F2B1680A-4BF8-43E3-85D6-1D381BC3D055}"/>
+                <a16:creationId xmlns="" xmlns:a16="http://schemas.microsoft.com/office/drawing/2014/main" id="{F2B1680A-4BF8-43E3-85D6-1D381BC3D055}"/>
               </a:ext>
             </a:extLst>
           </p:cNvPr>
@@ -2238,7 +2239,7 @@
           <p:cNvPr id="9" name="Slide Number Placeholder 8">
             <a:extLst>
               <a:ext uri="{FF2B5EF4-FFF2-40B4-BE49-F238E27FC236}">
-                <a16:creationId xmlns:a16="http://schemas.microsoft.com/office/drawing/2014/main" xmlns="" id="{5DC4C15B-013F-4AE0-B597-B986D02258AB}"/>
+                <a16:creationId xmlns="" xmlns:a16="http://schemas.microsoft.com/office/drawing/2014/main" id="{5DC4C15B-013F-4AE0-B597-B986D02258AB}"/>
               </a:ext>
             </a:extLst>
           </p:cNvPr>
@@ -2297,7 +2298,7 @@
           <p:cNvPr id="2" name="Title 1">
             <a:extLst>
               <a:ext uri="{FF2B5EF4-FFF2-40B4-BE49-F238E27FC236}">
-                <a16:creationId xmlns:a16="http://schemas.microsoft.com/office/drawing/2014/main" xmlns="" id="{220C25D3-2290-4EF1-8254-4ECA1B778275}"/>
+                <a16:creationId xmlns="" xmlns:a16="http://schemas.microsoft.com/office/drawing/2014/main" id="{220C25D3-2290-4EF1-8254-4ECA1B778275}"/>
               </a:ext>
             </a:extLst>
           </p:cNvPr>
@@ -2326,7 +2327,7 @@
           <p:cNvPr id="3" name="Date Placeholder 2">
             <a:extLst>
               <a:ext uri="{FF2B5EF4-FFF2-40B4-BE49-F238E27FC236}">
-                <a16:creationId xmlns:a16="http://schemas.microsoft.com/office/drawing/2014/main" xmlns="" id="{A84EA472-DCB7-4065-AA87-56440DD68272}"/>
+                <a16:creationId xmlns="" xmlns:a16="http://schemas.microsoft.com/office/drawing/2014/main" id="{A84EA472-DCB7-4065-AA87-56440DD68272}"/>
               </a:ext>
             </a:extLst>
           </p:cNvPr>
@@ -2355,7 +2356,7 @@
           <p:cNvPr id="4" name="Footer Placeholder 3">
             <a:extLst>
               <a:ext uri="{FF2B5EF4-FFF2-40B4-BE49-F238E27FC236}">
-                <a16:creationId xmlns:a16="http://schemas.microsoft.com/office/drawing/2014/main" xmlns="" id="{AC7D0285-39CC-447B-BE68-3002F9DF9389}"/>
+                <a16:creationId xmlns="" xmlns:a16="http://schemas.microsoft.com/office/drawing/2014/main" id="{AC7D0285-39CC-447B-BE68-3002F9DF9389}"/>
               </a:ext>
             </a:extLst>
           </p:cNvPr>
@@ -2380,7 +2381,7 @@
           <p:cNvPr id="5" name="Slide Number Placeholder 4">
             <a:extLst>
               <a:ext uri="{FF2B5EF4-FFF2-40B4-BE49-F238E27FC236}">
-                <a16:creationId xmlns:a16="http://schemas.microsoft.com/office/drawing/2014/main" xmlns="" id="{A898CC2A-BB19-49DE-8BFE-F9599E6B7C35}"/>
+                <a16:creationId xmlns="" xmlns:a16="http://schemas.microsoft.com/office/drawing/2014/main" id="{A898CC2A-BB19-49DE-8BFE-F9599E6B7C35}"/>
               </a:ext>
             </a:extLst>
           </p:cNvPr>
@@ -2439,7 +2440,7 @@
           <p:cNvPr id="2" name="Date Placeholder 1">
             <a:extLst>
               <a:ext uri="{FF2B5EF4-FFF2-40B4-BE49-F238E27FC236}">
-                <a16:creationId xmlns:a16="http://schemas.microsoft.com/office/drawing/2014/main" xmlns="" id="{C9FE5880-AC43-467E-930E-1B668620EC98}"/>
+                <a16:creationId xmlns="" xmlns:a16="http://schemas.microsoft.com/office/drawing/2014/main" id="{C9FE5880-AC43-467E-930E-1B668620EC98}"/>
               </a:ext>
             </a:extLst>
           </p:cNvPr>
@@ -2468,7 +2469,7 @@
           <p:cNvPr id="3" name="Footer Placeholder 2">
             <a:extLst>
               <a:ext uri="{FF2B5EF4-FFF2-40B4-BE49-F238E27FC236}">
-                <a16:creationId xmlns:a16="http://schemas.microsoft.com/office/drawing/2014/main" xmlns="" id="{E22C37CF-A157-4568-97F2-0ED836A9EBDE}"/>
+                <a16:creationId xmlns="" xmlns:a16="http://schemas.microsoft.com/office/drawing/2014/main" id="{E22C37CF-A157-4568-97F2-0ED836A9EBDE}"/>
               </a:ext>
             </a:extLst>
           </p:cNvPr>
@@ -2493,7 +2494,7 @@
           <p:cNvPr id="4" name="Slide Number Placeholder 3">
             <a:extLst>
               <a:ext uri="{FF2B5EF4-FFF2-40B4-BE49-F238E27FC236}">
-                <a16:creationId xmlns:a16="http://schemas.microsoft.com/office/drawing/2014/main" xmlns="" id="{5BB8711A-B739-4ECC-89CD-7D87EF6438BB}"/>
+                <a16:creationId xmlns="" xmlns:a16="http://schemas.microsoft.com/office/drawing/2014/main" id="{5BB8711A-B739-4ECC-89CD-7D87EF6438BB}"/>
               </a:ext>
             </a:extLst>
           </p:cNvPr>
@@ -2552,7 +2553,7 @@
           <p:cNvPr id="2" name="Title 1">
             <a:extLst>
               <a:ext uri="{FF2B5EF4-FFF2-40B4-BE49-F238E27FC236}">
-                <a16:creationId xmlns:a16="http://schemas.microsoft.com/office/drawing/2014/main" xmlns="" id="{C6D9B85F-7EEA-4048-BC99-C24CA5CAECD4}"/>
+                <a16:creationId xmlns="" xmlns:a16="http://schemas.microsoft.com/office/drawing/2014/main" id="{C6D9B85F-7EEA-4048-BC99-C24CA5CAECD4}"/>
               </a:ext>
             </a:extLst>
           </p:cNvPr>
@@ -2590,7 +2591,7 @@
           <p:cNvPr id="3" name="Content Placeholder 2">
             <a:extLst>
               <a:ext uri="{FF2B5EF4-FFF2-40B4-BE49-F238E27FC236}">
-                <a16:creationId xmlns:a16="http://schemas.microsoft.com/office/drawing/2014/main" xmlns="" id="{F48D9241-72EF-4E25-8B05-3A286C251938}"/>
+                <a16:creationId xmlns="" xmlns:a16="http://schemas.microsoft.com/office/drawing/2014/main" id="{F48D9241-72EF-4E25-8B05-3A286C251938}"/>
               </a:ext>
             </a:extLst>
           </p:cNvPr>
@@ -2681,7 +2682,7 @@
           <p:cNvPr id="4" name="Text Placeholder 3">
             <a:extLst>
               <a:ext uri="{FF2B5EF4-FFF2-40B4-BE49-F238E27FC236}">
-                <a16:creationId xmlns:a16="http://schemas.microsoft.com/office/drawing/2014/main" xmlns="" id="{623453C5-695C-4178-9A78-55BFCFFF5402}"/>
+                <a16:creationId xmlns="" xmlns:a16="http://schemas.microsoft.com/office/drawing/2014/main" id="{623453C5-695C-4178-9A78-55BFCFFF5402}"/>
               </a:ext>
             </a:extLst>
           </p:cNvPr>
@@ -2752,7 +2753,7 @@
           <p:cNvPr id="5" name="Date Placeholder 4">
             <a:extLst>
               <a:ext uri="{FF2B5EF4-FFF2-40B4-BE49-F238E27FC236}">
-                <a16:creationId xmlns:a16="http://schemas.microsoft.com/office/drawing/2014/main" xmlns="" id="{C2B44B84-83DA-438A-9112-6E1C8E8EBA8E}"/>
+                <a16:creationId xmlns="" xmlns:a16="http://schemas.microsoft.com/office/drawing/2014/main" id="{C2B44B84-83DA-438A-9112-6E1C8E8EBA8E}"/>
               </a:ext>
             </a:extLst>
           </p:cNvPr>
@@ -2781,7 +2782,7 @@
           <p:cNvPr id="6" name="Footer Placeholder 5">
             <a:extLst>
               <a:ext uri="{FF2B5EF4-FFF2-40B4-BE49-F238E27FC236}">
-                <a16:creationId xmlns:a16="http://schemas.microsoft.com/office/drawing/2014/main" xmlns="" id="{BC495BA3-74B0-4CFB-B95A-A758A112D1B7}"/>
+                <a16:creationId xmlns="" xmlns:a16="http://schemas.microsoft.com/office/drawing/2014/main" id="{BC495BA3-74B0-4CFB-B95A-A758A112D1B7}"/>
               </a:ext>
             </a:extLst>
           </p:cNvPr>
@@ -2806,7 +2807,7 @@
           <p:cNvPr id="7" name="Slide Number Placeholder 6">
             <a:extLst>
               <a:ext uri="{FF2B5EF4-FFF2-40B4-BE49-F238E27FC236}">
-                <a16:creationId xmlns:a16="http://schemas.microsoft.com/office/drawing/2014/main" xmlns="" id="{14A45B42-3604-4565-A98E-7D9420B28E17}"/>
+                <a16:creationId xmlns="" xmlns:a16="http://schemas.microsoft.com/office/drawing/2014/main" id="{14A45B42-3604-4565-A98E-7D9420B28E17}"/>
               </a:ext>
             </a:extLst>
           </p:cNvPr>
@@ -2865,7 +2866,7 @@
           <p:cNvPr id="2" name="Title 1">
             <a:extLst>
               <a:ext uri="{FF2B5EF4-FFF2-40B4-BE49-F238E27FC236}">
-                <a16:creationId xmlns:a16="http://schemas.microsoft.com/office/drawing/2014/main" xmlns="" id="{4965197F-A5DB-4E23-8E3B-B4CB7F668C39}"/>
+                <a16:creationId xmlns="" xmlns:a16="http://schemas.microsoft.com/office/drawing/2014/main" id="{4965197F-A5DB-4E23-8E3B-B4CB7F668C39}"/>
               </a:ext>
             </a:extLst>
           </p:cNvPr>
@@ -2903,7 +2904,7 @@
           <p:cNvPr id="3" name="Picture Placeholder 2">
             <a:extLst>
               <a:ext uri="{FF2B5EF4-FFF2-40B4-BE49-F238E27FC236}">
-                <a16:creationId xmlns:a16="http://schemas.microsoft.com/office/drawing/2014/main" xmlns="" id="{3FD7E5B4-4B98-43B2-9BCB-4E5280694FCD}"/>
+                <a16:creationId xmlns="" xmlns:a16="http://schemas.microsoft.com/office/drawing/2014/main" id="{3FD7E5B4-4B98-43B2-9BCB-4E5280694FCD}"/>
               </a:ext>
             </a:extLst>
           </p:cNvPr>
@@ -2970,7 +2971,7 @@
           <p:cNvPr id="4" name="Text Placeholder 3">
             <a:extLst>
               <a:ext uri="{FF2B5EF4-FFF2-40B4-BE49-F238E27FC236}">
-                <a16:creationId xmlns:a16="http://schemas.microsoft.com/office/drawing/2014/main" xmlns="" id="{690CFF2A-2544-452D-9B5F-85BFDB5B50A6}"/>
+                <a16:creationId xmlns="" xmlns:a16="http://schemas.microsoft.com/office/drawing/2014/main" id="{690CFF2A-2544-452D-9B5F-85BFDB5B50A6}"/>
               </a:ext>
             </a:extLst>
           </p:cNvPr>
@@ -3041,7 +3042,7 @@
           <p:cNvPr id="5" name="Date Placeholder 4">
             <a:extLst>
               <a:ext uri="{FF2B5EF4-FFF2-40B4-BE49-F238E27FC236}">
-                <a16:creationId xmlns:a16="http://schemas.microsoft.com/office/drawing/2014/main" xmlns="" id="{748A8B47-3D90-4CE7-B6EC-DC27D33DCA8A}"/>
+                <a16:creationId xmlns="" xmlns:a16="http://schemas.microsoft.com/office/drawing/2014/main" id="{748A8B47-3D90-4CE7-B6EC-DC27D33DCA8A}"/>
               </a:ext>
             </a:extLst>
           </p:cNvPr>
@@ -3070,7 +3071,7 @@
           <p:cNvPr id="6" name="Footer Placeholder 5">
             <a:extLst>
               <a:ext uri="{FF2B5EF4-FFF2-40B4-BE49-F238E27FC236}">
-                <a16:creationId xmlns:a16="http://schemas.microsoft.com/office/drawing/2014/main" xmlns="" id="{EF812E3B-5349-40A7-A77C-39B808278ADD}"/>
+                <a16:creationId xmlns="" xmlns:a16="http://schemas.microsoft.com/office/drawing/2014/main" id="{EF812E3B-5349-40A7-A77C-39B808278ADD}"/>
               </a:ext>
             </a:extLst>
           </p:cNvPr>
@@ -3095,7 +3096,7 @@
           <p:cNvPr id="7" name="Slide Number Placeholder 6">
             <a:extLst>
               <a:ext uri="{FF2B5EF4-FFF2-40B4-BE49-F238E27FC236}">
-                <a16:creationId xmlns:a16="http://schemas.microsoft.com/office/drawing/2014/main" xmlns="" id="{CDFE14D6-CF64-44B7-874E-0898C393E5AE}"/>
+                <a16:creationId xmlns="" xmlns:a16="http://schemas.microsoft.com/office/drawing/2014/main" id="{CDFE14D6-CF64-44B7-874E-0898C393E5AE}"/>
               </a:ext>
             </a:extLst>
           </p:cNvPr>
@@ -3159,7 +3160,7 @@
           <p:cNvPr id="2" name="Title Placeholder 1">
             <a:extLst>
               <a:ext uri="{FF2B5EF4-FFF2-40B4-BE49-F238E27FC236}">
-                <a16:creationId xmlns:a16="http://schemas.microsoft.com/office/drawing/2014/main" xmlns="" id="{FDAF0261-81B4-40E0-B6A7-C9094CF4814C}"/>
+                <a16:creationId xmlns="" xmlns:a16="http://schemas.microsoft.com/office/drawing/2014/main" id="{FDAF0261-81B4-40E0-B6A7-C9094CF4814C}"/>
               </a:ext>
             </a:extLst>
           </p:cNvPr>
@@ -3198,7 +3199,7 @@
           <p:cNvPr id="3" name="Text Placeholder 2">
             <a:extLst>
               <a:ext uri="{FF2B5EF4-FFF2-40B4-BE49-F238E27FC236}">
-                <a16:creationId xmlns:a16="http://schemas.microsoft.com/office/drawing/2014/main" xmlns="" id="{31920D46-5FC6-4766-98D8-8D040DB18CC8}"/>
+                <a16:creationId xmlns="" xmlns:a16="http://schemas.microsoft.com/office/drawing/2014/main" id="{31920D46-5FC6-4766-98D8-8D040DB18CC8}"/>
               </a:ext>
             </a:extLst>
           </p:cNvPr>
@@ -3266,7 +3267,7 @@
           <p:cNvPr id="4" name="Date Placeholder 3">
             <a:extLst>
               <a:ext uri="{FF2B5EF4-FFF2-40B4-BE49-F238E27FC236}">
-                <a16:creationId xmlns:a16="http://schemas.microsoft.com/office/drawing/2014/main" xmlns="" id="{A58B01BF-BA06-4291-A1C6-CDE64C16EAFF}"/>
+                <a16:creationId xmlns="" xmlns:a16="http://schemas.microsoft.com/office/drawing/2014/main" id="{A58B01BF-BA06-4291-A1C6-CDE64C16EAFF}"/>
               </a:ext>
             </a:extLst>
           </p:cNvPr>
@@ -3313,7 +3314,7 @@
           <p:cNvPr id="5" name="Footer Placeholder 4">
             <a:extLst>
               <a:ext uri="{FF2B5EF4-FFF2-40B4-BE49-F238E27FC236}">
-                <a16:creationId xmlns:a16="http://schemas.microsoft.com/office/drawing/2014/main" xmlns="" id="{F939F380-0608-4E46-A62F-58D276B7C4D7}"/>
+                <a16:creationId xmlns="" xmlns:a16="http://schemas.microsoft.com/office/drawing/2014/main" id="{F939F380-0608-4E46-A62F-58D276B7C4D7}"/>
               </a:ext>
             </a:extLst>
           </p:cNvPr>
@@ -3356,7 +3357,7 @@
           <p:cNvPr id="6" name="Slide Number Placeholder 5">
             <a:extLst>
               <a:ext uri="{FF2B5EF4-FFF2-40B4-BE49-F238E27FC236}">
-                <a16:creationId xmlns:a16="http://schemas.microsoft.com/office/drawing/2014/main" xmlns="" id="{49A3245C-DC47-4C2B-A2EA-F05309A6B2F9}"/>
+                <a16:creationId xmlns="" xmlns:a16="http://schemas.microsoft.com/office/drawing/2014/main" id="{49A3245C-DC47-4C2B-A2EA-F05309A6B2F9}"/>
               </a:ext>
             </a:extLst>
           </p:cNvPr>
@@ -3724,7 +3725,7 @@
           <p:cNvPr id="2" name="Title 1">
             <a:extLst>
               <a:ext uri="{FF2B5EF4-FFF2-40B4-BE49-F238E27FC236}">
-                <a16:creationId xmlns:a16="http://schemas.microsoft.com/office/drawing/2014/main" xmlns="" id="{30BD2896-21E0-4001-B9EE-0AC67EE59DA4}"/>
+                <a16:creationId xmlns="" xmlns:a16="http://schemas.microsoft.com/office/drawing/2014/main" id="{30BD2896-21E0-4001-B9EE-0AC67EE59DA4}"/>
               </a:ext>
             </a:extLst>
           </p:cNvPr>
@@ -3759,7 +3760,7 @@
           <p:cNvPr id="4" name="Picture 3">
             <a:extLst>
               <a:ext uri="{FF2B5EF4-FFF2-40B4-BE49-F238E27FC236}">
-                <a16:creationId xmlns:a16="http://schemas.microsoft.com/office/drawing/2014/main" xmlns="" id="{D0A799EA-2DD2-EE41-8FEE-DBEC4F3EED52}"/>
+                <a16:creationId xmlns="" xmlns:a16="http://schemas.microsoft.com/office/drawing/2014/main" id="{D0A799EA-2DD2-EE41-8FEE-DBEC4F3EED52}"/>
               </a:ext>
             </a:extLst>
           </p:cNvPr>
@@ -3894,7 +3895,7 @@
           <p:cNvPr id="5" name="Title 1">
             <a:extLst>
               <a:ext uri="{FF2B5EF4-FFF2-40B4-BE49-F238E27FC236}">
-                <a16:creationId xmlns:a16="http://schemas.microsoft.com/office/drawing/2014/main" xmlns="" id="{42981A0C-B5E6-4708-B592-205E5FF8F57B}"/>
+                <a16:creationId xmlns="" xmlns:a16="http://schemas.microsoft.com/office/drawing/2014/main" id="{42981A0C-B5E6-4708-B592-205E5FF8F57B}"/>
               </a:ext>
             </a:extLst>
           </p:cNvPr>
@@ -3930,7 +3931,7 @@
           <p:cNvPr id="7" name="Content Placeholder 2">
             <a:extLst>
               <a:ext uri="{FF2B5EF4-FFF2-40B4-BE49-F238E27FC236}">
-                <a16:creationId xmlns:a16="http://schemas.microsoft.com/office/drawing/2014/main" xmlns="" id="{74E4DEA5-DDEF-4578-8F30-91949891E260}"/>
+                <a16:creationId xmlns="" xmlns:a16="http://schemas.microsoft.com/office/drawing/2014/main" id="{74E4DEA5-DDEF-4578-8F30-91949891E260}"/>
               </a:ext>
             </a:extLst>
           </p:cNvPr>
@@ -4046,7 +4047,7 @@
           <p:cNvPr id="5" name="Title 1">
             <a:extLst>
               <a:ext uri="{FF2B5EF4-FFF2-40B4-BE49-F238E27FC236}">
-                <a16:creationId xmlns:a16="http://schemas.microsoft.com/office/drawing/2014/main" xmlns="" id="{42981A0C-B5E6-4708-B592-205E5FF8F57B}"/>
+                <a16:creationId xmlns="" xmlns:a16="http://schemas.microsoft.com/office/drawing/2014/main" id="{42981A0C-B5E6-4708-B592-205E5FF8F57B}"/>
               </a:ext>
             </a:extLst>
           </p:cNvPr>
@@ -4082,7 +4083,7 @@
           <p:cNvPr id="6" name="Content Placeholder 3">
             <a:extLst>
               <a:ext uri="{FF2B5EF4-FFF2-40B4-BE49-F238E27FC236}">
-                <a16:creationId xmlns:a16="http://schemas.microsoft.com/office/drawing/2014/main" xmlns="" id="{DACDC7C0-DC09-4AEC-92E2-0608F5AABA63}"/>
+                <a16:creationId xmlns="" xmlns:a16="http://schemas.microsoft.com/office/drawing/2014/main" id="{DACDC7C0-DC09-4AEC-92E2-0608F5AABA63}"/>
               </a:ext>
             </a:extLst>
           </p:cNvPr>
@@ -4275,7 +4276,7 @@
           <p:cNvPr id="2" name="Title 1">
             <a:extLst>
               <a:ext uri="{FF2B5EF4-FFF2-40B4-BE49-F238E27FC236}">
-                <a16:creationId xmlns:a16="http://schemas.microsoft.com/office/drawing/2014/main" xmlns="" id="{30BD2896-21E0-4001-B9EE-0AC67EE59DA4}"/>
+                <a16:creationId xmlns="" xmlns:a16="http://schemas.microsoft.com/office/drawing/2014/main" id="{30BD2896-21E0-4001-B9EE-0AC67EE59DA4}"/>
               </a:ext>
             </a:extLst>
           </p:cNvPr>
@@ -4347,7 +4348,7 @@
           <p:cNvPr id="2050" name="Picture 2" descr="TexasWoman">
             <a:extLst>
               <a:ext uri="{FF2B5EF4-FFF2-40B4-BE49-F238E27FC236}">
-                <a16:creationId xmlns:a16="http://schemas.microsoft.com/office/drawing/2014/main" xmlns="" id="{D52E5440-5CA8-437A-BA30-6445667F3C14}"/>
+                <a16:creationId xmlns="" xmlns:a16="http://schemas.microsoft.com/office/drawing/2014/main" id="{D52E5440-5CA8-437A-BA30-6445667F3C14}"/>
               </a:ext>
             </a:extLst>
           </p:cNvPr>
@@ -4394,7 +4395,7 @@
           <p:cNvPr id="2054" name="Picture 6" descr="SwedenLivingRoom">
             <a:extLst>
               <a:ext uri="{FF2B5EF4-FFF2-40B4-BE49-F238E27FC236}">
-                <a16:creationId xmlns:a16="http://schemas.microsoft.com/office/drawing/2014/main" xmlns="" id="{18C9162D-230F-4EB1-91D1-0102CBE3A802}"/>
+                <a16:creationId xmlns="" xmlns:a16="http://schemas.microsoft.com/office/drawing/2014/main" id="{18C9162D-230F-4EB1-91D1-0102CBE3A802}"/>
               </a:ext>
             </a:extLst>
           </p:cNvPr>
@@ -4471,7 +4472,7 @@
           <p:cNvPr id="2" name="Title 1">
             <a:extLst>
               <a:ext uri="{FF2B5EF4-FFF2-40B4-BE49-F238E27FC236}">
-                <a16:creationId xmlns:a16="http://schemas.microsoft.com/office/drawing/2014/main" xmlns="" id="{42981A0C-B5E6-4708-B592-205E5FF8F57B}"/>
+                <a16:creationId xmlns="" xmlns:a16="http://schemas.microsoft.com/office/drawing/2014/main" id="{42981A0C-B5E6-4708-B592-205E5FF8F57B}"/>
               </a:ext>
             </a:extLst>
           </p:cNvPr>
@@ -4506,7 +4507,7 @@
           <p:cNvPr id="1026" name="Picture 2" descr="Image result for GAN generator">
             <a:extLst>
               <a:ext uri="{FF2B5EF4-FFF2-40B4-BE49-F238E27FC236}">
-                <a16:creationId xmlns:a16="http://schemas.microsoft.com/office/drawing/2014/main" xmlns="" id="{161793BB-937B-4E2C-B42D-B99EF8387810}"/>
+                <a16:creationId xmlns="" xmlns:a16="http://schemas.microsoft.com/office/drawing/2014/main" id="{161793BB-937B-4E2C-B42D-B99EF8387810}"/>
               </a:ext>
             </a:extLst>
           </p:cNvPr>
@@ -4553,7 +4554,7 @@
           <p:cNvPr id="8" name="Content Placeholder 3">
             <a:extLst>
               <a:ext uri="{FF2B5EF4-FFF2-40B4-BE49-F238E27FC236}">
-                <a16:creationId xmlns:a16="http://schemas.microsoft.com/office/drawing/2014/main" xmlns="" id="{3EB15702-8298-464F-AC4E-772E2235E4CE}"/>
+                <a16:creationId xmlns="" xmlns:a16="http://schemas.microsoft.com/office/drawing/2014/main" id="{3EB15702-8298-464F-AC4E-772E2235E4CE}"/>
               </a:ext>
             </a:extLst>
           </p:cNvPr>
@@ -4630,7 +4631,7 @@
           <p:cNvPr id="2" name="Title 1">
             <a:extLst>
               <a:ext uri="{FF2B5EF4-FFF2-40B4-BE49-F238E27FC236}">
-                <a16:creationId xmlns:a16="http://schemas.microsoft.com/office/drawing/2014/main" xmlns="" id="{42981A0C-B5E6-4708-B592-205E5FF8F57B}"/>
+                <a16:creationId xmlns="" xmlns:a16="http://schemas.microsoft.com/office/drawing/2014/main" id="{42981A0C-B5E6-4708-B592-205E5FF8F57B}"/>
               </a:ext>
             </a:extLst>
           </p:cNvPr>
@@ -4665,7 +4666,7 @@
           <p:cNvPr id="9" name="TextBox 8">
             <a:extLst>
               <a:ext uri="{FF2B5EF4-FFF2-40B4-BE49-F238E27FC236}">
-                <a16:creationId xmlns:a16="http://schemas.microsoft.com/office/drawing/2014/main" xmlns="" id="{65F8D375-4A23-4909-BBBC-8152C67D600C}"/>
+                <a16:creationId xmlns="" xmlns:a16="http://schemas.microsoft.com/office/drawing/2014/main" id="{65F8D375-4A23-4909-BBBC-8152C67D600C}"/>
               </a:ext>
             </a:extLst>
           </p:cNvPr>
@@ -4709,7 +4710,7 @@
           <p:cNvPr id="5" name="Picture 4">
             <a:extLst>
               <a:ext uri="{FF2B5EF4-FFF2-40B4-BE49-F238E27FC236}">
-                <a16:creationId xmlns:a16="http://schemas.microsoft.com/office/drawing/2014/main" xmlns="" id="{EA29FCF3-7B6F-4F45-9EDF-8CE1688C047F}"/>
+                <a16:creationId xmlns="" xmlns:a16="http://schemas.microsoft.com/office/drawing/2014/main" id="{EA29FCF3-7B6F-4F45-9EDF-8CE1688C047F}"/>
               </a:ext>
             </a:extLst>
           </p:cNvPr>
@@ -4769,7 +4770,7 @@
           <p:cNvPr id="4" name="Picture 3">
             <a:extLst>
               <a:ext uri="{FF2B5EF4-FFF2-40B4-BE49-F238E27FC236}">
-                <a16:creationId xmlns:a16="http://schemas.microsoft.com/office/drawing/2014/main" xmlns="" id="{A7F0E624-6A8B-43DC-AF97-38CA30940C93}"/>
+                <a16:creationId xmlns="" xmlns:a16="http://schemas.microsoft.com/office/drawing/2014/main" id="{A7F0E624-6A8B-43DC-AF97-38CA30940C93}"/>
               </a:ext>
             </a:extLst>
           </p:cNvPr>
@@ -4799,7 +4800,7 @@
           <p:cNvPr id="2" name="TextBox 1">
             <a:extLst>
               <a:ext uri="{FF2B5EF4-FFF2-40B4-BE49-F238E27FC236}">
-                <a16:creationId xmlns:a16="http://schemas.microsoft.com/office/drawing/2014/main" xmlns="" id="{FA1173C7-42D2-5D46-BB89-6324A686A6B5}"/>
+                <a16:creationId xmlns="" xmlns:a16="http://schemas.microsoft.com/office/drawing/2014/main" id="{FA1173C7-42D2-5D46-BB89-6324A686A6B5}"/>
               </a:ext>
             </a:extLst>
           </p:cNvPr>
@@ -4865,7 +4866,7 @@
           <p:cNvPr id="2" name="Title 1">
             <a:extLst>
               <a:ext uri="{FF2B5EF4-FFF2-40B4-BE49-F238E27FC236}">
-                <a16:creationId xmlns:a16="http://schemas.microsoft.com/office/drawing/2014/main" xmlns="" id="{42981A0C-B5E6-4708-B592-205E5FF8F57B}"/>
+                <a16:creationId xmlns="" xmlns:a16="http://schemas.microsoft.com/office/drawing/2014/main" id="{42981A0C-B5E6-4708-B592-205E5FF8F57B}"/>
               </a:ext>
             </a:extLst>
           </p:cNvPr>
@@ -4900,7 +4901,7 @@
           <p:cNvPr id="4" name="Content Placeholder 3">
             <a:extLst>
               <a:ext uri="{FF2B5EF4-FFF2-40B4-BE49-F238E27FC236}">
-                <a16:creationId xmlns:a16="http://schemas.microsoft.com/office/drawing/2014/main" xmlns="" id="{EF770116-7BBD-4DB9-89D5-5BC7376E4399}"/>
+                <a16:creationId xmlns="" xmlns:a16="http://schemas.microsoft.com/office/drawing/2014/main" id="{EF770116-7BBD-4DB9-89D5-5BC7376E4399}"/>
               </a:ext>
             </a:extLst>
           </p:cNvPr>
@@ -4938,7 +4939,7 @@
           <p:cNvPr id="5" name="Picture 4">
             <a:extLst>
               <a:ext uri="{FF2B5EF4-FFF2-40B4-BE49-F238E27FC236}">
-                <a16:creationId xmlns:a16="http://schemas.microsoft.com/office/drawing/2014/main" xmlns="" id="{CAC440CC-FD25-4F9A-BF23-1BFAD3A7214B}"/>
+                <a16:creationId xmlns="" xmlns:a16="http://schemas.microsoft.com/office/drawing/2014/main" id="{CAC440CC-FD25-4F9A-BF23-1BFAD3A7214B}"/>
               </a:ext>
             </a:extLst>
           </p:cNvPr>
@@ -4998,7 +4999,7 @@
           <p:cNvPr id="2" name="Title 1">
             <a:extLst>
               <a:ext uri="{FF2B5EF4-FFF2-40B4-BE49-F238E27FC236}">
-                <a16:creationId xmlns:a16="http://schemas.microsoft.com/office/drawing/2014/main" xmlns="" id="{18F96890-9B86-1149-B4A6-52C769256945}"/>
+                <a16:creationId xmlns="" xmlns:a16="http://schemas.microsoft.com/office/drawing/2014/main" id="{18F96890-9B86-1149-B4A6-52C769256945}"/>
               </a:ext>
             </a:extLst>
           </p:cNvPr>
@@ -5026,7 +5027,7 @@
           <p:cNvPr id="3" name="Content Placeholder 2">
             <a:extLst>
               <a:ext uri="{FF2B5EF4-FFF2-40B4-BE49-F238E27FC236}">
-                <a16:creationId xmlns:a16="http://schemas.microsoft.com/office/drawing/2014/main" xmlns="" id="{1E31E60E-ED31-7E47-B696-A9FA64926521}"/>
+                <a16:creationId xmlns="" xmlns:a16="http://schemas.microsoft.com/office/drawing/2014/main" id="{1E31E60E-ED31-7E47-B696-A9FA64926521}"/>
               </a:ext>
             </a:extLst>
           </p:cNvPr>
@@ -5113,7 +5114,7 @@
           <p:cNvPr id="2" name="Title 1">
             <a:extLst>
               <a:ext uri="{FF2B5EF4-FFF2-40B4-BE49-F238E27FC236}">
-                <a16:creationId xmlns:a16="http://schemas.microsoft.com/office/drawing/2014/main" xmlns="" id="{861ADC6D-3272-417A-A4CA-797A1BE670CB}"/>
+                <a16:creationId xmlns="" xmlns:a16="http://schemas.microsoft.com/office/drawing/2014/main" id="{861ADC6D-3272-417A-A4CA-797A1BE670CB}"/>
               </a:ext>
             </a:extLst>
           </p:cNvPr>
@@ -5141,7 +5142,7 @@
           <p:cNvPr id="3" name="Content Placeholder 2">
             <a:extLst>
               <a:ext uri="{FF2B5EF4-FFF2-40B4-BE49-F238E27FC236}">
-                <a16:creationId xmlns:a16="http://schemas.microsoft.com/office/drawing/2014/main" xmlns="" id="{74E4DEA5-DDEF-4578-8F30-91949891E260}"/>
+                <a16:creationId xmlns="" xmlns:a16="http://schemas.microsoft.com/office/drawing/2014/main" id="{74E4DEA5-DDEF-4578-8F30-91949891E260}"/>
               </a:ext>
             </a:extLst>
           </p:cNvPr>
@@ -5211,7 +5212,7 @@
           <p:cNvPr id="5" name="Content Placeholder 3">
             <a:extLst>
               <a:ext uri="{FF2B5EF4-FFF2-40B4-BE49-F238E27FC236}">
-                <a16:creationId xmlns:a16="http://schemas.microsoft.com/office/drawing/2014/main" xmlns="" id="{3EB15702-8298-464F-AC4E-772E2235E4CE}"/>
+                <a16:creationId xmlns="" xmlns:a16="http://schemas.microsoft.com/office/drawing/2014/main" id="{3EB15702-8298-464F-AC4E-772E2235E4CE}"/>
               </a:ext>
             </a:extLst>
           </p:cNvPr>
@@ -5299,7 +5300,7 @@
           <p:cNvPr id="8" name="Title 1">
             <a:extLst>
               <a:ext uri="{FF2B5EF4-FFF2-40B4-BE49-F238E27FC236}">
-                <a16:creationId xmlns:a16="http://schemas.microsoft.com/office/drawing/2014/main" xmlns="" id="{42981A0C-B5E6-4708-B592-205E5FF8F57B}"/>
+                <a16:creationId xmlns="" xmlns:a16="http://schemas.microsoft.com/office/drawing/2014/main" id="{42981A0C-B5E6-4708-B592-205E5FF8F57B}"/>
               </a:ext>
             </a:extLst>
           </p:cNvPr>
@@ -5372,7 +5373,130 @@
           <p:cNvPr id="2" name="Title 1">
             <a:extLst>
               <a:ext uri="{FF2B5EF4-FFF2-40B4-BE49-F238E27FC236}">
-                <a16:creationId xmlns:a16="http://schemas.microsoft.com/office/drawing/2014/main" xmlns="" id="{C564A388-824A-8D40-8739-68A650B6F72C}"/>
+                <a16:creationId xmlns="" xmlns:a16="http://schemas.microsoft.com/office/drawing/2014/main" id="{861ADC6D-3272-417A-A4CA-797A1BE670CB}"/>
+              </a:ext>
+            </a:extLst>
+          </p:cNvPr>
+          <p:cNvSpPr>
+            <a:spLocks noGrp="1"/>
+          </p:cNvSpPr>
+          <p:nvPr>
+            <p:ph type="title"/>
+          </p:nvPr>
+        </p:nvSpPr>
+        <p:spPr/>
+        <p:txBody>
+          <a:bodyPr/>
+          <a:lstStyle/>
+          <a:p>
+            <a:r>
+              <a:rPr lang="en-US" altLang="zh-CN" dirty="0"/>
+              <a:t>I</a:t>
+            </a:r>
+            <a:r>
+              <a:rPr lang="en-US" altLang="zh-CN" dirty="0" smtClean="0"/>
+              <a:t>nteresting tips</a:t>
+            </a:r>
+            <a:endParaRPr lang="en-CA" dirty="0"/>
+          </a:p>
+        </p:txBody>
+      </p:sp>
+      <p:sp>
+        <p:nvSpPr>
+          <p:cNvPr id="3" name="Content Placeholder 2">
+            <a:extLst>
+              <a:ext uri="{FF2B5EF4-FFF2-40B4-BE49-F238E27FC236}">
+                <a16:creationId xmlns="" xmlns:a16="http://schemas.microsoft.com/office/drawing/2014/main" id="{74E4DEA5-DDEF-4578-8F30-91949891E260}"/>
+              </a:ext>
+            </a:extLst>
+          </p:cNvPr>
+          <p:cNvSpPr>
+            <a:spLocks noGrp="1"/>
+          </p:cNvSpPr>
+          <p:nvPr>
+            <p:ph idx="1"/>
+          </p:nvPr>
+        </p:nvSpPr>
+        <p:spPr/>
+        <p:txBody>
+          <a:bodyPr/>
+          <a:lstStyle/>
+          <a:p>
+            <a:r>
+              <a:rPr lang="en-CA" dirty="0" smtClean="0"/>
+              <a:t>Music generation</a:t>
+            </a:r>
+          </a:p>
+          <a:p>
+            <a:endParaRPr lang="en-CA" dirty="0"/>
+          </a:p>
+          <a:p>
+            <a:r>
+              <a:rPr lang="en-CA" dirty="0" smtClean="0"/>
+              <a:t>Neural </a:t>
+            </a:r>
+            <a:r>
+              <a:rPr lang="en-US" altLang="zh-CN" dirty="0" smtClean="0"/>
+              <a:t>Architecture Search</a:t>
+            </a:r>
+          </a:p>
+          <a:p>
+            <a:endParaRPr lang="en-US" dirty="0"/>
+          </a:p>
+          <a:p>
+            <a:r>
+              <a:rPr lang="en-US" dirty="0" smtClean="0"/>
+              <a:t>Segmentation on medical images</a:t>
+            </a:r>
+          </a:p>
+          <a:p>
+            <a:endParaRPr lang="en-US" dirty="0"/>
+          </a:p>
+          <a:p>
+            <a:r>
+              <a:rPr lang="en-US" dirty="0" smtClean="0"/>
+              <a:t>3D re-construction on Angiography</a:t>
+            </a:r>
+            <a:endParaRPr lang="en-CA" dirty="0"/>
+          </a:p>
+        </p:txBody>
+      </p:sp>
+    </p:spTree>
+    <p:extLst>
+      <p:ext uri="{BB962C8B-B14F-4D97-AF65-F5344CB8AC3E}">
+        <p14:creationId xmlns:p14="http://schemas.microsoft.com/office/powerpoint/2010/main" val="2225960514"/>
+      </p:ext>
+    </p:extLst>
+  </p:cSld>
+  <p:clrMapOvr>
+    <a:masterClrMapping/>
+  </p:clrMapOvr>
+</p:sld>
+</file>
+
+<file path=ppt/slides/slide21.xml><?xml version="1.0" encoding="utf-8"?>
+<p:sld xmlns:a="http://schemas.openxmlformats.org/drawingml/2006/main" xmlns:r="http://schemas.openxmlformats.org/officeDocument/2006/relationships" xmlns:p="http://schemas.openxmlformats.org/presentationml/2006/main">
+  <p:cSld>
+    <p:spTree>
+      <p:nvGrpSpPr>
+        <p:cNvPr id="1" name=""/>
+        <p:cNvGrpSpPr/>
+        <p:nvPr/>
+      </p:nvGrpSpPr>
+      <p:grpSpPr>
+        <a:xfrm>
+          <a:off x="0" y="0"/>
+          <a:ext cx="0" cy="0"/>
+          <a:chOff x="0" y="0"/>
+          <a:chExt cx="0" cy="0"/>
+        </a:xfrm>
+      </p:grpSpPr>
+      <p:sp>
+        <p:nvSpPr>
+          <p:cNvPr id="2" name="Title 1">
+            <a:extLst>
+              <a:ext uri="{FF2B5EF4-FFF2-40B4-BE49-F238E27FC236}">
+                <a16:creationId xmlns="" xmlns:a16="http://schemas.microsoft.com/office/drawing/2014/main" id="{C564A388-824A-8D40-8739-68A650B6F72C}"/>
               </a:ext>
             </a:extLst>
           </p:cNvPr>
@@ -5400,7 +5524,7 @@
           <p:cNvPr id="3" name="Content Placeholder 2">
             <a:extLst>
               <a:ext uri="{FF2B5EF4-FFF2-40B4-BE49-F238E27FC236}">
-                <a16:creationId xmlns:a16="http://schemas.microsoft.com/office/drawing/2014/main" xmlns="" id="{0B3E9BB3-9184-F242-BF85-FD03E1060694}"/>
+                <a16:creationId xmlns="" xmlns:a16="http://schemas.microsoft.com/office/drawing/2014/main" id="{0B3E9BB3-9184-F242-BF85-FD03E1060694}"/>
               </a:ext>
             </a:extLst>
           </p:cNvPr>
@@ -5496,7 +5620,7 @@
           <p:cNvPr id="5" name="Content Placeholder 3">
             <a:extLst>
               <a:ext uri="{FF2B5EF4-FFF2-40B4-BE49-F238E27FC236}">
-                <a16:creationId xmlns:a16="http://schemas.microsoft.com/office/drawing/2014/main" xmlns="" id="{3EB15702-8298-464F-AC4E-772E2235E4CE}"/>
+                <a16:creationId xmlns="" xmlns:a16="http://schemas.microsoft.com/office/drawing/2014/main" id="{3EB15702-8298-464F-AC4E-772E2235E4CE}"/>
               </a:ext>
             </a:extLst>
           </p:cNvPr>
@@ -5531,7 +5655,6 @@
               <a:rPr lang="en-CA" sz="2000" dirty="0" smtClean="0"/>
               <a:t>, 2015) : LSTM layers without attention</a:t>
             </a:r>
-            <a:endParaRPr lang="en-CA" sz="2000" dirty="0" smtClean="0"/>
           </a:p>
           <a:p>
             <a:r>
@@ -5587,7 +5710,7 @@
           <p:cNvPr id="8" name="Title 1">
             <a:extLst>
               <a:ext uri="{FF2B5EF4-FFF2-40B4-BE49-F238E27FC236}">
-                <a16:creationId xmlns:a16="http://schemas.microsoft.com/office/drawing/2014/main" xmlns="" id="{42981A0C-B5E6-4708-B592-205E5FF8F57B}"/>
+                <a16:creationId xmlns="" xmlns:a16="http://schemas.microsoft.com/office/drawing/2014/main" id="{42981A0C-B5E6-4708-B592-205E5FF8F57B}"/>
               </a:ext>
             </a:extLst>
           </p:cNvPr>
@@ -5660,7 +5783,7 @@
           <p:cNvPr id="3" name="Content Placeholder 2">
             <a:extLst>
               <a:ext uri="{FF2B5EF4-FFF2-40B4-BE49-F238E27FC236}">
-                <a16:creationId xmlns:a16="http://schemas.microsoft.com/office/drawing/2014/main" xmlns="" id="{74E4DEA5-DDEF-4578-8F30-91949891E260}"/>
+                <a16:creationId xmlns="" xmlns:a16="http://schemas.microsoft.com/office/drawing/2014/main" id="{74E4DEA5-DDEF-4578-8F30-91949891E260}"/>
               </a:ext>
             </a:extLst>
           </p:cNvPr>
@@ -5743,7 +5866,7 @@
           <p:cNvPr id="5" name="Title 1">
             <a:extLst>
               <a:ext uri="{FF2B5EF4-FFF2-40B4-BE49-F238E27FC236}">
-                <a16:creationId xmlns:a16="http://schemas.microsoft.com/office/drawing/2014/main" xmlns="" id="{42981A0C-B5E6-4708-B592-205E5FF8F57B}"/>
+                <a16:creationId xmlns="" xmlns:a16="http://schemas.microsoft.com/office/drawing/2014/main" id="{42981A0C-B5E6-4708-B592-205E5FF8F57B}"/>
               </a:ext>
             </a:extLst>
           </p:cNvPr>
@@ -5816,7 +5939,7 @@
           <p:cNvPr id="5" name="Title 1">
             <a:extLst>
               <a:ext uri="{FF2B5EF4-FFF2-40B4-BE49-F238E27FC236}">
-                <a16:creationId xmlns:a16="http://schemas.microsoft.com/office/drawing/2014/main" xmlns="" id="{42981A0C-B5E6-4708-B592-205E5FF8F57B}"/>
+                <a16:creationId xmlns="" xmlns:a16="http://schemas.microsoft.com/office/drawing/2014/main" id="{42981A0C-B5E6-4708-B592-205E5FF8F57B}"/>
               </a:ext>
             </a:extLst>
           </p:cNvPr>
@@ -5852,7 +5975,7 @@
           <p:cNvPr id="7" name="Content Placeholder 2">
             <a:extLst>
               <a:ext uri="{FF2B5EF4-FFF2-40B4-BE49-F238E27FC236}">
-                <a16:creationId xmlns:a16="http://schemas.microsoft.com/office/drawing/2014/main" xmlns="" id="{74E4DEA5-DDEF-4578-8F30-91949891E260}"/>
+                <a16:creationId xmlns="" xmlns:a16="http://schemas.microsoft.com/office/drawing/2014/main" id="{74E4DEA5-DDEF-4578-8F30-91949891E260}"/>
               </a:ext>
             </a:extLst>
           </p:cNvPr>
@@ -5891,7 +6014,6 @@
               <a:rPr lang="en-CA" dirty="0" smtClean="0"/>
               <a:t>Memory : Dialog tracking, Have the “same” answer on simple questions</a:t>
             </a:r>
-            <a:endParaRPr lang="en-CA" dirty="0" smtClean="0"/>
           </a:p>
           <a:p>
             <a:pPr lvl="1"/>
@@ -5903,17 +6025,7 @@
                   </a:schemeClr>
                 </a:solidFill>
               </a:rPr>
-              <a:t>Handle simple situations : Book a movie</a:t>
-            </a:r>
-            <a:r>
-              <a:rPr lang="en-CA" dirty="0" smtClean="0">
-                <a:solidFill>
-                  <a:schemeClr val="bg1">
-                    <a:lumMod val="50000"/>
-                  </a:schemeClr>
-                </a:solidFill>
-              </a:rPr>
-              <a:t>, search for restaurants nearby</a:t>
+              <a:t>Handle simple situations : Book a movie, search for restaurants nearby</a:t>
             </a:r>
           </a:p>
           <a:p>
@@ -5960,7 +6072,6 @@
               <a:rPr lang="en-CA" dirty="0" smtClean="0"/>
               <a:t>Non deterministic</a:t>
             </a:r>
-            <a:endParaRPr lang="en-CA" dirty="0" smtClean="0"/>
           </a:p>
         </p:txBody>
       </p:sp>
@@ -6006,7 +6117,7 @@
           <p:cNvPr id="5" name="Title 1">
             <a:extLst>
               <a:ext uri="{FF2B5EF4-FFF2-40B4-BE49-F238E27FC236}">
-                <a16:creationId xmlns:a16="http://schemas.microsoft.com/office/drawing/2014/main" xmlns="" id="{42981A0C-B5E6-4708-B592-205E5FF8F57B}"/>
+                <a16:creationId xmlns="" xmlns:a16="http://schemas.microsoft.com/office/drawing/2014/main" id="{42981A0C-B5E6-4708-B592-205E5FF8F57B}"/>
               </a:ext>
             </a:extLst>
           </p:cNvPr>
@@ -6033,7 +6144,6 @@
               <a:rPr lang="en-CA" dirty="0"/>
               <a:t>Our approach</a:t>
             </a:r>
-            <a:endParaRPr lang="en-CA" dirty="0"/>
           </a:p>
         </p:txBody>
       </p:sp>
@@ -6042,7 +6152,7 @@
           <p:cNvPr id="7" name="Content Placeholder 2">
             <a:extLst>
               <a:ext uri="{FF2B5EF4-FFF2-40B4-BE49-F238E27FC236}">
-                <a16:creationId xmlns:a16="http://schemas.microsoft.com/office/drawing/2014/main" xmlns="" id="{74E4DEA5-DDEF-4578-8F30-91949891E260}"/>
+                <a16:creationId xmlns="" xmlns:a16="http://schemas.microsoft.com/office/drawing/2014/main" id="{74E4DEA5-DDEF-4578-8F30-91949891E260}"/>
               </a:ext>
             </a:extLst>
           </p:cNvPr>
@@ -6159,7 +6269,6 @@
               <a:rPr lang="en-CA" dirty="0" smtClean="0"/>
               <a:t>Transformer</a:t>
             </a:r>
-            <a:endParaRPr lang="en-CA" dirty="0" smtClean="0"/>
           </a:p>
         </p:txBody>
       </p:sp>
@@ -6205,7 +6314,7 @@
           <p:cNvPr id="5" name="Title 1">
             <a:extLst>
               <a:ext uri="{FF2B5EF4-FFF2-40B4-BE49-F238E27FC236}">
-                <a16:creationId xmlns:a16="http://schemas.microsoft.com/office/drawing/2014/main" xmlns="" id="{42981A0C-B5E6-4708-B592-205E5FF8F57B}"/>
+                <a16:creationId xmlns="" xmlns:a16="http://schemas.microsoft.com/office/drawing/2014/main" id="{42981A0C-B5E6-4708-B592-205E5FF8F57B}"/>
               </a:ext>
             </a:extLst>
           </p:cNvPr>
@@ -6232,7 +6341,6 @@
               <a:rPr lang="en-CA" dirty="0"/>
               <a:t>Our approach</a:t>
             </a:r>
-            <a:endParaRPr lang="en-CA" dirty="0"/>
           </a:p>
         </p:txBody>
       </p:sp>
@@ -6241,7 +6349,7 @@
           <p:cNvPr id="7" name="Content Placeholder 2">
             <a:extLst>
               <a:ext uri="{FF2B5EF4-FFF2-40B4-BE49-F238E27FC236}">
-                <a16:creationId xmlns:a16="http://schemas.microsoft.com/office/drawing/2014/main" xmlns="" id="{74E4DEA5-DDEF-4578-8F30-91949891E260}"/>
+                <a16:creationId xmlns="" xmlns:a16="http://schemas.microsoft.com/office/drawing/2014/main" id="{74E4DEA5-DDEF-4578-8F30-91949891E260}"/>
               </a:ext>
             </a:extLst>
           </p:cNvPr>
@@ -6340,7 +6448,7 @@
           <p:cNvPr id="5" name="Title 1">
             <a:extLst>
               <a:ext uri="{FF2B5EF4-FFF2-40B4-BE49-F238E27FC236}">
-                <a16:creationId xmlns:a16="http://schemas.microsoft.com/office/drawing/2014/main" xmlns="" id="{42981A0C-B5E6-4708-B592-205E5FF8F57B}"/>
+                <a16:creationId xmlns="" xmlns:a16="http://schemas.microsoft.com/office/drawing/2014/main" id="{42981A0C-B5E6-4708-B592-205E5FF8F57B}"/>
               </a:ext>
             </a:extLst>
           </p:cNvPr>
@@ -6367,7 +6475,6 @@
               <a:rPr lang="en-CA" dirty="0"/>
               <a:t>Our approach</a:t>
             </a:r>
-            <a:endParaRPr lang="en-CA" dirty="0"/>
           </a:p>
         </p:txBody>
       </p:sp>
@@ -6376,7 +6483,7 @@
           <p:cNvPr id="7" name="Content Placeholder 2">
             <a:extLst>
               <a:ext uri="{FF2B5EF4-FFF2-40B4-BE49-F238E27FC236}">
-                <a16:creationId xmlns:a16="http://schemas.microsoft.com/office/drawing/2014/main" xmlns="" id="{74E4DEA5-DDEF-4578-8F30-91949891E260}"/>
+                <a16:creationId xmlns="" xmlns:a16="http://schemas.microsoft.com/office/drawing/2014/main" id="{74E4DEA5-DDEF-4578-8F30-91949891E260}"/>
               </a:ext>
             </a:extLst>
           </p:cNvPr>
@@ -6475,7 +6582,7 @@
           <p:cNvPr id="3" name="TextBox 2">
             <a:extLst>
               <a:ext uri="{FF2B5EF4-FFF2-40B4-BE49-F238E27FC236}">
-                <a16:creationId xmlns:a16="http://schemas.microsoft.com/office/drawing/2014/main" xmlns="" id="{B875B024-DCD7-5D44-81E6-E45B9E1EA58A}"/>
+                <a16:creationId xmlns="" xmlns:a16="http://schemas.microsoft.com/office/drawing/2014/main" id="{B875B024-DCD7-5D44-81E6-E45B9E1EA58A}"/>
               </a:ext>
             </a:extLst>
           </p:cNvPr>
@@ -6513,7 +6620,7 @@
           <p:cNvPr id="6" name="Picture 5">
             <a:extLst>
               <a:ext uri="{FF2B5EF4-FFF2-40B4-BE49-F238E27FC236}">
-                <a16:creationId xmlns:a16="http://schemas.microsoft.com/office/drawing/2014/main" xmlns="" id="{651A44AF-EC96-ED41-AC8C-AE2AF157A4A1}"/>
+                <a16:creationId xmlns="" xmlns:a16="http://schemas.microsoft.com/office/drawing/2014/main" id="{651A44AF-EC96-ED41-AC8C-AE2AF157A4A1}"/>
               </a:ext>
             </a:extLst>
           </p:cNvPr>
